--- a/Slides/ZL_note_productions.pptx
+++ b/Slides/ZL_note_productions.pptx
@@ -9,7 +9,9 @@
     <p:sldId id="257" r:id="rId3"/>
     <p:sldId id="259" r:id="rId4"/>
     <p:sldId id="258" r:id="rId5"/>
-    <p:sldId id="260" r:id="rId6"/>
+    <p:sldId id="261" r:id="rId6"/>
+    <p:sldId id="260" r:id="rId7"/>
+    <p:sldId id="262" r:id="rId8"/>
   </p:sldIdLst>
   <p:sldSz cx="12192000" cy="6858000"/>
   <p:notesSz cx="6858000" cy="9144000"/>
@@ -274,7 +276,7 @@
           <a:p>
             <a:fld id="{E1271C03-445A-46FD-949E-262CC4E18408}" type="datetimeFigureOut">
               <a:rPr lang="en-US" smtClean="0"/>
-              <a:t>9/23/2024</a:t>
+              <a:t>10/3/2024</a:t>
             </a:fld>
             <a:endParaRPr lang="en-US"/>
           </a:p>
@@ -472,7 +474,7 @@
           <a:p>
             <a:fld id="{E1271C03-445A-46FD-949E-262CC4E18408}" type="datetimeFigureOut">
               <a:rPr lang="en-US" smtClean="0"/>
-              <a:t>9/23/2024</a:t>
+              <a:t>10/3/2024</a:t>
             </a:fld>
             <a:endParaRPr lang="en-US"/>
           </a:p>
@@ -680,7 +682,7 @@
           <a:p>
             <a:fld id="{E1271C03-445A-46FD-949E-262CC4E18408}" type="datetimeFigureOut">
               <a:rPr lang="en-US" smtClean="0"/>
-              <a:t>9/23/2024</a:t>
+              <a:t>10/3/2024</a:t>
             </a:fld>
             <a:endParaRPr lang="en-US"/>
           </a:p>
@@ -878,7 +880,7 @@
           <a:p>
             <a:fld id="{E1271C03-445A-46FD-949E-262CC4E18408}" type="datetimeFigureOut">
               <a:rPr lang="en-US" smtClean="0"/>
-              <a:t>9/23/2024</a:t>
+              <a:t>10/3/2024</a:t>
             </a:fld>
             <a:endParaRPr lang="en-US"/>
           </a:p>
@@ -1153,7 +1155,7 @@
           <a:p>
             <a:fld id="{E1271C03-445A-46FD-949E-262CC4E18408}" type="datetimeFigureOut">
               <a:rPr lang="en-US" smtClean="0"/>
-              <a:t>9/23/2024</a:t>
+              <a:t>10/3/2024</a:t>
             </a:fld>
             <a:endParaRPr lang="en-US"/>
           </a:p>
@@ -1418,7 +1420,7 @@
           <a:p>
             <a:fld id="{E1271C03-445A-46FD-949E-262CC4E18408}" type="datetimeFigureOut">
               <a:rPr lang="en-US" smtClean="0"/>
-              <a:t>9/23/2024</a:t>
+              <a:t>10/3/2024</a:t>
             </a:fld>
             <a:endParaRPr lang="en-US"/>
           </a:p>
@@ -1830,7 +1832,7 @@
           <a:p>
             <a:fld id="{E1271C03-445A-46FD-949E-262CC4E18408}" type="datetimeFigureOut">
               <a:rPr lang="en-US" smtClean="0"/>
-              <a:t>9/23/2024</a:t>
+              <a:t>10/3/2024</a:t>
             </a:fld>
             <a:endParaRPr lang="en-US"/>
           </a:p>
@@ -1971,7 +1973,7 @@
           <a:p>
             <a:fld id="{E1271C03-445A-46FD-949E-262CC4E18408}" type="datetimeFigureOut">
               <a:rPr lang="en-US" smtClean="0"/>
-              <a:t>9/23/2024</a:t>
+              <a:t>10/3/2024</a:t>
             </a:fld>
             <a:endParaRPr lang="en-US"/>
           </a:p>
@@ -2084,7 +2086,7 @@
           <a:p>
             <a:fld id="{E1271C03-445A-46FD-949E-262CC4E18408}" type="datetimeFigureOut">
               <a:rPr lang="en-US" smtClean="0"/>
-              <a:t>9/23/2024</a:t>
+              <a:t>10/3/2024</a:t>
             </a:fld>
             <a:endParaRPr lang="en-US"/>
           </a:p>
@@ -2395,7 +2397,7 @@
           <a:p>
             <a:fld id="{E1271C03-445A-46FD-949E-262CC4E18408}" type="datetimeFigureOut">
               <a:rPr lang="en-US" smtClean="0"/>
-              <a:t>9/23/2024</a:t>
+              <a:t>10/3/2024</a:t>
             </a:fld>
             <a:endParaRPr lang="en-US"/>
           </a:p>
@@ -2683,7 +2685,7 @@
           <a:p>
             <a:fld id="{E1271C03-445A-46FD-949E-262CC4E18408}" type="datetimeFigureOut">
               <a:rPr lang="en-US" smtClean="0"/>
-              <a:t>9/23/2024</a:t>
+              <a:t>10/3/2024</a:t>
             </a:fld>
             <a:endParaRPr lang="en-US"/>
           </a:p>
@@ -2924,7 +2926,7 @@
           <a:p>
             <a:fld id="{E1271C03-445A-46FD-949E-262CC4E18408}" type="datetimeFigureOut">
               <a:rPr lang="en-US" smtClean="0"/>
-              <a:t>9/23/2024</a:t>
+              <a:t>10/3/2024</a:t>
             </a:fld>
             <a:endParaRPr lang="en-US"/>
           </a:p>
@@ -3585,8 +3587,8 @@
           </a:p>
         </p:txBody>
       </p:sp>
-      <mc:AlternateContent xmlns:mc="http://schemas.openxmlformats.org/markup-compatibility/2006">
-        <mc:Choice xmlns:a14="http://schemas.microsoft.com/office/drawing/2010/main" Requires="a14">
+      <mc:AlternateContent xmlns:mc="http://schemas.openxmlformats.org/markup-compatibility/2006" xmlns:a14="http://schemas.microsoft.com/office/drawing/2010/main">
+        <mc:Choice Requires="a14">
           <p:sp>
             <p:nvSpPr>
               <p:cNvPr id="3" name="Content Placeholder 2">
@@ -3723,7 +3725,7 @@
             </p:txBody>
           </p:sp>
         </mc:Choice>
-        <mc:Fallback>
+        <mc:Fallback xmlns="">
           <p:sp>
             <p:nvSpPr>
               <p:cNvPr id="3" name="Content Placeholder 2">
@@ -3837,7 +3839,7 @@
             <p:ph idx="1"/>
             <p:extLst>
               <p:ext uri="{D42A27DB-BD31-4B8C-83A1-F6EECF244321}">
-                <p14:modId xmlns:p14="http://schemas.microsoft.com/office/powerpoint/2010/main" val="1203102311"/>
+                <p14:modId xmlns:p14="http://schemas.microsoft.com/office/powerpoint/2010/main" val="625217103"/>
               </p:ext>
             </p:extLst>
           </p:nvPr>
@@ -3853,14 +3855,14 @@
                 <a:tableStyleId>{5C22544A-7EE6-4342-B048-85BDC9FD1C3A}</a:tableStyleId>
               </a:tblPr>
               <a:tblGrid>
-                <a:gridCol w="1929245">
+                <a:gridCol w="1425906">
                   <a:extLst>
                     <a:ext uri="{9D8B030D-6E8A-4147-A177-3AD203B41FA5}">
                       <a16:colId xmlns:a16="http://schemas.microsoft.com/office/drawing/2014/main" val="776659425"/>
                     </a:ext>
                   </a:extLst>
                 </a:gridCol>
-                <a:gridCol w="2252444">
+                <a:gridCol w="2755783">
                   <a:extLst>
                     <a:ext uri="{9D8B030D-6E8A-4147-A177-3AD203B41FA5}">
                       <a16:colId xmlns:a16="http://schemas.microsoft.com/office/drawing/2014/main" val="3531366387"/>
@@ -3881,14 +3883,14 @@
                     </a:ext>
                   </a:extLst>
                 </a:gridCol>
-                <a:gridCol w="1935805">
+                <a:gridCol w="855275">
                   <a:extLst>
                     <a:ext uri="{9D8B030D-6E8A-4147-A177-3AD203B41FA5}">
                       <a16:colId xmlns:a16="http://schemas.microsoft.com/office/drawing/2014/main" val="2838559681"/>
                     </a:ext>
                   </a:extLst>
                 </a:gridCol>
-                <a:gridCol w="1935805">
+                <a:gridCol w="3016335">
                   <a:extLst>
                     <a:ext uri="{9D8B030D-6E8A-4147-A177-3AD203B41FA5}">
                       <a16:colId xmlns:a16="http://schemas.microsoft.com/office/drawing/2014/main" val="4070823668"/>
@@ -4291,7 +4293,7 @@
                       </a:r>
                       <a:r>
                         <a:rPr lang="en-US" dirty="0"/>
-                        <a:t>; Coupling Normalization</a:t>
+                        <a:t> old result; Coupling Normalization</a:t>
                       </a:r>
                     </a:p>
                   </a:txBody>
@@ -4329,7 +4331,7 @@
                     <a:p>
                       <a:r>
                         <a:rPr lang="en-US" dirty="0"/>
-                        <a:t>Zhen with updated param.</a:t>
+                        <a:t>Zhen with updated param. PR run card.</a:t>
                       </a:r>
                     </a:p>
                   </a:txBody>
@@ -4377,12 +4379,8 @@
                     <a:lstStyle/>
                     <a:p>
                       <a:r>
-                        <a:rPr lang="en-US" dirty="0" err="1"/>
-                        <a:t>Mathes</a:t>
-                      </a:r>
-                      <a:r>
                         <a:rPr lang="en-US" dirty="0"/>
-                        <a:t> </a:t>
+                        <a:t>Matches </a:t>
                       </a:r>
                       <a:r>
                         <a:rPr lang="en-US" dirty="0" err="1"/>
@@ -4390,7 +4388,7 @@
                       </a:r>
                       <a:r>
                         <a:rPr lang="en-US" dirty="0"/>
-                        <a:t> 9/19 result</a:t>
+                        <a:t> 9/19 result. Insensitivity to  IR cut might be from the heavy scales here.</a:t>
                       </a:r>
                     </a:p>
                   </a:txBody>
@@ -4418,7 +4416,7 @@
                     <a:bodyPr/>
                     <a:lstStyle/>
                     <a:p>
-                      <a:endParaRPr lang="en-US"/>
+                      <a:endParaRPr lang="en-US" dirty="0"/>
                     </a:p>
                   </a:txBody>
                   <a:tcPr/>
@@ -4508,6 +4506,1520 @@
           <p:cNvPr id="2" name="Title 1">
             <a:extLst>
               <a:ext uri="{FF2B5EF4-FFF2-40B4-BE49-F238E27FC236}">
+                <a16:creationId xmlns:a16="http://schemas.microsoft.com/office/drawing/2014/main" id="{BB707D34-F8FE-4DD8-B831-9DFE2042A51B}"/>
+              </a:ext>
+            </a:extLst>
+          </p:cNvPr>
+          <p:cNvSpPr>
+            <a:spLocks noGrp="1"/>
+          </p:cNvSpPr>
+          <p:nvPr>
+            <p:ph type="title"/>
+          </p:nvPr>
+        </p:nvSpPr>
+        <p:spPr/>
+        <p:txBody>
+          <a:bodyPr/>
+          <a:lstStyle/>
+          <a:p>
+            <a:r>
+              <a:rPr lang="en-US" dirty="0"/>
+              <a:t>IR regularization</a:t>
+            </a:r>
+          </a:p>
+        </p:txBody>
+      </p:sp>
+      <mc:AlternateContent xmlns:mc="http://schemas.openxmlformats.org/markup-compatibility/2006">
+        <mc:Choice xmlns:a14="http://schemas.microsoft.com/office/drawing/2010/main" Requires="a14">
+          <p:graphicFrame>
+            <p:nvGraphicFramePr>
+              <p:cNvPr id="4" name="Content Placeholder 3">
+                <a:extLst>
+                  <a:ext uri="{FF2B5EF4-FFF2-40B4-BE49-F238E27FC236}">
+                    <a16:creationId xmlns:a16="http://schemas.microsoft.com/office/drawing/2014/main" id="{CB588A59-1435-31D4-F8B9-B42A6B73F949}"/>
+                  </a:ext>
+                </a:extLst>
+              </p:cNvPr>
+              <p:cNvGraphicFramePr>
+                <a:graphicFrameLocks noGrp="1"/>
+              </p:cNvGraphicFramePr>
+              <p:nvPr>
+                <p:ph idx="1"/>
+                <p:extLst>
+                  <p:ext uri="{D42A27DB-BD31-4B8C-83A1-F6EECF244321}">
+                    <p14:modId xmlns:p14="http://schemas.microsoft.com/office/powerpoint/2010/main" val="2802884635"/>
+                  </p:ext>
+                </p:extLst>
+              </p:nvPr>
+            </p:nvGraphicFramePr>
+            <p:xfrm>
+              <a:off x="306421" y="1825625"/>
+              <a:ext cx="11614828" cy="3942080"/>
+            </p:xfrm>
+            <a:graphic>
+              <a:graphicData uri="http://schemas.openxmlformats.org/drawingml/2006/table">
+                <a:tbl>
+                  <a:tblPr firstRow="1" bandRow="1">
+                    <a:tableStyleId>{5C22544A-7EE6-4342-B048-85BDC9FD1C3A}</a:tableStyleId>
+                  </a:tblPr>
+                  <a:tblGrid>
+                    <a:gridCol w="1425906">
+                      <a:extLst>
+                        <a:ext uri="{9D8B030D-6E8A-4147-A177-3AD203B41FA5}">
+                          <a16:colId xmlns:a16="http://schemas.microsoft.com/office/drawing/2014/main" val="776659425"/>
+                        </a:ext>
+                      </a:extLst>
+                    </a:gridCol>
+                    <a:gridCol w="2768367">
+                      <a:extLst>
+                        <a:ext uri="{9D8B030D-6E8A-4147-A177-3AD203B41FA5}">
+                          <a16:colId xmlns:a16="http://schemas.microsoft.com/office/drawing/2014/main" val="3531366387"/>
+                        </a:ext>
+                      </a:extLst>
+                    </a:gridCol>
+                    <a:gridCol w="1613140">
+                      <a:extLst>
+                        <a:ext uri="{9D8B030D-6E8A-4147-A177-3AD203B41FA5}">
+                          <a16:colId xmlns:a16="http://schemas.microsoft.com/office/drawing/2014/main" val="3710483499"/>
+                        </a:ext>
+                      </a:extLst>
+                    </a:gridCol>
+                    <a:gridCol w="1935805">
+                      <a:extLst>
+                        <a:ext uri="{9D8B030D-6E8A-4147-A177-3AD203B41FA5}">
+                          <a16:colId xmlns:a16="http://schemas.microsoft.com/office/drawing/2014/main" val="549988924"/>
+                        </a:ext>
+                      </a:extLst>
+                    </a:gridCol>
+                    <a:gridCol w="855275">
+                      <a:extLst>
+                        <a:ext uri="{9D8B030D-6E8A-4147-A177-3AD203B41FA5}">
+                          <a16:colId xmlns:a16="http://schemas.microsoft.com/office/drawing/2014/main" val="2838559681"/>
+                        </a:ext>
+                      </a:extLst>
+                    </a:gridCol>
+                    <a:gridCol w="3016335">
+                      <a:extLst>
+                        <a:ext uri="{9D8B030D-6E8A-4147-A177-3AD203B41FA5}">
+                          <a16:colId xmlns:a16="http://schemas.microsoft.com/office/drawing/2014/main" val="4070823668"/>
+                        </a:ext>
+                      </a:extLst>
+                    </a:gridCol>
+                  </a:tblGrid>
+                  <a:tr h="370840">
+                    <a:tc>
+                      <a:txBody>
+                        <a:bodyPr/>
+                        <a:lstStyle/>
+                        <a:p>
+                          <a:r>
+                            <a:rPr lang="en-US" dirty="0"/>
+                            <a:t>Process</a:t>
+                          </a:r>
+                        </a:p>
+                      </a:txBody>
+                      <a:tcPr/>
+                    </a:tc>
+                    <a:tc>
+                      <a:txBody>
+                        <a:bodyPr/>
+                        <a:lstStyle/>
+                        <a:p>
+                          <a:r>
+                            <a:rPr lang="en-US" dirty="0"/>
+                            <a:t>Note</a:t>
+                          </a:r>
+                        </a:p>
+                      </a:txBody>
+                      <a:tcPr/>
+                    </a:tc>
+                    <a:tc>
+                      <a:txBody>
+                        <a:bodyPr/>
+                        <a:lstStyle/>
+                        <a:p>
+                          <a:r>
+                            <a:rPr lang="en-US" dirty="0"/>
+                            <a:t>Parameters</a:t>
+                          </a:r>
+                        </a:p>
+                      </a:txBody>
+                      <a:tcPr/>
+                    </a:tc>
+                    <a:tc>
+                      <a:txBody>
+                        <a:bodyPr/>
+                        <a:lstStyle/>
+                        <a:p>
+                          <a:r>
+                            <a:rPr lang="en-US" dirty="0"/>
+                            <a:t>Result</a:t>
+                          </a:r>
+                        </a:p>
+                      </a:txBody>
+                      <a:tcPr/>
+                    </a:tc>
+                    <a:tc>
+                      <a:txBody>
+                        <a:bodyPr/>
+                        <a:lstStyle/>
+                        <a:p>
+                          <a:r>
+                            <a:rPr lang="en-US" dirty="0"/>
+                            <a:t>COM</a:t>
+                          </a:r>
+                        </a:p>
+                      </a:txBody>
+                      <a:tcPr/>
+                    </a:tc>
+                    <a:tc>
+                      <a:txBody>
+                        <a:bodyPr/>
+                        <a:lstStyle/>
+                        <a:p>
+                          <a:pPr marL="0" marR="0" lvl="0" indent="0" algn="l" defTabSz="914400" rtl="0" eaLnBrk="1" fontAlgn="auto" latinLnBrk="0" hangingPunct="1">
+                            <a:lnSpc>
+                              <a:spcPct val="100000"/>
+                            </a:lnSpc>
+                            <a:spcBef>
+                              <a:spcPts val="0"/>
+                            </a:spcBef>
+                            <a:spcAft>
+                              <a:spcPts val="0"/>
+                            </a:spcAft>
+                            <a:buClrTx/>
+                            <a:buSzTx/>
+                            <a:buFontTx/>
+                            <a:buNone/>
+                            <a:tabLst/>
+                            <a:defRPr/>
+                          </a:pPr>
+                          <a:r>
+                            <a:rPr lang="en-US" dirty="0"/>
+                            <a:t>Comment</a:t>
+                          </a:r>
+                        </a:p>
+                        <a:p>
+                          <a:endParaRPr lang="en-US" dirty="0"/>
+                        </a:p>
+                      </a:txBody>
+                      <a:tcPr/>
+                    </a:tc>
+                    <a:extLst>
+                      <a:ext uri="{0D108BD9-81ED-4DB2-BD59-A6C34878D82A}">
+                        <a16:rowId xmlns:a16="http://schemas.microsoft.com/office/drawing/2014/main" val="1169282519"/>
+                      </a:ext>
+                    </a:extLst>
+                  </a:tr>
+                  <a:tr h="370840">
+                    <a:tc>
+                      <a:txBody>
+                        <a:bodyPr/>
+                        <a:lstStyle/>
+                        <a:p>
+                          <a:r>
+                            <a:rPr lang="en-US" dirty="0"/>
+                            <a:t>mm-&gt;</a:t>
+                          </a:r>
+                          <a:r>
+                            <a:rPr lang="en-US" dirty="0" err="1"/>
+                            <a:t>amm</a:t>
+                          </a:r>
+                          <a:endParaRPr lang="en-US" dirty="0"/>
+                        </a:p>
+                      </a:txBody>
+                      <a:tcPr/>
+                    </a:tc>
+                    <a:tc>
+                      <a:txBody>
+                        <a:bodyPr/>
+                        <a:lstStyle/>
+                        <a:p>
+                          <a:r>
+                            <a:rPr lang="en-US" dirty="0"/>
+                            <a:t>Zhen with updated param. PR run card.</a:t>
+                          </a:r>
+                        </a:p>
+                      </a:txBody>
+                      <a:tcPr/>
+                    </a:tc>
+                    <a:tc>
+                      <a:txBody>
+                        <a:bodyPr/>
+                        <a:lstStyle/>
+                        <a:p>
+                          <a:r>
+                            <a:rPr lang="en-US" dirty="0"/>
+                            <a:t>1 TeV</a:t>
+                          </a:r>
+                        </a:p>
+                      </a:txBody>
+                      <a:tcPr/>
+                    </a:tc>
+                    <a:tc>
+                      <a:txBody>
+                        <a:bodyPr/>
+                        <a:lstStyle/>
+                        <a:p>
+                          <a:r>
+                            <a:rPr lang="en-US" dirty="0"/>
+                            <a:t>10.6 ab</a:t>
+                          </a:r>
+                        </a:p>
+                      </a:txBody>
+                      <a:tcPr/>
+                    </a:tc>
+                    <a:tc>
+                      <a:txBody>
+                        <a:bodyPr/>
+                        <a:lstStyle/>
+                        <a:p>
+                          <a:endParaRPr lang="en-US" dirty="0"/>
+                        </a:p>
+                      </a:txBody>
+                      <a:tcPr/>
+                    </a:tc>
+                    <a:tc>
+                      <a:txBody>
+                        <a:bodyPr/>
+                        <a:lstStyle/>
+                        <a:p>
+                          <a:endParaRPr lang="en-US" dirty="0"/>
+                        </a:p>
+                      </a:txBody>
+                      <a:tcPr/>
+                    </a:tc>
+                    <a:extLst>
+                      <a:ext uri="{0D108BD9-81ED-4DB2-BD59-A6C34878D82A}">
+                        <a16:rowId xmlns:a16="http://schemas.microsoft.com/office/drawing/2014/main" val="431618266"/>
+                      </a:ext>
+                    </a:extLst>
+                  </a:tr>
+                  <a:tr h="370840">
+                    <a:tc>
+                      <a:txBody>
+                        <a:bodyPr/>
+                        <a:lstStyle/>
+                        <a:p>
+                          <a:endParaRPr lang="en-US" dirty="0"/>
+                        </a:p>
+                      </a:txBody>
+                      <a:tcPr/>
+                    </a:tc>
+                    <a:tc>
+                      <a:txBody>
+                        <a:bodyPr/>
+                        <a:lstStyle/>
+                        <a:p>
+                          <a:r>
+                            <a:rPr lang="en-US" dirty="0"/>
+                            <a:t>Lower mass try, compare IR dependence</a:t>
+                          </a:r>
+                        </a:p>
+                      </a:txBody>
+                      <a:tcPr/>
+                    </a:tc>
+                    <a:tc>
+                      <a:txBody>
+                        <a:bodyPr/>
+                        <a:lstStyle/>
+                        <a:p>
+                          <a:r>
+                            <a:rPr lang="en-US" dirty="0"/>
+                            <a:t>0.1 TeV</a:t>
+                          </a:r>
+                        </a:p>
+                      </a:txBody>
+                      <a:tcPr/>
+                    </a:tc>
+                    <a:tc>
+                      <a:txBody>
+                        <a:bodyPr/>
+                        <a:lstStyle/>
+                        <a:p>
+                          <a:r>
+                            <a:rPr lang="en-US" dirty="0"/>
+                            <a:t>29 ab</a:t>
+                          </a:r>
+                        </a:p>
+                      </a:txBody>
+                      <a:tcPr/>
+                    </a:tc>
+                    <a:tc>
+                      <a:txBody>
+                        <a:bodyPr/>
+                        <a:lstStyle/>
+                        <a:p>
+                          <a:endParaRPr lang="en-US" dirty="0"/>
+                        </a:p>
+                      </a:txBody>
+                      <a:tcPr/>
+                    </a:tc>
+                    <a:tc>
+                      <a:txBody>
+                        <a:bodyPr/>
+                        <a:lstStyle/>
+                        <a:p>
+                          <a:r>
+                            <a:rPr lang="en-US" dirty="0"/>
+                            <a:t>No IR cut off applied.</a:t>
+                          </a:r>
+                        </a:p>
+                      </a:txBody>
+                      <a:tcPr/>
+                    </a:tc>
+                    <a:extLst>
+                      <a:ext uri="{0D108BD9-81ED-4DB2-BD59-A6C34878D82A}">
+                        <a16:rowId xmlns:a16="http://schemas.microsoft.com/office/drawing/2014/main" val="1262128156"/>
+                      </a:ext>
+                    </a:extLst>
+                  </a:tr>
+                  <a:tr h="370840">
+                    <a:tc>
+                      <a:txBody>
+                        <a:bodyPr/>
+                        <a:lstStyle/>
+                        <a:p>
+                          <a:endParaRPr lang="en-US" dirty="0"/>
+                        </a:p>
+                      </a:txBody>
+                      <a:tcPr/>
+                    </a:tc>
+                    <a:tc>
+                      <a:txBody>
+                        <a:bodyPr/>
+                        <a:lstStyle/>
+                        <a:p>
+                          <a:endParaRPr lang="en-US" dirty="0"/>
+                        </a:p>
+                      </a:txBody>
+                      <a:tcPr/>
+                    </a:tc>
+                    <a:tc>
+                      <a:txBody>
+                        <a:bodyPr/>
+                        <a:lstStyle/>
+                        <a:p>
+                          <a:pPr marL="0" marR="0" lvl="0" indent="0" algn="l" defTabSz="914400" rtl="0" eaLnBrk="1" fontAlgn="auto" latinLnBrk="0" hangingPunct="1">
+                            <a:lnSpc>
+                              <a:spcPct val="100000"/>
+                            </a:lnSpc>
+                            <a:spcBef>
+                              <a:spcPts val="0"/>
+                            </a:spcBef>
+                            <a:spcAft>
+                              <a:spcPts val="0"/>
+                            </a:spcAft>
+                            <a:buClrTx/>
+                            <a:buSzTx/>
+                            <a:buFontTx/>
+                            <a:buNone/>
+                            <a:tabLst/>
+                            <a:defRPr/>
+                          </a:pPr>
+                          <a:r>
+                            <a:rPr lang="en-US" dirty="0"/>
+                            <a:t>0.1 TeV</a:t>
+                          </a:r>
+                        </a:p>
+                      </a:txBody>
+                      <a:tcPr/>
+                    </a:tc>
+                    <a:tc>
+                      <a:txBody>
+                        <a:bodyPr/>
+                        <a:lstStyle/>
+                        <a:p>
+                          <a:r>
+                            <a:rPr lang="en-US" dirty="0"/>
+                            <a:t>8.9 ab</a:t>
+                          </a:r>
+                        </a:p>
+                      </a:txBody>
+                      <a:tcPr/>
+                    </a:tc>
+                    <a:tc>
+                      <a:txBody>
+                        <a:bodyPr/>
+                        <a:lstStyle/>
+                        <a:p>
+                          <a:endParaRPr lang="en-US" dirty="0"/>
+                        </a:p>
+                      </a:txBody>
+                      <a:tcPr/>
+                    </a:tc>
+                    <a:tc>
+                      <a:txBody>
+                        <a:bodyPr/>
+                        <a:lstStyle/>
+                        <a:p>
+                          <a:r>
+                            <a:rPr lang="en-US" dirty="0" err="1"/>
+                            <a:t>pTmu</a:t>
+                          </a:r>
+                          <a:r>
+                            <a:rPr lang="en-US" dirty="0"/>
+                            <a:t>&gt;1 GeV</a:t>
+                          </a:r>
+                        </a:p>
+                      </a:txBody>
+                      <a:tcPr/>
+                    </a:tc>
+                    <a:extLst>
+                      <a:ext uri="{0D108BD9-81ED-4DB2-BD59-A6C34878D82A}">
+                        <a16:rowId xmlns:a16="http://schemas.microsoft.com/office/drawing/2014/main" val="1701694334"/>
+                      </a:ext>
+                    </a:extLst>
+                  </a:tr>
+                  <a:tr h="370840">
+                    <a:tc>
+                      <a:txBody>
+                        <a:bodyPr/>
+                        <a:lstStyle/>
+                        <a:p>
+                          <a:r>
+                            <a:rPr lang="en-US" dirty="0"/>
+                            <a:t>mm-&gt;</a:t>
+                          </a:r>
+                          <a:r>
+                            <a:rPr lang="en-US" dirty="0" err="1"/>
+                            <a:t>amm</a:t>
+                          </a:r>
+                          <a:r>
+                            <a:rPr lang="en-US" dirty="0"/>
+                            <a:t>+</a:t>
+                          </a:r>
+                          <a14:m>
+                            <m:oMath xmlns:m="http://schemas.openxmlformats.org/officeDocument/2006/math">
+                              <m:r>
+                                <a:rPr lang="en-US" b="0" i="1" smtClean="0">
+                                  <a:latin typeface="Cambria Math" panose="02040503050406030204" pitchFamily="18" charset="0"/>
+                                </a:rPr>
+                                <m:t>𝛾</m:t>
+                              </m:r>
+                            </m:oMath>
+                          </a14:m>
+                          <a:endParaRPr lang="en-US" dirty="0"/>
+                        </a:p>
+                      </a:txBody>
+                      <a:tcPr/>
+                    </a:tc>
+                    <a:tc>
+                      <a:txBody>
+                        <a:bodyPr/>
+                        <a:lstStyle/>
+                        <a:p>
+                          <a:r>
+                            <a:rPr lang="en-US" dirty="0"/>
+                            <a:t>Lower mass try with additional radiation</a:t>
+                          </a:r>
+                        </a:p>
+                      </a:txBody>
+                      <a:tcPr/>
+                    </a:tc>
+                    <a:tc>
+                      <a:txBody>
+                        <a:bodyPr/>
+                        <a:lstStyle/>
+                        <a:p>
+                          <a:r>
+                            <a:rPr lang="en-US" dirty="0"/>
+                            <a:t>0.1 TeV</a:t>
+                          </a:r>
+                        </a:p>
+                      </a:txBody>
+                      <a:tcPr/>
+                    </a:tc>
+                    <a:tc>
+                      <a:txBody>
+                        <a:bodyPr/>
+                        <a:lstStyle/>
+                        <a:p>
+                          <a:r>
+                            <a:rPr lang="en-US" dirty="0"/>
+                            <a:t>1640 ab</a:t>
+                          </a:r>
+                        </a:p>
+                      </a:txBody>
+                      <a:tcPr/>
+                    </a:tc>
+                    <a:tc>
+                      <a:txBody>
+                        <a:bodyPr/>
+                        <a:lstStyle/>
+                        <a:p>
+                          <a:endParaRPr lang="en-US" dirty="0"/>
+                        </a:p>
+                      </a:txBody>
+                      <a:tcPr/>
+                    </a:tc>
+                    <a:tc>
+                      <a:txBody>
+                        <a:bodyPr/>
+                        <a:lstStyle/>
+                        <a:p>
+                          <a:r>
+                            <a:rPr lang="en-US" dirty="0"/>
+                            <a:t>No IR cut off applied. Non-converging result</a:t>
+                          </a:r>
+                        </a:p>
+                      </a:txBody>
+                      <a:tcPr/>
+                    </a:tc>
+                    <a:extLst>
+                      <a:ext uri="{0D108BD9-81ED-4DB2-BD59-A6C34878D82A}">
+                        <a16:rowId xmlns:a16="http://schemas.microsoft.com/office/drawing/2014/main" val="3420829726"/>
+                      </a:ext>
+                    </a:extLst>
+                  </a:tr>
+                  <a:tr h="370840">
+                    <a:tc>
+                      <a:txBody>
+                        <a:bodyPr/>
+                        <a:lstStyle/>
+                        <a:p>
+                          <a:endParaRPr lang="en-US" dirty="0"/>
+                        </a:p>
+                      </a:txBody>
+                      <a:tcPr/>
+                    </a:tc>
+                    <a:tc>
+                      <a:txBody>
+                        <a:bodyPr/>
+                        <a:lstStyle/>
+                        <a:p>
+                          <a:endParaRPr lang="en-US" dirty="0"/>
+                        </a:p>
+                      </a:txBody>
+                      <a:tcPr/>
+                    </a:tc>
+                    <a:tc>
+                      <a:txBody>
+                        <a:bodyPr/>
+                        <a:lstStyle/>
+                        <a:p>
+                          <a:pPr marL="0" marR="0" lvl="0" indent="0" algn="l" defTabSz="914400" rtl="0" eaLnBrk="1" fontAlgn="auto" latinLnBrk="0" hangingPunct="1">
+                            <a:lnSpc>
+                              <a:spcPct val="100000"/>
+                            </a:lnSpc>
+                            <a:spcBef>
+                              <a:spcPts val="0"/>
+                            </a:spcBef>
+                            <a:spcAft>
+                              <a:spcPts val="0"/>
+                            </a:spcAft>
+                            <a:buClrTx/>
+                            <a:buSzTx/>
+                            <a:buFontTx/>
+                            <a:buNone/>
+                            <a:tabLst/>
+                            <a:defRPr/>
+                          </a:pPr>
+                          <a:r>
+                            <a:rPr lang="en-US" dirty="0"/>
+                            <a:t>0.1 TeV</a:t>
+                          </a:r>
+                        </a:p>
+                        <a:p>
+                          <a:endParaRPr lang="en-US" dirty="0"/>
+                        </a:p>
+                      </a:txBody>
+                      <a:tcPr/>
+                    </a:tc>
+                    <a:tc>
+                      <a:txBody>
+                        <a:bodyPr/>
+                        <a:lstStyle/>
+                        <a:p>
+                          <a:endParaRPr lang="en-US" dirty="0"/>
+                        </a:p>
+                      </a:txBody>
+                      <a:tcPr/>
+                    </a:tc>
+                    <a:tc>
+                      <a:txBody>
+                        <a:bodyPr/>
+                        <a:lstStyle/>
+                        <a:p>
+                          <a:endParaRPr lang="en-US" dirty="0"/>
+                        </a:p>
+                      </a:txBody>
+                      <a:tcPr/>
+                    </a:tc>
+                    <a:tc>
+                      <a:txBody>
+                        <a:bodyPr/>
+                        <a:lstStyle/>
+                        <a:p>
+                          <a14:m>
+                            <m:oMathPara xmlns:m="http://schemas.openxmlformats.org/officeDocument/2006/math">
+                              <m:oMathParaPr>
+                                <m:jc m:val="centerGroup"/>
+                              </m:oMathParaPr>
+                              <m:oMath xmlns:m="http://schemas.openxmlformats.org/officeDocument/2006/math">
+                                <m:r>
+                                  <m:rPr>
+                                    <m:sty m:val="p"/>
+                                  </m:rPr>
+                                  <a:rPr lang="en-US" b="0" i="0" smtClean="0">
+                                    <a:latin typeface="Cambria Math" panose="02040503050406030204" pitchFamily="18" charset="0"/>
+                                  </a:rPr>
+                                  <m:t>ΔR</m:t>
+                                </m:r>
+                                <m:r>
+                                  <a:rPr lang="en-US" b="0" i="1" smtClean="0">
+                                    <a:latin typeface="Cambria Math" panose="02040503050406030204" pitchFamily="18" charset="0"/>
+                                  </a:rPr>
+                                  <m:t>𝜇𝛾</m:t>
+                                </m:r>
+                                <m:r>
+                                  <a:rPr lang="en-US" b="0" i="1" smtClean="0">
+                                    <a:latin typeface="Cambria Math" panose="02040503050406030204" pitchFamily="18" charset="0"/>
+                                  </a:rPr>
+                                  <m:t>&gt;0.01 </m:t>
+                                </m:r>
+                                <m:r>
+                                  <a:rPr lang="en-US" b="0" i="1" smtClean="0">
+                                    <a:latin typeface="Cambria Math" panose="02040503050406030204" pitchFamily="18" charset="0"/>
+                                  </a:rPr>
+                                  <m:t>𝑝𝑇</m:t>
+                                </m:r>
+                                <m:r>
+                                  <a:rPr lang="en-US" b="0" i="1" smtClean="0">
+                                    <a:latin typeface="Cambria Math" panose="02040503050406030204" pitchFamily="18" charset="0"/>
+                                  </a:rPr>
+                                  <m:t>𝛾</m:t>
+                                </m:r>
+                                <m:r>
+                                  <a:rPr lang="en-US" b="0" i="1" smtClean="0">
+                                    <a:latin typeface="Cambria Math" panose="02040503050406030204" pitchFamily="18" charset="0"/>
+                                  </a:rPr>
+                                  <m:t>&gt;0.2 </m:t>
+                                </m:r>
+                                <m:r>
+                                  <a:rPr lang="en-US" b="0" i="1" smtClean="0">
+                                    <a:latin typeface="Cambria Math" panose="02040503050406030204" pitchFamily="18" charset="0"/>
+                                  </a:rPr>
+                                  <m:t>𝐺𝑒𝑉</m:t>
+                                </m:r>
+                              </m:oMath>
+                            </m:oMathPara>
+                          </a14:m>
+                          <a:endParaRPr lang="en-US" dirty="0"/>
+                        </a:p>
+                      </a:txBody>
+                      <a:tcPr/>
+                    </a:tc>
+                    <a:extLst>
+                      <a:ext uri="{0D108BD9-81ED-4DB2-BD59-A6C34878D82A}">
+                        <a16:rowId xmlns:a16="http://schemas.microsoft.com/office/drawing/2014/main" val="40517242"/>
+                      </a:ext>
+                    </a:extLst>
+                  </a:tr>
+                  <a:tr h="370840">
+                    <a:tc>
+                      <a:txBody>
+                        <a:bodyPr/>
+                        <a:lstStyle/>
+                        <a:p>
+                          <a:endParaRPr lang="en-US" dirty="0"/>
+                        </a:p>
+                      </a:txBody>
+                      <a:tcPr/>
+                    </a:tc>
+                    <a:tc>
+                      <a:txBody>
+                        <a:bodyPr/>
+                        <a:lstStyle/>
+                        <a:p>
+                          <a:endParaRPr lang="en-US" dirty="0"/>
+                        </a:p>
+                      </a:txBody>
+                      <a:tcPr/>
+                    </a:tc>
+                    <a:tc>
+                      <a:txBody>
+                        <a:bodyPr/>
+                        <a:lstStyle/>
+                        <a:p>
+                          <a:endParaRPr lang="en-US" dirty="0"/>
+                        </a:p>
+                      </a:txBody>
+                      <a:tcPr/>
+                    </a:tc>
+                    <a:tc>
+                      <a:txBody>
+                        <a:bodyPr/>
+                        <a:lstStyle/>
+                        <a:p>
+                          <a:endParaRPr lang="en-US" dirty="0"/>
+                        </a:p>
+                      </a:txBody>
+                      <a:tcPr/>
+                    </a:tc>
+                    <a:tc>
+                      <a:txBody>
+                        <a:bodyPr/>
+                        <a:lstStyle/>
+                        <a:p>
+                          <a:endParaRPr lang="en-US" dirty="0"/>
+                        </a:p>
+                      </a:txBody>
+                      <a:tcPr/>
+                    </a:tc>
+                    <a:tc>
+                      <a:txBody>
+                        <a:bodyPr/>
+                        <a:lstStyle/>
+                        <a:p>
+                          <a:endParaRPr lang="en-US" dirty="0"/>
+                        </a:p>
+                      </a:txBody>
+                      <a:tcPr/>
+                    </a:tc>
+                    <a:extLst>
+                      <a:ext uri="{0D108BD9-81ED-4DB2-BD59-A6C34878D82A}">
+                        <a16:rowId xmlns:a16="http://schemas.microsoft.com/office/drawing/2014/main" val="2413991247"/>
+                      </a:ext>
+                    </a:extLst>
+                  </a:tr>
+                </a:tbl>
+              </a:graphicData>
+            </a:graphic>
+          </p:graphicFrame>
+        </mc:Choice>
+        <mc:Fallback>
+          <p:graphicFrame>
+            <p:nvGraphicFramePr>
+              <p:cNvPr id="4" name="Content Placeholder 3">
+                <a:extLst>
+                  <a:ext uri="{FF2B5EF4-FFF2-40B4-BE49-F238E27FC236}">
+                    <a16:creationId xmlns:a16="http://schemas.microsoft.com/office/drawing/2014/main" id="{CB588A59-1435-31D4-F8B9-B42A6B73F949}"/>
+                  </a:ext>
+                </a:extLst>
+              </p:cNvPr>
+              <p:cNvGraphicFramePr>
+                <a:graphicFrameLocks noGrp="1"/>
+              </p:cNvGraphicFramePr>
+              <p:nvPr>
+                <p:ph idx="1"/>
+                <p:extLst>
+                  <p:ext uri="{D42A27DB-BD31-4B8C-83A1-F6EECF244321}">
+                    <p14:modId xmlns:p14="http://schemas.microsoft.com/office/powerpoint/2010/main" val="2802884635"/>
+                  </p:ext>
+                </p:extLst>
+              </p:nvPr>
+            </p:nvGraphicFramePr>
+            <p:xfrm>
+              <a:off x="306421" y="1825625"/>
+              <a:ext cx="11614828" cy="3942080"/>
+            </p:xfrm>
+            <a:graphic>
+              <a:graphicData uri="http://schemas.openxmlformats.org/drawingml/2006/table">
+                <a:tbl>
+                  <a:tblPr firstRow="1" bandRow="1">
+                    <a:tableStyleId>{5C22544A-7EE6-4342-B048-85BDC9FD1C3A}</a:tableStyleId>
+                  </a:tblPr>
+                  <a:tblGrid>
+                    <a:gridCol w="1425906">
+                      <a:extLst>
+                        <a:ext uri="{9D8B030D-6E8A-4147-A177-3AD203B41FA5}">
+                          <a16:colId xmlns:a16="http://schemas.microsoft.com/office/drawing/2014/main" val="776659425"/>
+                        </a:ext>
+                      </a:extLst>
+                    </a:gridCol>
+                    <a:gridCol w="2768367">
+                      <a:extLst>
+                        <a:ext uri="{9D8B030D-6E8A-4147-A177-3AD203B41FA5}">
+                          <a16:colId xmlns:a16="http://schemas.microsoft.com/office/drawing/2014/main" val="3531366387"/>
+                        </a:ext>
+                      </a:extLst>
+                    </a:gridCol>
+                    <a:gridCol w="1613140">
+                      <a:extLst>
+                        <a:ext uri="{9D8B030D-6E8A-4147-A177-3AD203B41FA5}">
+                          <a16:colId xmlns:a16="http://schemas.microsoft.com/office/drawing/2014/main" val="3710483499"/>
+                        </a:ext>
+                      </a:extLst>
+                    </a:gridCol>
+                    <a:gridCol w="1935805">
+                      <a:extLst>
+                        <a:ext uri="{9D8B030D-6E8A-4147-A177-3AD203B41FA5}">
+                          <a16:colId xmlns:a16="http://schemas.microsoft.com/office/drawing/2014/main" val="549988924"/>
+                        </a:ext>
+                      </a:extLst>
+                    </a:gridCol>
+                    <a:gridCol w="855275">
+                      <a:extLst>
+                        <a:ext uri="{9D8B030D-6E8A-4147-A177-3AD203B41FA5}">
+                          <a16:colId xmlns:a16="http://schemas.microsoft.com/office/drawing/2014/main" val="2838559681"/>
+                        </a:ext>
+                      </a:extLst>
+                    </a:gridCol>
+                    <a:gridCol w="3016335">
+                      <a:extLst>
+                        <a:ext uri="{9D8B030D-6E8A-4147-A177-3AD203B41FA5}">
+                          <a16:colId xmlns:a16="http://schemas.microsoft.com/office/drawing/2014/main" val="4070823668"/>
+                        </a:ext>
+                      </a:extLst>
+                    </a:gridCol>
+                  </a:tblGrid>
+                  <a:tr h="640080">
+                    <a:tc>
+                      <a:txBody>
+                        <a:bodyPr/>
+                        <a:lstStyle/>
+                        <a:p>
+                          <a:r>
+                            <a:rPr lang="en-US" dirty="0"/>
+                            <a:t>Process</a:t>
+                          </a:r>
+                        </a:p>
+                      </a:txBody>
+                      <a:tcPr/>
+                    </a:tc>
+                    <a:tc>
+                      <a:txBody>
+                        <a:bodyPr/>
+                        <a:lstStyle/>
+                        <a:p>
+                          <a:r>
+                            <a:rPr lang="en-US" dirty="0"/>
+                            <a:t>Note</a:t>
+                          </a:r>
+                        </a:p>
+                      </a:txBody>
+                      <a:tcPr/>
+                    </a:tc>
+                    <a:tc>
+                      <a:txBody>
+                        <a:bodyPr/>
+                        <a:lstStyle/>
+                        <a:p>
+                          <a:r>
+                            <a:rPr lang="en-US" dirty="0"/>
+                            <a:t>Parameters</a:t>
+                          </a:r>
+                        </a:p>
+                      </a:txBody>
+                      <a:tcPr/>
+                    </a:tc>
+                    <a:tc>
+                      <a:txBody>
+                        <a:bodyPr/>
+                        <a:lstStyle/>
+                        <a:p>
+                          <a:r>
+                            <a:rPr lang="en-US" dirty="0"/>
+                            <a:t>Result</a:t>
+                          </a:r>
+                        </a:p>
+                      </a:txBody>
+                      <a:tcPr/>
+                    </a:tc>
+                    <a:tc>
+                      <a:txBody>
+                        <a:bodyPr/>
+                        <a:lstStyle/>
+                        <a:p>
+                          <a:r>
+                            <a:rPr lang="en-US" dirty="0"/>
+                            <a:t>COM</a:t>
+                          </a:r>
+                        </a:p>
+                      </a:txBody>
+                      <a:tcPr/>
+                    </a:tc>
+                    <a:tc>
+                      <a:txBody>
+                        <a:bodyPr/>
+                        <a:lstStyle/>
+                        <a:p>
+                          <a:pPr marL="0" marR="0" lvl="0" indent="0" algn="l" defTabSz="914400" rtl="0" eaLnBrk="1" fontAlgn="auto" latinLnBrk="0" hangingPunct="1">
+                            <a:lnSpc>
+                              <a:spcPct val="100000"/>
+                            </a:lnSpc>
+                            <a:spcBef>
+                              <a:spcPts val="0"/>
+                            </a:spcBef>
+                            <a:spcAft>
+                              <a:spcPts val="0"/>
+                            </a:spcAft>
+                            <a:buClrTx/>
+                            <a:buSzTx/>
+                            <a:buFontTx/>
+                            <a:buNone/>
+                            <a:tabLst/>
+                            <a:defRPr/>
+                          </a:pPr>
+                          <a:r>
+                            <a:rPr lang="en-US" dirty="0"/>
+                            <a:t>Comment</a:t>
+                          </a:r>
+                        </a:p>
+                        <a:p>
+                          <a:endParaRPr lang="en-US" dirty="0"/>
+                        </a:p>
+                      </a:txBody>
+                      <a:tcPr/>
+                    </a:tc>
+                    <a:extLst>
+                      <a:ext uri="{0D108BD9-81ED-4DB2-BD59-A6C34878D82A}">
+                        <a16:rowId xmlns:a16="http://schemas.microsoft.com/office/drawing/2014/main" val="1169282519"/>
+                      </a:ext>
+                    </a:extLst>
+                  </a:tr>
+                  <a:tr h="640080">
+                    <a:tc>
+                      <a:txBody>
+                        <a:bodyPr/>
+                        <a:lstStyle/>
+                        <a:p>
+                          <a:r>
+                            <a:rPr lang="en-US" dirty="0"/>
+                            <a:t>mm-&gt;</a:t>
+                          </a:r>
+                          <a:r>
+                            <a:rPr lang="en-US" dirty="0" err="1"/>
+                            <a:t>amm</a:t>
+                          </a:r>
+                          <a:endParaRPr lang="en-US" dirty="0"/>
+                        </a:p>
+                      </a:txBody>
+                      <a:tcPr/>
+                    </a:tc>
+                    <a:tc>
+                      <a:txBody>
+                        <a:bodyPr/>
+                        <a:lstStyle/>
+                        <a:p>
+                          <a:r>
+                            <a:rPr lang="en-US" dirty="0"/>
+                            <a:t>Zhen with updated param. PR run card.</a:t>
+                          </a:r>
+                        </a:p>
+                      </a:txBody>
+                      <a:tcPr/>
+                    </a:tc>
+                    <a:tc>
+                      <a:txBody>
+                        <a:bodyPr/>
+                        <a:lstStyle/>
+                        <a:p>
+                          <a:r>
+                            <a:rPr lang="en-US" dirty="0"/>
+                            <a:t>1 TeV</a:t>
+                          </a:r>
+                        </a:p>
+                      </a:txBody>
+                      <a:tcPr/>
+                    </a:tc>
+                    <a:tc>
+                      <a:txBody>
+                        <a:bodyPr/>
+                        <a:lstStyle/>
+                        <a:p>
+                          <a:r>
+                            <a:rPr lang="en-US" dirty="0"/>
+                            <a:t>10.6 ab</a:t>
+                          </a:r>
+                        </a:p>
+                      </a:txBody>
+                      <a:tcPr/>
+                    </a:tc>
+                    <a:tc>
+                      <a:txBody>
+                        <a:bodyPr/>
+                        <a:lstStyle/>
+                        <a:p>
+                          <a:endParaRPr lang="en-US" dirty="0"/>
+                        </a:p>
+                      </a:txBody>
+                      <a:tcPr/>
+                    </a:tc>
+                    <a:tc>
+                      <a:txBody>
+                        <a:bodyPr/>
+                        <a:lstStyle/>
+                        <a:p>
+                          <a:endParaRPr lang="en-US" dirty="0"/>
+                        </a:p>
+                      </a:txBody>
+                      <a:tcPr/>
+                    </a:tc>
+                    <a:extLst>
+                      <a:ext uri="{0D108BD9-81ED-4DB2-BD59-A6C34878D82A}">
+                        <a16:rowId xmlns:a16="http://schemas.microsoft.com/office/drawing/2014/main" val="431618266"/>
+                      </a:ext>
+                    </a:extLst>
+                  </a:tr>
+                  <a:tr h="640080">
+                    <a:tc>
+                      <a:txBody>
+                        <a:bodyPr/>
+                        <a:lstStyle/>
+                        <a:p>
+                          <a:endParaRPr lang="en-US" dirty="0"/>
+                        </a:p>
+                      </a:txBody>
+                      <a:tcPr/>
+                    </a:tc>
+                    <a:tc>
+                      <a:txBody>
+                        <a:bodyPr/>
+                        <a:lstStyle/>
+                        <a:p>
+                          <a:r>
+                            <a:rPr lang="en-US" dirty="0"/>
+                            <a:t>Lower mass try, compare IR dependence</a:t>
+                          </a:r>
+                        </a:p>
+                      </a:txBody>
+                      <a:tcPr/>
+                    </a:tc>
+                    <a:tc>
+                      <a:txBody>
+                        <a:bodyPr/>
+                        <a:lstStyle/>
+                        <a:p>
+                          <a:r>
+                            <a:rPr lang="en-US" dirty="0"/>
+                            <a:t>0.1 TeV</a:t>
+                          </a:r>
+                        </a:p>
+                      </a:txBody>
+                      <a:tcPr/>
+                    </a:tc>
+                    <a:tc>
+                      <a:txBody>
+                        <a:bodyPr/>
+                        <a:lstStyle/>
+                        <a:p>
+                          <a:r>
+                            <a:rPr lang="en-US" dirty="0"/>
+                            <a:t>29 ab</a:t>
+                          </a:r>
+                        </a:p>
+                      </a:txBody>
+                      <a:tcPr/>
+                    </a:tc>
+                    <a:tc>
+                      <a:txBody>
+                        <a:bodyPr/>
+                        <a:lstStyle/>
+                        <a:p>
+                          <a:endParaRPr lang="en-US" dirty="0"/>
+                        </a:p>
+                      </a:txBody>
+                      <a:tcPr/>
+                    </a:tc>
+                    <a:tc>
+                      <a:txBody>
+                        <a:bodyPr/>
+                        <a:lstStyle/>
+                        <a:p>
+                          <a:r>
+                            <a:rPr lang="en-US" dirty="0"/>
+                            <a:t>No IR cut off applied.</a:t>
+                          </a:r>
+                        </a:p>
+                      </a:txBody>
+                      <a:tcPr/>
+                    </a:tc>
+                    <a:extLst>
+                      <a:ext uri="{0D108BD9-81ED-4DB2-BD59-A6C34878D82A}">
+                        <a16:rowId xmlns:a16="http://schemas.microsoft.com/office/drawing/2014/main" val="1262128156"/>
+                      </a:ext>
+                    </a:extLst>
+                  </a:tr>
+                  <a:tr h="370840">
+                    <a:tc>
+                      <a:txBody>
+                        <a:bodyPr/>
+                        <a:lstStyle/>
+                        <a:p>
+                          <a:endParaRPr lang="en-US" dirty="0"/>
+                        </a:p>
+                      </a:txBody>
+                      <a:tcPr/>
+                    </a:tc>
+                    <a:tc>
+                      <a:txBody>
+                        <a:bodyPr/>
+                        <a:lstStyle/>
+                        <a:p>
+                          <a:endParaRPr lang="en-US" dirty="0"/>
+                        </a:p>
+                      </a:txBody>
+                      <a:tcPr/>
+                    </a:tc>
+                    <a:tc>
+                      <a:txBody>
+                        <a:bodyPr/>
+                        <a:lstStyle/>
+                        <a:p>
+                          <a:pPr marL="0" marR="0" lvl="0" indent="0" algn="l" defTabSz="914400" rtl="0" eaLnBrk="1" fontAlgn="auto" latinLnBrk="0" hangingPunct="1">
+                            <a:lnSpc>
+                              <a:spcPct val="100000"/>
+                            </a:lnSpc>
+                            <a:spcBef>
+                              <a:spcPts val="0"/>
+                            </a:spcBef>
+                            <a:spcAft>
+                              <a:spcPts val="0"/>
+                            </a:spcAft>
+                            <a:buClrTx/>
+                            <a:buSzTx/>
+                            <a:buFontTx/>
+                            <a:buNone/>
+                            <a:tabLst/>
+                            <a:defRPr/>
+                          </a:pPr>
+                          <a:r>
+                            <a:rPr lang="en-US" dirty="0"/>
+                            <a:t>0.1 TeV</a:t>
+                          </a:r>
+                        </a:p>
+                      </a:txBody>
+                      <a:tcPr/>
+                    </a:tc>
+                    <a:tc>
+                      <a:txBody>
+                        <a:bodyPr/>
+                        <a:lstStyle/>
+                        <a:p>
+                          <a:r>
+                            <a:rPr lang="en-US" dirty="0"/>
+                            <a:t>8.9 ab</a:t>
+                          </a:r>
+                        </a:p>
+                      </a:txBody>
+                      <a:tcPr/>
+                    </a:tc>
+                    <a:tc>
+                      <a:txBody>
+                        <a:bodyPr/>
+                        <a:lstStyle/>
+                        <a:p>
+                          <a:endParaRPr lang="en-US" dirty="0"/>
+                        </a:p>
+                      </a:txBody>
+                      <a:tcPr/>
+                    </a:tc>
+                    <a:tc>
+                      <a:txBody>
+                        <a:bodyPr/>
+                        <a:lstStyle/>
+                        <a:p>
+                          <a:r>
+                            <a:rPr lang="en-US" dirty="0" err="1"/>
+                            <a:t>pTmu</a:t>
+                          </a:r>
+                          <a:r>
+                            <a:rPr lang="en-US" dirty="0"/>
+                            <a:t>&gt;1 GeV</a:t>
+                          </a:r>
+                        </a:p>
+                      </a:txBody>
+                      <a:tcPr/>
+                    </a:tc>
+                    <a:extLst>
+                      <a:ext uri="{0D108BD9-81ED-4DB2-BD59-A6C34878D82A}">
+                        <a16:rowId xmlns:a16="http://schemas.microsoft.com/office/drawing/2014/main" val="1701694334"/>
+                      </a:ext>
+                    </a:extLst>
+                  </a:tr>
+                  <a:tr h="640080">
+                    <a:tc>
+                      <a:txBody>
+                        <a:bodyPr/>
+                        <a:lstStyle/>
+                        <a:p>
+                          <a:endParaRPr lang="en-US"/>
+                        </a:p>
+                      </a:txBody>
+                      <a:tcPr>
+                        <a:blipFill>
+                          <a:blip r:embed="rId2"/>
+                          <a:stretch>
+                            <a:fillRect l="-427" t="-362857" r="-716239" b="-160000"/>
+                          </a:stretch>
+                        </a:blipFill>
+                      </a:tcPr>
+                    </a:tc>
+                    <a:tc>
+                      <a:txBody>
+                        <a:bodyPr/>
+                        <a:lstStyle/>
+                        <a:p>
+                          <a:r>
+                            <a:rPr lang="en-US" dirty="0"/>
+                            <a:t>Lower mass try with additional radiation</a:t>
+                          </a:r>
+                        </a:p>
+                      </a:txBody>
+                      <a:tcPr/>
+                    </a:tc>
+                    <a:tc>
+                      <a:txBody>
+                        <a:bodyPr/>
+                        <a:lstStyle/>
+                        <a:p>
+                          <a:r>
+                            <a:rPr lang="en-US" dirty="0"/>
+                            <a:t>0.1 TeV</a:t>
+                          </a:r>
+                        </a:p>
+                      </a:txBody>
+                      <a:tcPr/>
+                    </a:tc>
+                    <a:tc>
+                      <a:txBody>
+                        <a:bodyPr/>
+                        <a:lstStyle/>
+                        <a:p>
+                          <a:r>
+                            <a:rPr lang="en-US" dirty="0"/>
+                            <a:t>1640 ab</a:t>
+                          </a:r>
+                        </a:p>
+                      </a:txBody>
+                      <a:tcPr/>
+                    </a:tc>
+                    <a:tc>
+                      <a:txBody>
+                        <a:bodyPr/>
+                        <a:lstStyle/>
+                        <a:p>
+                          <a:endParaRPr lang="en-US" dirty="0"/>
+                        </a:p>
+                      </a:txBody>
+                      <a:tcPr/>
+                    </a:tc>
+                    <a:tc>
+                      <a:txBody>
+                        <a:bodyPr/>
+                        <a:lstStyle/>
+                        <a:p>
+                          <a:r>
+                            <a:rPr lang="en-US" dirty="0"/>
+                            <a:t>No IR cut off applied. Non-converging result</a:t>
+                          </a:r>
+                        </a:p>
+                      </a:txBody>
+                      <a:tcPr/>
+                    </a:tc>
+                    <a:extLst>
+                      <a:ext uri="{0D108BD9-81ED-4DB2-BD59-A6C34878D82A}">
+                        <a16:rowId xmlns:a16="http://schemas.microsoft.com/office/drawing/2014/main" val="3420829726"/>
+                      </a:ext>
+                    </a:extLst>
+                  </a:tr>
+                  <a:tr h="640080">
+                    <a:tc>
+                      <a:txBody>
+                        <a:bodyPr/>
+                        <a:lstStyle/>
+                        <a:p>
+                          <a:endParaRPr lang="en-US" dirty="0"/>
+                        </a:p>
+                      </a:txBody>
+                      <a:tcPr/>
+                    </a:tc>
+                    <a:tc>
+                      <a:txBody>
+                        <a:bodyPr/>
+                        <a:lstStyle/>
+                        <a:p>
+                          <a:endParaRPr lang="en-US" dirty="0"/>
+                        </a:p>
+                      </a:txBody>
+                      <a:tcPr/>
+                    </a:tc>
+                    <a:tc>
+                      <a:txBody>
+                        <a:bodyPr/>
+                        <a:lstStyle/>
+                        <a:p>
+                          <a:pPr marL="0" marR="0" lvl="0" indent="0" algn="l" defTabSz="914400" rtl="0" eaLnBrk="1" fontAlgn="auto" latinLnBrk="0" hangingPunct="1">
+                            <a:lnSpc>
+                              <a:spcPct val="100000"/>
+                            </a:lnSpc>
+                            <a:spcBef>
+                              <a:spcPts val="0"/>
+                            </a:spcBef>
+                            <a:spcAft>
+                              <a:spcPts val="0"/>
+                            </a:spcAft>
+                            <a:buClrTx/>
+                            <a:buSzTx/>
+                            <a:buFontTx/>
+                            <a:buNone/>
+                            <a:tabLst/>
+                            <a:defRPr/>
+                          </a:pPr>
+                          <a:r>
+                            <a:rPr lang="en-US" dirty="0"/>
+                            <a:t>0.1 TeV</a:t>
+                          </a:r>
+                        </a:p>
+                        <a:p>
+                          <a:endParaRPr lang="en-US" dirty="0"/>
+                        </a:p>
+                      </a:txBody>
+                      <a:tcPr/>
+                    </a:tc>
+                    <a:tc>
+                      <a:txBody>
+                        <a:bodyPr/>
+                        <a:lstStyle/>
+                        <a:p>
+                          <a:endParaRPr lang="en-US" dirty="0"/>
+                        </a:p>
+                      </a:txBody>
+                      <a:tcPr/>
+                    </a:tc>
+                    <a:tc>
+                      <a:txBody>
+                        <a:bodyPr/>
+                        <a:lstStyle/>
+                        <a:p>
+                          <a:endParaRPr lang="en-US" dirty="0"/>
+                        </a:p>
+                      </a:txBody>
+                      <a:tcPr/>
+                    </a:tc>
+                    <a:tc>
+                      <a:txBody>
+                        <a:bodyPr/>
+                        <a:lstStyle/>
+                        <a:p>
+                          <a:endParaRPr lang="en-US"/>
+                        </a:p>
+                      </a:txBody>
+                      <a:tcPr>
+                        <a:blipFill>
+                          <a:blip r:embed="rId2"/>
+                          <a:stretch>
+                            <a:fillRect l="-285253" t="-462857" r="-808" b="-60000"/>
+                          </a:stretch>
+                        </a:blipFill>
+                      </a:tcPr>
+                    </a:tc>
+                    <a:extLst>
+                      <a:ext uri="{0D108BD9-81ED-4DB2-BD59-A6C34878D82A}">
+                        <a16:rowId xmlns:a16="http://schemas.microsoft.com/office/drawing/2014/main" val="40517242"/>
+                      </a:ext>
+                    </a:extLst>
+                  </a:tr>
+                  <a:tr h="370840">
+                    <a:tc>
+                      <a:txBody>
+                        <a:bodyPr/>
+                        <a:lstStyle/>
+                        <a:p>
+                          <a:endParaRPr lang="en-US" dirty="0"/>
+                        </a:p>
+                      </a:txBody>
+                      <a:tcPr/>
+                    </a:tc>
+                    <a:tc>
+                      <a:txBody>
+                        <a:bodyPr/>
+                        <a:lstStyle/>
+                        <a:p>
+                          <a:endParaRPr lang="en-US" dirty="0"/>
+                        </a:p>
+                      </a:txBody>
+                      <a:tcPr/>
+                    </a:tc>
+                    <a:tc>
+                      <a:txBody>
+                        <a:bodyPr/>
+                        <a:lstStyle/>
+                        <a:p>
+                          <a:endParaRPr lang="en-US" dirty="0"/>
+                        </a:p>
+                      </a:txBody>
+                      <a:tcPr/>
+                    </a:tc>
+                    <a:tc>
+                      <a:txBody>
+                        <a:bodyPr/>
+                        <a:lstStyle/>
+                        <a:p>
+                          <a:endParaRPr lang="en-US" dirty="0"/>
+                        </a:p>
+                      </a:txBody>
+                      <a:tcPr/>
+                    </a:tc>
+                    <a:tc>
+                      <a:txBody>
+                        <a:bodyPr/>
+                        <a:lstStyle/>
+                        <a:p>
+                          <a:endParaRPr lang="en-US" dirty="0"/>
+                        </a:p>
+                      </a:txBody>
+                      <a:tcPr/>
+                    </a:tc>
+                    <a:tc>
+                      <a:txBody>
+                        <a:bodyPr/>
+                        <a:lstStyle/>
+                        <a:p>
+                          <a:endParaRPr lang="en-US" dirty="0"/>
+                        </a:p>
+                      </a:txBody>
+                      <a:tcPr/>
+                    </a:tc>
+                    <a:extLst>
+                      <a:ext uri="{0D108BD9-81ED-4DB2-BD59-A6C34878D82A}">
+                        <a16:rowId xmlns:a16="http://schemas.microsoft.com/office/drawing/2014/main" val="2413991247"/>
+                      </a:ext>
+                    </a:extLst>
+                  </a:tr>
+                </a:tbl>
+              </a:graphicData>
+            </a:graphic>
+          </p:graphicFrame>
+        </mc:Fallback>
+      </mc:AlternateContent>
+    </p:spTree>
+    <p:extLst>
+      <p:ext uri="{BB962C8B-B14F-4D97-AF65-F5344CB8AC3E}">
+        <p14:creationId xmlns:p14="http://schemas.microsoft.com/office/powerpoint/2010/main" val="753302640"/>
+      </p:ext>
+    </p:extLst>
+  </p:cSld>
+  <p:clrMapOvr>
+    <a:masterClrMapping/>
+  </p:clrMapOvr>
+</p:sld>
+</file>
+
+<file path=ppt/slides/slide6.xml><?xml version="1.0" encoding="utf-8"?>
+<p:sld xmlns:a="http://schemas.openxmlformats.org/drawingml/2006/main" xmlns:r="http://schemas.openxmlformats.org/officeDocument/2006/relationships" xmlns:p="http://schemas.openxmlformats.org/presentationml/2006/main">
+  <p:cSld>
+    <p:spTree>
+      <p:nvGrpSpPr>
+        <p:cNvPr id="1" name=""/>
+        <p:cNvGrpSpPr/>
+        <p:nvPr/>
+      </p:nvGrpSpPr>
+      <p:grpSpPr>
+        <a:xfrm>
+          <a:off x="0" y="0"/>
+          <a:ext cx="0" cy="0"/>
+          <a:chOff x="0" y="0"/>
+          <a:chExt cx="0" cy="0"/>
+        </a:xfrm>
+      </p:grpSpPr>
+      <p:sp>
+        <p:nvSpPr>
+          <p:cNvPr id="2" name="Title 1">
+            <a:extLst>
+              <a:ext uri="{FF2B5EF4-FFF2-40B4-BE49-F238E27FC236}">
                 <a16:creationId xmlns:a16="http://schemas.microsoft.com/office/drawing/2014/main" id="{7E7DF9AD-B045-5F8D-C926-2C07EAC77E0D}"/>
               </a:ext>
             </a:extLst>
@@ -4611,6 +6123,161 @@
     <p:extLst>
       <p:ext uri="{BB962C8B-B14F-4D97-AF65-F5344CB8AC3E}">
         <p14:creationId xmlns:p14="http://schemas.microsoft.com/office/powerpoint/2010/main" val="1107902147"/>
+      </p:ext>
+    </p:extLst>
+  </p:cSld>
+  <p:clrMapOvr>
+    <a:masterClrMapping/>
+  </p:clrMapOvr>
+</p:sld>
+</file>
+
+<file path=ppt/slides/slide7.xml><?xml version="1.0" encoding="utf-8"?>
+<p:sld xmlns:a="http://schemas.openxmlformats.org/drawingml/2006/main" xmlns:r="http://schemas.openxmlformats.org/officeDocument/2006/relationships" xmlns:p="http://schemas.openxmlformats.org/presentationml/2006/main">
+  <p:cSld>
+    <p:spTree>
+      <p:nvGrpSpPr>
+        <p:cNvPr id="1" name=""/>
+        <p:cNvGrpSpPr/>
+        <p:nvPr/>
+      </p:nvGrpSpPr>
+      <p:grpSpPr>
+        <a:xfrm>
+          <a:off x="0" y="0"/>
+          <a:ext cx="0" cy="0"/>
+          <a:chOff x="0" y="0"/>
+          <a:chExt cx="0" cy="0"/>
+        </a:xfrm>
+      </p:grpSpPr>
+      <p:sp>
+        <p:nvSpPr>
+          <p:cNvPr id="2" name="Title 1">
+            <a:extLst>
+              <a:ext uri="{FF2B5EF4-FFF2-40B4-BE49-F238E27FC236}">
+                <a16:creationId xmlns:a16="http://schemas.microsoft.com/office/drawing/2014/main" id="{6DFCE5DB-6148-BB4C-1E92-9F1F08CA5ED3}"/>
+              </a:ext>
+            </a:extLst>
+          </p:cNvPr>
+          <p:cNvSpPr>
+            <a:spLocks noGrp="1"/>
+          </p:cNvSpPr>
+          <p:nvPr>
+            <p:ph type="title"/>
+          </p:nvPr>
+        </p:nvSpPr>
+        <p:spPr/>
+        <p:txBody>
+          <a:bodyPr/>
+          <a:lstStyle/>
+          <a:p>
+            <a:r>
+              <a:rPr lang="en-US" dirty="0"/>
+              <a:t>Additional Refs.</a:t>
+            </a:r>
+          </a:p>
+        </p:txBody>
+      </p:sp>
+      <p:sp>
+        <p:nvSpPr>
+          <p:cNvPr id="3" name="Content Placeholder 2">
+            <a:extLst>
+              <a:ext uri="{FF2B5EF4-FFF2-40B4-BE49-F238E27FC236}">
+                <a16:creationId xmlns:a16="http://schemas.microsoft.com/office/drawing/2014/main" id="{BA3621C0-B17A-3FAC-C270-E82C03DB6E49}"/>
+              </a:ext>
+            </a:extLst>
+          </p:cNvPr>
+          <p:cNvSpPr>
+            <a:spLocks noGrp="1"/>
+          </p:cNvSpPr>
+          <p:nvPr>
+            <p:ph idx="1"/>
+          </p:nvPr>
+        </p:nvSpPr>
+        <p:spPr>
+          <a:xfrm>
+            <a:off x="901430" y="1344106"/>
+            <a:ext cx="10515600" cy="4351338"/>
+          </a:xfrm>
+        </p:spPr>
+        <p:txBody>
+          <a:bodyPr/>
+          <a:lstStyle/>
+          <a:p>
+            <a:r>
+              <a:rPr lang="en-US" dirty="0">
+                <a:hlinkClick r:id="rId2"/>
+              </a:rPr>
+              <a:t>https://answers.launchpad.net/mg5amcnlo/+question/701029</a:t>
+            </a:r>
+            <a:endParaRPr lang="en-US" dirty="0"/>
+          </a:p>
+          <a:p>
+            <a:r>
+              <a:rPr lang="en-US" dirty="0"/>
+              <a:t>Appendix of </a:t>
+            </a:r>
+            <a:r>
+              <a:rPr lang="en-US" dirty="0">
+                <a:hlinkClick r:id="rId3"/>
+              </a:rPr>
+              <a:t>https://arxiv.org/pdf/2111.02442</a:t>
+            </a:r>
+            <a:r>
+              <a:rPr lang="en-US" dirty="0"/>
+              <a:t> </a:t>
+            </a:r>
+          </a:p>
+          <a:p>
+            <a:pPr marL="0" indent="0">
+              <a:buNone/>
+            </a:pPr>
+            <a:r>
+              <a:rPr lang="en-US" dirty="0"/>
+              <a:t>Consider either using IWW or EVA</a:t>
+            </a:r>
+          </a:p>
+          <a:p>
+            <a:pPr marL="0" indent="0">
+              <a:buNone/>
+            </a:pPr>
+            <a:endParaRPr lang="en-US" dirty="0"/>
+          </a:p>
+        </p:txBody>
+      </p:sp>
+      <p:pic>
+        <p:nvPicPr>
+          <p:cNvPr id="5" name="Picture 4">
+            <a:extLst>
+              <a:ext uri="{FF2B5EF4-FFF2-40B4-BE49-F238E27FC236}">
+                <a16:creationId xmlns:a16="http://schemas.microsoft.com/office/drawing/2014/main" id="{491FC5A1-AD4A-9BCB-9EC2-88D130D9A9A0}"/>
+              </a:ext>
+            </a:extLst>
+          </p:cNvPr>
+          <p:cNvPicPr>
+            <a:picLocks noChangeAspect="1"/>
+          </p:cNvPicPr>
+          <p:nvPr/>
+        </p:nvPicPr>
+        <p:blipFill>
+          <a:blip r:embed="rId4"/>
+          <a:stretch>
+            <a:fillRect/>
+          </a:stretch>
+        </p:blipFill>
+        <p:spPr>
+          <a:xfrm>
+            <a:off x="6284069" y="2401957"/>
+            <a:ext cx="5637178" cy="4097266"/>
+          </a:xfrm>
+          <a:prstGeom prst="rect">
+            <a:avLst/>
+          </a:prstGeom>
+        </p:spPr>
+      </p:pic>
+    </p:spTree>
+    <p:extLst>
+      <p:ext uri="{BB962C8B-B14F-4D97-AF65-F5344CB8AC3E}">
+        <p14:creationId xmlns:p14="http://schemas.microsoft.com/office/powerpoint/2010/main" val="3366242605"/>
       </p:ext>
     </p:extLst>
   </p:cSld>

--- a/Slides/ZL_note_productions.pptx
+++ b/Slides/ZL_note_productions.pptx
@@ -11,7 +11,8 @@
     <p:sldId id="258" r:id="rId5"/>
     <p:sldId id="261" r:id="rId6"/>
     <p:sldId id="260" r:id="rId7"/>
-    <p:sldId id="262" r:id="rId8"/>
+    <p:sldId id="263" r:id="rId8"/>
+    <p:sldId id="262" r:id="rId9"/>
   </p:sldIdLst>
   <p:sldSz cx="12192000" cy="6858000"/>
   <p:notesSz cx="6858000" cy="9144000"/>
@@ -4524,8 +4525,13 @@
           <a:p>
             <a:r>
               <a:rPr lang="en-US" dirty="0"/>
-              <a:t>IR regularization</a:t>
-            </a:r>
+              <a:t>IR regularization &amp; </a:t>
+            </a:r>
+            <a:r>
+              <a:rPr lang="en-US" dirty="0" err="1"/>
+              <a:t>resummation</a:t>
+            </a:r>
+            <a:endParaRPr lang="en-US" dirty="0"/>
           </a:p>
         </p:txBody>
       </p:sp>
@@ -4547,14 +4553,14 @@
                 <p:ph idx="1"/>
                 <p:extLst>
                   <p:ext uri="{D42A27DB-BD31-4B8C-83A1-F6EECF244321}">
-                    <p14:modId xmlns:p14="http://schemas.microsoft.com/office/powerpoint/2010/main" val="2802884635"/>
+                    <p14:modId xmlns:p14="http://schemas.microsoft.com/office/powerpoint/2010/main" val="2132309834"/>
                   </p:ext>
                 </p:extLst>
               </p:nvPr>
             </p:nvGraphicFramePr>
             <p:xfrm>
-              <a:off x="306421" y="1825625"/>
-              <a:ext cx="11614828" cy="3942080"/>
+              <a:off x="288586" y="1301313"/>
+              <a:ext cx="11614828" cy="4582160"/>
             </p:xfrm>
             <a:graphic>
               <a:graphicData uri="http://schemas.openxmlformats.org/drawingml/2006/table">
@@ -5131,6 +5137,19 @@
                         <a:bodyPr/>
                         <a:lstStyle/>
                         <a:p>
+                          <a:r>
+                            <a:rPr lang="en-US" dirty="0"/>
+                            <a:t>4.8 ab</a:t>
+                          </a:r>
+                        </a:p>
+                      </a:txBody>
+                      <a:tcPr/>
+                    </a:tc>
+                    <a:tc>
+                      <a:txBody>
+                        <a:bodyPr/>
+                        <a:lstStyle/>
+                        <a:p>
                           <a:endParaRPr lang="en-US" dirty="0"/>
                         </a:p>
                       </a:txBody>
@@ -5141,11 +5160,163 @@
                         <a:bodyPr/>
                         <a:lstStyle/>
                         <a:p>
+                          <a:pPr/>
+                          <a14:m>
+                            <m:oMath xmlns:m="http://schemas.openxmlformats.org/officeDocument/2006/math">
+                              <m:r>
+                                <m:rPr>
+                                  <m:sty m:val="p"/>
+                                </m:rPr>
+                                <a:rPr lang="en-US" b="0" i="0" smtClean="0">
+                                  <a:latin typeface="Cambria Math" panose="02040503050406030204" pitchFamily="18" charset="0"/>
+                                </a:rPr>
+                                <m:t>ΔR</m:t>
+                              </m:r>
+                              <m:r>
+                                <a:rPr lang="en-US" b="0" i="1" smtClean="0">
+                                  <a:latin typeface="Cambria Math" panose="02040503050406030204" pitchFamily="18" charset="0"/>
+                                </a:rPr>
+                                <m:t>𝜇𝛾</m:t>
+                              </m:r>
+                              <m:r>
+                                <a:rPr lang="en-US" b="0" i="1" smtClean="0">
+                                  <a:latin typeface="Cambria Math" panose="02040503050406030204" pitchFamily="18" charset="0"/>
+                                </a:rPr>
+                                <m:t>&gt;0.01 </m:t>
+                              </m:r>
+                              <m:r>
+                                <a:rPr lang="en-US" b="0" i="1" smtClean="0">
+                                  <a:latin typeface="Cambria Math" panose="02040503050406030204" pitchFamily="18" charset="0"/>
+                                </a:rPr>
+                                <m:t>𝑝𝑇</m:t>
+                              </m:r>
+                              <m:r>
+                                <a:rPr lang="en-US" b="0" i="1" smtClean="0">
+                                  <a:latin typeface="Cambria Math" panose="02040503050406030204" pitchFamily="18" charset="0"/>
+                                </a:rPr>
+                                <m:t>𝛾</m:t>
+                              </m:r>
+                              <m:r>
+                                <a:rPr lang="en-US" b="0" i="1" smtClean="0">
+                                  <a:latin typeface="Cambria Math" panose="02040503050406030204" pitchFamily="18" charset="0"/>
+                                </a:rPr>
+                                <m:t>&gt;0.2 </m:t>
+                              </m:r>
+                              <m:r>
+                                <a:rPr lang="en-US" b="0" i="1" smtClean="0">
+                                  <a:latin typeface="Cambria Math" panose="02040503050406030204" pitchFamily="18" charset="0"/>
+                                </a:rPr>
+                                <m:t>𝐺𝑒𝑉</m:t>
+                              </m:r>
+                            </m:oMath>
+                          </a14:m>
+                          <a:r>
+                            <a:rPr lang="en-US" dirty="0"/>
+                            <a:t>. Still seems non-converging.</a:t>
+                          </a:r>
+                        </a:p>
+                      </a:txBody>
+                      <a:tcPr/>
+                    </a:tc>
+                    <a:extLst>
+                      <a:ext uri="{0D108BD9-81ED-4DB2-BD59-A6C34878D82A}">
+                        <a16:rowId xmlns:a16="http://schemas.microsoft.com/office/drawing/2014/main" val="40517242"/>
+                      </a:ext>
+                    </a:extLst>
+                  </a:tr>
+                  <a:tr h="370840">
+                    <a:tc>
+                      <a:txBody>
+                        <a:bodyPr/>
+                        <a:lstStyle/>
+                        <a:p>
+                          <a14:m>
+                            <m:oMath xmlns:m="http://schemas.openxmlformats.org/officeDocument/2006/math">
+                              <m:r>
+                                <a:rPr lang="en-US" b="0" i="1" smtClean="0">
+                                  <a:latin typeface="Cambria Math" panose="02040503050406030204" pitchFamily="18" charset="0"/>
+                                </a:rPr>
+                                <m:t>𝛾𝛾</m:t>
+                              </m:r>
+                            </m:oMath>
+                          </a14:m>
+                          <a:r>
+                            <a:rPr lang="en-US" dirty="0"/>
+                            <a:t>&gt;a</a:t>
+                          </a:r>
+                        </a:p>
+                      </a:txBody>
+                      <a:tcPr/>
+                    </a:tc>
+                    <a:tc>
+                      <a:txBody>
+                        <a:bodyPr/>
+                        <a:lstStyle/>
+                        <a:p>
+                          <a:r>
+                            <a:rPr lang="en-US" dirty="0"/>
+                            <a:t>Use IWW </a:t>
+                          </a:r>
+                        </a:p>
+                      </a:txBody>
+                      <a:tcPr/>
+                    </a:tc>
+                    <a:tc>
+                      <a:txBody>
+                        <a:bodyPr/>
+                        <a:lstStyle/>
+                        <a:p>
+                          <a:r>
+                            <a:rPr lang="en-US" dirty="0"/>
+                            <a:t>0.1 TeV</a:t>
+                          </a:r>
+                        </a:p>
+                      </a:txBody>
+                      <a:tcPr/>
+                    </a:tc>
+                    <a:tc>
+                      <a:txBody>
+                        <a:bodyPr/>
+                        <a:lstStyle/>
+                        <a:p>
+                          <a:r>
+                            <a:rPr lang="en-US" dirty="0"/>
+                            <a:t>18 ab</a:t>
+                          </a:r>
+                        </a:p>
+                      </a:txBody>
+                      <a:tcPr/>
+                    </a:tc>
+                    <a:tc>
+                      <a:txBody>
+                        <a:bodyPr/>
+                        <a:lstStyle/>
+                        <a:p>
                           <a:endParaRPr lang="en-US" dirty="0"/>
                         </a:p>
                       </a:txBody>
                       <a:tcPr/>
                     </a:tc>
+                    <a:tc>
+                      <a:txBody>
+                        <a:bodyPr/>
+                        <a:lstStyle/>
+                        <a:p>
+                          <a:r>
+                            <a:rPr lang="en-US" dirty="0"/>
+                            <a:t>Easy and fast</a:t>
+                          </a:r>
+                        </a:p>
+                      </a:txBody>
+                      <a:tcPr/>
+                    </a:tc>
+                    <a:extLst>
+                      <a:ext uri="{0D108BD9-81ED-4DB2-BD59-A6C34878D82A}">
+                        <a16:rowId xmlns:a16="http://schemas.microsoft.com/office/drawing/2014/main" val="2413991247"/>
+                      </a:ext>
+                    </a:extLst>
+                  </a:tr>
+                  <a:tr h="370840">
                     <a:tc>
                       <a:txBody>
                         <a:bodyPr/>
@@ -5158,49 +5329,28 @@
                               </m:oMathParaPr>
                               <m:oMath xmlns:m="http://schemas.openxmlformats.org/officeDocument/2006/math">
                                 <m:r>
-                                  <m:rPr>
-                                    <m:sty m:val="p"/>
-                                  </m:rPr>
-                                  <a:rPr lang="en-US" b="0" i="0" smtClean="0">
+                                  <a:rPr lang="en-US" b="0" i="1" smtClean="0">
                                     <a:latin typeface="Cambria Math" panose="02040503050406030204" pitchFamily="18" charset="0"/>
                                   </a:rPr>
-                                  <m:t>ΔR</m:t>
+                                  <m:t>𝛾𝜇</m:t>
                                 </m:r>
                                 <m:r>
                                   <a:rPr lang="en-US" b="0" i="1" smtClean="0">
                                     <a:latin typeface="Cambria Math" panose="02040503050406030204" pitchFamily="18" charset="0"/>
                                   </a:rPr>
-                                  <m:t>𝜇𝛾</m:t>
+                                  <m:t>&gt;</m:t>
                                 </m:r>
                                 <m:r>
                                   <a:rPr lang="en-US" b="0" i="1" smtClean="0">
                                     <a:latin typeface="Cambria Math" panose="02040503050406030204" pitchFamily="18" charset="0"/>
                                   </a:rPr>
-                                  <m:t>&gt;0.01 </m:t>
+                                  <m:t>𝑎</m:t>
                                 </m:r>
                                 <m:r>
                                   <a:rPr lang="en-US" b="0" i="1" smtClean="0">
                                     <a:latin typeface="Cambria Math" panose="02040503050406030204" pitchFamily="18" charset="0"/>
                                   </a:rPr>
-                                  <m:t>𝑝𝑇</m:t>
-                                </m:r>
-                                <m:r>
-                                  <a:rPr lang="en-US" b="0" i="1" smtClean="0">
-                                    <a:latin typeface="Cambria Math" panose="02040503050406030204" pitchFamily="18" charset="0"/>
-                                  </a:rPr>
-                                  <m:t>𝛾</m:t>
-                                </m:r>
-                                <m:r>
-                                  <a:rPr lang="en-US" b="0" i="1" smtClean="0">
-                                    <a:latin typeface="Cambria Math" panose="02040503050406030204" pitchFamily="18" charset="0"/>
-                                  </a:rPr>
-                                  <m:t>&gt;0.2 </m:t>
-                                </m:r>
-                                <m:r>
-                                  <a:rPr lang="en-US" b="0" i="1" smtClean="0">
-                                    <a:latin typeface="Cambria Math" panose="02040503050406030204" pitchFamily="18" charset="0"/>
-                                  </a:rPr>
-                                  <m:t>𝐺𝑒𝑉</m:t>
+                                  <m:t>𝜇</m:t>
                                 </m:r>
                               </m:oMath>
                             </m:oMathPara>
@@ -5210,76 +5360,71 @@
                       </a:txBody>
                       <a:tcPr/>
                     </a:tc>
+                    <a:tc>
+                      <a:txBody>
+                        <a:bodyPr/>
+                        <a:lstStyle/>
+                        <a:p>
+                          <a:r>
+                            <a:rPr lang="en-US" dirty="0"/>
+                            <a:t>Use IWW</a:t>
+                          </a:r>
+                        </a:p>
+                      </a:txBody>
+                      <a:tcPr/>
+                    </a:tc>
+                    <a:tc>
+                      <a:txBody>
+                        <a:bodyPr/>
+                        <a:lstStyle/>
+                        <a:p>
+                          <a:r>
+                            <a:rPr lang="en-US" dirty="0"/>
+                            <a:t>0.1 TeV</a:t>
+                          </a:r>
+                        </a:p>
+                      </a:txBody>
+                      <a:tcPr/>
+                    </a:tc>
+                    <a:tc>
+                      <a:txBody>
+                        <a:bodyPr/>
+                        <a:lstStyle/>
+                        <a:p>
+                          <a:r>
+                            <a:rPr lang="en-US" dirty="0"/>
+                            <a:t>23 ab per charge</a:t>
+                          </a:r>
+                        </a:p>
+                      </a:txBody>
+                      <a:tcPr/>
+                    </a:tc>
+                    <a:tc>
+                      <a:txBody>
+                        <a:bodyPr/>
+                        <a:lstStyle/>
+                        <a:p>
+                          <a:endParaRPr lang="en-US" dirty="0"/>
+                        </a:p>
+                      </a:txBody>
+                      <a:tcPr/>
+                    </a:tc>
+                    <a:tc>
+                      <a:txBody>
+                        <a:bodyPr/>
+                        <a:lstStyle/>
+                        <a:p>
+                          <a:r>
+                            <a:rPr lang="en-US" dirty="0"/>
+                            <a:t>Need to do something to avoid double counting.</a:t>
+                          </a:r>
+                        </a:p>
+                      </a:txBody>
+                      <a:tcPr/>
+                    </a:tc>
                     <a:extLst>
                       <a:ext uri="{0D108BD9-81ED-4DB2-BD59-A6C34878D82A}">
-                        <a16:rowId xmlns:a16="http://schemas.microsoft.com/office/drawing/2014/main" val="40517242"/>
-                      </a:ext>
-                    </a:extLst>
-                  </a:tr>
-                  <a:tr h="370840">
-                    <a:tc>
-                      <a:txBody>
-                        <a:bodyPr/>
-                        <a:lstStyle/>
-                        <a:p>
-                          <a:endParaRPr lang="en-US" dirty="0"/>
-                        </a:p>
-                      </a:txBody>
-                      <a:tcPr/>
-                    </a:tc>
-                    <a:tc>
-                      <a:txBody>
-                        <a:bodyPr/>
-                        <a:lstStyle/>
-                        <a:p>
-                          <a:endParaRPr lang="en-US" dirty="0"/>
-                        </a:p>
-                      </a:txBody>
-                      <a:tcPr/>
-                    </a:tc>
-                    <a:tc>
-                      <a:txBody>
-                        <a:bodyPr/>
-                        <a:lstStyle/>
-                        <a:p>
-                          <a:endParaRPr lang="en-US" dirty="0"/>
-                        </a:p>
-                      </a:txBody>
-                      <a:tcPr/>
-                    </a:tc>
-                    <a:tc>
-                      <a:txBody>
-                        <a:bodyPr/>
-                        <a:lstStyle/>
-                        <a:p>
-                          <a:endParaRPr lang="en-US" dirty="0"/>
-                        </a:p>
-                      </a:txBody>
-                      <a:tcPr/>
-                    </a:tc>
-                    <a:tc>
-                      <a:txBody>
-                        <a:bodyPr/>
-                        <a:lstStyle/>
-                        <a:p>
-                          <a:endParaRPr lang="en-US" dirty="0"/>
-                        </a:p>
-                      </a:txBody>
-                      <a:tcPr/>
-                    </a:tc>
-                    <a:tc>
-                      <a:txBody>
-                        <a:bodyPr/>
-                        <a:lstStyle/>
-                        <a:p>
-                          <a:endParaRPr lang="en-US" dirty="0"/>
-                        </a:p>
-                      </a:txBody>
-                      <a:tcPr/>
-                    </a:tc>
-                    <a:extLst>
-                      <a:ext uri="{0D108BD9-81ED-4DB2-BD59-A6C34878D82A}">
-                        <a16:rowId xmlns:a16="http://schemas.microsoft.com/office/drawing/2014/main" val="2413991247"/>
+                        <a16:rowId xmlns:a16="http://schemas.microsoft.com/office/drawing/2014/main" val="708129845"/>
                       </a:ext>
                     </a:extLst>
                   </a:tr>
@@ -5305,14 +5450,14 @@
                 <p:ph idx="1"/>
                 <p:extLst>
                   <p:ext uri="{D42A27DB-BD31-4B8C-83A1-F6EECF244321}">
-                    <p14:modId xmlns:p14="http://schemas.microsoft.com/office/powerpoint/2010/main" val="2802884635"/>
+                    <p14:modId xmlns:p14="http://schemas.microsoft.com/office/powerpoint/2010/main" val="2132309834"/>
                   </p:ext>
                 </p:extLst>
               </p:nvPr>
             </p:nvGraphicFramePr>
             <p:xfrm>
-              <a:off x="306421" y="1825625"/>
-              <a:ext cx="11614828" cy="3942080"/>
+              <a:off x="288586" y="1301313"/>
+              <a:ext cx="11614828" cy="4582160"/>
             </p:xfrm>
             <a:graphic>
               <a:graphicData uri="http://schemas.openxmlformats.org/drawingml/2006/table">
@@ -5742,7 +5887,7 @@
                         <a:blipFill>
                           <a:blip r:embed="rId2"/>
                           <a:stretch>
-                            <a:fillRect l="-427" t="-362857" r="-716239" b="-160000"/>
+                            <a:fillRect l="-427" t="-362857" r="-716239" b="-273333"/>
                           </a:stretch>
                         </a:blipFill>
                       </a:tcPr>
@@ -5874,7 +6019,10 @@
                         <a:bodyPr/>
                         <a:lstStyle/>
                         <a:p>
-                          <a:endParaRPr lang="en-US" dirty="0"/>
+                          <a:r>
+                            <a:rPr lang="en-US" dirty="0"/>
+                            <a:t>4.8 ab</a:t>
+                          </a:r>
                         </a:p>
                       </a:txBody>
                       <a:tcPr/>
@@ -5901,7 +6049,7 @@
                         <a:blipFill>
                           <a:blip r:embed="rId2"/>
                           <a:stretch>
-                            <a:fillRect l="-285253" t="-462857" r="-808" b="-60000"/>
+                            <a:fillRect l="-285253" t="-462857" r="-808" b="-173333"/>
                           </a:stretch>
                         </a:blipFill>
                       </a:tcPr>
@@ -5918,6 +6066,62 @@
                         <a:bodyPr/>
                         <a:lstStyle/>
                         <a:p>
+                          <a:endParaRPr lang="en-US"/>
+                        </a:p>
+                      </a:txBody>
+                      <a:tcPr>
+                        <a:blipFill>
+                          <a:blip r:embed="rId2"/>
+                          <a:stretch>
+                            <a:fillRect l="-427" t="-968852" r="-716239" b="-198361"/>
+                          </a:stretch>
+                        </a:blipFill>
+                      </a:tcPr>
+                    </a:tc>
+                    <a:tc>
+                      <a:txBody>
+                        <a:bodyPr/>
+                        <a:lstStyle/>
+                        <a:p>
+                          <a:r>
+                            <a:rPr lang="en-US" dirty="0"/>
+                            <a:t>Use IWW </a:t>
+                          </a:r>
+                        </a:p>
+                      </a:txBody>
+                      <a:tcPr/>
+                    </a:tc>
+                    <a:tc>
+                      <a:txBody>
+                        <a:bodyPr/>
+                        <a:lstStyle/>
+                        <a:p>
+                          <a:r>
+                            <a:rPr lang="en-US" dirty="0"/>
+                            <a:t>0.1 TeV</a:t>
+                          </a:r>
+                        </a:p>
+                      </a:txBody>
+                      <a:tcPr/>
+                    </a:tc>
+                    <a:tc>
+                      <a:txBody>
+                        <a:bodyPr/>
+                        <a:lstStyle/>
+                        <a:p>
+                          <a:r>
+                            <a:rPr lang="en-US" dirty="0"/>
+                            <a:t>18 ab</a:t>
+                          </a:r>
+                        </a:p>
+                      </a:txBody>
+                      <a:tcPr/>
+                    </a:tc>
+                    <a:tc>
+                      <a:txBody>
+                        <a:bodyPr/>
+                        <a:lstStyle/>
+                        <a:p>
                           <a:endParaRPr lang="en-US" dirty="0"/>
                         </a:p>
                       </a:txBody>
@@ -5928,47 +6132,10 @@
                         <a:bodyPr/>
                         <a:lstStyle/>
                         <a:p>
-                          <a:endParaRPr lang="en-US" dirty="0"/>
-                        </a:p>
-                      </a:txBody>
-                      <a:tcPr/>
-                    </a:tc>
-                    <a:tc>
-                      <a:txBody>
-                        <a:bodyPr/>
-                        <a:lstStyle/>
-                        <a:p>
-                          <a:endParaRPr lang="en-US" dirty="0"/>
-                        </a:p>
-                      </a:txBody>
-                      <a:tcPr/>
-                    </a:tc>
-                    <a:tc>
-                      <a:txBody>
-                        <a:bodyPr/>
-                        <a:lstStyle/>
-                        <a:p>
-                          <a:endParaRPr lang="en-US" dirty="0"/>
-                        </a:p>
-                      </a:txBody>
-                      <a:tcPr/>
-                    </a:tc>
-                    <a:tc>
-                      <a:txBody>
-                        <a:bodyPr/>
-                        <a:lstStyle/>
-                        <a:p>
-                          <a:endParaRPr lang="en-US" dirty="0"/>
-                        </a:p>
-                      </a:txBody>
-                      <a:tcPr/>
-                    </a:tc>
-                    <a:tc>
-                      <a:txBody>
-                        <a:bodyPr/>
-                        <a:lstStyle/>
-                        <a:p>
-                          <a:endParaRPr lang="en-US" dirty="0"/>
+                          <a:r>
+                            <a:rPr lang="en-US" dirty="0"/>
+                            <a:t>Easy and fast</a:t>
+                          </a:r>
                         </a:p>
                       </a:txBody>
                       <a:tcPr/>
@@ -5976,6 +6143,92 @@
                     <a:extLst>
                       <a:ext uri="{0D108BD9-81ED-4DB2-BD59-A6C34878D82A}">
                         <a16:rowId xmlns:a16="http://schemas.microsoft.com/office/drawing/2014/main" val="2413991247"/>
+                      </a:ext>
+                    </a:extLst>
+                  </a:tr>
+                  <a:tr h="640080">
+                    <a:tc>
+                      <a:txBody>
+                        <a:bodyPr/>
+                        <a:lstStyle/>
+                        <a:p>
+                          <a:endParaRPr lang="en-US"/>
+                        </a:p>
+                      </a:txBody>
+                      <a:tcPr>
+                        <a:blipFill>
+                          <a:blip r:embed="rId2"/>
+                          <a:stretch>
+                            <a:fillRect l="-427" t="-620952" r="-716239" b="-15238"/>
+                          </a:stretch>
+                        </a:blipFill>
+                      </a:tcPr>
+                    </a:tc>
+                    <a:tc>
+                      <a:txBody>
+                        <a:bodyPr/>
+                        <a:lstStyle/>
+                        <a:p>
+                          <a:r>
+                            <a:rPr lang="en-US" dirty="0"/>
+                            <a:t>Use IWW</a:t>
+                          </a:r>
+                        </a:p>
+                      </a:txBody>
+                      <a:tcPr/>
+                    </a:tc>
+                    <a:tc>
+                      <a:txBody>
+                        <a:bodyPr/>
+                        <a:lstStyle/>
+                        <a:p>
+                          <a:r>
+                            <a:rPr lang="en-US" dirty="0"/>
+                            <a:t>0.1 TeV</a:t>
+                          </a:r>
+                        </a:p>
+                      </a:txBody>
+                      <a:tcPr/>
+                    </a:tc>
+                    <a:tc>
+                      <a:txBody>
+                        <a:bodyPr/>
+                        <a:lstStyle/>
+                        <a:p>
+                          <a:r>
+                            <a:rPr lang="en-US" dirty="0"/>
+                            <a:t>23 ab per charge</a:t>
+                          </a:r>
+                        </a:p>
+                      </a:txBody>
+                      <a:tcPr/>
+                    </a:tc>
+                    <a:tc>
+                      <a:txBody>
+                        <a:bodyPr/>
+                        <a:lstStyle/>
+                        <a:p>
+                          <a:endParaRPr lang="en-US" dirty="0"/>
+                        </a:p>
+                      </a:txBody>
+                      <a:tcPr/>
+                    </a:tc>
+                    <a:tc>
+                      <a:txBody>
+                        <a:bodyPr/>
+                        <a:lstStyle/>
+                        <a:p>
+                          <a:r>
+                            <a:rPr lang="en-US" dirty="0"/>
+                            <a:t>Need to do something to avoid double counting.</a:t>
+                          </a:r>
+                        </a:p>
+                      </a:txBody>
+                      <a:tcPr/>
+                    </a:tc>
+                    <a:extLst>
+                      <a:ext uri="{0D108BD9-81ED-4DB2-BD59-A6C34878D82A}">
+                        <a16:rowId xmlns:a16="http://schemas.microsoft.com/office/drawing/2014/main" val="708129845"/>
                       </a:ext>
                     </a:extLst>
                   </a:tr>
@@ -6133,6 +6386,116 @@
 </file>
 
 <file path=ppt/slides/slide7.xml><?xml version="1.0" encoding="utf-8"?>
+<p:sld xmlns:a="http://schemas.openxmlformats.org/drawingml/2006/main" xmlns:r="http://schemas.openxmlformats.org/officeDocument/2006/relationships" xmlns:p="http://schemas.openxmlformats.org/presentationml/2006/main">
+  <p:cSld>
+    <p:spTree>
+      <p:nvGrpSpPr>
+        <p:cNvPr id="1" name=""/>
+        <p:cNvGrpSpPr/>
+        <p:nvPr/>
+      </p:nvGrpSpPr>
+      <p:grpSpPr>
+        <a:xfrm>
+          <a:off x="0" y="0"/>
+          <a:ext cx="0" cy="0"/>
+          <a:chOff x="0" y="0"/>
+          <a:chExt cx="0" cy="0"/>
+        </a:xfrm>
+      </p:grpSpPr>
+      <p:sp>
+        <p:nvSpPr>
+          <p:cNvPr id="2" name="Title 1">
+            <a:extLst>
+              <a:ext uri="{FF2B5EF4-FFF2-40B4-BE49-F238E27FC236}">
+                <a16:creationId xmlns:a16="http://schemas.microsoft.com/office/drawing/2014/main" id="{D61AFB6D-45A5-B4E4-E4B4-4D7D28119E94}"/>
+              </a:ext>
+            </a:extLst>
+          </p:cNvPr>
+          <p:cNvSpPr>
+            <a:spLocks noGrp="1"/>
+          </p:cNvSpPr>
+          <p:nvPr>
+            <p:ph type="title"/>
+          </p:nvPr>
+        </p:nvSpPr>
+        <p:spPr/>
+        <p:txBody>
+          <a:bodyPr/>
+          <a:lstStyle/>
+          <a:p>
+            <a:endParaRPr lang="en-US"/>
+          </a:p>
+        </p:txBody>
+      </p:sp>
+      <p:sp>
+        <p:nvSpPr>
+          <p:cNvPr id="3" name="Content Placeholder 2">
+            <a:extLst>
+              <a:ext uri="{FF2B5EF4-FFF2-40B4-BE49-F238E27FC236}">
+                <a16:creationId xmlns:a16="http://schemas.microsoft.com/office/drawing/2014/main" id="{419DAE0E-6D6B-DDCF-7044-E8E6CBF04A1D}"/>
+              </a:ext>
+            </a:extLst>
+          </p:cNvPr>
+          <p:cNvSpPr>
+            <a:spLocks noGrp="1"/>
+          </p:cNvSpPr>
+          <p:nvPr>
+            <p:ph idx="1"/>
+          </p:nvPr>
+        </p:nvSpPr>
+        <p:spPr/>
+        <p:txBody>
+          <a:bodyPr/>
+          <a:lstStyle/>
+          <a:p>
+            <a:endParaRPr lang="en-US"/>
+          </a:p>
+        </p:txBody>
+      </p:sp>
+      <p:pic>
+        <p:nvPicPr>
+          <p:cNvPr id="5" name="Picture 4">
+            <a:extLst>
+              <a:ext uri="{FF2B5EF4-FFF2-40B4-BE49-F238E27FC236}">
+                <a16:creationId xmlns:a16="http://schemas.microsoft.com/office/drawing/2014/main" id="{57734619-0ABF-60F8-DC75-DB5C8CE8FBE9}"/>
+              </a:ext>
+            </a:extLst>
+          </p:cNvPr>
+          <p:cNvPicPr>
+            <a:picLocks noChangeAspect="1"/>
+          </p:cNvPicPr>
+          <p:nvPr/>
+        </p:nvPicPr>
+        <p:blipFill>
+          <a:blip r:embed="rId2"/>
+          <a:stretch>
+            <a:fillRect/>
+          </a:stretch>
+        </p:blipFill>
+        <p:spPr>
+          <a:xfrm>
+            <a:off x="351879" y="0"/>
+            <a:ext cx="11488242" cy="6858000"/>
+          </a:xfrm>
+          <a:prstGeom prst="rect">
+            <a:avLst/>
+          </a:prstGeom>
+        </p:spPr>
+      </p:pic>
+    </p:spTree>
+    <p:extLst>
+      <p:ext uri="{BB962C8B-B14F-4D97-AF65-F5344CB8AC3E}">
+        <p14:creationId xmlns:p14="http://schemas.microsoft.com/office/powerpoint/2010/main" val="3438799870"/>
+      </p:ext>
+    </p:extLst>
+  </p:cSld>
+  <p:clrMapOvr>
+    <a:masterClrMapping/>
+  </p:clrMapOvr>
+</p:sld>
+</file>
+
+<file path=ppt/slides/slide8.xml><?xml version="1.0" encoding="utf-8"?>
 <p:sld xmlns:a="http://schemas.openxmlformats.org/drawingml/2006/main" xmlns:r="http://schemas.openxmlformats.org/officeDocument/2006/relationships" xmlns:p="http://schemas.openxmlformats.org/presentationml/2006/main">
   <p:cSld>
     <p:spTree>

--- a/Slides/ZL_note_productions.pptx
+++ b/Slides/ZL_note_productions.pptx
@@ -10,9 +10,20 @@
     <p:sldId id="259" r:id="rId4"/>
     <p:sldId id="258" r:id="rId5"/>
     <p:sldId id="261" r:id="rId6"/>
-    <p:sldId id="260" r:id="rId7"/>
-    <p:sldId id="263" r:id="rId8"/>
-    <p:sldId id="262" r:id="rId9"/>
+    <p:sldId id="272" r:id="rId7"/>
+    <p:sldId id="265" r:id="rId8"/>
+    <p:sldId id="266" r:id="rId9"/>
+    <p:sldId id="278" r:id="rId10"/>
+    <p:sldId id="273" r:id="rId11"/>
+    <p:sldId id="276" r:id="rId12"/>
+    <p:sldId id="279" r:id="rId13"/>
+    <p:sldId id="270" r:id="rId14"/>
+    <p:sldId id="260" r:id="rId15"/>
+    <p:sldId id="263" r:id="rId16"/>
+    <p:sldId id="262" r:id="rId17"/>
+    <p:sldId id="267" r:id="rId18"/>
+    <p:sldId id="269" r:id="rId19"/>
+    <p:sldId id="277" r:id="rId20"/>
   </p:sldIdLst>
   <p:sldSz cx="12192000" cy="6858000"/>
   <p:notesSz cx="6858000" cy="9144000"/>
@@ -277,7 +288,7 @@
           <a:p>
             <a:fld id="{E1271C03-445A-46FD-949E-262CC4E18408}" type="datetimeFigureOut">
               <a:rPr lang="en-US" smtClean="0"/>
-              <a:t>10/3/2024</a:t>
+              <a:t>10/12/2024</a:t>
             </a:fld>
             <a:endParaRPr lang="en-US"/>
           </a:p>
@@ -475,7 +486,7 @@
           <a:p>
             <a:fld id="{E1271C03-445A-46FD-949E-262CC4E18408}" type="datetimeFigureOut">
               <a:rPr lang="en-US" smtClean="0"/>
-              <a:t>10/3/2024</a:t>
+              <a:t>10/12/2024</a:t>
             </a:fld>
             <a:endParaRPr lang="en-US"/>
           </a:p>
@@ -683,7 +694,7 @@
           <a:p>
             <a:fld id="{E1271C03-445A-46FD-949E-262CC4E18408}" type="datetimeFigureOut">
               <a:rPr lang="en-US" smtClean="0"/>
-              <a:t>10/3/2024</a:t>
+              <a:t>10/12/2024</a:t>
             </a:fld>
             <a:endParaRPr lang="en-US"/>
           </a:p>
@@ -881,7 +892,7 @@
           <a:p>
             <a:fld id="{E1271C03-445A-46FD-949E-262CC4E18408}" type="datetimeFigureOut">
               <a:rPr lang="en-US" smtClean="0"/>
-              <a:t>10/3/2024</a:t>
+              <a:t>10/12/2024</a:t>
             </a:fld>
             <a:endParaRPr lang="en-US"/>
           </a:p>
@@ -1156,7 +1167,7 @@
           <a:p>
             <a:fld id="{E1271C03-445A-46FD-949E-262CC4E18408}" type="datetimeFigureOut">
               <a:rPr lang="en-US" smtClean="0"/>
-              <a:t>10/3/2024</a:t>
+              <a:t>10/12/2024</a:t>
             </a:fld>
             <a:endParaRPr lang="en-US"/>
           </a:p>
@@ -1421,7 +1432,7 @@
           <a:p>
             <a:fld id="{E1271C03-445A-46FD-949E-262CC4E18408}" type="datetimeFigureOut">
               <a:rPr lang="en-US" smtClean="0"/>
-              <a:t>10/3/2024</a:t>
+              <a:t>10/12/2024</a:t>
             </a:fld>
             <a:endParaRPr lang="en-US"/>
           </a:p>
@@ -1833,7 +1844,7 @@
           <a:p>
             <a:fld id="{E1271C03-445A-46FD-949E-262CC4E18408}" type="datetimeFigureOut">
               <a:rPr lang="en-US" smtClean="0"/>
-              <a:t>10/3/2024</a:t>
+              <a:t>10/12/2024</a:t>
             </a:fld>
             <a:endParaRPr lang="en-US"/>
           </a:p>
@@ -1974,7 +1985,7 @@
           <a:p>
             <a:fld id="{E1271C03-445A-46FD-949E-262CC4E18408}" type="datetimeFigureOut">
               <a:rPr lang="en-US" smtClean="0"/>
-              <a:t>10/3/2024</a:t>
+              <a:t>10/12/2024</a:t>
             </a:fld>
             <a:endParaRPr lang="en-US"/>
           </a:p>
@@ -2087,7 +2098,7 @@
           <a:p>
             <a:fld id="{E1271C03-445A-46FD-949E-262CC4E18408}" type="datetimeFigureOut">
               <a:rPr lang="en-US" smtClean="0"/>
-              <a:t>10/3/2024</a:t>
+              <a:t>10/12/2024</a:t>
             </a:fld>
             <a:endParaRPr lang="en-US"/>
           </a:p>
@@ -2398,7 +2409,7 @@
           <a:p>
             <a:fld id="{E1271C03-445A-46FD-949E-262CC4E18408}" type="datetimeFigureOut">
               <a:rPr lang="en-US" smtClean="0"/>
-              <a:t>10/3/2024</a:t>
+              <a:t>10/12/2024</a:t>
             </a:fld>
             <a:endParaRPr lang="en-US"/>
           </a:p>
@@ -2686,7 +2697,7 @@
           <a:p>
             <a:fld id="{E1271C03-445A-46FD-949E-262CC4E18408}" type="datetimeFigureOut">
               <a:rPr lang="en-US" smtClean="0"/>
-              <a:t>10/3/2024</a:t>
+              <a:t>10/12/2024</a:t>
             </a:fld>
             <a:endParaRPr lang="en-US"/>
           </a:p>
@@ -2927,7 +2938,7 @@
           <a:p>
             <a:fld id="{E1271C03-445A-46FD-949E-262CC4E18408}" type="datetimeFigureOut">
               <a:rPr lang="en-US" smtClean="0"/>
-              <a:t>10/3/2024</a:t>
+              <a:t>10/12/2024</a:t>
             </a:fld>
             <a:endParaRPr lang="en-US"/>
           </a:p>
@@ -3406,6 +3417,4159 @@
     <p:extLst>
       <p:ext uri="{BB962C8B-B14F-4D97-AF65-F5344CB8AC3E}">
         <p14:creationId xmlns:p14="http://schemas.microsoft.com/office/powerpoint/2010/main" val="1265172307"/>
+      </p:ext>
+    </p:extLst>
+  </p:cSld>
+  <p:clrMapOvr>
+    <a:masterClrMapping/>
+  </p:clrMapOvr>
+</p:sld>
+</file>
+
+<file path=ppt/slides/slide10.xml><?xml version="1.0" encoding="utf-8"?>
+<p:sld xmlns:a="http://schemas.openxmlformats.org/drawingml/2006/main" xmlns:r="http://schemas.openxmlformats.org/officeDocument/2006/relationships" xmlns:p="http://schemas.openxmlformats.org/presentationml/2006/main">
+  <p:cSld>
+    <p:spTree>
+      <p:nvGrpSpPr>
+        <p:cNvPr id="1" name=""/>
+        <p:cNvGrpSpPr/>
+        <p:nvPr/>
+      </p:nvGrpSpPr>
+      <p:grpSpPr>
+        <a:xfrm>
+          <a:off x="0" y="0"/>
+          <a:ext cx="0" cy="0"/>
+          <a:chOff x="0" y="0"/>
+          <a:chExt cx="0" cy="0"/>
+        </a:xfrm>
+      </p:grpSpPr>
+      <p:sp>
+        <p:nvSpPr>
+          <p:cNvPr id="4" name="Title 3">
+            <a:extLst>
+              <a:ext uri="{FF2B5EF4-FFF2-40B4-BE49-F238E27FC236}">
+                <a16:creationId xmlns:a16="http://schemas.microsoft.com/office/drawing/2014/main" id="{35D1D859-F3AF-DB88-A635-E29FEC0DD58E}"/>
+              </a:ext>
+            </a:extLst>
+          </p:cNvPr>
+          <p:cNvSpPr>
+            <a:spLocks noGrp="1"/>
+          </p:cNvSpPr>
+          <p:nvPr>
+            <p:ph type="title"/>
+          </p:nvPr>
+        </p:nvSpPr>
+        <p:spPr/>
+        <p:txBody>
+          <a:bodyPr/>
+          <a:lstStyle/>
+          <a:p>
+            <a:r>
+              <a:rPr lang="en-US" dirty="0"/>
+              <a:t>New cross checks</a:t>
+            </a:r>
+          </a:p>
+        </p:txBody>
+      </p:sp>
+      <p:sp>
+        <p:nvSpPr>
+          <p:cNvPr id="5" name="Text Placeholder 4">
+            <a:extLst>
+              <a:ext uri="{FF2B5EF4-FFF2-40B4-BE49-F238E27FC236}">
+                <a16:creationId xmlns:a16="http://schemas.microsoft.com/office/drawing/2014/main" id="{D3BA2D03-350A-2AEF-A8C8-B033D22F10FF}"/>
+              </a:ext>
+            </a:extLst>
+          </p:cNvPr>
+          <p:cNvSpPr>
+            <a:spLocks noGrp="1"/>
+          </p:cNvSpPr>
+          <p:nvPr>
+            <p:ph type="body" idx="1"/>
+          </p:nvPr>
+        </p:nvSpPr>
+        <p:spPr/>
+        <p:txBody>
+          <a:bodyPr/>
+          <a:lstStyle/>
+          <a:p>
+            <a:endParaRPr lang="en-US"/>
+          </a:p>
+        </p:txBody>
+      </p:sp>
+      <p:sp>
+        <p:nvSpPr>
+          <p:cNvPr id="2" name="TextBox 1">
+            <a:extLst>
+              <a:ext uri="{FF2B5EF4-FFF2-40B4-BE49-F238E27FC236}">
+                <a16:creationId xmlns:a16="http://schemas.microsoft.com/office/drawing/2014/main" id="{C05D125A-D594-6E77-28BE-4354D362E3D3}"/>
+              </a:ext>
+            </a:extLst>
+          </p:cNvPr>
+          <p:cNvSpPr txBox="1"/>
+          <p:nvPr/>
+        </p:nvSpPr>
+        <p:spPr>
+          <a:xfrm>
+            <a:off x="0" y="272643"/>
+            <a:ext cx="11309193" cy="646331"/>
+          </a:xfrm>
+          <a:prstGeom prst="rect">
+            <a:avLst/>
+          </a:prstGeom>
+          <a:noFill/>
+        </p:spPr>
+        <p:txBody>
+          <a:bodyPr wrap="square" rtlCol="0">
+            <a:spAutoFit/>
+          </a:bodyPr>
+          <a:lstStyle/>
+          <a:p>
+            <a:r>
+              <a:rPr lang="en-US" dirty="0"/>
+              <a:t>All of the following used MG5_v3_6_0, which is underdevelopment and always some error message of index out of range thing. Now I want to rerun it from using the stable version MG5_v3_5_6.</a:t>
+            </a:r>
+          </a:p>
+        </p:txBody>
+      </p:sp>
+    </p:spTree>
+    <p:extLst>
+      <p:ext uri="{BB962C8B-B14F-4D97-AF65-F5344CB8AC3E}">
+        <p14:creationId xmlns:p14="http://schemas.microsoft.com/office/powerpoint/2010/main" val="1176657615"/>
+      </p:ext>
+    </p:extLst>
+  </p:cSld>
+  <p:clrMapOvr>
+    <a:masterClrMapping/>
+  </p:clrMapOvr>
+</p:sld>
+</file>
+
+<file path=ppt/slides/slide11.xml><?xml version="1.0" encoding="utf-8"?>
+<p:sld xmlns:a="http://schemas.openxmlformats.org/drawingml/2006/main" xmlns:r="http://schemas.openxmlformats.org/officeDocument/2006/relationships" xmlns:p="http://schemas.openxmlformats.org/presentationml/2006/main">
+  <p:cSld>
+    <p:spTree>
+      <p:nvGrpSpPr>
+        <p:cNvPr id="1" name=""/>
+        <p:cNvGrpSpPr/>
+        <p:nvPr/>
+      </p:nvGrpSpPr>
+      <p:grpSpPr>
+        <a:xfrm>
+          <a:off x="0" y="0"/>
+          <a:ext cx="0" cy="0"/>
+          <a:chOff x="0" y="0"/>
+          <a:chExt cx="0" cy="0"/>
+        </a:xfrm>
+      </p:grpSpPr>
+      <p:graphicFrame>
+        <p:nvGraphicFramePr>
+          <p:cNvPr id="4" name="Content Placeholder 3">
+            <a:extLst>
+              <a:ext uri="{FF2B5EF4-FFF2-40B4-BE49-F238E27FC236}">
+                <a16:creationId xmlns:a16="http://schemas.microsoft.com/office/drawing/2014/main" id="{CB588A59-1435-31D4-F8B9-B42A6B73F949}"/>
+              </a:ext>
+            </a:extLst>
+          </p:cNvPr>
+          <p:cNvGraphicFramePr>
+            <a:graphicFrameLocks noGrp="1"/>
+          </p:cNvGraphicFramePr>
+          <p:nvPr>
+            <p:ph idx="1"/>
+            <p:extLst>
+              <p:ext uri="{D42A27DB-BD31-4B8C-83A1-F6EECF244321}">
+                <p14:modId xmlns:p14="http://schemas.microsoft.com/office/powerpoint/2010/main" val="3562689209"/>
+              </p:ext>
+            </p:extLst>
+          </p:nvPr>
+        </p:nvGraphicFramePr>
+        <p:xfrm>
+          <a:off x="225669" y="1234201"/>
+          <a:ext cx="11614828" cy="4582160"/>
+        </p:xfrm>
+        <a:graphic>
+          <a:graphicData uri="http://schemas.openxmlformats.org/drawingml/2006/table">
+            <a:tbl>
+              <a:tblPr firstRow="1" bandRow="1">
+                <a:tableStyleId>{5C22544A-7EE6-4342-B048-85BDC9FD1C3A}</a:tableStyleId>
+              </a:tblPr>
+              <a:tblGrid>
+                <a:gridCol w="2488170">
+                  <a:extLst>
+                    <a:ext uri="{9D8B030D-6E8A-4147-A177-3AD203B41FA5}">
+                      <a16:colId xmlns:a16="http://schemas.microsoft.com/office/drawing/2014/main" val="776659425"/>
+                    </a:ext>
+                  </a:extLst>
+                </a:gridCol>
+                <a:gridCol w="1706103">
+                  <a:extLst>
+                    <a:ext uri="{9D8B030D-6E8A-4147-A177-3AD203B41FA5}">
+                      <a16:colId xmlns:a16="http://schemas.microsoft.com/office/drawing/2014/main" val="3531366387"/>
+                    </a:ext>
+                  </a:extLst>
+                </a:gridCol>
+                <a:gridCol w="1613140">
+                  <a:extLst>
+                    <a:ext uri="{9D8B030D-6E8A-4147-A177-3AD203B41FA5}">
+                      <a16:colId xmlns:a16="http://schemas.microsoft.com/office/drawing/2014/main" val="3710483499"/>
+                    </a:ext>
+                  </a:extLst>
+                </a:gridCol>
+                <a:gridCol w="1935805">
+                  <a:extLst>
+                    <a:ext uri="{9D8B030D-6E8A-4147-A177-3AD203B41FA5}">
+                      <a16:colId xmlns:a16="http://schemas.microsoft.com/office/drawing/2014/main" val="549988924"/>
+                    </a:ext>
+                  </a:extLst>
+                </a:gridCol>
+                <a:gridCol w="373965">
+                  <a:extLst>
+                    <a:ext uri="{9D8B030D-6E8A-4147-A177-3AD203B41FA5}">
+                      <a16:colId xmlns:a16="http://schemas.microsoft.com/office/drawing/2014/main" val="2838559681"/>
+                    </a:ext>
+                  </a:extLst>
+                </a:gridCol>
+                <a:gridCol w="3497645">
+                  <a:extLst>
+                    <a:ext uri="{9D8B030D-6E8A-4147-A177-3AD203B41FA5}">
+                      <a16:colId xmlns:a16="http://schemas.microsoft.com/office/drawing/2014/main" val="4070823668"/>
+                    </a:ext>
+                  </a:extLst>
+                </a:gridCol>
+              </a:tblGrid>
+              <a:tr h="370840">
+                <a:tc>
+                  <a:txBody>
+                    <a:bodyPr/>
+                    <a:lstStyle/>
+                    <a:p>
+                      <a:r>
+                        <a:rPr lang="en-US" dirty="0"/>
+                        <a:t>Process</a:t>
+                      </a:r>
+                    </a:p>
+                  </a:txBody>
+                  <a:tcPr/>
+                </a:tc>
+                <a:tc>
+                  <a:txBody>
+                    <a:bodyPr/>
+                    <a:lstStyle/>
+                    <a:p>
+                      <a:r>
+                        <a:rPr lang="en-US" dirty="0"/>
+                        <a:t>Note</a:t>
+                      </a:r>
+                    </a:p>
+                  </a:txBody>
+                  <a:tcPr/>
+                </a:tc>
+                <a:tc>
+                  <a:txBody>
+                    <a:bodyPr/>
+                    <a:lstStyle/>
+                    <a:p>
+                      <a:r>
+                        <a:rPr lang="en-US" dirty="0"/>
+                        <a:t>Parameters</a:t>
+                      </a:r>
+                    </a:p>
+                  </a:txBody>
+                  <a:tcPr/>
+                </a:tc>
+                <a:tc>
+                  <a:txBody>
+                    <a:bodyPr/>
+                    <a:lstStyle/>
+                    <a:p>
+                      <a:r>
+                        <a:rPr lang="en-US" dirty="0"/>
+                        <a:t>Result</a:t>
+                      </a:r>
+                    </a:p>
+                  </a:txBody>
+                  <a:tcPr/>
+                </a:tc>
+                <a:tc>
+                  <a:txBody>
+                    <a:bodyPr/>
+                    <a:lstStyle/>
+                    <a:p>
+                      <a:endParaRPr lang="en-US" dirty="0"/>
+                    </a:p>
+                  </a:txBody>
+                  <a:tcPr/>
+                </a:tc>
+                <a:tc>
+                  <a:txBody>
+                    <a:bodyPr/>
+                    <a:lstStyle/>
+                    <a:p>
+                      <a:pPr marL="0" marR="0" lvl="0" indent="0" algn="l" defTabSz="914400" rtl="0" eaLnBrk="1" fontAlgn="auto" latinLnBrk="0" hangingPunct="1">
+                        <a:lnSpc>
+                          <a:spcPct val="100000"/>
+                        </a:lnSpc>
+                        <a:spcBef>
+                          <a:spcPts val="0"/>
+                        </a:spcBef>
+                        <a:spcAft>
+                          <a:spcPts val="0"/>
+                        </a:spcAft>
+                        <a:buClrTx/>
+                        <a:buSzTx/>
+                        <a:buFontTx/>
+                        <a:buNone/>
+                        <a:tabLst/>
+                        <a:defRPr/>
+                      </a:pPr>
+                      <a:r>
+                        <a:rPr lang="en-US" dirty="0"/>
+                        <a:t>Comment</a:t>
+                      </a:r>
+                    </a:p>
+                    <a:p>
+                      <a:endParaRPr lang="en-US" dirty="0"/>
+                    </a:p>
+                  </a:txBody>
+                  <a:tcPr/>
+                </a:tc>
+                <a:extLst>
+                  <a:ext uri="{0D108BD9-81ED-4DB2-BD59-A6C34878D82A}">
+                    <a16:rowId xmlns:a16="http://schemas.microsoft.com/office/drawing/2014/main" val="1169282519"/>
+                  </a:ext>
+                </a:extLst>
+              </a:tr>
+              <a:tr h="370840">
+                <a:tc>
+                  <a:txBody>
+                    <a:bodyPr/>
+                    <a:lstStyle/>
+                    <a:p>
+                      <a:pPr marL="0" marR="0" lvl="0" indent="0" algn="l" defTabSz="914400" rtl="0" eaLnBrk="1" fontAlgn="auto" latinLnBrk="0" hangingPunct="1">
+                        <a:lnSpc>
+                          <a:spcPct val="100000"/>
+                        </a:lnSpc>
+                        <a:spcBef>
+                          <a:spcPts val="0"/>
+                        </a:spcBef>
+                        <a:spcAft>
+                          <a:spcPts val="0"/>
+                        </a:spcAft>
+                        <a:buClrTx/>
+                        <a:buSzTx/>
+                        <a:buFontTx/>
+                        <a:buNone/>
+                        <a:tabLst/>
+                        <a:defRPr/>
+                      </a:pPr>
+                      <a:r>
+                        <a:rPr lang="pl-PL" sz="1800" dirty="0"/>
+                        <a:t>a mu+ &gt; ax w+ vm~</a:t>
+                      </a:r>
+                      <a:endParaRPr lang="en-US" sz="1800" dirty="0"/>
+                    </a:p>
+                  </a:txBody>
+                  <a:tcPr/>
+                </a:tc>
+                <a:tc>
+                  <a:txBody>
+                    <a:bodyPr/>
+                    <a:lstStyle/>
+                    <a:p>
+                      <a:r>
+                        <a:rPr lang="en-US" dirty="0"/>
+                        <a:t>IWW</a:t>
+                      </a:r>
+                    </a:p>
+                  </a:txBody>
+                  <a:tcPr/>
+                </a:tc>
+                <a:tc>
+                  <a:txBody>
+                    <a:bodyPr/>
+                    <a:lstStyle/>
+                    <a:p>
+                      <a:pPr marL="0" marR="0" lvl="0" indent="0" algn="l" defTabSz="914400" rtl="0" eaLnBrk="1" fontAlgn="auto" latinLnBrk="0" hangingPunct="1">
+                        <a:lnSpc>
+                          <a:spcPct val="100000"/>
+                        </a:lnSpc>
+                        <a:spcBef>
+                          <a:spcPts val="0"/>
+                        </a:spcBef>
+                        <a:spcAft>
+                          <a:spcPts val="0"/>
+                        </a:spcAft>
+                        <a:buClrTx/>
+                        <a:buSzTx/>
+                        <a:buFontTx/>
+                        <a:buNone/>
+                        <a:tabLst/>
+                        <a:defRPr/>
+                      </a:pPr>
+                      <a:r>
+                        <a:rPr lang="en-US" dirty="0"/>
+                        <a:t>0.1 TeV</a:t>
+                      </a:r>
+                    </a:p>
+                  </a:txBody>
+                  <a:tcPr/>
+                </a:tc>
+                <a:tc>
+                  <a:txBody>
+                    <a:bodyPr/>
+                    <a:lstStyle/>
+                    <a:p>
+                      <a:r>
+                        <a:rPr lang="en-US" dirty="0"/>
+                        <a:t>2.6 fb</a:t>
+                      </a:r>
+                    </a:p>
+                  </a:txBody>
+                  <a:tcPr/>
+                </a:tc>
+                <a:tc>
+                  <a:txBody>
+                    <a:bodyPr/>
+                    <a:lstStyle/>
+                    <a:p>
+                      <a:endParaRPr lang="en-US" dirty="0"/>
+                    </a:p>
+                  </a:txBody>
+                  <a:tcPr/>
+                </a:tc>
+                <a:tc>
+                  <a:txBody>
+                    <a:bodyPr/>
+                    <a:lstStyle/>
+                    <a:p>
+                      <a:pPr marL="0" marR="0" lvl="0" indent="0" algn="l" defTabSz="914400" rtl="0" eaLnBrk="1" fontAlgn="auto" latinLnBrk="0" hangingPunct="1">
+                        <a:lnSpc>
+                          <a:spcPct val="100000"/>
+                        </a:lnSpc>
+                        <a:spcBef>
+                          <a:spcPts val="0"/>
+                        </a:spcBef>
+                        <a:spcAft>
+                          <a:spcPts val="0"/>
+                        </a:spcAft>
+                        <a:buClrTx/>
+                        <a:buSzTx/>
+                        <a:buFontTx/>
+                        <a:buNone/>
+                        <a:tabLst/>
+                        <a:defRPr/>
+                      </a:pPr>
+                      <a:r>
+                        <a:rPr lang="en-US" dirty="0"/>
+                        <a:t>With v3.6.0, event generation with trouble; cross section fine.</a:t>
+                      </a:r>
+                    </a:p>
+                  </a:txBody>
+                  <a:tcPr/>
+                </a:tc>
+                <a:extLst>
+                  <a:ext uri="{0D108BD9-81ED-4DB2-BD59-A6C34878D82A}">
+                    <a16:rowId xmlns:a16="http://schemas.microsoft.com/office/drawing/2014/main" val="114916999"/>
+                  </a:ext>
+                </a:extLst>
+              </a:tr>
+              <a:tr h="370840">
+                <a:tc>
+                  <a:txBody>
+                    <a:bodyPr/>
+                    <a:lstStyle/>
+                    <a:p>
+                      <a:pPr marL="0" marR="0" lvl="0" indent="0" algn="l" defTabSz="914400" rtl="0" eaLnBrk="1" fontAlgn="auto" latinLnBrk="0" hangingPunct="1">
+                        <a:lnSpc>
+                          <a:spcPct val="100000"/>
+                        </a:lnSpc>
+                        <a:spcBef>
+                          <a:spcPts val="0"/>
+                        </a:spcBef>
+                        <a:spcAft>
+                          <a:spcPts val="0"/>
+                        </a:spcAft>
+                        <a:buClrTx/>
+                        <a:buSzTx/>
+                        <a:buFontTx/>
+                        <a:buNone/>
+                        <a:tabLst/>
+                        <a:defRPr/>
+                      </a:pPr>
+                      <a:endParaRPr lang="en-US" sz="1800" dirty="0"/>
+                    </a:p>
+                  </a:txBody>
+                  <a:tcPr/>
+                </a:tc>
+                <a:tc>
+                  <a:txBody>
+                    <a:bodyPr/>
+                    <a:lstStyle/>
+                    <a:p>
+                      <a:r>
+                        <a:rPr lang="en-US" dirty="0"/>
+                        <a:t>IWW</a:t>
+                      </a:r>
+                    </a:p>
+                  </a:txBody>
+                  <a:tcPr/>
+                </a:tc>
+                <a:tc>
+                  <a:txBody>
+                    <a:bodyPr/>
+                    <a:lstStyle/>
+                    <a:p>
+                      <a:pPr marL="0" marR="0" lvl="0" indent="0" algn="l" defTabSz="914400" rtl="0" eaLnBrk="1" fontAlgn="auto" latinLnBrk="0" hangingPunct="1">
+                        <a:lnSpc>
+                          <a:spcPct val="100000"/>
+                        </a:lnSpc>
+                        <a:spcBef>
+                          <a:spcPts val="0"/>
+                        </a:spcBef>
+                        <a:spcAft>
+                          <a:spcPts val="0"/>
+                        </a:spcAft>
+                        <a:buClrTx/>
+                        <a:buSzTx/>
+                        <a:buFontTx/>
+                        <a:buNone/>
+                        <a:tabLst/>
+                        <a:defRPr/>
+                      </a:pPr>
+                      <a:r>
+                        <a:rPr lang="en-US" dirty="0"/>
+                        <a:t>0.1 TeV</a:t>
+                      </a:r>
+                    </a:p>
+                  </a:txBody>
+                  <a:tcPr/>
+                </a:tc>
+                <a:tc>
+                  <a:txBody>
+                    <a:bodyPr/>
+                    <a:lstStyle/>
+                    <a:p>
+                      <a:r>
+                        <a:rPr lang="en-US" dirty="0"/>
+                        <a:t>2.6 fb</a:t>
+                      </a:r>
+                    </a:p>
+                  </a:txBody>
+                  <a:tcPr/>
+                </a:tc>
+                <a:tc>
+                  <a:txBody>
+                    <a:bodyPr/>
+                    <a:lstStyle/>
+                    <a:p>
+                      <a:endParaRPr lang="en-US" dirty="0"/>
+                    </a:p>
+                  </a:txBody>
+                  <a:tcPr/>
+                </a:tc>
+                <a:tc>
+                  <a:txBody>
+                    <a:bodyPr/>
+                    <a:lstStyle/>
+                    <a:p>
+                      <a:pPr marL="0" marR="0" lvl="0" indent="0" algn="l" defTabSz="914400" rtl="0" eaLnBrk="1" fontAlgn="auto" latinLnBrk="0" hangingPunct="1">
+                        <a:lnSpc>
+                          <a:spcPct val="100000"/>
+                        </a:lnSpc>
+                        <a:spcBef>
+                          <a:spcPts val="0"/>
+                        </a:spcBef>
+                        <a:spcAft>
+                          <a:spcPts val="0"/>
+                        </a:spcAft>
+                        <a:buClrTx/>
+                        <a:buSzTx/>
+                        <a:buFontTx/>
+                        <a:buNone/>
+                        <a:tabLst/>
+                        <a:defRPr/>
+                      </a:pPr>
+                      <a:r>
+                        <a:rPr lang="en-US" dirty="0"/>
+                        <a:t>Changed to v3.5.6 with event generated</a:t>
+                      </a:r>
+                    </a:p>
+                  </a:txBody>
+                  <a:tcPr/>
+                </a:tc>
+                <a:extLst>
+                  <a:ext uri="{0D108BD9-81ED-4DB2-BD59-A6C34878D82A}">
+                    <a16:rowId xmlns:a16="http://schemas.microsoft.com/office/drawing/2014/main" val="2862488345"/>
+                  </a:ext>
+                </a:extLst>
+              </a:tr>
+              <a:tr h="370840">
+                <a:tc>
+                  <a:txBody>
+                    <a:bodyPr/>
+                    <a:lstStyle/>
+                    <a:p>
+                      <a:pPr marL="0" marR="0" lvl="0" indent="0" algn="l" defTabSz="914400" rtl="0" eaLnBrk="1" fontAlgn="auto" latinLnBrk="0" hangingPunct="1">
+                        <a:lnSpc>
+                          <a:spcPct val="100000"/>
+                        </a:lnSpc>
+                        <a:spcBef>
+                          <a:spcPts val="0"/>
+                        </a:spcBef>
+                        <a:spcAft>
+                          <a:spcPts val="0"/>
+                        </a:spcAft>
+                        <a:buClrTx/>
+                        <a:buSzTx/>
+                        <a:buFontTx/>
+                        <a:buNone/>
+                        <a:tabLst/>
+                        <a:defRPr/>
+                      </a:pPr>
+                      <a:endParaRPr lang="en-US" sz="1800" dirty="0"/>
+                    </a:p>
+                  </a:txBody>
+                  <a:tcPr/>
+                </a:tc>
+                <a:tc>
+                  <a:txBody>
+                    <a:bodyPr/>
+                    <a:lstStyle/>
+                    <a:p>
+                      <a:r>
+                        <a:rPr lang="en-US" dirty="0"/>
+                        <a:t>IWW</a:t>
+                      </a:r>
+                    </a:p>
+                  </a:txBody>
+                  <a:tcPr/>
+                </a:tc>
+                <a:tc>
+                  <a:txBody>
+                    <a:bodyPr/>
+                    <a:lstStyle/>
+                    <a:p>
+                      <a:pPr marL="0" marR="0" lvl="0" indent="0" algn="l" defTabSz="914400" rtl="0" eaLnBrk="1" fontAlgn="auto" latinLnBrk="0" hangingPunct="1">
+                        <a:lnSpc>
+                          <a:spcPct val="100000"/>
+                        </a:lnSpc>
+                        <a:spcBef>
+                          <a:spcPts val="0"/>
+                        </a:spcBef>
+                        <a:spcAft>
+                          <a:spcPts val="0"/>
+                        </a:spcAft>
+                        <a:buClrTx/>
+                        <a:buSzTx/>
+                        <a:buFontTx/>
+                        <a:buNone/>
+                        <a:tabLst/>
+                        <a:defRPr/>
+                      </a:pPr>
+                      <a:r>
+                        <a:rPr lang="en-US" dirty="0"/>
+                        <a:t>0.1 TeV</a:t>
+                      </a:r>
+                    </a:p>
+                  </a:txBody>
+                  <a:tcPr/>
+                </a:tc>
+                <a:tc>
+                  <a:txBody>
+                    <a:bodyPr/>
+                    <a:lstStyle/>
+                    <a:p>
+                      <a:r>
+                        <a:rPr lang="en-US" dirty="0"/>
+                        <a:t>2.6 fb</a:t>
+                      </a:r>
+                    </a:p>
+                  </a:txBody>
+                  <a:tcPr/>
+                </a:tc>
+                <a:tc>
+                  <a:txBody>
+                    <a:bodyPr/>
+                    <a:lstStyle/>
+                    <a:p>
+                      <a:endParaRPr lang="en-US" dirty="0"/>
+                    </a:p>
+                  </a:txBody>
+                  <a:tcPr/>
+                </a:tc>
+                <a:tc>
+                  <a:txBody>
+                    <a:bodyPr/>
+                    <a:lstStyle/>
+                    <a:p>
+                      <a:pPr marL="0" marR="0" lvl="0" indent="0" algn="l" defTabSz="914400" rtl="0" eaLnBrk="1" fontAlgn="auto" latinLnBrk="0" hangingPunct="1">
+                        <a:lnSpc>
+                          <a:spcPct val="100000"/>
+                        </a:lnSpc>
+                        <a:spcBef>
+                          <a:spcPts val="0"/>
+                        </a:spcBef>
+                        <a:spcAft>
+                          <a:spcPts val="0"/>
+                        </a:spcAft>
+                        <a:buClrTx/>
+                        <a:buSzTx/>
+                        <a:buFontTx/>
+                        <a:buNone/>
+                        <a:tabLst/>
+                        <a:defRPr/>
+                      </a:pPr>
+                      <a:r>
+                        <a:rPr lang="en-US" dirty="0"/>
+                        <a:t>V3.5.6 without </a:t>
+                      </a:r>
+                      <a:r>
+                        <a:rPr lang="en-US" dirty="0" err="1"/>
+                        <a:t>aBB</a:t>
+                      </a:r>
+                      <a:r>
+                        <a:rPr lang="en-US" dirty="0"/>
+                        <a:t> coupling</a:t>
+                      </a:r>
+                    </a:p>
+                  </a:txBody>
+                  <a:tcPr/>
+                </a:tc>
+                <a:extLst>
+                  <a:ext uri="{0D108BD9-81ED-4DB2-BD59-A6C34878D82A}">
+                    <a16:rowId xmlns:a16="http://schemas.microsoft.com/office/drawing/2014/main" val="3261026335"/>
+                  </a:ext>
+                </a:extLst>
+              </a:tr>
+              <a:tr h="370840">
+                <a:tc>
+                  <a:txBody>
+                    <a:bodyPr/>
+                    <a:lstStyle/>
+                    <a:p>
+                      <a:pPr marL="0" marR="0" lvl="0" indent="0" algn="l" defTabSz="914400" rtl="0" eaLnBrk="1" fontAlgn="auto" latinLnBrk="0" hangingPunct="1">
+                        <a:lnSpc>
+                          <a:spcPct val="100000"/>
+                        </a:lnSpc>
+                        <a:spcBef>
+                          <a:spcPts val="0"/>
+                        </a:spcBef>
+                        <a:spcAft>
+                          <a:spcPts val="0"/>
+                        </a:spcAft>
+                        <a:buClrTx/>
+                        <a:buSzTx/>
+                        <a:buFontTx/>
+                        <a:buNone/>
+                        <a:tabLst/>
+                        <a:defRPr/>
+                      </a:pPr>
+                      <a:endParaRPr lang="en-US" sz="1800" dirty="0"/>
+                    </a:p>
+                  </a:txBody>
+                  <a:tcPr/>
+                </a:tc>
+                <a:tc>
+                  <a:txBody>
+                    <a:bodyPr/>
+                    <a:lstStyle/>
+                    <a:p>
+                      <a:r>
+                        <a:rPr lang="en-US" dirty="0"/>
+                        <a:t>IWW</a:t>
+                      </a:r>
+                    </a:p>
+                  </a:txBody>
+                  <a:tcPr/>
+                </a:tc>
+                <a:tc>
+                  <a:txBody>
+                    <a:bodyPr/>
+                    <a:lstStyle/>
+                    <a:p>
+                      <a:pPr marL="0" marR="0" lvl="0" indent="0" algn="l" defTabSz="914400" rtl="0" eaLnBrk="1" fontAlgn="auto" latinLnBrk="0" hangingPunct="1">
+                        <a:lnSpc>
+                          <a:spcPct val="100000"/>
+                        </a:lnSpc>
+                        <a:spcBef>
+                          <a:spcPts val="0"/>
+                        </a:spcBef>
+                        <a:spcAft>
+                          <a:spcPts val="0"/>
+                        </a:spcAft>
+                        <a:buClrTx/>
+                        <a:buSzTx/>
+                        <a:buFontTx/>
+                        <a:buNone/>
+                        <a:tabLst/>
+                        <a:defRPr/>
+                      </a:pPr>
+                      <a:r>
+                        <a:rPr lang="en-US" dirty="0"/>
+                        <a:t>0.1 TeV</a:t>
+                      </a:r>
+                    </a:p>
+                  </a:txBody>
+                  <a:tcPr/>
+                </a:tc>
+                <a:tc>
+                  <a:txBody>
+                    <a:bodyPr/>
+                    <a:lstStyle/>
+                    <a:p>
+                      <a:r>
+                        <a:rPr lang="en-US" dirty="0"/>
+                        <a:t>6*10^-6 fb</a:t>
+                      </a:r>
+                    </a:p>
+                  </a:txBody>
+                  <a:tcPr/>
+                </a:tc>
+                <a:tc>
+                  <a:txBody>
+                    <a:bodyPr/>
+                    <a:lstStyle/>
+                    <a:p>
+                      <a:endParaRPr lang="en-US" dirty="0"/>
+                    </a:p>
+                  </a:txBody>
+                  <a:tcPr/>
+                </a:tc>
+                <a:tc>
+                  <a:txBody>
+                    <a:bodyPr/>
+                    <a:lstStyle/>
+                    <a:p>
+                      <a:pPr marL="0" marR="0" lvl="0" indent="0" algn="l" defTabSz="914400" rtl="0" eaLnBrk="1" fontAlgn="auto" latinLnBrk="0" hangingPunct="1">
+                        <a:lnSpc>
+                          <a:spcPct val="100000"/>
+                        </a:lnSpc>
+                        <a:spcBef>
+                          <a:spcPts val="0"/>
+                        </a:spcBef>
+                        <a:spcAft>
+                          <a:spcPts val="0"/>
+                        </a:spcAft>
+                        <a:buClrTx/>
+                        <a:buSzTx/>
+                        <a:buFontTx/>
+                        <a:buNone/>
+                        <a:tabLst/>
+                        <a:defRPr/>
+                      </a:pPr>
+                      <a:r>
+                        <a:rPr lang="en-US" dirty="0"/>
+                        <a:t>V3.5.6 without </a:t>
+                      </a:r>
+                      <a:r>
+                        <a:rPr lang="en-US" dirty="0" err="1"/>
+                        <a:t>aWW</a:t>
+                      </a:r>
+                      <a:r>
+                        <a:rPr lang="en-US" dirty="0"/>
+                        <a:t> coupling</a:t>
+                      </a:r>
+                    </a:p>
+                  </a:txBody>
+                  <a:tcPr/>
+                </a:tc>
+                <a:extLst>
+                  <a:ext uri="{0D108BD9-81ED-4DB2-BD59-A6C34878D82A}">
+                    <a16:rowId xmlns:a16="http://schemas.microsoft.com/office/drawing/2014/main" val="1965488360"/>
+                  </a:ext>
+                </a:extLst>
+              </a:tr>
+              <a:tr h="370840">
+                <a:tc>
+                  <a:txBody>
+                    <a:bodyPr/>
+                    <a:lstStyle/>
+                    <a:p>
+                      <a:pPr marL="0" marR="0" lvl="0" indent="0" algn="l" defTabSz="914400" rtl="0" eaLnBrk="1" fontAlgn="auto" latinLnBrk="0" hangingPunct="1">
+                        <a:lnSpc>
+                          <a:spcPct val="100000"/>
+                        </a:lnSpc>
+                        <a:spcBef>
+                          <a:spcPts val="0"/>
+                        </a:spcBef>
+                        <a:spcAft>
+                          <a:spcPts val="0"/>
+                        </a:spcAft>
+                        <a:buClrTx/>
+                        <a:buSzTx/>
+                        <a:buFontTx/>
+                        <a:buNone/>
+                        <a:tabLst/>
+                        <a:defRPr/>
+                      </a:pPr>
+                      <a:r>
+                        <a:rPr lang="pl-PL" sz="1800" dirty="0"/>
+                        <a:t>a mu+ &gt; ax w+ vm~</a:t>
+                      </a:r>
+                      <a:r>
+                        <a:rPr lang="en-US" sz="1800" dirty="0"/>
+                        <a:t> / mu+</a:t>
+                      </a:r>
+                    </a:p>
+                  </a:txBody>
+                  <a:tcPr/>
+                </a:tc>
+                <a:tc>
+                  <a:txBody>
+                    <a:bodyPr/>
+                    <a:lstStyle/>
+                    <a:p>
+                      <a:r>
+                        <a:rPr lang="en-US" dirty="0"/>
+                        <a:t>IWW</a:t>
+                      </a:r>
+                    </a:p>
+                  </a:txBody>
+                  <a:tcPr/>
+                </a:tc>
+                <a:tc>
+                  <a:txBody>
+                    <a:bodyPr/>
+                    <a:lstStyle/>
+                    <a:p>
+                      <a:pPr marL="0" marR="0" lvl="0" indent="0" algn="l" defTabSz="914400" rtl="0" eaLnBrk="1" fontAlgn="auto" latinLnBrk="0" hangingPunct="1">
+                        <a:lnSpc>
+                          <a:spcPct val="100000"/>
+                        </a:lnSpc>
+                        <a:spcBef>
+                          <a:spcPts val="0"/>
+                        </a:spcBef>
+                        <a:spcAft>
+                          <a:spcPts val="0"/>
+                        </a:spcAft>
+                        <a:buClrTx/>
+                        <a:buSzTx/>
+                        <a:buFontTx/>
+                        <a:buNone/>
+                        <a:tabLst/>
+                        <a:defRPr/>
+                      </a:pPr>
+                      <a:r>
+                        <a:rPr lang="en-US" dirty="0"/>
+                        <a:t>0.1 TeV</a:t>
+                      </a:r>
+                    </a:p>
+                  </a:txBody>
+                  <a:tcPr/>
+                </a:tc>
+                <a:tc>
+                  <a:txBody>
+                    <a:bodyPr/>
+                    <a:lstStyle/>
+                    <a:p>
+                      <a:r>
+                        <a:rPr lang="en-US" dirty="0"/>
+                        <a:t>2.6 fb</a:t>
+                      </a:r>
+                    </a:p>
+                  </a:txBody>
+                  <a:tcPr/>
+                </a:tc>
+                <a:tc>
+                  <a:txBody>
+                    <a:bodyPr/>
+                    <a:lstStyle/>
+                    <a:p>
+                      <a:endParaRPr lang="en-US" dirty="0"/>
+                    </a:p>
+                  </a:txBody>
+                  <a:tcPr/>
+                </a:tc>
+                <a:tc>
+                  <a:txBody>
+                    <a:bodyPr/>
+                    <a:lstStyle/>
+                    <a:p>
+                      <a:pPr marL="0" marR="0" lvl="0" indent="0" algn="l" defTabSz="914400" rtl="0" eaLnBrk="1" fontAlgn="auto" latinLnBrk="0" hangingPunct="1">
+                        <a:lnSpc>
+                          <a:spcPct val="100000"/>
+                        </a:lnSpc>
+                        <a:spcBef>
+                          <a:spcPts val="0"/>
+                        </a:spcBef>
+                        <a:spcAft>
+                          <a:spcPts val="0"/>
+                        </a:spcAft>
+                        <a:buClrTx/>
+                        <a:buSzTx/>
+                        <a:buFontTx/>
+                        <a:buNone/>
+                        <a:tabLst/>
+                        <a:defRPr/>
+                      </a:pPr>
+                      <a:r>
+                        <a:rPr lang="en-US" dirty="0"/>
+                        <a:t>Removed 6 diagrams but still maintain gauge invariance</a:t>
+                      </a:r>
+                    </a:p>
+                  </a:txBody>
+                  <a:tcPr/>
+                </a:tc>
+                <a:extLst>
+                  <a:ext uri="{0D108BD9-81ED-4DB2-BD59-A6C34878D82A}">
+                    <a16:rowId xmlns:a16="http://schemas.microsoft.com/office/drawing/2014/main" val="781676055"/>
+                  </a:ext>
+                </a:extLst>
+              </a:tr>
+              <a:tr h="370840">
+                <a:tc>
+                  <a:txBody>
+                    <a:bodyPr/>
+                    <a:lstStyle/>
+                    <a:p>
+                      <a:pPr marL="0" marR="0" lvl="0" indent="0" algn="l" defTabSz="914400" rtl="0" eaLnBrk="1" fontAlgn="auto" latinLnBrk="0" hangingPunct="1">
+                        <a:lnSpc>
+                          <a:spcPct val="100000"/>
+                        </a:lnSpc>
+                        <a:spcBef>
+                          <a:spcPts val="0"/>
+                        </a:spcBef>
+                        <a:spcAft>
+                          <a:spcPts val="0"/>
+                        </a:spcAft>
+                        <a:buClrTx/>
+                        <a:buSzTx/>
+                        <a:buFontTx/>
+                        <a:buNone/>
+                        <a:tabLst/>
+                        <a:defRPr/>
+                      </a:pPr>
+                      <a:r>
+                        <a:rPr lang="pl-PL" sz="1800" dirty="0"/>
+                        <a:t>a mu+ &gt; ax w+ vm~</a:t>
+                      </a:r>
+                      <a:endParaRPr lang="en-US" sz="1800" dirty="0"/>
+                    </a:p>
+                  </a:txBody>
+                  <a:tcPr/>
+                </a:tc>
+                <a:tc>
+                  <a:txBody>
+                    <a:bodyPr/>
+                    <a:lstStyle/>
+                    <a:p>
+                      <a:r>
+                        <a:rPr lang="en-US" dirty="0"/>
+                        <a:t>IWW</a:t>
+                      </a:r>
+                    </a:p>
+                  </a:txBody>
+                  <a:tcPr/>
+                </a:tc>
+                <a:tc>
+                  <a:txBody>
+                    <a:bodyPr/>
+                    <a:lstStyle/>
+                    <a:p>
+                      <a:pPr marL="0" marR="0" lvl="0" indent="0" algn="l" defTabSz="914400" rtl="0" eaLnBrk="1" fontAlgn="auto" latinLnBrk="0" hangingPunct="1">
+                        <a:lnSpc>
+                          <a:spcPct val="100000"/>
+                        </a:lnSpc>
+                        <a:spcBef>
+                          <a:spcPts val="0"/>
+                        </a:spcBef>
+                        <a:spcAft>
+                          <a:spcPts val="0"/>
+                        </a:spcAft>
+                        <a:buClrTx/>
+                        <a:buSzTx/>
+                        <a:buFontTx/>
+                        <a:buNone/>
+                        <a:tabLst/>
+                        <a:defRPr/>
+                      </a:pPr>
+                      <a:r>
+                        <a:rPr lang="en-US" dirty="0"/>
+                        <a:t>1 TeV</a:t>
+                      </a:r>
+                    </a:p>
+                  </a:txBody>
+                  <a:tcPr/>
+                </a:tc>
+                <a:tc>
+                  <a:txBody>
+                    <a:bodyPr/>
+                    <a:lstStyle/>
+                    <a:p>
+                      <a:r>
+                        <a:rPr lang="en-US" dirty="0"/>
+                        <a:t>2.2 fb</a:t>
+                      </a:r>
+                    </a:p>
+                  </a:txBody>
+                  <a:tcPr/>
+                </a:tc>
+                <a:tc>
+                  <a:txBody>
+                    <a:bodyPr/>
+                    <a:lstStyle/>
+                    <a:p>
+                      <a:endParaRPr lang="en-US" dirty="0"/>
+                    </a:p>
+                  </a:txBody>
+                  <a:tcPr/>
+                </a:tc>
+                <a:tc>
+                  <a:txBody>
+                    <a:bodyPr/>
+                    <a:lstStyle/>
+                    <a:p>
+                      <a:pPr marL="0" marR="0" lvl="0" indent="0" algn="l" defTabSz="914400" rtl="0" eaLnBrk="1" fontAlgn="auto" latinLnBrk="0" hangingPunct="1">
+                        <a:lnSpc>
+                          <a:spcPct val="100000"/>
+                        </a:lnSpc>
+                        <a:spcBef>
+                          <a:spcPts val="0"/>
+                        </a:spcBef>
+                        <a:spcAft>
+                          <a:spcPts val="0"/>
+                        </a:spcAft>
+                        <a:buClrTx/>
+                        <a:buSzTx/>
+                        <a:buFontTx/>
+                        <a:buNone/>
+                        <a:tabLst/>
+                        <a:defRPr/>
+                      </a:pPr>
+                      <a:r>
+                        <a:rPr lang="en-US" dirty="0"/>
+                        <a:t>Changed mass to TeV and checking the impact</a:t>
+                      </a:r>
+                    </a:p>
+                  </a:txBody>
+                  <a:tcPr/>
+                </a:tc>
+                <a:extLst>
+                  <a:ext uri="{0D108BD9-81ED-4DB2-BD59-A6C34878D82A}">
+                    <a16:rowId xmlns:a16="http://schemas.microsoft.com/office/drawing/2014/main" val="2708517093"/>
+                  </a:ext>
+                </a:extLst>
+              </a:tr>
+              <a:tr h="370840">
+                <a:tc>
+                  <a:txBody>
+                    <a:bodyPr/>
+                    <a:lstStyle/>
+                    <a:p>
+                      <a:pPr marL="0" marR="0" lvl="0" indent="0" algn="l" defTabSz="914400" rtl="0" eaLnBrk="1" fontAlgn="auto" latinLnBrk="0" hangingPunct="1">
+                        <a:lnSpc>
+                          <a:spcPct val="100000"/>
+                        </a:lnSpc>
+                        <a:spcBef>
+                          <a:spcPts val="0"/>
+                        </a:spcBef>
+                        <a:spcAft>
+                          <a:spcPts val="0"/>
+                        </a:spcAft>
+                        <a:buClrTx/>
+                        <a:buSzTx/>
+                        <a:buFontTx/>
+                        <a:buNone/>
+                        <a:tabLst/>
+                        <a:defRPr/>
+                      </a:pPr>
+                      <a:r>
+                        <a:rPr lang="pl-PL" sz="1800" dirty="0"/>
+                        <a:t>mu+ mu- &gt; vm~ vm ax /a z mu+</a:t>
+                      </a:r>
+                      <a:endParaRPr lang="en-US" sz="1800" dirty="0"/>
+                    </a:p>
+                  </a:txBody>
+                  <a:tcPr/>
+                </a:tc>
+                <a:tc>
+                  <a:txBody>
+                    <a:bodyPr/>
+                    <a:lstStyle/>
+                    <a:p>
+                      <a:r>
+                        <a:rPr lang="en-US" dirty="0"/>
+                        <a:t>Checking WW fusion</a:t>
+                      </a:r>
+                    </a:p>
+                  </a:txBody>
+                  <a:tcPr/>
+                </a:tc>
+                <a:tc>
+                  <a:txBody>
+                    <a:bodyPr/>
+                    <a:lstStyle/>
+                    <a:p>
+                      <a:pPr marL="0" marR="0" lvl="0" indent="0" algn="l" defTabSz="914400" rtl="0" eaLnBrk="1" fontAlgn="auto" latinLnBrk="0" hangingPunct="1">
+                        <a:lnSpc>
+                          <a:spcPct val="100000"/>
+                        </a:lnSpc>
+                        <a:spcBef>
+                          <a:spcPts val="0"/>
+                        </a:spcBef>
+                        <a:spcAft>
+                          <a:spcPts val="0"/>
+                        </a:spcAft>
+                        <a:buClrTx/>
+                        <a:buSzTx/>
+                        <a:buFontTx/>
+                        <a:buNone/>
+                        <a:tabLst/>
+                        <a:defRPr/>
+                      </a:pPr>
+                      <a:r>
+                        <a:rPr lang="en-US" dirty="0"/>
+                        <a:t>0.1 TeV</a:t>
+                      </a:r>
+                    </a:p>
+                  </a:txBody>
+                  <a:tcPr/>
+                </a:tc>
+                <a:tc>
+                  <a:txBody>
+                    <a:bodyPr/>
+                    <a:lstStyle/>
+                    <a:p>
+                      <a:r>
+                        <a:rPr lang="en-US" dirty="0"/>
+                        <a:t>4.0 ab</a:t>
+                      </a:r>
+                    </a:p>
+                  </a:txBody>
+                  <a:tcPr/>
+                </a:tc>
+                <a:tc>
+                  <a:txBody>
+                    <a:bodyPr/>
+                    <a:lstStyle/>
+                    <a:p>
+                      <a:endParaRPr lang="en-US" dirty="0"/>
+                    </a:p>
+                  </a:txBody>
+                  <a:tcPr/>
+                </a:tc>
+                <a:tc>
+                  <a:txBody>
+                    <a:bodyPr/>
+                    <a:lstStyle/>
+                    <a:p>
+                      <a:pPr marL="0" marR="0" lvl="0" indent="0" algn="l" defTabSz="914400" rtl="0" eaLnBrk="1" fontAlgn="auto" latinLnBrk="0" hangingPunct="1">
+                        <a:lnSpc>
+                          <a:spcPct val="100000"/>
+                        </a:lnSpc>
+                        <a:spcBef>
+                          <a:spcPts val="0"/>
+                        </a:spcBef>
+                        <a:spcAft>
+                          <a:spcPts val="0"/>
+                        </a:spcAft>
+                        <a:buClrTx/>
+                        <a:buSzTx/>
+                        <a:buFontTx/>
+                        <a:buNone/>
+                        <a:tabLst/>
+                        <a:defRPr/>
+                      </a:pPr>
+                      <a:r>
+                        <a:rPr lang="en-US" dirty="0"/>
+                        <a:t>Checking WW fusion alone.</a:t>
+                      </a:r>
+                    </a:p>
+                  </a:txBody>
+                  <a:tcPr/>
+                </a:tc>
+                <a:extLst>
+                  <a:ext uri="{0D108BD9-81ED-4DB2-BD59-A6C34878D82A}">
+                    <a16:rowId xmlns:a16="http://schemas.microsoft.com/office/drawing/2014/main" val="942092289"/>
+                  </a:ext>
+                </a:extLst>
+              </a:tr>
+            </a:tbl>
+          </a:graphicData>
+        </a:graphic>
+      </p:graphicFrame>
+      <p:pic>
+        <p:nvPicPr>
+          <p:cNvPr id="5" name="Picture 4">
+            <a:extLst>
+              <a:ext uri="{FF2B5EF4-FFF2-40B4-BE49-F238E27FC236}">
+                <a16:creationId xmlns:a16="http://schemas.microsoft.com/office/drawing/2014/main" id="{880D7326-054F-EF69-797C-2C17A8D86A2B}"/>
+              </a:ext>
+            </a:extLst>
+          </p:cNvPr>
+          <p:cNvPicPr>
+            <a:picLocks noChangeAspect="1"/>
+          </p:cNvPicPr>
+          <p:nvPr/>
+        </p:nvPicPr>
+        <p:blipFill>
+          <a:blip r:embed="rId2"/>
+          <a:stretch>
+            <a:fillRect/>
+          </a:stretch>
+        </p:blipFill>
+        <p:spPr>
+          <a:xfrm>
+            <a:off x="225669" y="8669"/>
+            <a:ext cx="3129927" cy="1237413"/>
+          </a:xfrm>
+          <a:prstGeom prst="rect">
+            <a:avLst/>
+          </a:prstGeom>
+        </p:spPr>
+      </p:pic>
+      <p:pic>
+        <p:nvPicPr>
+          <p:cNvPr id="7" name="Picture 6">
+            <a:extLst>
+              <a:ext uri="{FF2B5EF4-FFF2-40B4-BE49-F238E27FC236}">
+                <a16:creationId xmlns:a16="http://schemas.microsoft.com/office/drawing/2014/main" id="{E3EDFF8F-3ABE-87CE-9896-5BEB59925E81}"/>
+              </a:ext>
+            </a:extLst>
+          </p:cNvPr>
+          <p:cNvPicPr>
+            <a:picLocks noChangeAspect="1"/>
+          </p:cNvPicPr>
+          <p:nvPr/>
+        </p:nvPicPr>
+        <p:blipFill>
+          <a:blip r:embed="rId3"/>
+          <a:stretch>
+            <a:fillRect/>
+          </a:stretch>
+        </p:blipFill>
+        <p:spPr>
+          <a:xfrm>
+            <a:off x="3471409" y="5910"/>
+            <a:ext cx="3157770" cy="1237413"/>
+          </a:xfrm>
+          <a:prstGeom prst="rect">
+            <a:avLst/>
+          </a:prstGeom>
+        </p:spPr>
+      </p:pic>
+      <p:pic>
+        <p:nvPicPr>
+          <p:cNvPr id="9" name="Picture 8">
+            <a:extLst>
+              <a:ext uri="{FF2B5EF4-FFF2-40B4-BE49-F238E27FC236}">
+                <a16:creationId xmlns:a16="http://schemas.microsoft.com/office/drawing/2014/main" id="{BAE23082-1DFF-5E2C-1423-0D37D4474D96}"/>
+              </a:ext>
+            </a:extLst>
+          </p:cNvPr>
+          <p:cNvPicPr>
+            <a:picLocks noChangeAspect="1"/>
+          </p:cNvPicPr>
+          <p:nvPr/>
+        </p:nvPicPr>
+        <p:blipFill>
+          <a:blip r:embed="rId4"/>
+          <a:stretch>
+            <a:fillRect/>
+          </a:stretch>
+        </p:blipFill>
+        <p:spPr>
+          <a:xfrm>
+            <a:off x="6744993" y="0"/>
+            <a:ext cx="1656016" cy="1234201"/>
+          </a:xfrm>
+          <a:prstGeom prst="rect">
+            <a:avLst/>
+          </a:prstGeom>
+        </p:spPr>
+      </p:pic>
+    </p:spTree>
+    <p:extLst>
+      <p:ext uri="{BB962C8B-B14F-4D97-AF65-F5344CB8AC3E}">
+        <p14:creationId xmlns:p14="http://schemas.microsoft.com/office/powerpoint/2010/main" val="1866270185"/>
+      </p:ext>
+    </p:extLst>
+  </p:cSld>
+  <p:clrMapOvr>
+    <a:masterClrMapping/>
+  </p:clrMapOvr>
+</p:sld>
+</file>
+
+<file path=ppt/slides/slide12.xml><?xml version="1.0" encoding="utf-8"?>
+<p:sld xmlns:a="http://schemas.openxmlformats.org/drawingml/2006/main" xmlns:r="http://schemas.openxmlformats.org/officeDocument/2006/relationships" xmlns:p="http://schemas.openxmlformats.org/presentationml/2006/main">
+  <p:cSld>
+    <p:spTree>
+      <p:nvGrpSpPr>
+        <p:cNvPr id="1" name="">
+          <a:extLst>
+            <a:ext uri="{FF2B5EF4-FFF2-40B4-BE49-F238E27FC236}">
+              <a16:creationId xmlns:a16="http://schemas.microsoft.com/office/drawing/2014/main" id="{443FD7AE-A902-DCC1-408F-CA926740B256}"/>
+            </a:ext>
+          </a:extLst>
+        </p:cNvPr>
+        <p:cNvGrpSpPr/>
+        <p:nvPr/>
+      </p:nvGrpSpPr>
+      <p:grpSpPr>
+        <a:xfrm>
+          <a:off x="0" y="0"/>
+          <a:ext cx="0" cy="0"/>
+          <a:chOff x="0" y="0"/>
+          <a:chExt cx="0" cy="0"/>
+        </a:xfrm>
+      </p:grpSpPr>
+      <p:graphicFrame>
+        <p:nvGraphicFramePr>
+          <p:cNvPr id="4" name="Content Placeholder 3">
+            <a:extLst>
+              <a:ext uri="{FF2B5EF4-FFF2-40B4-BE49-F238E27FC236}">
+                <a16:creationId xmlns:a16="http://schemas.microsoft.com/office/drawing/2014/main" id="{33DEDE25-56D1-39A6-9B49-CA55FEA51958}"/>
+              </a:ext>
+            </a:extLst>
+          </p:cNvPr>
+          <p:cNvGraphicFramePr>
+            <a:graphicFrameLocks noGrp="1"/>
+          </p:cNvGraphicFramePr>
+          <p:nvPr>
+            <p:ph idx="1"/>
+            <p:extLst>
+              <p:ext uri="{D42A27DB-BD31-4B8C-83A1-F6EECF244321}">
+                <p14:modId xmlns:p14="http://schemas.microsoft.com/office/powerpoint/2010/main" val="462339724"/>
+              </p:ext>
+            </p:extLst>
+          </p:nvPr>
+        </p:nvGraphicFramePr>
+        <p:xfrm>
+          <a:off x="225669" y="1234201"/>
+          <a:ext cx="11614828" cy="4587240"/>
+        </p:xfrm>
+        <a:graphic>
+          <a:graphicData uri="http://schemas.openxmlformats.org/drawingml/2006/table">
+            <a:tbl>
+              <a:tblPr firstRow="1" bandRow="1">
+                <a:tableStyleId>{5C22544A-7EE6-4342-B048-85BDC9FD1C3A}</a:tableStyleId>
+              </a:tblPr>
+              <a:tblGrid>
+                <a:gridCol w="2563670">
+                  <a:extLst>
+                    <a:ext uri="{9D8B030D-6E8A-4147-A177-3AD203B41FA5}">
+                      <a16:colId xmlns:a16="http://schemas.microsoft.com/office/drawing/2014/main" val="776659425"/>
+                    </a:ext>
+                  </a:extLst>
+                </a:gridCol>
+                <a:gridCol w="1803633">
+                  <a:extLst>
+                    <a:ext uri="{9D8B030D-6E8A-4147-A177-3AD203B41FA5}">
+                      <a16:colId xmlns:a16="http://schemas.microsoft.com/office/drawing/2014/main" val="3531366387"/>
+                    </a:ext>
+                  </a:extLst>
+                </a:gridCol>
+                <a:gridCol w="1440110">
+                  <a:extLst>
+                    <a:ext uri="{9D8B030D-6E8A-4147-A177-3AD203B41FA5}">
+                      <a16:colId xmlns:a16="http://schemas.microsoft.com/office/drawing/2014/main" val="3710483499"/>
+                    </a:ext>
+                  </a:extLst>
+                </a:gridCol>
+                <a:gridCol w="1935805">
+                  <a:extLst>
+                    <a:ext uri="{9D8B030D-6E8A-4147-A177-3AD203B41FA5}">
+                      <a16:colId xmlns:a16="http://schemas.microsoft.com/office/drawing/2014/main" val="549988924"/>
+                    </a:ext>
+                  </a:extLst>
+                </a:gridCol>
+                <a:gridCol w="373965">
+                  <a:extLst>
+                    <a:ext uri="{9D8B030D-6E8A-4147-A177-3AD203B41FA5}">
+                      <a16:colId xmlns:a16="http://schemas.microsoft.com/office/drawing/2014/main" val="2838559681"/>
+                    </a:ext>
+                  </a:extLst>
+                </a:gridCol>
+                <a:gridCol w="3497645">
+                  <a:extLst>
+                    <a:ext uri="{9D8B030D-6E8A-4147-A177-3AD203B41FA5}">
+                      <a16:colId xmlns:a16="http://schemas.microsoft.com/office/drawing/2014/main" val="4070823668"/>
+                    </a:ext>
+                  </a:extLst>
+                </a:gridCol>
+              </a:tblGrid>
+              <a:tr h="370840">
+                <a:tc>
+                  <a:txBody>
+                    <a:bodyPr/>
+                    <a:lstStyle/>
+                    <a:p>
+                      <a:r>
+                        <a:rPr lang="en-US" dirty="0"/>
+                        <a:t>Process</a:t>
+                      </a:r>
+                    </a:p>
+                  </a:txBody>
+                  <a:tcPr/>
+                </a:tc>
+                <a:tc>
+                  <a:txBody>
+                    <a:bodyPr/>
+                    <a:lstStyle/>
+                    <a:p>
+                      <a:r>
+                        <a:rPr lang="en-US" dirty="0"/>
+                        <a:t>Note</a:t>
+                      </a:r>
+                    </a:p>
+                  </a:txBody>
+                  <a:tcPr/>
+                </a:tc>
+                <a:tc>
+                  <a:txBody>
+                    <a:bodyPr/>
+                    <a:lstStyle/>
+                    <a:p>
+                      <a:r>
+                        <a:rPr lang="en-US" dirty="0"/>
+                        <a:t>Parameters</a:t>
+                      </a:r>
+                    </a:p>
+                  </a:txBody>
+                  <a:tcPr/>
+                </a:tc>
+                <a:tc>
+                  <a:txBody>
+                    <a:bodyPr/>
+                    <a:lstStyle/>
+                    <a:p>
+                      <a:r>
+                        <a:rPr lang="en-US" dirty="0"/>
+                        <a:t>Result</a:t>
+                      </a:r>
+                    </a:p>
+                  </a:txBody>
+                  <a:tcPr/>
+                </a:tc>
+                <a:tc>
+                  <a:txBody>
+                    <a:bodyPr/>
+                    <a:lstStyle/>
+                    <a:p>
+                      <a:endParaRPr lang="en-US" dirty="0"/>
+                    </a:p>
+                  </a:txBody>
+                  <a:tcPr/>
+                </a:tc>
+                <a:tc>
+                  <a:txBody>
+                    <a:bodyPr/>
+                    <a:lstStyle/>
+                    <a:p>
+                      <a:pPr marL="0" marR="0" lvl="0" indent="0" algn="l" defTabSz="914400" rtl="0" eaLnBrk="1" fontAlgn="auto" latinLnBrk="0" hangingPunct="1">
+                        <a:lnSpc>
+                          <a:spcPct val="100000"/>
+                        </a:lnSpc>
+                        <a:spcBef>
+                          <a:spcPts val="0"/>
+                        </a:spcBef>
+                        <a:spcAft>
+                          <a:spcPts val="0"/>
+                        </a:spcAft>
+                        <a:buClrTx/>
+                        <a:buSzTx/>
+                        <a:buFontTx/>
+                        <a:buNone/>
+                        <a:tabLst/>
+                        <a:defRPr/>
+                      </a:pPr>
+                      <a:r>
+                        <a:rPr lang="en-US" dirty="0"/>
+                        <a:t>Comment</a:t>
+                      </a:r>
+                    </a:p>
+                    <a:p>
+                      <a:endParaRPr lang="en-US" dirty="0"/>
+                    </a:p>
+                  </a:txBody>
+                  <a:tcPr/>
+                </a:tc>
+                <a:extLst>
+                  <a:ext uri="{0D108BD9-81ED-4DB2-BD59-A6C34878D82A}">
+                    <a16:rowId xmlns:a16="http://schemas.microsoft.com/office/drawing/2014/main" val="1169282519"/>
+                  </a:ext>
+                </a:extLst>
+              </a:tr>
+              <a:tr h="370840">
+                <a:tc>
+                  <a:txBody>
+                    <a:bodyPr/>
+                    <a:lstStyle/>
+                    <a:p>
+                      <a:pPr marL="0" marR="0" lvl="0" indent="0" algn="l" defTabSz="914400" rtl="0" eaLnBrk="1" fontAlgn="auto" latinLnBrk="0" hangingPunct="1">
+                        <a:lnSpc>
+                          <a:spcPct val="100000"/>
+                        </a:lnSpc>
+                        <a:spcBef>
+                          <a:spcPts val="0"/>
+                        </a:spcBef>
+                        <a:spcAft>
+                          <a:spcPts val="0"/>
+                        </a:spcAft>
+                        <a:buClrTx/>
+                        <a:buSzTx/>
+                        <a:buFontTx/>
+                        <a:buNone/>
+                        <a:tabLst/>
+                        <a:defRPr/>
+                      </a:pPr>
+                      <a:r>
+                        <a:rPr lang="pl-PL" sz="1800" dirty="0"/>
+                        <a:t>a mu+ &gt; ax w+ vm~</a:t>
+                      </a:r>
+                      <a:endParaRPr lang="en-US" sz="1800" dirty="0"/>
+                    </a:p>
+                    <a:p>
+                      <a:pPr marL="0" marR="0" lvl="0" indent="0" algn="l" defTabSz="914400" rtl="0" eaLnBrk="1" fontAlgn="auto" latinLnBrk="0" hangingPunct="1">
+                        <a:lnSpc>
+                          <a:spcPct val="100000"/>
+                        </a:lnSpc>
+                        <a:spcBef>
+                          <a:spcPts val="0"/>
+                        </a:spcBef>
+                        <a:spcAft>
+                          <a:spcPts val="0"/>
+                        </a:spcAft>
+                        <a:buClrTx/>
+                        <a:buSzTx/>
+                        <a:buFontTx/>
+                        <a:buNone/>
+                        <a:tabLst/>
+                        <a:defRPr/>
+                      </a:pPr>
+                      <a:endParaRPr lang="en-US" sz="1800" dirty="0"/>
+                    </a:p>
+                  </a:txBody>
+                  <a:tcPr/>
+                </a:tc>
+                <a:tc>
+                  <a:txBody>
+                    <a:bodyPr/>
+                    <a:lstStyle/>
+                    <a:p>
+                      <a:r>
+                        <a:rPr lang="en-US" dirty="0"/>
+                        <a:t>IWW</a:t>
+                      </a:r>
+                    </a:p>
+                  </a:txBody>
+                  <a:tcPr/>
+                </a:tc>
+                <a:tc>
+                  <a:txBody>
+                    <a:bodyPr/>
+                    <a:lstStyle/>
+                    <a:p>
+                      <a:pPr marL="0" marR="0" lvl="0" indent="0" algn="l" defTabSz="914400" rtl="0" eaLnBrk="1" fontAlgn="auto" latinLnBrk="0" hangingPunct="1">
+                        <a:lnSpc>
+                          <a:spcPct val="100000"/>
+                        </a:lnSpc>
+                        <a:spcBef>
+                          <a:spcPts val="0"/>
+                        </a:spcBef>
+                        <a:spcAft>
+                          <a:spcPts val="0"/>
+                        </a:spcAft>
+                        <a:buClrTx/>
+                        <a:buSzTx/>
+                        <a:buFontTx/>
+                        <a:buNone/>
+                        <a:tabLst/>
+                        <a:defRPr/>
+                      </a:pPr>
+                      <a:r>
+                        <a:rPr lang="en-US" dirty="0"/>
+                        <a:t>0.1 TeV</a:t>
+                      </a:r>
+                    </a:p>
+                  </a:txBody>
+                  <a:tcPr/>
+                </a:tc>
+                <a:tc>
+                  <a:txBody>
+                    <a:bodyPr/>
+                    <a:lstStyle/>
+                    <a:p>
+                      <a:r>
+                        <a:rPr lang="en-US" dirty="0"/>
+                        <a:t>2.6 fb</a:t>
+                      </a:r>
+                    </a:p>
+                  </a:txBody>
+                  <a:tcPr/>
+                </a:tc>
+                <a:tc>
+                  <a:txBody>
+                    <a:bodyPr/>
+                    <a:lstStyle/>
+                    <a:p>
+                      <a:endParaRPr lang="en-US" dirty="0"/>
+                    </a:p>
+                  </a:txBody>
+                  <a:tcPr/>
+                </a:tc>
+                <a:tc>
+                  <a:txBody>
+                    <a:bodyPr/>
+                    <a:lstStyle/>
+                    <a:p>
+                      <a:pPr marL="0" marR="0" lvl="0" indent="0" algn="l" defTabSz="914400" rtl="0" eaLnBrk="1" fontAlgn="auto" latinLnBrk="0" hangingPunct="1">
+                        <a:lnSpc>
+                          <a:spcPct val="100000"/>
+                        </a:lnSpc>
+                        <a:spcBef>
+                          <a:spcPts val="0"/>
+                        </a:spcBef>
+                        <a:spcAft>
+                          <a:spcPts val="0"/>
+                        </a:spcAft>
+                        <a:buClrTx/>
+                        <a:buSzTx/>
+                        <a:buFontTx/>
+                        <a:buNone/>
+                        <a:tabLst/>
+                        <a:defRPr/>
+                      </a:pPr>
+                      <a:r>
+                        <a:rPr lang="en-US" dirty="0"/>
+                        <a:t>Changed to v3.5.6 with event generated</a:t>
+                      </a:r>
+                    </a:p>
+                  </a:txBody>
+                  <a:tcPr/>
+                </a:tc>
+                <a:extLst>
+                  <a:ext uri="{0D108BD9-81ED-4DB2-BD59-A6C34878D82A}">
+                    <a16:rowId xmlns:a16="http://schemas.microsoft.com/office/drawing/2014/main" val="2862488345"/>
+                  </a:ext>
+                </a:extLst>
+              </a:tr>
+              <a:tr h="370840">
+                <a:tc>
+                  <a:txBody>
+                    <a:bodyPr/>
+                    <a:lstStyle/>
+                    <a:p>
+                      <a:pPr marL="0" marR="0" lvl="0" indent="0" algn="l" defTabSz="914400" rtl="0" eaLnBrk="1" fontAlgn="auto" latinLnBrk="0" hangingPunct="1">
+                        <a:lnSpc>
+                          <a:spcPct val="100000"/>
+                        </a:lnSpc>
+                        <a:spcBef>
+                          <a:spcPts val="0"/>
+                        </a:spcBef>
+                        <a:spcAft>
+                          <a:spcPts val="0"/>
+                        </a:spcAft>
+                        <a:buClrTx/>
+                        <a:buSzTx/>
+                        <a:buFontTx/>
+                        <a:buNone/>
+                        <a:tabLst/>
+                        <a:defRPr/>
+                      </a:pPr>
+                      <a:r>
+                        <a:rPr lang="pl-PL" sz="1800" dirty="0"/>
+                        <a:t>mu+ mu- &gt; vm~ vm ax /a z mu+</a:t>
+                      </a:r>
+                      <a:endParaRPr lang="en-US" sz="1800" dirty="0"/>
+                    </a:p>
+                  </a:txBody>
+                  <a:tcPr/>
+                </a:tc>
+                <a:tc>
+                  <a:txBody>
+                    <a:bodyPr/>
+                    <a:lstStyle/>
+                    <a:p>
+                      <a:r>
+                        <a:rPr lang="en-US" dirty="0"/>
+                        <a:t>Checking WW fusion</a:t>
+                      </a:r>
+                    </a:p>
+                  </a:txBody>
+                  <a:tcPr/>
+                </a:tc>
+                <a:tc>
+                  <a:txBody>
+                    <a:bodyPr/>
+                    <a:lstStyle/>
+                    <a:p>
+                      <a:pPr marL="0" marR="0" lvl="0" indent="0" algn="l" defTabSz="914400" rtl="0" eaLnBrk="1" fontAlgn="auto" latinLnBrk="0" hangingPunct="1">
+                        <a:lnSpc>
+                          <a:spcPct val="100000"/>
+                        </a:lnSpc>
+                        <a:spcBef>
+                          <a:spcPts val="0"/>
+                        </a:spcBef>
+                        <a:spcAft>
+                          <a:spcPts val="0"/>
+                        </a:spcAft>
+                        <a:buClrTx/>
+                        <a:buSzTx/>
+                        <a:buFontTx/>
+                        <a:buNone/>
+                        <a:tabLst/>
+                        <a:defRPr/>
+                      </a:pPr>
+                      <a:r>
+                        <a:rPr lang="en-US" dirty="0"/>
+                        <a:t>0.1 TeV</a:t>
+                      </a:r>
+                    </a:p>
+                  </a:txBody>
+                  <a:tcPr/>
+                </a:tc>
+                <a:tc>
+                  <a:txBody>
+                    <a:bodyPr/>
+                    <a:lstStyle/>
+                    <a:p>
+                      <a:r>
+                        <a:rPr lang="en-US" dirty="0"/>
+                        <a:t>4.0 ab</a:t>
+                      </a:r>
+                    </a:p>
+                  </a:txBody>
+                  <a:tcPr/>
+                </a:tc>
+                <a:tc>
+                  <a:txBody>
+                    <a:bodyPr/>
+                    <a:lstStyle/>
+                    <a:p>
+                      <a:endParaRPr lang="en-US" dirty="0"/>
+                    </a:p>
+                  </a:txBody>
+                  <a:tcPr/>
+                </a:tc>
+                <a:tc>
+                  <a:txBody>
+                    <a:bodyPr/>
+                    <a:lstStyle/>
+                    <a:p>
+                      <a:pPr marL="0" marR="0" lvl="0" indent="0" algn="l" defTabSz="914400" rtl="0" eaLnBrk="1" fontAlgn="auto" latinLnBrk="0" hangingPunct="1">
+                        <a:lnSpc>
+                          <a:spcPct val="100000"/>
+                        </a:lnSpc>
+                        <a:spcBef>
+                          <a:spcPts val="0"/>
+                        </a:spcBef>
+                        <a:spcAft>
+                          <a:spcPts val="0"/>
+                        </a:spcAft>
+                        <a:buClrTx/>
+                        <a:buSzTx/>
+                        <a:buFontTx/>
+                        <a:buNone/>
+                        <a:tabLst/>
+                        <a:defRPr/>
+                      </a:pPr>
+                      <a:r>
+                        <a:rPr lang="en-US" dirty="0"/>
+                        <a:t>Checking WW fusion alone.</a:t>
+                      </a:r>
+                    </a:p>
+                  </a:txBody>
+                  <a:tcPr/>
+                </a:tc>
+                <a:extLst>
+                  <a:ext uri="{0D108BD9-81ED-4DB2-BD59-A6C34878D82A}">
+                    <a16:rowId xmlns:a16="http://schemas.microsoft.com/office/drawing/2014/main" val="942092289"/>
+                  </a:ext>
+                </a:extLst>
+              </a:tr>
+              <a:tr h="370840">
+                <a:tc>
+                  <a:txBody>
+                    <a:bodyPr/>
+                    <a:lstStyle/>
+                    <a:p>
+                      <a:pPr marL="0" marR="0" lvl="0" indent="0" algn="l" defTabSz="914400" rtl="0" eaLnBrk="1" fontAlgn="auto" latinLnBrk="0" hangingPunct="1">
+                        <a:lnSpc>
+                          <a:spcPct val="100000"/>
+                        </a:lnSpc>
+                        <a:spcBef>
+                          <a:spcPts val="0"/>
+                        </a:spcBef>
+                        <a:spcAft>
+                          <a:spcPts val="0"/>
+                        </a:spcAft>
+                        <a:buClrTx/>
+                        <a:buSzTx/>
+                        <a:buFontTx/>
+                        <a:buNone/>
+                        <a:tabLst/>
+                        <a:defRPr/>
+                      </a:pPr>
+                      <a:r>
+                        <a:rPr lang="pl-PL" sz="1800" dirty="0"/>
+                        <a:t>mu+ mu- &gt; vm~ vm ax</a:t>
+                      </a:r>
+                      <a:r>
+                        <a:rPr lang="en-US" sz="1800" dirty="0"/>
+                        <a:t> a</a:t>
+                      </a:r>
+                      <a:r>
+                        <a:rPr lang="pl-PL" sz="1800" dirty="0"/>
+                        <a:t> /a z mu+</a:t>
+                      </a:r>
+                      <a:endParaRPr lang="en-US" sz="1800" dirty="0"/>
+                    </a:p>
+                    <a:p>
+                      <a:pPr marL="0" marR="0" lvl="0" indent="0" algn="l" defTabSz="914400" rtl="0" eaLnBrk="1" fontAlgn="auto" latinLnBrk="0" hangingPunct="1">
+                        <a:lnSpc>
+                          <a:spcPct val="100000"/>
+                        </a:lnSpc>
+                        <a:spcBef>
+                          <a:spcPts val="0"/>
+                        </a:spcBef>
+                        <a:spcAft>
+                          <a:spcPts val="0"/>
+                        </a:spcAft>
+                        <a:buClrTx/>
+                        <a:buSzTx/>
+                        <a:buFontTx/>
+                        <a:buNone/>
+                        <a:tabLst/>
+                        <a:defRPr/>
+                      </a:pPr>
+                      <a:endParaRPr lang="en-US" sz="1800" dirty="0"/>
+                    </a:p>
+                  </a:txBody>
+                  <a:tcPr/>
+                </a:tc>
+                <a:tc>
+                  <a:txBody>
+                    <a:bodyPr/>
+                    <a:lstStyle/>
+                    <a:p>
+                      <a:pPr marL="0" marR="0" lvl="0" indent="0" algn="l" defTabSz="914400" rtl="0" eaLnBrk="1" fontAlgn="auto" latinLnBrk="0" hangingPunct="1">
+                        <a:lnSpc>
+                          <a:spcPct val="100000"/>
+                        </a:lnSpc>
+                        <a:spcBef>
+                          <a:spcPts val="0"/>
+                        </a:spcBef>
+                        <a:spcAft>
+                          <a:spcPts val="0"/>
+                        </a:spcAft>
+                        <a:buClrTx/>
+                        <a:buSzTx/>
+                        <a:buFontTx/>
+                        <a:buNone/>
+                        <a:tabLst/>
+                        <a:defRPr/>
+                      </a:pPr>
+                      <a:r>
+                        <a:rPr lang="en-US" dirty="0"/>
+                        <a:t>Checking WW fusion+ photon</a:t>
+                      </a:r>
+                    </a:p>
+                  </a:txBody>
+                  <a:tcPr/>
+                </a:tc>
+                <a:tc>
+                  <a:txBody>
+                    <a:bodyPr/>
+                    <a:lstStyle/>
+                    <a:p>
+                      <a:pPr marL="0" marR="0" lvl="0" indent="0" algn="l" defTabSz="914400" rtl="0" eaLnBrk="1" fontAlgn="auto" latinLnBrk="0" hangingPunct="1">
+                        <a:lnSpc>
+                          <a:spcPct val="100000"/>
+                        </a:lnSpc>
+                        <a:spcBef>
+                          <a:spcPts val="0"/>
+                        </a:spcBef>
+                        <a:spcAft>
+                          <a:spcPts val="0"/>
+                        </a:spcAft>
+                        <a:buClrTx/>
+                        <a:buSzTx/>
+                        <a:buFontTx/>
+                        <a:buNone/>
+                        <a:tabLst/>
+                        <a:defRPr/>
+                      </a:pPr>
+                      <a:r>
+                        <a:rPr lang="en-US" dirty="0"/>
+                        <a:t>0.1 TeV</a:t>
+                      </a:r>
+                    </a:p>
+                  </a:txBody>
+                  <a:tcPr/>
+                </a:tc>
+                <a:tc>
+                  <a:txBody>
+                    <a:bodyPr/>
+                    <a:lstStyle/>
+                    <a:p>
+                      <a:r>
+                        <a:rPr lang="en-US" dirty="0"/>
+                        <a:t>47 ab</a:t>
+                      </a:r>
+                    </a:p>
+                  </a:txBody>
+                  <a:tcPr/>
+                </a:tc>
+                <a:tc>
+                  <a:txBody>
+                    <a:bodyPr/>
+                    <a:lstStyle/>
+                    <a:p>
+                      <a:endParaRPr lang="en-US" dirty="0"/>
+                    </a:p>
+                  </a:txBody>
+                  <a:tcPr/>
+                </a:tc>
+                <a:tc>
+                  <a:txBody>
+                    <a:bodyPr/>
+                    <a:lstStyle/>
+                    <a:p>
+                      <a:pPr marL="0" marR="0" lvl="0" indent="0" algn="l" defTabSz="914400" rtl="0" eaLnBrk="1" fontAlgn="auto" latinLnBrk="0" hangingPunct="1">
+                        <a:lnSpc>
+                          <a:spcPct val="100000"/>
+                        </a:lnSpc>
+                        <a:spcBef>
+                          <a:spcPts val="0"/>
+                        </a:spcBef>
+                        <a:spcAft>
+                          <a:spcPts val="0"/>
+                        </a:spcAft>
+                        <a:buClrTx/>
+                        <a:buSzTx/>
+                        <a:buFontTx/>
+                        <a:buNone/>
+                        <a:tabLst/>
+                        <a:defRPr/>
+                      </a:pPr>
+                      <a:r>
+                        <a:rPr lang="en-US" dirty="0"/>
+                        <a:t>Adding photon enhance it by 10</a:t>
+                      </a:r>
+                    </a:p>
+                  </a:txBody>
+                  <a:tcPr/>
+                </a:tc>
+                <a:extLst>
+                  <a:ext uri="{0D108BD9-81ED-4DB2-BD59-A6C34878D82A}">
+                    <a16:rowId xmlns:a16="http://schemas.microsoft.com/office/drawing/2014/main" val="1948495033"/>
+                  </a:ext>
+                </a:extLst>
+              </a:tr>
+              <a:tr h="370840">
+                <a:tc>
+                  <a:txBody>
+                    <a:bodyPr/>
+                    <a:lstStyle/>
+                    <a:p>
+                      <a:pPr marL="0" marR="0" lvl="0" indent="0" algn="l" defTabSz="914400" rtl="0" eaLnBrk="1" fontAlgn="auto" latinLnBrk="0" hangingPunct="1">
+                        <a:lnSpc>
+                          <a:spcPct val="100000"/>
+                        </a:lnSpc>
+                        <a:spcBef>
+                          <a:spcPts val="0"/>
+                        </a:spcBef>
+                        <a:spcAft>
+                          <a:spcPts val="0"/>
+                        </a:spcAft>
+                        <a:buClrTx/>
+                        <a:buSzTx/>
+                        <a:buFontTx/>
+                        <a:buNone/>
+                        <a:tabLst/>
+                        <a:defRPr/>
+                      </a:pPr>
+                      <a:r>
+                        <a:rPr lang="pl-PL" sz="1800" dirty="0"/>
+                        <a:t>mu+ mu- &gt; vm~ vm ax</a:t>
+                      </a:r>
+                      <a:r>
+                        <a:rPr lang="en-US" sz="1800" dirty="0"/>
+                        <a:t> a</a:t>
+                      </a:r>
+                      <a:r>
+                        <a:rPr lang="pl-PL" sz="1800" dirty="0"/>
+                        <a:t> /a z</a:t>
+                      </a:r>
+                      <a:endParaRPr lang="en-US" sz="1800" dirty="0"/>
+                    </a:p>
+                  </a:txBody>
+                  <a:tcPr/>
+                </a:tc>
+                <a:tc>
+                  <a:txBody>
+                    <a:bodyPr/>
+                    <a:lstStyle/>
+                    <a:p>
+                      <a:pPr marL="0" marR="0" lvl="0" indent="0" algn="l" defTabSz="914400" rtl="0" eaLnBrk="1" fontAlgn="auto" latinLnBrk="0" hangingPunct="1">
+                        <a:lnSpc>
+                          <a:spcPct val="100000"/>
+                        </a:lnSpc>
+                        <a:spcBef>
+                          <a:spcPts val="0"/>
+                        </a:spcBef>
+                        <a:spcAft>
+                          <a:spcPts val="0"/>
+                        </a:spcAft>
+                        <a:buClrTx/>
+                        <a:buSzTx/>
+                        <a:buFontTx/>
+                        <a:buNone/>
+                        <a:tabLst/>
+                        <a:defRPr/>
+                      </a:pPr>
+                      <a:r>
+                        <a:rPr lang="en-US" dirty="0"/>
+                        <a:t>+ with ISR/FSR</a:t>
+                      </a:r>
+                    </a:p>
+                  </a:txBody>
+                  <a:tcPr/>
+                </a:tc>
+                <a:tc>
+                  <a:txBody>
+                    <a:bodyPr/>
+                    <a:lstStyle/>
+                    <a:p>
+                      <a:pPr marL="0" marR="0" lvl="0" indent="0" algn="l" defTabSz="914400" rtl="0" eaLnBrk="1" fontAlgn="auto" latinLnBrk="0" hangingPunct="1">
+                        <a:lnSpc>
+                          <a:spcPct val="100000"/>
+                        </a:lnSpc>
+                        <a:spcBef>
+                          <a:spcPts val="0"/>
+                        </a:spcBef>
+                        <a:spcAft>
+                          <a:spcPts val="0"/>
+                        </a:spcAft>
+                        <a:buClrTx/>
+                        <a:buSzTx/>
+                        <a:buFontTx/>
+                        <a:buNone/>
+                        <a:tabLst/>
+                        <a:defRPr/>
+                      </a:pPr>
+                      <a:r>
+                        <a:rPr lang="en-US" dirty="0"/>
+                        <a:t>0.1 TeV</a:t>
+                      </a:r>
+                    </a:p>
+                  </a:txBody>
+                  <a:tcPr/>
+                </a:tc>
+                <a:tc>
+                  <a:txBody>
+                    <a:bodyPr/>
+                    <a:lstStyle/>
+                    <a:p>
+                      <a:r>
+                        <a:rPr lang="en-US" dirty="0"/>
+                        <a:t>48-51 ab</a:t>
+                      </a:r>
+                    </a:p>
+                  </a:txBody>
+                  <a:tcPr/>
+                </a:tc>
+                <a:tc>
+                  <a:txBody>
+                    <a:bodyPr/>
+                    <a:lstStyle/>
+                    <a:p>
+                      <a:endParaRPr lang="en-US" dirty="0"/>
+                    </a:p>
+                  </a:txBody>
+                  <a:tcPr/>
+                </a:tc>
+                <a:tc>
+                  <a:txBody>
+                    <a:bodyPr/>
+                    <a:lstStyle/>
+                    <a:p>
+                      <a:pPr marL="0" marR="0" lvl="0" indent="0" algn="l" defTabSz="914400" rtl="0" eaLnBrk="1" fontAlgn="auto" latinLnBrk="0" hangingPunct="1">
+                        <a:lnSpc>
+                          <a:spcPct val="100000"/>
+                        </a:lnSpc>
+                        <a:spcBef>
+                          <a:spcPts val="0"/>
+                        </a:spcBef>
+                        <a:spcAft>
+                          <a:spcPts val="0"/>
+                        </a:spcAft>
+                        <a:buClrTx/>
+                        <a:buSzTx/>
+                        <a:buFontTx/>
+                        <a:buNone/>
+                        <a:tabLst/>
+                        <a:defRPr/>
+                      </a:pPr>
+                      <a:r>
+                        <a:rPr lang="en-US" dirty="0"/>
+                        <a:t>With </a:t>
+                      </a:r>
+                      <a:r>
+                        <a:rPr lang="en-US" dirty="0" err="1"/>
+                        <a:t>pta</a:t>
+                      </a:r>
+                      <a:r>
+                        <a:rPr lang="en-US" dirty="0"/>
+                        <a:t>&gt;0.5 GeV (or 0 GeV but failed to generate)</a:t>
+                      </a:r>
+                    </a:p>
+                  </a:txBody>
+                  <a:tcPr/>
+                </a:tc>
+                <a:extLst>
+                  <a:ext uri="{0D108BD9-81ED-4DB2-BD59-A6C34878D82A}">
+                    <a16:rowId xmlns:a16="http://schemas.microsoft.com/office/drawing/2014/main" val="945781523"/>
+                  </a:ext>
+                </a:extLst>
+              </a:tr>
+              <a:tr h="370840">
+                <a:tc>
+                  <a:txBody>
+                    <a:bodyPr/>
+                    <a:lstStyle/>
+                    <a:p>
+                      <a:pPr marL="0" marR="0" lvl="0" indent="0" algn="l" defTabSz="914400" rtl="0" eaLnBrk="1" fontAlgn="auto" latinLnBrk="0" hangingPunct="1">
+                        <a:lnSpc>
+                          <a:spcPct val="100000"/>
+                        </a:lnSpc>
+                        <a:spcBef>
+                          <a:spcPts val="0"/>
+                        </a:spcBef>
+                        <a:spcAft>
+                          <a:spcPts val="0"/>
+                        </a:spcAft>
+                        <a:buClrTx/>
+                        <a:buSzTx/>
+                        <a:buFontTx/>
+                        <a:buNone/>
+                        <a:tabLst/>
+                        <a:defRPr/>
+                      </a:pPr>
+                      <a:r>
+                        <a:rPr lang="pl-PL" sz="1800" dirty="0"/>
+                        <a:t>mu+ mu- &gt; vm~ vm ax</a:t>
+                      </a:r>
+                      <a:r>
+                        <a:rPr lang="en-US" sz="1800" dirty="0"/>
+                        <a:t> a</a:t>
+                      </a:r>
+                    </a:p>
+                  </a:txBody>
+                  <a:tcPr/>
+                </a:tc>
+                <a:tc>
+                  <a:txBody>
+                    <a:bodyPr/>
+                    <a:lstStyle/>
+                    <a:p>
+                      <a:pPr marL="0" marR="0" lvl="0" indent="0" algn="l" defTabSz="914400" rtl="0" eaLnBrk="1" fontAlgn="auto" latinLnBrk="0" hangingPunct="1">
+                        <a:lnSpc>
+                          <a:spcPct val="100000"/>
+                        </a:lnSpc>
+                        <a:spcBef>
+                          <a:spcPts val="0"/>
+                        </a:spcBef>
+                        <a:spcAft>
+                          <a:spcPts val="0"/>
+                        </a:spcAft>
+                        <a:buClrTx/>
+                        <a:buSzTx/>
+                        <a:buFontTx/>
+                        <a:buNone/>
+                        <a:tabLst/>
+                        <a:defRPr/>
+                      </a:pPr>
+                      <a:r>
+                        <a:rPr lang="en-US" dirty="0"/>
+                        <a:t>+ with ISR/FSR</a:t>
+                      </a:r>
+                    </a:p>
+                  </a:txBody>
+                  <a:tcPr/>
+                </a:tc>
+                <a:tc>
+                  <a:txBody>
+                    <a:bodyPr/>
+                    <a:lstStyle/>
+                    <a:p>
+                      <a:pPr marL="0" marR="0" lvl="0" indent="0" algn="l" defTabSz="914400" rtl="0" eaLnBrk="1" fontAlgn="auto" latinLnBrk="0" hangingPunct="1">
+                        <a:lnSpc>
+                          <a:spcPct val="100000"/>
+                        </a:lnSpc>
+                        <a:spcBef>
+                          <a:spcPts val="0"/>
+                        </a:spcBef>
+                        <a:spcAft>
+                          <a:spcPts val="0"/>
+                        </a:spcAft>
+                        <a:buClrTx/>
+                        <a:buSzTx/>
+                        <a:buFontTx/>
+                        <a:buNone/>
+                        <a:tabLst/>
+                        <a:defRPr/>
+                      </a:pPr>
+                      <a:r>
+                        <a:rPr lang="en-US" dirty="0"/>
+                        <a:t>0.1 TeV</a:t>
+                      </a:r>
+                    </a:p>
+                  </a:txBody>
+                  <a:tcPr/>
+                </a:tc>
+                <a:tc>
+                  <a:txBody>
+                    <a:bodyPr/>
+                    <a:lstStyle/>
+                    <a:p>
+                      <a:r>
+                        <a:rPr lang="en-US" dirty="0"/>
+                        <a:t>179 ab</a:t>
+                      </a:r>
+                    </a:p>
+                  </a:txBody>
+                  <a:tcPr/>
+                </a:tc>
+                <a:tc>
+                  <a:txBody>
+                    <a:bodyPr/>
+                    <a:lstStyle/>
+                    <a:p>
+                      <a:endParaRPr lang="en-US" dirty="0"/>
+                    </a:p>
+                  </a:txBody>
+                  <a:tcPr/>
+                </a:tc>
+                <a:tc>
+                  <a:txBody>
+                    <a:bodyPr/>
+                    <a:lstStyle/>
+                    <a:p>
+                      <a:pPr marL="0" marR="0" lvl="0" indent="0" algn="l" defTabSz="914400" rtl="0" eaLnBrk="1" fontAlgn="auto" latinLnBrk="0" hangingPunct="1">
+                        <a:lnSpc>
+                          <a:spcPct val="100000"/>
+                        </a:lnSpc>
+                        <a:spcBef>
+                          <a:spcPts val="0"/>
+                        </a:spcBef>
+                        <a:spcAft>
+                          <a:spcPts val="0"/>
+                        </a:spcAft>
+                        <a:buClrTx/>
+                        <a:buSzTx/>
+                        <a:buFontTx/>
+                        <a:buNone/>
+                        <a:tabLst/>
+                        <a:defRPr/>
+                      </a:pPr>
+                      <a:r>
+                        <a:rPr lang="en-US" dirty="0"/>
+                        <a:t>With </a:t>
+                      </a:r>
+                      <a:r>
+                        <a:rPr lang="en-US" dirty="0" err="1"/>
+                        <a:t>pta</a:t>
+                      </a:r>
+                      <a:r>
+                        <a:rPr lang="en-US" dirty="0"/>
+                        <a:t>&gt;0.5 GeV</a:t>
+                      </a:r>
+                    </a:p>
+                  </a:txBody>
+                  <a:tcPr/>
+                </a:tc>
+                <a:extLst>
+                  <a:ext uri="{0D108BD9-81ED-4DB2-BD59-A6C34878D82A}">
+                    <a16:rowId xmlns:a16="http://schemas.microsoft.com/office/drawing/2014/main" val="3927011997"/>
+                  </a:ext>
+                </a:extLst>
+              </a:tr>
+              <a:tr h="370840">
+                <a:tc>
+                  <a:txBody>
+                    <a:bodyPr/>
+                    <a:lstStyle/>
+                    <a:p>
+                      <a:pPr marL="0" marR="0" lvl="0" indent="0" algn="l" defTabSz="914400" rtl="0" eaLnBrk="1" fontAlgn="auto" latinLnBrk="0" hangingPunct="1">
+                        <a:lnSpc>
+                          <a:spcPct val="100000"/>
+                        </a:lnSpc>
+                        <a:spcBef>
+                          <a:spcPts val="0"/>
+                        </a:spcBef>
+                        <a:spcAft>
+                          <a:spcPts val="0"/>
+                        </a:spcAft>
+                        <a:buClrTx/>
+                        <a:buSzTx/>
+                        <a:buFontTx/>
+                        <a:buNone/>
+                        <a:tabLst/>
+                        <a:defRPr/>
+                      </a:pPr>
+                      <a:r>
+                        <a:rPr lang="en-US" sz="1800" dirty="0"/>
+                        <a:t> a </a:t>
+                      </a:r>
+                      <a:r>
+                        <a:rPr lang="en-US" sz="1800" dirty="0" err="1"/>
+                        <a:t>a</a:t>
+                      </a:r>
+                      <a:r>
+                        <a:rPr lang="en-US" sz="1800" dirty="0"/>
+                        <a:t> &gt; ax </a:t>
+                      </a:r>
+                    </a:p>
+                  </a:txBody>
+                  <a:tcPr/>
+                </a:tc>
+                <a:tc>
+                  <a:txBody>
+                    <a:bodyPr/>
+                    <a:lstStyle/>
+                    <a:p>
+                      <a:pPr marL="0" marR="0" lvl="0" indent="0" algn="l" defTabSz="914400" rtl="0" eaLnBrk="1" fontAlgn="auto" latinLnBrk="0" hangingPunct="1">
+                        <a:lnSpc>
+                          <a:spcPct val="100000"/>
+                        </a:lnSpc>
+                        <a:spcBef>
+                          <a:spcPts val="0"/>
+                        </a:spcBef>
+                        <a:spcAft>
+                          <a:spcPts val="0"/>
+                        </a:spcAft>
+                        <a:buClrTx/>
+                        <a:buSzTx/>
+                        <a:buFontTx/>
+                        <a:buNone/>
+                        <a:tabLst/>
+                        <a:defRPr/>
+                      </a:pPr>
+                      <a:r>
+                        <a:rPr lang="en-US" dirty="0"/>
+                        <a:t>IWW</a:t>
+                      </a:r>
+                    </a:p>
+                  </a:txBody>
+                  <a:tcPr/>
+                </a:tc>
+                <a:tc>
+                  <a:txBody>
+                    <a:bodyPr/>
+                    <a:lstStyle/>
+                    <a:p>
+                      <a:pPr marL="0" marR="0" lvl="0" indent="0" algn="l" defTabSz="914400" rtl="0" eaLnBrk="1" fontAlgn="auto" latinLnBrk="0" hangingPunct="1">
+                        <a:lnSpc>
+                          <a:spcPct val="100000"/>
+                        </a:lnSpc>
+                        <a:spcBef>
+                          <a:spcPts val="0"/>
+                        </a:spcBef>
+                        <a:spcAft>
+                          <a:spcPts val="0"/>
+                        </a:spcAft>
+                        <a:buClrTx/>
+                        <a:buSzTx/>
+                        <a:buFontTx/>
+                        <a:buNone/>
+                        <a:tabLst/>
+                        <a:defRPr/>
+                      </a:pPr>
+                      <a:r>
+                        <a:rPr lang="en-US" dirty="0"/>
+                        <a:t>0.1 TeV</a:t>
+                      </a:r>
+                    </a:p>
+                  </a:txBody>
+                  <a:tcPr/>
+                </a:tc>
+                <a:tc>
+                  <a:txBody>
+                    <a:bodyPr/>
+                    <a:lstStyle/>
+                    <a:p>
+                      <a:r>
+                        <a:rPr lang="en-US" dirty="0"/>
+                        <a:t>18 ab</a:t>
+                      </a:r>
+                    </a:p>
+                  </a:txBody>
+                  <a:tcPr/>
+                </a:tc>
+                <a:tc>
+                  <a:txBody>
+                    <a:bodyPr/>
+                    <a:lstStyle/>
+                    <a:p>
+                      <a:endParaRPr lang="en-US" dirty="0"/>
+                    </a:p>
+                  </a:txBody>
+                  <a:tcPr/>
+                </a:tc>
+                <a:tc>
+                  <a:txBody>
+                    <a:bodyPr/>
+                    <a:lstStyle/>
+                    <a:p>
+                      <a:pPr marL="0" marR="0" lvl="0" indent="0" algn="l" defTabSz="914400" rtl="0" eaLnBrk="1" fontAlgn="auto" latinLnBrk="0" hangingPunct="1">
+                        <a:lnSpc>
+                          <a:spcPct val="100000"/>
+                        </a:lnSpc>
+                        <a:spcBef>
+                          <a:spcPts val="0"/>
+                        </a:spcBef>
+                        <a:spcAft>
+                          <a:spcPts val="0"/>
+                        </a:spcAft>
+                        <a:buClrTx/>
+                        <a:buSzTx/>
+                        <a:buFontTx/>
+                        <a:buNone/>
+                        <a:tabLst/>
+                        <a:defRPr/>
+                      </a:pPr>
+                      <a:endParaRPr lang="en-US" dirty="0"/>
+                    </a:p>
+                  </a:txBody>
+                  <a:tcPr/>
+                </a:tc>
+                <a:extLst>
+                  <a:ext uri="{0D108BD9-81ED-4DB2-BD59-A6C34878D82A}">
+                    <a16:rowId xmlns:a16="http://schemas.microsoft.com/office/drawing/2014/main" val="3801723920"/>
+                  </a:ext>
+                </a:extLst>
+              </a:tr>
+              <a:tr h="370840">
+                <a:tc>
+                  <a:txBody>
+                    <a:bodyPr/>
+                    <a:lstStyle/>
+                    <a:p>
+                      <a:pPr marL="0" marR="0" lvl="0" indent="0" algn="l" defTabSz="914400" rtl="0" eaLnBrk="1" fontAlgn="auto" latinLnBrk="0" hangingPunct="1">
+                        <a:lnSpc>
+                          <a:spcPct val="100000"/>
+                        </a:lnSpc>
+                        <a:spcBef>
+                          <a:spcPts val="0"/>
+                        </a:spcBef>
+                        <a:spcAft>
+                          <a:spcPts val="0"/>
+                        </a:spcAft>
+                        <a:buClrTx/>
+                        <a:buSzTx/>
+                        <a:buFontTx/>
+                        <a:buNone/>
+                        <a:tabLst/>
+                        <a:defRPr/>
+                      </a:pPr>
+                      <a:r>
+                        <a:rPr lang="en-US" sz="1800" dirty="0"/>
+                        <a:t> a </a:t>
+                      </a:r>
+                      <a:r>
+                        <a:rPr lang="en-US" sz="1800" dirty="0" err="1"/>
+                        <a:t>a</a:t>
+                      </a:r>
+                      <a:r>
+                        <a:rPr lang="en-US" sz="1800" dirty="0"/>
+                        <a:t> &gt; ax w+ w-</a:t>
+                      </a:r>
+                    </a:p>
+                  </a:txBody>
+                  <a:tcPr/>
+                </a:tc>
+                <a:tc>
+                  <a:txBody>
+                    <a:bodyPr/>
+                    <a:lstStyle/>
+                    <a:p>
+                      <a:pPr marL="0" marR="0" lvl="0" indent="0" algn="l" defTabSz="914400" rtl="0" eaLnBrk="1" fontAlgn="auto" latinLnBrk="0" hangingPunct="1">
+                        <a:lnSpc>
+                          <a:spcPct val="100000"/>
+                        </a:lnSpc>
+                        <a:spcBef>
+                          <a:spcPts val="0"/>
+                        </a:spcBef>
+                        <a:spcAft>
+                          <a:spcPts val="0"/>
+                        </a:spcAft>
+                        <a:buClrTx/>
+                        <a:buSzTx/>
+                        <a:buFontTx/>
+                        <a:buNone/>
+                        <a:tabLst/>
+                        <a:defRPr/>
+                      </a:pPr>
+                      <a:r>
+                        <a:rPr lang="en-US" dirty="0"/>
+                        <a:t>IWW</a:t>
+                      </a:r>
+                    </a:p>
+                  </a:txBody>
+                  <a:tcPr/>
+                </a:tc>
+                <a:tc>
+                  <a:txBody>
+                    <a:bodyPr/>
+                    <a:lstStyle/>
+                    <a:p>
+                      <a:pPr marL="0" marR="0" lvl="0" indent="0" algn="l" defTabSz="914400" rtl="0" eaLnBrk="1" fontAlgn="auto" latinLnBrk="0" hangingPunct="1">
+                        <a:lnSpc>
+                          <a:spcPct val="100000"/>
+                        </a:lnSpc>
+                        <a:spcBef>
+                          <a:spcPts val="0"/>
+                        </a:spcBef>
+                        <a:spcAft>
+                          <a:spcPts val="0"/>
+                        </a:spcAft>
+                        <a:buClrTx/>
+                        <a:buSzTx/>
+                        <a:buFontTx/>
+                        <a:buNone/>
+                        <a:tabLst/>
+                        <a:defRPr/>
+                      </a:pPr>
+                      <a:r>
+                        <a:rPr lang="en-US" dirty="0"/>
+                        <a:t>0.1 TeV</a:t>
+                      </a:r>
+                    </a:p>
+                  </a:txBody>
+                  <a:tcPr/>
+                </a:tc>
+                <a:tc>
+                  <a:txBody>
+                    <a:bodyPr/>
+                    <a:lstStyle/>
+                    <a:p>
+                      <a:r>
+                        <a:rPr lang="en-US" dirty="0"/>
+                        <a:t>194 ab</a:t>
+                      </a:r>
+                    </a:p>
+                  </a:txBody>
+                  <a:tcPr/>
+                </a:tc>
+                <a:tc>
+                  <a:txBody>
+                    <a:bodyPr/>
+                    <a:lstStyle/>
+                    <a:p>
+                      <a:endParaRPr lang="en-US" dirty="0"/>
+                    </a:p>
+                  </a:txBody>
+                  <a:tcPr/>
+                </a:tc>
+                <a:tc>
+                  <a:txBody>
+                    <a:bodyPr/>
+                    <a:lstStyle/>
+                    <a:p>
+                      <a:pPr marL="0" marR="0" lvl="0" indent="0" algn="l" defTabSz="914400" rtl="0" eaLnBrk="1" fontAlgn="auto" latinLnBrk="0" hangingPunct="1">
+                        <a:lnSpc>
+                          <a:spcPct val="100000"/>
+                        </a:lnSpc>
+                        <a:spcBef>
+                          <a:spcPts val="0"/>
+                        </a:spcBef>
+                        <a:spcAft>
+                          <a:spcPts val="0"/>
+                        </a:spcAft>
+                        <a:buClrTx/>
+                        <a:buSzTx/>
+                        <a:buFontTx/>
+                        <a:buNone/>
+                        <a:tabLst/>
+                        <a:defRPr/>
+                      </a:pPr>
+                      <a:endParaRPr lang="en-US" dirty="0"/>
+                    </a:p>
+                  </a:txBody>
+                  <a:tcPr/>
+                </a:tc>
+                <a:extLst>
+                  <a:ext uri="{0D108BD9-81ED-4DB2-BD59-A6C34878D82A}">
+                    <a16:rowId xmlns:a16="http://schemas.microsoft.com/office/drawing/2014/main" val="1459265937"/>
+                  </a:ext>
+                </a:extLst>
+              </a:tr>
+            </a:tbl>
+          </a:graphicData>
+        </a:graphic>
+      </p:graphicFrame>
+      <p:pic>
+        <p:nvPicPr>
+          <p:cNvPr id="5" name="Picture 4">
+            <a:extLst>
+              <a:ext uri="{FF2B5EF4-FFF2-40B4-BE49-F238E27FC236}">
+                <a16:creationId xmlns:a16="http://schemas.microsoft.com/office/drawing/2014/main" id="{41DF9E44-D1DA-EE62-C68F-0A043CC5B130}"/>
+              </a:ext>
+            </a:extLst>
+          </p:cNvPr>
+          <p:cNvPicPr>
+            <a:picLocks noChangeAspect="1"/>
+          </p:cNvPicPr>
+          <p:nvPr/>
+        </p:nvPicPr>
+        <p:blipFill>
+          <a:blip r:embed="rId2"/>
+          <a:stretch>
+            <a:fillRect/>
+          </a:stretch>
+        </p:blipFill>
+        <p:spPr>
+          <a:xfrm>
+            <a:off x="225669" y="8669"/>
+            <a:ext cx="3129927" cy="1237413"/>
+          </a:xfrm>
+          <a:prstGeom prst="rect">
+            <a:avLst/>
+          </a:prstGeom>
+        </p:spPr>
+      </p:pic>
+      <p:pic>
+        <p:nvPicPr>
+          <p:cNvPr id="7" name="Picture 6">
+            <a:extLst>
+              <a:ext uri="{FF2B5EF4-FFF2-40B4-BE49-F238E27FC236}">
+                <a16:creationId xmlns:a16="http://schemas.microsoft.com/office/drawing/2014/main" id="{3C384100-E376-F9E8-9B10-8D09DBB7591B}"/>
+              </a:ext>
+            </a:extLst>
+          </p:cNvPr>
+          <p:cNvPicPr>
+            <a:picLocks noChangeAspect="1"/>
+          </p:cNvPicPr>
+          <p:nvPr/>
+        </p:nvPicPr>
+        <p:blipFill>
+          <a:blip r:embed="rId3"/>
+          <a:stretch>
+            <a:fillRect/>
+          </a:stretch>
+        </p:blipFill>
+        <p:spPr>
+          <a:xfrm>
+            <a:off x="3471409" y="5910"/>
+            <a:ext cx="3157770" cy="1237413"/>
+          </a:xfrm>
+          <a:prstGeom prst="rect">
+            <a:avLst/>
+          </a:prstGeom>
+        </p:spPr>
+      </p:pic>
+      <p:pic>
+        <p:nvPicPr>
+          <p:cNvPr id="9" name="Picture 8">
+            <a:extLst>
+              <a:ext uri="{FF2B5EF4-FFF2-40B4-BE49-F238E27FC236}">
+                <a16:creationId xmlns:a16="http://schemas.microsoft.com/office/drawing/2014/main" id="{467CBBE1-C010-B141-764F-0658ACF99016}"/>
+              </a:ext>
+            </a:extLst>
+          </p:cNvPr>
+          <p:cNvPicPr>
+            <a:picLocks noChangeAspect="1"/>
+          </p:cNvPicPr>
+          <p:nvPr/>
+        </p:nvPicPr>
+        <p:blipFill>
+          <a:blip r:embed="rId4"/>
+          <a:stretch>
+            <a:fillRect/>
+          </a:stretch>
+        </p:blipFill>
+        <p:spPr>
+          <a:xfrm>
+            <a:off x="6744993" y="0"/>
+            <a:ext cx="1656016" cy="1234201"/>
+          </a:xfrm>
+          <a:prstGeom prst="rect">
+            <a:avLst/>
+          </a:prstGeom>
+        </p:spPr>
+      </p:pic>
+      <p:sp>
+        <p:nvSpPr>
+          <p:cNvPr id="2" name="TextBox 1">
+            <a:extLst>
+              <a:ext uri="{FF2B5EF4-FFF2-40B4-BE49-F238E27FC236}">
+                <a16:creationId xmlns:a16="http://schemas.microsoft.com/office/drawing/2014/main" id="{17B70261-0C51-85ED-00DB-64057313A506}"/>
+              </a:ext>
+            </a:extLst>
+          </p:cNvPr>
+          <p:cNvSpPr txBox="1"/>
+          <p:nvPr/>
+        </p:nvSpPr>
+        <p:spPr>
+          <a:xfrm>
+            <a:off x="345332" y="6036013"/>
+            <a:ext cx="8346332" cy="646331"/>
+          </a:xfrm>
+          <a:prstGeom prst="rect">
+            <a:avLst/>
+          </a:prstGeom>
+          <a:noFill/>
+        </p:spPr>
+        <p:txBody>
+          <a:bodyPr wrap="square" rtlCol="0">
+            <a:spAutoFit/>
+          </a:bodyPr>
+          <a:lstStyle/>
+          <a:p>
+            <a:r>
+              <a:rPr lang="en-US" dirty="0"/>
+              <a:t>ZL: I still don’t know how to think about these processes. Why there can be x100 enhancement. Need to look into MG5 diagram-by-diagram calculation </a:t>
+            </a:r>
+            <a:r>
+              <a:rPr lang="en-US"/>
+              <a:t>I guess. </a:t>
+            </a:r>
+          </a:p>
+        </p:txBody>
+      </p:sp>
+    </p:spTree>
+    <p:extLst>
+      <p:ext uri="{BB962C8B-B14F-4D97-AF65-F5344CB8AC3E}">
+        <p14:creationId xmlns:p14="http://schemas.microsoft.com/office/powerpoint/2010/main" val="2411991486"/>
+      </p:ext>
+    </p:extLst>
+  </p:cSld>
+  <p:clrMapOvr>
+    <a:masterClrMapping/>
+  </p:clrMapOvr>
+</p:sld>
+</file>
+
+<file path=ppt/slides/slide13.xml><?xml version="1.0" encoding="utf-8"?>
+<p:sld xmlns:a="http://schemas.openxmlformats.org/drawingml/2006/main" xmlns:r="http://schemas.openxmlformats.org/officeDocument/2006/relationships" xmlns:p="http://schemas.openxmlformats.org/presentationml/2006/main">
+  <p:cSld>
+    <p:spTree>
+      <p:nvGrpSpPr>
+        <p:cNvPr id="1" name=""/>
+        <p:cNvGrpSpPr/>
+        <p:nvPr/>
+      </p:nvGrpSpPr>
+      <p:grpSpPr>
+        <a:xfrm>
+          <a:off x="0" y="0"/>
+          <a:ext cx="0" cy="0"/>
+          <a:chOff x="0" y="0"/>
+          <a:chExt cx="0" cy="0"/>
+        </a:xfrm>
+      </p:grpSpPr>
+      <p:sp>
+        <p:nvSpPr>
+          <p:cNvPr id="2" name="Title 1">
+            <a:extLst>
+              <a:ext uri="{FF2B5EF4-FFF2-40B4-BE49-F238E27FC236}">
+                <a16:creationId xmlns:a16="http://schemas.microsoft.com/office/drawing/2014/main" id="{46BF1432-1307-39C7-F916-EB20810BB057}"/>
+              </a:ext>
+            </a:extLst>
+          </p:cNvPr>
+          <p:cNvSpPr>
+            <a:spLocks noGrp="1"/>
+          </p:cNvSpPr>
+          <p:nvPr>
+            <p:ph type="title"/>
+          </p:nvPr>
+        </p:nvSpPr>
+        <p:spPr/>
+        <p:txBody>
+          <a:bodyPr/>
+          <a:lstStyle/>
+          <a:p>
+            <a:r>
+              <a:rPr lang="en-US" dirty="0"/>
+              <a:t>Backups</a:t>
+            </a:r>
+          </a:p>
+        </p:txBody>
+      </p:sp>
+      <p:sp>
+        <p:nvSpPr>
+          <p:cNvPr id="3" name="Content Placeholder 2">
+            <a:extLst>
+              <a:ext uri="{FF2B5EF4-FFF2-40B4-BE49-F238E27FC236}">
+                <a16:creationId xmlns:a16="http://schemas.microsoft.com/office/drawing/2014/main" id="{6B1F8568-19CB-0891-0216-93785FD18C4C}"/>
+              </a:ext>
+            </a:extLst>
+          </p:cNvPr>
+          <p:cNvSpPr>
+            <a:spLocks noGrp="1"/>
+          </p:cNvSpPr>
+          <p:nvPr>
+            <p:ph idx="1"/>
+          </p:nvPr>
+        </p:nvSpPr>
+        <p:spPr/>
+        <p:txBody>
+          <a:bodyPr/>
+          <a:lstStyle/>
+          <a:p>
+            <a:endParaRPr lang="en-US"/>
+          </a:p>
+        </p:txBody>
+      </p:sp>
+    </p:spTree>
+    <p:extLst>
+      <p:ext uri="{BB962C8B-B14F-4D97-AF65-F5344CB8AC3E}">
+        <p14:creationId xmlns:p14="http://schemas.microsoft.com/office/powerpoint/2010/main" val="131599405"/>
+      </p:ext>
+    </p:extLst>
+  </p:cSld>
+  <p:clrMapOvr>
+    <a:masterClrMapping/>
+  </p:clrMapOvr>
+</p:sld>
+</file>
+
+<file path=ppt/slides/slide14.xml><?xml version="1.0" encoding="utf-8"?>
+<p:sld xmlns:a="http://schemas.openxmlformats.org/drawingml/2006/main" xmlns:r="http://schemas.openxmlformats.org/officeDocument/2006/relationships" xmlns:p="http://schemas.openxmlformats.org/presentationml/2006/main">
+  <p:cSld>
+    <p:spTree>
+      <p:nvGrpSpPr>
+        <p:cNvPr id="1" name=""/>
+        <p:cNvGrpSpPr/>
+        <p:nvPr/>
+      </p:nvGrpSpPr>
+      <p:grpSpPr>
+        <a:xfrm>
+          <a:off x="0" y="0"/>
+          <a:ext cx="0" cy="0"/>
+          <a:chOff x="0" y="0"/>
+          <a:chExt cx="0" cy="0"/>
+        </a:xfrm>
+      </p:grpSpPr>
+      <p:sp>
+        <p:nvSpPr>
+          <p:cNvPr id="2" name="Title 1">
+            <a:extLst>
+              <a:ext uri="{FF2B5EF4-FFF2-40B4-BE49-F238E27FC236}">
+                <a16:creationId xmlns:a16="http://schemas.microsoft.com/office/drawing/2014/main" id="{7E7DF9AD-B045-5F8D-C926-2C07EAC77E0D}"/>
+              </a:ext>
+            </a:extLst>
+          </p:cNvPr>
+          <p:cNvSpPr>
+            <a:spLocks noGrp="1"/>
+          </p:cNvSpPr>
+          <p:nvPr>
+            <p:ph type="title"/>
+          </p:nvPr>
+        </p:nvSpPr>
+        <p:spPr/>
+        <p:txBody>
+          <a:bodyPr/>
+          <a:lstStyle/>
+          <a:p>
+            <a:r>
+              <a:rPr lang="en-US" dirty="0"/>
+              <a:t>Additional Comparisons	</a:t>
+            </a:r>
+          </a:p>
+        </p:txBody>
+      </p:sp>
+      <p:sp>
+        <p:nvSpPr>
+          <p:cNvPr id="3" name="Content Placeholder 2">
+            <a:extLst>
+              <a:ext uri="{FF2B5EF4-FFF2-40B4-BE49-F238E27FC236}">
+                <a16:creationId xmlns:a16="http://schemas.microsoft.com/office/drawing/2014/main" id="{124B4027-2AC8-B58C-2B23-5541EF9254F3}"/>
+              </a:ext>
+            </a:extLst>
+          </p:cNvPr>
+          <p:cNvSpPr>
+            <a:spLocks noGrp="1"/>
+          </p:cNvSpPr>
+          <p:nvPr>
+            <p:ph idx="1"/>
+          </p:nvPr>
+        </p:nvSpPr>
+        <p:spPr/>
+        <p:txBody>
+          <a:bodyPr>
+            <a:normAutofit/>
+          </a:bodyPr>
+          <a:lstStyle/>
+          <a:p>
+            <a:r>
+              <a:rPr lang="en-US" sz="1800" dirty="0"/>
+              <a:t>This paper studied the pure </a:t>
+            </a:r>
+            <a:r>
+              <a:rPr lang="en-US" sz="1800" dirty="0" err="1"/>
+              <a:t>aEWEW</a:t>
+            </a:r>
+            <a:r>
+              <a:rPr lang="en-US" sz="1800" dirty="0"/>
+              <a:t> coupling without </a:t>
+            </a:r>
+            <a:r>
+              <a:rPr lang="en-US" sz="1800" dirty="0" err="1"/>
+              <a:t>aGG</a:t>
+            </a:r>
+            <a:r>
+              <a:rPr lang="en-US" sz="1800" dirty="0"/>
+              <a:t>. </a:t>
+            </a:r>
+          </a:p>
+        </p:txBody>
+      </p:sp>
+      <p:pic>
+        <p:nvPicPr>
+          <p:cNvPr id="5" name="Picture 4">
+            <a:extLst>
+              <a:ext uri="{FF2B5EF4-FFF2-40B4-BE49-F238E27FC236}">
+                <a16:creationId xmlns:a16="http://schemas.microsoft.com/office/drawing/2014/main" id="{FD7C093B-6159-0AB6-88E7-8C34AA19421C}"/>
+              </a:ext>
+            </a:extLst>
+          </p:cNvPr>
+          <p:cNvPicPr>
+            <a:picLocks noChangeAspect="1"/>
+          </p:cNvPicPr>
+          <p:nvPr/>
+        </p:nvPicPr>
+        <p:blipFill>
+          <a:blip r:embed="rId2"/>
+          <a:stretch>
+            <a:fillRect/>
+          </a:stretch>
+        </p:blipFill>
+        <p:spPr>
+          <a:xfrm>
+            <a:off x="3188301" y="2228358"/>
+            <a:ext cx="6695497" cy="4264517"/>
+          </a:xfrm>
+          <a:prstGeom prst="rect">
+            <a:avLst/>
+          </a:prstGeom>
+        </p:spPr>
+      </p:pic>
+      <p:pic>
+        <p:nvPicPr>
+          <p:cNvPr id="6" name="Picture 5">
+            <a:extLst>
+              <a:ext uri="{FF2B5EF4-FFF2-40B4-BE49-F238E27FC236}">
+                <a16:creationId xmlns:a16="http://schemas.microsoft.com/office/drawing/2014/main" id="{DEE22FDC-B583-45B1-DB6E-52127F6C6FF9}"/>
+              </a:ext>
+            </a:extLst>
+          </p:cNvPr>
+          <p:cNvPicPr>
+            <a:picLocks noChangeAspect="1"/>
+          </p:cNvPicPr>
+          <p:nvPr/>
+        </p:nvPicPr>
+        <p:blipFill>
+          <a:blip r:embed="rId3"/>
+          <a:stretch>
+            <a:fillRect/>
+          </a:stretch>
+        </p:blipFill>
+        <p:spPr>
+          <a:xfrm>
+            <a:off x="7383294" y="1074"/>
+            <a:ext cx="4808706" cy="2051714"/>
+          </a:xfrm>
+          <a:prstGeom prst="rect">
+            <a:avLst/>
+          </a:prstGeom>
+        </p:spPr>
+      </p:pic>
+      <p:sp>
+        <p:nvSpPr>
+          <p:cNvPr id="7" name="TextBox 6">
+            <a:extLst>
+              <a:ext uri="{FF2B5EF4-FFF2-40B4-BE49-F238E27FC236}">
+                <a16:creationId xmlns:a16="http://schemas.microsoft.com/office/drawing/2014/main" id="{6E64924C-C8D1-6D3C-7E4A-CC191A846653}"/>
+              </a:ext>
+            </a:extLst>
+          </p:cNvPr>
+          <p:cNvSpPr txBox="1"/>
+          <p:nvPr/>
+        </p:nvSpPr>
+        <p:spPr>
+          <a:xfrm>
+            <a:off x="58365" y="2538919"/>
+            <a:ext cx="3287949" cy="3139321"/>
+          </a:xfrm>
+          <a:prstGeom prst="rect">
+            <a:avLst/>
+          </a:prstGeom>
+          <a:noFill/>
+        </p:spPr>
+        <p:txBody>
+          <a:bodyPr wrap="square" rtlCol="0">
+            <a:spAutoFit/>
+          </a:bodyPr>
+          <a:lstStyle/>
+          <a:p>
+            <a:r>
+              <a:rPr lang="en-US" dirty="0"/>
+              <a:t>ZL: looking into this paper in more details it seems to be of very limited reference value. </a:t>
+            </a:r>
+          </a:p>
+          <a:p>
+            <a:r>
+              <a:rPr lang="en-US" dirty="0"/>
+              <a:t>The CBW operator doesn’t even exist! They are barely using a totally different set of CP-even doublet scalar operators and relations to study axion. I don’t know what to say. How can Jiji and </a:t>
+            </a:r>
+            <a:r>
+              <a:rPr lang="en-US" dirty="0" err="1"/>
+              <a:t>Lingfeng</a:t>
+            </a:r>
+            <a:r>
+              <a:rPr lang="en-US" dirty="0"/>
+              <a:t> worked out studies like this. </a:t>
+            </a:r>
+          </a:p>
+        </p:txBody>
+      </p:sp>
+      <p:pic>
+        <p:nvPicPr>
+          <p:cNvPr id="9" name="Picture 8">
+            <a:extLst>
+              <a:ext uri="{FF2B5EF4-FFF2-40B4-BE49-F238E27FC236}">
+                <a16:creationId xmlns:a16="http://schemas.microsoft.com/office/drawing/2014/main" id="{26F76CF5-691E-5FE4-1D06-C916BB28502B}"/>
+              </a:ext>
+            </a:extLst>
+          </p:cNvPr>
+          <p:cNvPicPr>
+            <a:picLocks noChangeAspect="1"/>
+          </p:cNvPicPr>
+          <p:nvPr/>
+        </p:nvPicPr>
+        <p:blipFill>
+          <a:blip r:embed="rId4"/>
+          <a:stretch>
+            <a:fillRect/>
+          </a:stretch>
+        </p:blipFill>
+        <p:spPr>
+          <a:xfrm>
+            <a:off x="7216061" y="4805213"/>
+            <a:ext cx="4917574" cy="2009382"/>
+          </a:xfrm>
+          <a:prstGeom prst="rect">
+            <a:avLst/>
+          </a:prstGeom>
+        </p:spPr>
+      </p:pic>
+    </p:spTree>
+    <p:extLst>
+      <p:ext uri="{BB962C8B-B14F-4D97-AF65-F5344CB8AC3E}">
+        <p14:creationId xmlns:p14="http://schemas.microsoft.com/office/powerpoint/2010/main" val="1107902147"/>
+      </p:ext>
+    </p:extLst>
+  </p:cSld>
+  <p:clrMapOvr>
+    <a:masterClrMapping/>
+  </p:clrMapOvr>
+</p:sld>
+</file>
+
+<file path=ppt/slides/slide15.xml><?xml version="1.0" encoding="utf-8"?>
+<p:sld xmlns:a="http://schemas.openxmlformats.org/drawingml/2006/main" xmlns:r="http://schemas.openxmlformats.org/officeDocument/2006/relationships" xmlns:p="http://schemas.openxmlformats.org/presentationml/2006/main">
+  <p:cSld>
+    <p:spTree>
+      <p:nvGrpSpPr>
+        <p:cNvPr id="1" name=""/>
+        <p:cNvGrpSpPr/>
+        <p:nvPr/>
+      </p:nvGrpSpPr>
+      <p:grpSpPr>
+        <a:xfrm>
+          <a:off x="0" y="0"/>
+          <a:ext cx="0" cy="0"/>
+          <a:chOff x="0" y="0"/>
+          <a:chExt cx="0" cy="0"/>
+        </a:xfrm>
+      </p:grpSpPr>
+      <p:sp>
+        <p:nvSpPr>
+          <p:cNvPr id="2" name="Title 1">
+            <a:extLst>
+              <a:ext uri="{FF2B5EF4-FFF2-40B4-BE49-F238E27FC236}">
+                <a16:creationId xmlns:a16="http://schemas.microsoft.com/office/drawing/2014/main" id="{D61AFB6D-45A5-B4E4-E4B4-4D7D28119E94}"/>
+              </a:ext>
+            </a:extLst>
+          </p:cNvPr>
+          <p:cNvSpPr>
+            <a:spLocks noGrp="1"/>
+          </p:cNvSpPr>
+          <p:nvPr>
+            <p:ph type="title"/>
+          </p:nvPr>
+        </p:nvSpPr>
+        <p:spPr/>
+        <p:txBody>
+          <a:bodyPr/>
+          <a:lstStyle/>
+          <a:p>
+            <a:endParaRPr lang="en-US"/>
+          </a:p>
+        </p:txBody>
+      </p:sp>
+      <p:sp>
+        <p:nvSpPr>
+          <p:cNvPr id="3" name="Content Placeholder 2">
+            <a:extLst>
+              <a:ext uri="{FF2B5EF4-FFF2-40B4-BE49-F238E27FC236}">
+                <a16:creationId xmlns:a16="http://schemas.microsoft.com/office/drawing/2014/main" id="{419DAE0E-6D6B-DDCF-7044-E8E6CBF04A1D}"/>
+              </a:ext>
+            </a:extLst>
+          </p:cNvPr>
+          <p:cNvSpPr>
+            <a:spLocks noGrp="1"/>
+          </p:cNvSpPr>
+          <p:nvPr>
+            <p:ph idx="1"/>
+          </p:nvPr>
+        </p:nvSpPr>
+        <p:spPr/>
+        <p:txBody>
+          <a:bodyPr/>
+          <a:lstStyle/>
+          <a:p>
+            <a:endParaRPr lang="en-US"/>
+          </a:p>
+        </p:txBody>
+      </p:sp>
+      <p:pic>
+        <p:nvPicPr>
+          <p:cNvPr id="5" name="Picture 4">
+            <a:extLst>
+              <a:ext uri="{FF2B5EF4-FFF2-40B4-BE49-F238E27FC236}">
+                <a16:creationId xmlns:a16="http://schemas.microsoft.com/office/drawing/2014/main" id="{57734619-0ABF-60F8-DC75-DB5C8CE8FBE9}"/>
+              </a:ext>
+            </a:extLst>
+          </p:cNvPr>
+          <p:cNvPicPr>
+            <a:picLocks noChangeAspect="1"/>
+          </p:cNvPicPr>
+          <p:nvPr/>
+        </p:nvPicPr>
+        <p:blipFill>
+          <a:blip r:embed="rId2"/>
+          <a:stretch>
+            <a:fillRect/>
+          </a:stretch>
+        </p:blipFill>
+        <p:spPr>
+          <a:xfrm>
+            <a:off x="351879" y="0"/>
+            <a:ext cx="11488242" cy="6858000"/>
+          </a:xfrm>
+          <a:prstGeom prst="rect">
+            <a:avLst/>
+          </a:prstGeom>
+        </p:spPr>
+      </p:pic>
+    </p:spTree>
+    <p:extLst>
+      <p:ext uri="{BB962C8B-B14F-4D97-AF65-F5344CB8AC3E}">
+        <p14:creationId xmlns:p14="http://schemas.microsoft.com/office/powerpoint/2010/main" val="3438799870"/>
+      </p:ext>
+    </p:extLst>
+  </p:cSld>
+  <p:clrMapOvr>
+    <a:masterClrMapping/>
+  </p:clrMapOvr>
+</p:sld>
+</file>
+
+<file path=ppt/slides/slide16.xml><?xml version="1.0" encoding="utf-8"?>
+<p:sld xmlns:a="http://schemas.openxmlformats.org/drawingml/2006/main" xmlns:r="http://schemas.openxmlformats.org/officeDocument/2006/relationships" xmlns:p="http://schemas.openxmlformats.org/presentationml/2006/main">
+  <p:cSld>
+    <p:spTree>
+      <p:nvGrpSpPr>
+        <p:cNvPr id="1" name=""/>
+        <p:cNvGrpSpPr/>
+        <p:nvPr/>
+      </p:nvGrpSpPr>
+      <p:grpSpPr>
+        <a:xfrm>
+          <a:off x="0" y="0"/>
+          <a:ext cx="0" cy="0"/>
+          <a:chOff x="0" y="0"/>
+          <a:chExt cx="0" cy="0"/>
+        </a:xfrm>
+      </p:grpSpPr>
+      <p:sp>
+        <p:nvSpPr>
+          <p:cNvPr id="2" name="Title 1">
+            <a:extLst>
+              <a:ext uri="{FF2B5EF4-FFF2-40B4-BE49-F238E27FC236}">
+                <a16:creationId xmlns:a16="http://schemas.microsoft.com/office/drawing/2014/main" id="{6DFCE5DB-6148-BB4C-1E92-9F1F08CA5ED3}"/>
+              </a:ext>
+            </a:extLst>
+          </p:cNvPr>
+          <p:cNvSpPr>
+            <a:spLocks noGrp="1"/>
+          </p:cNvSpPr>
+          <p:nvPr>
+            <p:ph type="title"/>
+          </p:nvPr>
+        </p:nvSpPr>
+        <p:spPr/>
+        <p:txBody>
+          <a:bodyPr/>
+          <a:lstStyle/>
+          <a:p>
+            <a:r>
+              <a:rPr lang="en-US" dirty="0"/>
+              <a:t>Additional Refs.</a:t>
+            </a:r>
+          </a:p>
+        </p:txBody>
+      </p:sp>
+      <p:sp>
+        <p:nvSpPr>
+          <p:cNvPr id="3" name="Content Placeholder 2">
+            <a:extLst>
+              <a:ext uri="{FF2B5EF4-FFF2-40B4-BE49-F238E27FC236}">
+                <a16:creationId xmlns:a16="http://schemas.microsoft.com/office/drawing/2014/main" id="{BA3621C0-B17A-3FAC-C270-E82C03DB6E49}"/>
+              </a:ext>
+            </a:extLst>
+          </p:cNvPr>
+          <p:cNvSpPr>
+            <a:spLocks noGrp="1"/>
+          </p:cNvSpPr>
+          <p:nvPr>
+            <p:ph idx="1"/>
+          </p:nvPr>
+        </p:nvSpPr>
+        <p:spPr>
+          <a:xfrm>
+            <a:off x="901430" y="1344106"/>
+            <a:ext cx="10515600" cy="4351338"/>
+          </a:xfrm>
+        </p:spPr>
+        <p:txBody>
+          <a:bodyPr/>
+          <a:lstStyle/>
+          <a:p>
+            <a:r>
+              <a:rPr lang="en-US" dirty="0">
+                <a:hlinkClick r:id="rId2"/>
+              </a:rPr>
+              <a:t>https://answers.launchpad.net/mg5amcnlo/+question/701029</a:t>
+            </a:r>
+            <a:endParaRPr lang="en-US" dirty="0"/>
+          </a:p>
+          <a:p>
+            <a:r>
+              <a:rPr lang="en-US" dirty="0"/>
+              <a:t>Appendix of </a:t>
+            </a:r>
+            <a:r>
+              <a:rPr lang="en-US" dirty="0">
+                <a:hlinkClick r:id="rId3"/>
+              </a:rPr>
+              <a:t>https://arxiv.org/pdf/2111.02442</a:t>
+            </a:r>
+            <a:r>
+              <a:rPr lang="en-US" dirty="0"/>
+              <a:t> </a:t>
+            </a:r>
+          </a:p>
+          <a:p>
+            <a:pPr marL="0" indent="0">
+              <a:buNone/>
+            </a:pPr>
+            <a:r>
+              <a:rPr lang="en-US" dirty="0"/>
+              <a:t>Consider either using IWW or EVA</a:t>
+            </a:r>
+          </a:p>
+          <a:p>
+            <a:pPr marL="0" indent="0">
+              <a:buNone/>
+            </a:pPr>
+            <a:endParaRPr lang="en-US" dirty="0"/>
+          </a:p>
+        </p:txBody>
+      </p:sp>
+      <p:pic>
+        <p:nvPicPr>
+          <p:cNvPr id="5" name="Picture 4">
+            <a:extLst>
+              <a:ext uri="{FF2B5EF4-FFF2-40B4-BE49-F238E27FC236}">
+                <a16:creationId xmlns:a16="http://schemas.microsoft.com/office/drawing/2014/main" id="{491FC5A1-AD4A-9BCB-9EC2-88D130D9A9A0}"/>
+              </a:ext>
+            </a:extLst>
+          </p:cNvPr>
+          <p:cNvPicPr>
+            <a:picLocks noChangeAspect="1"/>
+          </p:cNvPicPr>
+          <p:nvPr/>
+        </p:nvPicPr>
+        <p:blipFill>
+          <a:blip r:embed="rId4"/>
+          <a:stretch>
+            <a:fillRect/>
+          </a:stretch>
+        </p:blipFill>
+        <p:spPr>
+          <a:xfrm>
+            <a:off x="6284069" y="2401957"/>
+            <a:ext cx="5637178" cy="4097266"/>
+          </a:xfrm>
+          <a:prstGeom prst="rect">
+            <a:avLst/>
+          </a:prstGeom>
+        </p:spPr>
+      </p:pic>
+    </p:spTree>
+    <p:extLst>
+      <p:ext uri="{BB962C8B-B14F-4D97-AF65-F5344CB8AC3E}">
+        <p14:creationId xmlns:p14="http://schemas.microsoft.com/office/powerpoint/2010/main" val="3366242605"/>
+      </p:ext>
+    </p:extLst>
+  </p:cSld>
+  <p:clrMapOvr>
+    <a:masterClrMapping/>
+  </p:clrMapOvr>
+</p:sld>
+</file>
+
+<file path=ppt/slides/slide17.xml><?xml version="1.0" encoding="utf-8"?>
+<p:sld xmlns:a="http://schemas.openxmlformats.org/drawingml/2006/main" xmlns:r="http://schemas.openxmlformats.org/officeDocument/2006/relationships" xmlns:p="http://schemas.openxmlformats.org/presentationml/2006/main">
+  <p:cSld>
+    <p:spTree>
+      <p:nvGrpSpPr>
+        <p:cNvPr id="1" name=""/>
+        <p:cNvGrpSpPr/>
+        <p:nvPr/>
+      </p:nvGrpSpPr>
+      <p:grpSpPr>
+        <a:xfrm>
+          <a:off x="0" y="0"/>
+          <a:ext cx="0" cy="0"/>
+          <a:chOff x="0" y="0"/>
+          <a:chExt cx="0" cy="0"/>
+        </a:xfrm>
+      </p:grpSpPr>
+      <p:sp>
+        <p:nvSpPr>
+          <p:cNvPr id="2" name="Title 1">
+            <a:extLst>
+              <a:ext uri="{FF2B5EF4-FFF2-40B4-BE49-F238E27FC236}">
+                <a16:creationId xmlns:a16="http://schemas.microsoft.com/office/drawing/2014/main" id="{C90E98D2-BD64-C25A-C4FD-6720CE994304}"/>
+              </a:ext>
+            </a:extLst>
+          </p:cNvPr>
+          <p:cNvSpPr>
+            <a:spLocks noGrp="1"/>
+          </p:cNvSpPr>
+          <p:nvPr>
+            <p:ph type="title"/>
+          </p:nvPr>
+        </p:nvSpPr>
+        <p:spPr>
+          <a:xfrm>
+            <a:off x="838200" y="365125"/>
+            <a:ext cx="5907932" cy="1325563"/>
+          </a:xfrm>
+        </p:spPr>
+        <p:txBody>
+          <a:bodyPr/>
+          <a:lstStyle/>
+          <a:p>
+            <a:r>
+              <a:rPr lang="en-US" dirty="0"/>
+              <a:t>All 8 contributing diagrams</a:t>
+            </a:r>
+          </a:p>
+        </p:txBody>
+      </p:sp>
+      <p:sp>
+        <p:nvSpPr>
+          <p:cNvPr id="3" name="Content Placeholder 2">
+            <a:extLst>
+              <a:ext uri="{FF2B5EF4-FFF2-40B4-BE49-F238E27FC236}">
+                <a16:creationId xmlns:a16="http://schemas.microsoft.com/office/drawing/2014/main" id="{A63BBA22-0A40-5C50-18AC-38781BC6F2C8}"/>
+              </a:ext>
+            </a:extLst>
+          </p:cNvPr>
+          <p:cNvSpPr>
+            <a:spLocks noGrp="1"/>
+          </p:cNvSpPr>
+          <p:nvPr>
+            <p:ph idx="1"/>
+          </p:nvPr>
+        </p:nvSpPr>
+        <p:spPr>
+          <a:xfrm>
+            <a:off x="883849" y="1643298"/>
+            <a:ext cx="4850606" cy="4351338"/>
+          </a:xfrm>
+        </p:spPr>
+        <p:txBody>
+          <a:bodyPr/>
+          <a:lstStyle/>
+          <a:p>
+            <a:r>
+              <a:rPr lang="pl-PL" dirty="0"/>
+              <a:t>mu+ mu- &gt; ax w+ mu- vm~ /ax mu+ h vm z</a:t>
+            </a:r>
+            <a:endParaRPr lang="en-US" dirty="0"/>
+          </a:p>
+          <a:p>
+            <a:endParaRPr lang="en-US" dirty="0"/>
+          </a:p>
+        </p:txBody>
+      </p:sp>
+      <p:pic>
+        <p:nvPicPr>
+          <p:cNvPr id="5" name="Picture 4">
+            <a:extLst>
+              <a:ext uri="{FF2B5EF4-FFF2-40B4-BE49-F238E27FC236}">
+                <a16:creationId xmlns:a16="http://schemas.microsoft.com/office/drawing/2014/main" id="{6231F118-B606-2684-FA04-AF8FCE032F86}"/>
+              </a:ext>
+            </a:extLst>
+          </p:cNvPr>
+          <p:cNvPicPr>
+            <a:picLocks noChangeAspect="1"/>
+          </p:cNvPicPr>
+          <p:nvPr/>
+        </p:nvPicPr>
+        <p:blipFill>
+          <a:blip r:embed="rId2">
+            <a:extLst>
+              <a:ext uri="{28A0092B-C50C-407E-A947-70E740481C1C}">
+                <a14:useLocalDpi xmlns:a14="http://schemas.microsoft.com/office/drawing/2010/main" val="0"/>
+              </a:ext>
+            </a:extLst>
+          </a:blip>
+          <a:srcRect/>
+          <a:stretch/>
+        </p:blipFill>
+        <p:spPr>
+          <a:xfrm>
+            <a:off x="6799787" y="30062"/>
+            <a:ext cx="5392213" cy="6797875"/>
+          </a:xfrm>
+          <a:prstGeom prst="rect">
+            <a:avLst/>
+          </a:prstGeom>
+        </p:spPr>
+      </p:pic>
+      <p:pic>
+        <p:nvPicPr>
+          <p:cNvPr id="7" name="Picture 6">
+            <a:extLst>
+              <a:ext uri="{FF2B5EF4-FFF2-40B4-BE49-F238E27FC236}">
+                <a16:creationId xmlns:a16="http://schemas.microsoft.com/office/drawing/2014/main" id="{7D5B12E9-7B3B-0C9E-DFC7-187EDC9B89FA}"/>
+              </a:ext>
+            </a:extLst>
+          </p:cNvPr>
+          <p:cNvPicPr>
+            <a:picLocks noChangeAspect="1"/>
+          </p:cNvPicPr>
+          <p:nvPr/>
+        </p:nvPicPr>
+        <p:blipFill>
+          <a:blip r:embed="rId3">
+            <a:extLst>
+              <a:ext uri="{28A0092B-C50C-407E-A947-70E740481C1C}">
+                <a14:useLocalDpi xmlns:a14="http://schemas.microsoft.com/office/drawing/2010/main" val="0"/>
+              </a:ext>
+            </a:extLst>
+          </a:blip>
+          <a:srcRect/>
+          <a:stretch/>
+        </p:blipFill>
+        <p:spPr>
+          <a:xfrm>
+            <a:off x="708378" y="3052707"/>
+            <a:ext cx="5697286" cy="1925584"/>
+          </a:xfrm>
+          <a:prstGeom prst="rect">
+            <a:avLst/>
+          </a:prstGeom>
+        </p:spPr>
+      </p:pic>
+    </p:spTree>
+    <p:extLst>
+      <p:ext uri="{BB962C8B-B14F-4D97-AF65-F5344CB8AC3E}">
+        <p14:creationId xmlns:p14="http://schemas.microsoft.com/office/powerpoint/2010/main" val="705061400"/>
+      </p:ext>
+    </p:extLst>
+  </p:cSld>
+  <p:clrMapOvr>
+    <a:masterClrMapping/>
+  </p:clrMapOvr>
+</p:sld>
+</file>
+
+<file path=ppt/slides/slide18.xml><?xml version="1.0" encoding="utf-8"?>
+<p:sld xmlns:a="http://schemas.openxmlformats.org/drawingml/2006/main" xmlns:r="http://schemas.openxmlformats.org/officeDocument/2006/relationships" xmlns:p="http://schemas.openxmlformats.org/presentationml/2006/main">
+  <p:cSld>
+    <p:bg>
+      <p:bgPr>
+        <a:solidFill>
+          <a:schemeClr val="bg1"/>
+        </a:solidFill>
+        <a:effectLst/>
+      </p:bgPr>
+    </p:bg>
+    <p:spTree>
+      <p:nvGrpSpPr>
+        <p:cNvPr id="1" name=""/>
+        <p:cNvGrpSpPr/>
+        <p:nvPr/>
+      </p:nvGrpSpPr>
+      <p:grpSpPr>
+        <a:xfrm>
+          <a:off x="0" y="0"/>
+          <a:ext cx="0" cy="0"/>
+          <a:chOff x="0" y="0"/>
+          <a:chExt cx="0" cy="0"/>
+        </a:xfrm>
+      </p:grpSpPr>
+      <p:sp useBgFill="1">
+        <p:nvSpPr>
+          <p:cNvPr id="11" name="Rectangle 10">
+            <a:extLst>
+              <a:ext uri="{FF2B5EF4-FFF2-40B4-BE49-F238E27FC236}">
+                <a16:creationId xmlns:a16="http://schemas.microsoft.com/office/drawing/2014/main" id="{DBC6133C-0615-4CE4-9132-37E609A9BDFA}"/>
+              </a:ext>
+              <a:ext uri="{C183D7F6-B498-43B3-948B-1728B52AA6E4}">
+                <adec:decorative xmlns:adec="http://schemas.microsoft.com/office/drawing/2017/decorative" val="1"/>
+              </a:ext>
+            </a:extLst>
+          </p:cNvPr>
+          <p:cNvSpPr>
+            <a:spLocks noGrp="1" noRot="1" noChangeAspect="1" noMove="1" noResize="1" noEditPoints="1" noAdjustHandles="1" noChangeArrowheads="1" noChangeShapeType="1" noTextEdit="1"/>
+          </p:cNvSpPr>
+          <p:nvPr>
+            <p:extLst>
+              <p:ext uri="{386F3935-93C4-4BCD-93E2-E3B085C9AB24}">
+                <p16:designElem xmlns:p16="http://schemas.microsoft.com/office/powerpoint/2015/main" val="1"/>
+              </p:ext>
+            </p:extLst>
+          </p:nvPr>
+        </p:nvSpPr>
+        <p:spPr>
+          <a:xfrm>
+            <a:off x="0" y="0"/>
+            <a:ext cx="12191999" cy="6857365"/>
+          </a:xfrm>
+          <a:prstGeom prst="rect">
+            <a:avLst/>
+          </a:prstGeom>
+          <a:ln>
+            <a:noFill/>
+          </a:ln>
+        </p:spPr>
+        <p:style>
+          <a:lnRef idx="2">
+            <a:schemeClr val="accent1">
+              <a:shade val="50000"/>
+            </a:schemeClr>
+          </a:lnRef>
+          <a:fillRef idx="1">
+            <a:schemeClr val="accent1"/>
+          </a:fillRef>
+          <a:effectRef idx="0">
+            <a:schemeClr val="accent1"/>
+          </a:effectRef>
+          <a:fontRef idx="minor">
+            <a:schemeClr val="lt1"/>
+          </a:fontRef>
+        </p:style>
+        <p:txBody>
+          <a:bodyPr rtlCol="0" anchor="ctr"/>
+          <a:lstStyle/>
+          <a:p>
+            <a:pPr algn="ctr"/>
+            <a:endParaRPr lang="en-US"/>
+          </a:p>
+        </p:txBody>
+      </p:sp>
+      <p:sp>
+        <p:nvSpPr>
+          <p:cNvPr id="2" name="Title 1">
+            <a:extLst>
+              <a:ext uri="{FF2B5EF4-FFF2-40B4-BE49-F238E27FC236}">
+                <a16:creationId xmlns:a16="http://schemas.microsoft.com/office/drawing/2014/main" id="{C90E98D2-BD64-C25A-C4FD-6720CE994304}"/>
+              </a:ext>
+            </a:extLst>
+          </p:cNvPr>
+          <p:cNvSpPr>
+            <a:spLocks noGrp="1"/>
+          </p:cNvSpPr>
+          <p:nvPr>
+            <p:ph type="title"/>
+          </p:nvPr>
+        </p:nvSpPr>
+        <p:spPr>
+          <a:xfrm>
+            <a:off x="645064" y="525982"/>
+            <a:ext cx="4282983" cy="1200361"/>
+          </a:xfrm>
+        </p:spPr>
+        <p:txBody>
+          <a:bodyPr anchor="b">
+            <a:normAutofit/>
+          </a:bodyPr>
+          <a:lstStyle/>
+          <a:p>
+            <a:r>
+              <a:rPr lang="en-US" sz="3600"/>
+              <a:t>All 4 contributing diagrams</a:t>
+            </a:r>
+          </a:p>
+        </p:txBody>
+      </p:sp>
+      <p:sp>
+        <p:nvSpPr>
+          <p:cNvPr id="13" name="Rectangle 12">
+            <a:extLst>
+              <a:ext uri="{FF2B5EF4-FFF2-40B4-BE49-F238E27FC236}">
+                <a16:creationId xmlns:a16="http://schemas.microsoft.com/office/drawing/2014/main" id="{169CC832-2974-4E8D-90ED-3E2941BA7336}"/>
+              </a:ext>
+              <a:ext uri="{C183D7F6-B498-43B3-948B-1728B52AA6E4}">
+                <adec:decorative xmlns:adec="http://schemas.microsoft.com/office/drawing/2017/decorative" val="1"/>
+              </a:ext>
+            </a:extLst>
+          </p:cNvPr>
+          <p:cNvSpPr>
+            <a:spLocks noGrp="1" noRot="1" noChangeAspect="1" noMove="1" noResize="1" noEditPoints="1" noAdjustHandles="1" noChangeArrowheads="1" noChangeShapeType="1" noTextEdit="1"/>
+          </p:cNvSpPr>
+          <p:nvPr>
+            <p:extLst>
+              <p:ext uri="{386F3935-93C4-4BCD-93E2-E3B085C9AB24}">
+                <p16:designElem xmlns:p16="http://schemas.microsoft.com/office/powerpoint/2015/main" val="1"/>
+              </p:ext>
+            </p:extLst>
+          </p:nvPr>
+        </p:nvSpPr>
+        <p:spPr>
+          <a:xfrm flipH="1">
+            <a:off x="616533" y="1944913"/>
+            <a:ext cx="4023360" cy="27432"/>
+          </a:xfrm>
+          <a:prstGeom prst="rect">
+            <a:avLst/>
+          </a:prstGeom>
+          <a:solidFill>
+            <a:schemeClr val="accent4"/>
+          </a:solidFill>
+          <a:ln>
+            <a:noFill/>
+          </a:ln>
+        </p:spPr>
+        <p:style>
+          <a:lnRef idx="2">
+            <a:schemeClr val="accent1">
+              <a:shade val="50000"/>
+            </a:schemeClr>
+          </a:lnRef>
+          <a:fillRef idx="1">
+            <a:schemeClr val="accent1"/>
+          </a:fillRef>
+          <a:effectRef idx="0">
+            <a:schemeClr val="accent1"/>
+          </a:effectRef>
+          <a:fontRef idx="minor">
+            <a:schemeClr val="lt1"/>
+          </a:fontRef>
+        </p:style>
+        <p:txBody>
+          <a:bodyPr rtlCol="0" anchor="ctr"/>
+          <a:lstStyle/>
+          <a:p>
+            <a:pPr algn="ctr"/>
+            <a:endParaRPr lang="en-US"/>
+          </a:p>
+        </p:txBody>
+      </p:sp>
+      <p:sp>
+        <p:nvSpPr>
+          <p:cNvPr id="3" name="Content Placeholder 2">
+            <a:extLst>
+              <a:ext uri="{FF2B5EF4-FFF2-40B4-BE49-F238E27FC236}">
+                <a16:creationId xmlns:a16="http://schemas.microsoft.com/office/drawing/2014/main" id="{A63BBA22-0A40-5C50-18AC-38781BC6F2C8}"/>
+              </a:ext>
+            </a:extLst>
+          </p:cNvPr>
+          <p:cNvSpPr>
+            <a:spLocks noGrp="1"/>
+          </p:cNvSpPr>
+          <p:nvPr>
+            <p:ph idx="1"/>
+          </p:nvPr>
+        </p:nvSpPr>
+        <p:spPr>
+          <a:xfrm>
+            <a:off x="645066" y="2031101"/>
+            <a:ext cx="4282984" cy="3511943"/>
+          </a:xfrm>
+        </p:spPr>
+        <p:txBody>
+          <a:bodyPr anchor="ctr">
+            <a:normAutofit/>
+          </a:bodyPr>
+          <a:lstStyle/>
+          <a:p>
+            <a:r>
+              <a:rPr lang="pl-PL" sz="1800" dirty="0"/>
+              <a:t>a mu+ &gt; ax w+ vm~ WEIGHTED&lt;=4 / ax mu- h vm z</a:t>
+            </a:r>
+            <a:endParaRPr lang="en-US" sz="1800" dirty="0"/>
+          </a:p>
+        </p:txBody>
+      </p:sp>
+      <p:sp>
+        <p:nvSpPr>
+          <p:cNvPr id="15" name="Rectangle 14">
+            <a:extLst>
+              <a:ext uri="{FF2B5EF4-FFF2-40B4-BE49-F238E27FC236}">
+                <a16:creationId xmlns:a16="http://schemas.microsoft.com/office/drawing/2014/main" id="{55222F96-971A-4F90-B841-6BAB416C7AC1}"/>
+              </a:ext>
+              <a:ext uri="{C183D7F6-B498-43B3-948B-1728B52AA6E4}">
+                <adec:decorative xmlns:adec="http://schemas.microsoft.com/office/drawing/2017/decorative" val="1"/>
+              </a:ext>
+            </a:extLst>
+          </p:cNvPr>
+          <p:cNvSpPr>
+            <a:spLocks noGrp="1" noRot="1" noChangeAspect="1" noMove="1" noResize="1" noEditPoints="1" noAdjustHandles="1" noChangeArrowheads="1" noChangeShapeType="1" noTextEdit="1"/>
+          </p:cNvSpPr>
+          <p:nvPr>
+            <p:extLst>
+              <p:ext uri="{386F3935-93C4-4BCD-93E2-E3B085C9AB24}">
+                <p16:designElem xmlns:p16="http://schemas.microsoft.com/office/powerpoint/2015/main" val="1"/>
+              </p:ext>
+            </p:extLst>
+          </p:nvPr>
+        </p:nvSpPr>
+        <p:spPr>
+          <a:xfrm rot="5400000">
+            <a:off x="-225843" y="6053360"/>
+            <a:ext cx="740664" cy="154124"/>
+          </a:xfrm>
+          <a:prstGeom prst="rect">
+            <a:avLst/>
+          </a:prstGeom>
+          <a:solidFill>
+            <a:schemeClr val="accent4"/>
+          </a:solidFill>
+          <a:ln>
+            <a:noFill/>
+          </a:ln>
+        </p:spPr>
+        <p:style>
+          <a:lnRef idx="2">
+            <a:schemeClr val="accent1">
+              <a:shade val="50000"/>
+            </a:schemeClr>
+          </a:lnRef>
+          <a:fillRef idx="1">
+            <a:schemeClr val="accent1"/>
+          </a:fillRef>
+          <a:effectRef idx="0">
+            <a:schemeClr val="accent1"/>
+          </a:effectRef>
+          <a:fontRef idx="minor">
+            <a:schemeClr val="lt1"/>
+          </a:fontRef>
+        </p:style>
+        <p:txBody>
+          <a:bodyPr rtlCol="0" anchor="ctr"/>
+          <a:lstStyle/>
+          <a:p>
+            <a:pPr algn="ctr"/>
+            <a:endParaRPr lang="en-US"/>
+          </a:p>
+        </p:txBody>
+      </p:sp>
+      <p:sp>
+        <p:nvSpPr>
+          <p:cNvPr id="17" name="Rectangle 16">
+            <a:extLst>
+              <a:ext uri="{FF2B5EF4-FFF2-40B4-BE49-F238E27FC236}">
+                <a16:creationId xmlns:a16="http://schemas.microsoft.com/office/drawing/2014/main" id="{08980754-6F4B-43C9-B9BE-127B6BED6586}"/>
+              </a:ext>
+              <a:ext uri="{C183D7F6-B498-43B3-948B-1728B52AA6E4}">
+                <adec:decorative xmlns:adec="http://schemas.microsoft.com/office/drawing/2017/decorative" val="1"/>
+              </a:ext>
+            </a:extLst>
+          </p:cNvPr>
+          <p:cNvSpPr>
+            <a:spLocks noGrp="1" noRot="1" noChangeAspect="1" noMove="1" noResize="1" noEditPoints="1" noAdjustHandles="1" noChangeArrowheads="1" noChangeShapeType="1" noTextEdit="1"/>
+          </p:cNvSpPr>
+          <p:nvPr>
+            <p:extLst>
+              <p:ext uri="{386F3935-93C4-4BCD-93E2-E3B085C9AB24}">
+                <p16:designElem xmlns:p16="http://schemas.microsoft.com/office/powerpoint/2015/main" val="1"/>
+              </p:ext>
+            </p:extLst>
+          </p:nvPr>
+        </p:nvSpPr>
+        <p:spPr>
+          <a:xfrm rot="5400000">
+            <a:off x="5904923" y="215201"/>
+            <a:ext cx="740664" cy="11833491"/>
+          </a:xfrm>
+          <a:prstGeom prst="rect">
+            <a:avLst/>
+          </a:prstGeom>
+          <a:solidFill>
+            <a:schemeClr val="accent4"/>
+          </a:solidFill>
+          <a:ln>
+            <a:noFill/>
+          </a:ln>
+        </p:spPr>
+        <p:style>
+          <a:lnRef idx="2">
+            <a:schemeClr val="accent1">
+              <a:shade val="50000"/>
+            </a:schemeClr>
+          </a:lnRef>
+          <a:fillRef idx="1">
+            <a:schemeClr val="accent1"/>
+          </a:fillRef>
+          <a:effectRef idx="0">
+            <a:schemeClr val="accent1"/>
+          </a:effectRef>
+          <a:fontRef idx="minor">
+            <a:schemeClr val="lt1"/>
+          </a:fontRef>
+        </p:style>
+        <p:txBody>
+          <a:bodyPr rtlCol="0" anchor="ctr"/>
+          <a:lstStyle/>
+          <a:p>
+            <a:pPr algn="ctr"/>
+            <a:endParaRPr lang="en-US"/>
+          </a:p>
+        </p:txBody>
+      </p:sp>
+      <p:sp>
+        <p:nvSpPr>
+          <p:cNvPr id="19" name="Rectangle 18">
+            <a:extLst>
+              <a:ext uri="{FF2B5EF4-FFF2-40B4-BE49-F238E27FC236}">
+                <a16:creationId xmlns:a16="http://schemas.microsoft.com/office/drawing/2014/main" id="{2C1BBA94-3F40-40AA-8BB9-E69E25E537C1}"/>
+              </a:ext>
+              <a:ext uri="{C183D7F6-B498-43B3-948B-1728B52AA6E4}">
+                <adec:decorative xmlns:adec="http://schemas.microsoft.com/office/drawing/2017/decorative" val="1"/>
+              </a:ext>
+            </a:extLst>
+          </p:cNvPr>
+          <p:cNvSpPr>
+            <a:spLocks noGrp="1" noRot="1" noChangeAspect="1" noMove="1" noResize="1" noEditPoints="1" noAdjustHandles="1" noChangeArrowheads="1" noChangeShapeType="1" noTextEdit="1"/>
+          </p:cNvSpPr>
+          <p:nvPr>
+            <p:extLst>
+              <p:ext uri="{386F3935-93C4-4BCD-93E2-E3B085C9AB24}">
+                <p16:designElem xmlns:p16="http://schemas.microsoft.com/office/powerpoint/2015/main" val="1"/>
+              </p:ext>
+            </p:extLst>
+          </p:nvPr>
+        </p:nvSpPr>
+        <p:spPr>
+          <a:xfrm>
+            <a:off x="5696793" y="354959"/>
+            <a:ext cx="6184973" cy="5915212"/>
+          </a:xfrm>
+          <a:prstGeom prst="rect">
+            <a:avLst/>
+          </a:prstGeom>
+          <a:solidFill>
+            <a:schemeClr val="bg1"/>
+          </a:solidFill>
+          <a:ln>
+            <a:noFill/>
+          </a:ln>
+          <a:effectLst>
+            <a:outerShdw blurRad="139700" dist="127000" dir="5400000" algn="t" rotWithShape="0">
+              <a:prstClr val="black">
+                <a:alpha val="15000"/>
+              </a:prstClr>
+            </a:outerShdw>
+          </a:effectLst>
+        </p:spPr>
+        <p:style>
+          <a:lnRef idx="2">
+            <a:schemeClr val="accent1">
+              <a:shade val="50000"/>
+            </a:schemeClr>
+          </a:lnRef>
+          <a:fillRef idx="1">
+            <a:schemeClr val="accent1"/>
+          </a:fillRef>
+          <a:effectRef idx="0">
+            <a:schemeClr val="accent1"/>
+          </a:effectRef>
+          <a:fontRef idx="minor">
+            <a:schemeClr val="lt1"/>
+          </a:fontRef>
+        </p:style>
+        <p:txBody>
+          <a:bodyPr rtlCol="0" anchor="ctr"/>
+          <a:lstStyle/>
+          <a:p>
+            <a:pPr algn="ctr"/>
+            <a:endParaRPr lang="en-US"/>
+          </a:p>
+        </p:txBody>
+      </p:sp>
+      <p:pic>
+        <p:nvPicPr>
+          <p:cNvPr id="6" name="Picture 5">
+            <a:extLst>
+              <a:ext uri="{FF2B5EF4-FFF2-40B4-BE49-F238E27FC236}">
+                <a16:creationId xmlns:a16="http://schemas.microsoft.com/office/drawing/2014/main" id="{6C2223EF-630E-2A08-F45A-34BED6E22EA6}"/>
+              </a:ext>
+            </a:extLst>
+          </p:cNvPr>
+          <p:cNvPicPr>
+            <a:picLocks noChangeAspect="1"/>
+          </p:cNvPicPr>
+          <p:nvPr/>
+        </p:nvPicPr>
+        <p:blipFill>
+          <a:blip r:embed="rId2"/>
+          <a:stretch>
+            <a:fillRect/>
+          </a:stretch>
+        </p:blipFill>
+        <p:spPr>
+          <a:xfrm>
+            <a:off x="5987738" y="772922"/>
+            <a:ext cx="5628018" cy="5079286"/>
+          </a:xfrm>
+          <a:prstGeom prst="rect">
+            <a:avLst/>
+          </a:prstGeom>
+        </p:spPr>
+      </p:pic>
+    </p:spTree>
+    <p:extLst>
+      <p:ext uri="{BB962C8B-B14F-4D97-AF65-F5344CB8AC3E}">
+        <p14:creationId xmlns:p14="http://schemas.microsoft.com/office/powerpoint/2010/main" val="1108024036"/>
+      </p:ext>
+    </p:extLst>
+  </p:cSld>
+  <p:clrMapOvr>
+    <a:masterClrMapping/>
+  </p:clrMapOvr>
+</p:sld>
+</file>
+
+<file path=ppt/slides/slide19.xml><?xml version="1.0" encoding="utf-8"?>
+<p:sld xmlns:a="http://schemas.openxmlformats.org/drawingml/2006/main" xmlns:r="http://schemas.openxmlformats.org/officeDocument/2006/relationships" xmlns:p="http://schemas.openxmlformats.org/presentationml/2006/main">
+  <p:cSld>
+    <p:spTree>
+      <p:nvGrpSpPr>
+        <p:cNvPr id="1" name=""/>
+        <p:cNvGrpSpPr/>
+        <p:nvPr/>
+      </p:nvGrpSpPr>
+      <p:grpSpPr>
+        <a:xfrm>
+          <a:off x="0" y="0"/>
+          <a:ext cx="0" cy="0"/>
+          <a:chOff x="0" y="0"/>
+          <a:chExt cx="0" cy="0"/>
+        </a:xfrm>
+      </p:grpSpPr>
+      <p:sp>
+        <p:nvSpPr>
+          <p:cNvPr id="2" name="Title 1">
+            <a:extLst>
+              <a:ext uri="{FF2B5EF4-FFF2-40B4-BE49-F238E27FC236}">
+                <a16:creationId xmlns:a16="http://schemas.microsoft.com/office/drawing/2014/main" id="{83D76E6F-2335-6D91-1308-E6EF5BE78E3E}"/>
+              </a:ext>
+            </a:extLst>
+          </p:cNvPr>
+          <p:cNvSpPr>
+            <a:spLocks noGrp="1"/>
+          </p:cNvSpPr>
+          <p:nvPr>
+            <p:ph type="title"/>
+          </p:nvPr>
+        </p:nvSpPr>
+        <p:spPr/>
+        <p:txBody>
+          <a:bodyPr/>
+          <a:lstStyle/>
+          <a:p>
+            <a:r>
+              <a:rPr lang="en-US" dirty="0"/>
+              <a:t>All 12 diagrams contributing with IWW</a:t>
+            </a:r>
+          </a:p>
+        </p:txBody>
+      </p:sp>
+      <p:pic>
+        <p:nvPicPr>
+          <p:cNvPr id="5" name="Picture 4">
+            <a:extLst>
+              <a:ext uri="{FF2B5EF4-FFF2-40B4-BE49-F238E27FC236}">
+                <a16:creationId xmlns:a16="http://schemas.microsoft.com/office/drawing/2014/main" id="{553A4E6D-6561-2C5A-2284-841A2F6E4ADF}"/>
+              </a:ext>
+            </a:extLst>
+          </p:cNvPr>
+          <p:cNvPicPr>
+            <a:picLocks noChangeAspect="1"/>
+          </p:cNvPicPr>
+          <p:nvPr/>
+        </p:nvPicPr>
+        <p:blipFill>
+          <a:blip r:embed="rId2"/>
+          <a:stretch>
+            <a:fillRect/>
+          </a:stretch>
+        </p:blipFill>
+        <p:spPr>
+          <a:xfrm>
+            <a:off x="1308573" y="1274323"/>
+            <a:ext cx="4485092" cy="5583677"/>
+          </a:xfrm>
+          <a:prstGeom prst="rect">
+            <a:avLst/>
+          </a:prstGeom>
+        </p:spPr>
+      </p:pic>
+      <p:pic>
+        <p:nvPicPr>
+          <p:cNvPr id="7" name="Picture 6">
+            <a:extLst>
+              <a:ext uri="{FF2B5EF4-FFF2-40B4-BE49-F238E27FC236}">
+                <a16:creationId xmlns:a16="http://schemas.microsoft.com/office/drawing/2014/main" id="{2D072413-7423-D156-CD9F-D9400EAF68A0}"/>
+              </a:ext>
+            </a:extLst>
+          </p:cNvPr>
+          <p:cNvPicPr>
+            <a:picLocks noChangeAspect="1"/>
+          </p:cNvPicPr>
+          <p:nvPr/>
+        </p:nvPicPr>
+        <p:blipFill>
+          <a:blip r:embed="rId3"/>
+          <a:stretch>
+            <a:fillRect/>
+          </a:stretch>
+        </p:blipFill>
+        <p:spPr>
+          <a:xfrm>
+            <a:off x="6695849" y="1274322"/>
+            <a:ext cx="4432551" cy="5583677"/>
+          </a:xfrm>
+          <a:prstGeom prst="rect">
+            <a:avLst/>
+          </a:prstGeom>
+        </p:spPr>
+      </p:pic>
+    </p:spTree>
+    <p:extLst>
+      <p:ext uri="{BB962C8B-B14F-4D97-AF65-F5344CB8AC3E}">
+        <p14:creationId xmlns:p14="http://schemas.microsoft.com/office/powerpoint/2010/main" val="3052742187"/>
       </p:ext>
     </p:extLst>
   </p:cSld>
@@ -4535,8 +8699,8 @@
           </a:p>
         </p:txBody>
       </p:sp>
-      <mc:AlternateContent xmlns:mc="http://schemas.openxmlformats.org/markup-compatibility/2006">
-        <mc:Choice xmlns:a14="http://schemas.microsoft.com/office/drawing/2010/main" Requires="a14">
+      <mc:AlternateContent xmlns:mc="http://schemas.openxmlformats.org/markup-compatibility/2006" xmlns:a14="http://schemas.microsoft.com/office/drawing/2010/main">
+        <mc:Choice Requires="a14">
           <p:graphicFrame>
             <p:nvGraphicFramePr>
               <p:cNvPr id="4" name="Content Placeholder 3">
@@ -5160,7 +9324,6 @@
                         <a:bodyPr/>
                         <a:lstStyle/>
                         <a:p>
-                          <a:pPr/>
                           <a14:m>
                             <m:oMath xmlns:m="http://schemas.openxmlformats.org/officeDocument/2006/math">
                               <m:r>
@@ -5322,6 +9485,7 @@
                         <a:bodyPr/>
                         <a:lstStyle/>
                         <a:p>
+                          <a:pPr/>
                           <a14:m>
                             <m:oMathPara xmlns:m="http://schemas.openxmlformats.org/officeDocument/2006/math">
                               <m:oMathParaPr>
@@ -5433,7 +9597,7 @@
             </a:graphic>
           </p:graphicFrame>
         </mc:Choice>
-        <mc:Fallback>
+        <mc:Fallback xmlns="">
           <p:graphicFrame>
             <p:nvGraphicFramePr>
               <p:cNvPr id="4" name="Content Placeholder 3">
@@ -6270,10 +10434,10 @@
       </p:grpSpPr>
       <p:sp>
         <p:nvSpPr>
-          <p:cNvPr id="2" name="Title 1">
+          <p:cNvPr id="4" name="Title 3">
             <a:extLst>
               <a:ext uri="{FF2B5EF4-FFF2-40B4-BE49-F238E27FC236}">
-                <a16:creationId xmlns:a16="http://schemas.microsoft.com/office/drawing/2014/main" id="{7E7DF9AD-B045-5F8D-C926-2C07EAC77E0D}"/>
+                <a16:creationId xmlns:a16="http://schemas.microsoft.com/office/drawing/2014/main" id="{35D1D859-F3AF-DB88-A635-E29FEC0DD58E}"/>
               </a:ext>
             </a:extLst>
           </p:cNvPr>
@@ -6291,17 +10455,17 @@
           <a:p>
             <a:r>
               <a:rPr lang="en-US" dirty="0"/>
-              <a:t>Additional Comparisons	</a:t>
+              <a:t>cross checks</a:t>
             </a:r>
           </a:p>
         </p:txBody>
       </p:sp>
       <p:sp>
         <p:nvSpPr>
-          <p:cNvPr id="3" name="Content Placeholder 2">
+          <p:cNvPr id="5" name="Text Placeholder 4">
             <a:extLst>
               <a:ext uri="{FF2B5EF4-FFF2-40B4-BE49-F238E27FC236}">
-                <a16:creationId xmlns:a16="http://schemas.microsoft.com/office/drawing/2014/main" id="{124B4027-2AC8-B58C-2B23-5541EF9254F3}"/>
+                <a16:creationId xmlns:a16="http://schemas.microsoft.com/office/drawing/2014/main" id="{D3BA2D03-350A-2AEF-A8C8-B033D22F10FF}"/>
               </a:ext>
             </a:extLst>
           </p:cNvPr>
@@ -6309,73 +10473,22 @@
             <a:spLocks noGrp="1"/>
           </p:cNvSpPr>
           <p:nvPr>
-            <p:ph idx="1"/>
+            <p:ph type="body" idx="1"/>
           </p:nvPr>
         </p:nvSpPr>
         <p:spPr/>
         <p:txBody>
-          <a:bodyPr>
-            <a:normAutofit/>
-          </a:bodyPr>
+          <a:bodyPr/>
           <a:lstStyle/>
           <a:p>
-            <a:r>
-              <a:rPr lang="en-US" sz="1800" dirty="0"/>
-              <a:t>This paper studied the pure </a:t>
-            </a:r>
-            <a:r>
-              <a:rPr lang="en-US" sz="1800" dirty="0" err="1"/>
-              <a:t>aEWEW</a:t>
-            </a:r>
-            <a:r>
-              <a:rPr lang="en-US" sz="1800" dirty="0"/>
-              <a:t> coupling without </a:t>
-            </a:r>
-            <a:r>
-              <a:rPr lang="en-US" sz="1800" dirty="0" err="1"/>
-              <a:t>aGG</a:t>
-            </a:r>
-            <a:r>
-              <a:rPr lang="en-US" sz="1800" dirty="0"/>
-              <a:t>. </a:t>
-            </a:r>
+            <a:endParaRPr lang="en-US"/>
           </a:p>
         </p:txBody>
       </p:sp>
-      <p:pic>
-        <p:nvPicPr>
-          <p:cNvPr id="5" name="Picture 4">
-            <a:extLst>
-              <a:ext uri="{FF2B5EF4-FFF2-40B4-BE49-F238E27FC236}">
-                <a16:creationId xmlns:a16="http://schemas.microsoft.com/office/drawing/2014/main" id="{FD7C093B-6159-0AB6-88E7-8C34AA19421C}"/>
-              </a:ext>
-            </a:extLst>
-          </p:cNvPr>
-          <p:cNvPicPr>
-            <a:picLocks noChangeAspect="1"/>
-          </p:cNvPicPr>
-          <p:nvPr/>
-        </p:nvPicPr>
-        <p:blipFill>
-          <a:blip r:embed="rId2"/>
-          <a:stretch>
-            <a:fillRect/>
-          </a:stretch>
-        </p:blipFill>
-        <p:spPr>
-          <a:xfrm>
-            <a:off x="2804059" y="2350292"/>
-            <a:ext cx="6695497" cy="4264517"/>
-          </a:xfrm>
-          <a:prstGeom prst="rect">
-            <a:avLst/>
-          </a:prstGeom>
-        </p:spPr>
-      </p:pic>
     </p:spTree>
     <p:extLst>
       <p:ext uri="{BB962C8B-B14F-4D97-AF65-F5344CB8AC3E}">
-        <p14:creationId xmlns:p14="http://schemas.microsoft.com/office/powerpoint/2010/main" val="1107902147"/>
+        <p14:creationId xmlns:p14="http://schemas.microsoft.com/office/powerpoint/2010/main" val="2523675739"/>
       </p:ext>
     </p:extLst>
   </p:cSld>
@@ -6407,7 +10520,7 @@
           <p:cNvPr id="2" name="Title 1">
             <a:extLst>
               <a:ext uri="{FF2B5EF4-FFF2-40B4-BE49-F238E27FC236}">
-                <a16:creationId xmlns:a16="http://schemas.microsoft.com/office/drawing/2014/main" id="{D61AFB6D-45A5-B4E4-E4B4-4D7D28119E94}"/>
+                <a16:creationId xmlns:a16="http://schemas.microsoft.com/office/drawing/2014/main" id="{BB707D34-F8FE-4DD8-B831-9DFE2042A51B}"/>
               </a:ext>
             </a:extLst>
           </p:cNvPr>
@@ -6423,69 +10536,1200 @@
           <a:bodyPr/>
           <a:lstStyle/>
           <a:p>
-            <a:endParaRPr lang="en-US"/>
+            <a:r>
+              <a:rPr lang="en-US" dirty="0"/>
+              <a:t>Checking </a:t>
+            </a:r>
+            <a:r>
+              <a:rPr lang="en-US" dirty="0" err="1"/>
+              <a:t>Peiran’s</a:t>
+            </a:r>
+            <a:r>
+              <a:rPr lang="en-US" dirty="0"/>
+              <a:t> New Process</a:t>
+            </a:r>
           </a:p>
         </p:txBody>
       </p:sp>
-      <p:sp>
-        <p:nvSpPr>
-          <p:cNvPr id="3" name="Content Placeholder 2">
+      <p:graphicFrame>
+        <p:nvGraphicFramePr>
+          <p:cNvPr id="4" name="Content Placeholder 3">
             <a:extLst>
               <a:ext uri="{FF2B5EF4-FFF2-40B4-BE49-F238E27FC236}">
-                <a16:creationId xmlns:a16="http://schemas.microsoft.com/office/drawing/2014/main" id="{419DAE0E-6D6B-DDCF-7044-E8E6CBF04A1D}"/>
+                <a16:creationId xmlns:a16="http://schemas.microsoft.com/office/drawing/2014/main" id="{CB588A59-1435-31D4-F8B9-B42A6B73F949}"/>
               </a:ext>
             </a:extLst>
           </p:cNvPr>
-          <p:cNvSpPr>
-            <a:spLocks noGrp="1"/>
-          </p:cNvSpPr>
+          <p:cNvGraphicFramePr>
+            <a:graphicFrameLocks noGrp="1"/>
+          </p:cNvGraphicFramePr>
           <p:nvPr>
             <p:ph idx="1"/>
+            <p:extLst>
+              <p:ext uri="{D42A27DB-BD31-4B8C-83A1-F6EECF244321}">
+                <p14:modId xmlns:p14="http://schemas.microsoft.com/office/powerpoint/2010/main" val="2512108030"/>
+              </p:ext>
+            </p:extLst>
           </p:nvPr>
-        </p:nvSpPr>
-        <p:spPr/>
-        <p:txBody>
-          <a:bodyPr/>
-          <a:lstStyle/>
-          <a:p>
-            <a:endParaRPr lang="en-US"/>
-          </a:p>
-        </p:txBody>
-      </p:sp>
-      <p:pic>
-        <p:nvPicPr>
-          <p:cNvPr id="5" name="Picture 4">
+        </p:nvGraphicFramePr>
+        <p:xfrm>
+          <a:off x="225669" y="1234201"/>
+          <a:ext cx="11614828" cy="5496560"/>
+        </p:xfrm>
+        <a:graphic>
+          <a:graphicData uri="http://schemas.openxmlformats.org/drawingml/2006/table">
+            <a:tbl>
+              <a:tblPr firstRow="1" bandRow="1">
+                <a:tableStyleId>{5C22544A-7EE6-4342-B048-85BDC9FD1C3A}</a:tableStyleId>
+              </a:tblPr>
+              <a:tblGrid>
+                <a:gridCol w="2488170">
+                  <a:extLst>
+                    <a:ext uri="{9D8B030D-6E8A-4147-A177-3AD203B41FA5}">
+                      <a16:colId xmlns:a16="http://schemas.microsoft.com/office/drawing/2014/main" val="776659425"/>
+                    </a:ext>
+                  </a:extLst>
+                </a:gridCol>
+                <a:gridCol w="1706103">
+                  <a:extLst>
+                    <a:ext uri="{9D8B030D-6E8A-4147-A177-3AD203B41FA5}">
+                      <a16:colId xmlns:a16="http://schemas.microsoft.com/office/drawing/2014/main" val="3531366387"/>
+                    </a:ext>
+                  </a:extLst>
+                </a:gridCol>
+                <a:gridCol w="1613140">
+                  <a:extLst>
+                    <a:ext uri="{9D8B030D-6E8A-4147-A177-3AD203B41FA5}">
+                      <a16:colId xmlns:a16="http://schemas.microsoft.com/office/drawing/2014/main" val="3710483499"/>
+                    </a:ext>
+                  </a:extLst>
+                </a:gridCol>
+                <a:gridCol w="1935805">
+                  <a:extLst>
+                    <a:ext uri="{9D8B030D-6E8A-4147-A177-3AD203B41FA5}">
+                      <a16:colId xmlns:a16="http://schemas.microsoft.com/office/drawing/2014/main" val="549988924"/>
+                    </a:ext>
+                  </a:extLst>
+                </a:gridCol>
+                <a:gridCol w="373965">
+                  <a:extLst>
+                    <a:ext uri="{9D8B030D-6E8A-4147-A177-3AD203B41FA5}">
+                      <a16:colId xmlns:a16="http://schemas.microsoft.com/office/drawing/2014/main" val="2838559681"/>
+                    </a:ext>
+                  </a:extLst>
+                </a:gridCol>
+                <a:gridCol w="3497645">
+                  <a:extLst>
+                    <a:ext uri="{9D8B030D-6E8A-4147-A177-3AD203B41FA5}">
+                      <a16:colId xmlns:a16="http://schemas.microsoft.com/office/drawing/2014/main" val="4070823668"/>
+                    </a:ext>
+                  </a:extLst>
+                </a:gridCol>
+              </a:tblGrid>
+              <a:tr h="370840">
+                <a:tc>
+                  <a:txBody>
+                    <a:bodyPr/>
+                    <a:lstStyle/>
+                    <a:p>
+                      <a:r>
+                        <a:rPr lang="en-US" dirty="0"/>
+                        <a:t>Process</a:t>
+                      </a:r>
+                    </a:p>
+                  </a:txBody>
+                  <a:tcPr/>
+                </a:tc>
+                <a:tc>
+                  <a:txBody>
+                    <a:bodyPr/>
+                    <a:lstStyle/>
+                    <a:p>
+                      <a:r>
+                        <a:rPr lang="en-US" dirty="0"/>
+                        <a:t>Note</a:t>
+                      </a:r>
+                    </a:p>
+                  </a:txBody>
+                  <a:tcPr/>
+                </a:tc>
+                <a:tc>
+                  <a:txBody>
+                    <a:bodyPr/>
+                    <a:lstStyle/>
+                    <a:p>
+                      <a:r>
+                        <a:rPr lang="en-US" dirty="0"/>
+                        <a:t>Parameters</a:t>
+                      </a:r>
+                    </a:p>
+                  </a:txBody>
+                  <a:tcPr/>
+                </a:tc>
+                <a:tc>
+                  <a:txBody>
+                    <a:bodyPr/>
+                    <a:lstStyle/>
+                    <a:p>
+                      <a:r>
+                        <a:rPr lang="en-US" dirty="0"/>
+                        <a:t>Result</a:t>
+                      </a:r>
+                    </a:p>
+                  </a:txBody>
+                  <a:tcPr/>
+                </a:tc>
+                <a:tc>
+                  <a:txBody>
+                    <a:bodyPr/>
+                    <a:lstStyle/>
+                    <a:p>
+                      <a:endParaRPr lang="en-US" dirty="0"/>
+                    </a:p>
+                  </a:txBody>
+                  <a:tcPr/>
+                </a:tc>
+                <a:tc>
+                  <a:txBody>
+                    <a:bodyPr/>
+                    <a:lstStyle/>
+                    <a:p>
+                      <a:pPr marL="0" marR="0" lvl="0" indent="0" algn="l" defTabSz="914400" rtl="0" eaLnBrk="1" fontAlgn="auto" latinLnBrk="0" hangingPunct="1">
+                        <a:lnSpc>
+                          <a:spcPct val="100000"/>
+                        </a:lnSpc>
+                        <a:spcBef>
+                          <a:spcPts val="0"/>
+                        </a:spcBef>
+                        <a:spcAft>
+                          <a:spcPts val="0"/>
+                        </a:spcAft>
+                        <a:buClrTx/>
+                        <a:buSzTx/>
+                        <a:buFontTx/>
+                        <a:buNone/>
+                        <a:tabLst/>
+                        <a:defRPr/>
+                      </a:pPr>
+                      <a:r>
+                        <a:rPr lang="en-US" dirty="0"/>
+                        <a:t>Comment</a:t>
+                      </a:r>
+                    </a:p>
+                    <a:p>
+                      <a:endParaRPr lang="en-US" dirty="0"/>
+                    </a:p>
+                  </a:txBody>
+                  <a:tcPr/>
+                </a:tc>
+                <a:extLst>
+                  <a:ext uri="{0D108BD9-81ED-4DB2-BD59-A6C34878D82A}">
+                    <a16:rowId xmlns:a16="http://schemas.microsoft.com/office/drawing/2014/main" val="1169282519"/>
+                  </a:ext>
+                </a:extLst>
+              </a:tr>
+              <a:tr h="370840">
+                <a:tc>
+                  <a:txBody>
+                    <a:bodyPr/>
+                    <a:lstStyle/>
+                    <a:p>
+                      <a:r>
+                        <a:rPr lang="en-US" dirty="0"/>
+                        <a:t>Mm&gt;ax mm</a:t>
+                      </a:r>
+                    </a:p>
+                  </a:txBody>
+                  <a:tcPr/>
+                </a:tc>
+                <a:tc>
+                  <a:txBody>
+                    <a:bodyPr/>
+                    <a:lstStyle/>
+                    <a:p>
+                      <a:r>
+                        <a:rPr lang="en-US" dirty="0"/>
+                        <a:t>Lower mass try, compare IR dependence</a:t>
+                      </a:r>
+                    </a:p>
+                  </a:txBody>
+                  <a:tcPr/>
+                </a:tc>
+                <a:tc>
+                  <a:txBody>
+                    <a:bodyPr/>
+                    <a:lstStyle/>
+                    <a:p>
+                      <a:r>
+                        <a:rPr lang="en-US" dirty="0"/>
+                        <a:t>0.1 TeV</a:t>
+                      </a:r>
+                    </a:p>
+                  </a:txBody>
+                  <a:tcPr/>
+                </a:tc>
+                <a:tc>
+                  <a:txBody>
+                    <a:bodyPr/>
+                    <a:lstStyle/>
+                    <a:p>
+                      <a:r>
+                        <a:rPr lang="en-US" dirty="0"/>
+                        <a:t>29 ab</a:t>
+                      </a:r>
+                    </a:p>
+                  </a:txBody>
+                  <a:tcPr/>
+                </a:tc>
+                <a:tc>
+                  <a:txBody>
+                    <a:bodyPr/>
+                    <a:lstStyle/>
+                    <a:p>
+                      <a:endParaRPr lang="en-US" dirty="0"/>
+                    </a:p>
+                  </a:txBody>
+                  <a:tcPr/>
+                </a:tc>
+                <a:tc>
+                  <a:txBody>
+                    <a:bodyPr/>
+                    <a:lstStyle/>
+                    <a:p>
+                      <a:r>
+                        <a:rPr lang="en-US" dirty="0"/>
+                        <a:t>No IR cut off applied.</a:t>
+                      </a:r>
+                    </a:p>
+                  </a:txBody>
+                  <a:tcPr/>
+                </a:tc>
+                <a:extLst>
+                  <a:ext uri="{0D108BD9-81ED-4DB2-BD59-A6C34878D82A}">
+                    <a16:rowId xmlns:a16="http://schemas.microsoft.com/office/drawing/2014/main" val="1262128156"/>
+                  </a:ext>
+                </a:extLst>
+              </a:tr>
+              <a:tr h="370840">
+                <a:tc>
+                  <a:txBody>
+                    <a:bodyPr/>
+                    <a:lstStyle/>
+                    <a:p>
+                      <a:endParaRPr lang="en-US" dirty="0"/>
+                    </a:p>
+                  </a:txBody>
+                  <a:tcPr/>
+                </a:tc>
+                <a:tc>
+                  <a:txBody>
+                    <a:bodyPr/>
+                    <a:lstStyle/>
+                    <a:p>
+                      <a:endParaRPr lang="en-US" dirty="0"/>
+                    </a:p>
+                  </a:txBody>
+                  <a:tcPr/>
+                </a:tc>
+                <a:tc>
+                  <a:txBody>
+                    <a:bodyPr/>
+                    <a:lstStyle/>
+                    <a:p>
+                      <a:pPr marL="0" marR="0" lvl="0" indent="0" algn="l" defTabSz="914400" rtl="0" eaLnBrk="1" fontAlgn="auto" latinLnBrk="0" hangingPunct="1">
+                        <a:lnSpc>
+                          <a:spcPct val="100000"/>
+                        </a:lnSpc>
+                        <a:spcBef>
+                          <a:spcPts val="0"/>
+                        </a:spcBef>
+                        <a:spcAft>
+                          <a:spcPts val="0"/>
+                        </a:spcAft>
+                        <a:buClrTx/>
+                        <a:buSzTx/>
+                        <a:buFontTx/>
+                        <a:buNone/>
+                        <a:tabLst/>
+                        <a:defRPr/>
+                      </a:pPr>
+                      <a:r>
+                        <a:rPr lang="en-US" dirty="0"/>
+                        <a:t>0.1 TeV</a:t>
+                      </a:r>
+                    </a:p>
+                  </a:txBody>
+                  <a:tcPr/>
+                </a:tc>
+                <a:tc>
+                  <a:txBody>
+                    <a:bodyPr/>
+                    <a:lstStyle/>
+                    <a:p>
+                      <a:r>
+                        <a:rPr lang="en-US" dirty="0"/>
+                        <a:t>8.9 ab</a:t>
+                      </a:r>
+                    </a:p>
+                  </a:txBody>
+                  <a:tcPr/>
+                </a:tc>
+                <a:tc>
+                  <a:txBody>
+                    <a:bodyPr/>
+                    <a:lstStyle/>
+                    <a:p>
+                      <a:endParaRPr lang="en-US" dirty="0"/>
+                    </a:p>
+                  </a:txBody>
+                  <a:tcPr/>
+                </a:tc>
+                <a:tc>
+                  <a:txBody>
+                    <a:bodyPr/>
+                    <a:lstStyle/>
+                    <a:p>
+                      <a:r>
+                        <a:rPr lang="en-US" dirty="0" err="1"/>
+                        <a:t>pTmu</a:t>
+                      </a:r>
+                      <a:r>
+                        <a:rPr lang="en-US" dirty="0"/>
+                        <a:t>&gt;1 GeV</a:t>
+                      </a:r>
+                    </a:p>
+                  </a:txBody>
+                  <a:tcPr/>
+                </a:tc>
+                <a:extLst>
+                  <a:ext uri="{0D108BD9-81ED-4DB2-BD59-A6C34878D82A}">
+                    <a16:rowId xmlns:a16="http://schemas.microsoft.com/office/drawing/2014/main" val="1701694334"/>
+                  </a:ext>
+                </a:extLst>
+              </a:tr>
+              <a:tr h="370840">
+                <a:tc>
+                  <a:txBody>
+                    <a:bodyPr/>
+                    <a:lstStyle/>
+                    <a:p>
+                      <a:r>
+                        <a:rPr lang="pl-PL" dirty="0"/>
+                        <a:t> mu+ mu- &gt; ax w+ mu- vm~ /ax mu+ h</a:t>
+                      </a:r>
+                      <a:endParaRPr lang="en-US" dirty="0"/>
+                    </a:p>
+                  </a:txBody>
+                  <a:tcPr/>
+                </a:tc>
+                <a:tc>
+                  <a:txBody>
+                    <a:bodyPr/>
+                    <a:lstStyle/>
+                    <a:p>
+                      <a:endParaRPr lang="en-US" dirty="0"/>
+                    </a:p>
+                  </a:txBody>
+                  <a:tcPr/>
+                </a:tc>
+                <a:tc>
+                  <a:txBody>
+                    <a:bodyPr/>
+                    <a:lstStyle/>
+                    <a:p>
+                      <a:pPr marL="0" marR="0" lvl="0" indent="0" algn="l" defTabSz="914400" rtl="0" eaLnBrk="1" fontAlgn="auto" latinLnBrk="0" hangingPunct="1">
+                        <a:lnSpc>
+                          <a:spcPct val="100000"/>
+                        </a:lnSpc>
+                        <a:spcBef>
+                          <a:spcPts val="0"/>
+                        </a:spcBef>
+                        <a:spcAft>
+                          <a:spcPts val="0"/>
+                        </a:spcAft>
+                        <a:buClrTx/>
+                        <a:buSzTx/>
+                        <a:buFontTx/>
+                        <a:buNone/>
+                        <a:tabLst/>
+                        <a:defRPr/>
+                      </a:pPr>
+                      <a:endParaRPr lang="en-US" dirty="0"/>
+                    </a:p>
+                  </a:txBody>
+                  <a:tcPr/>
+                </a:tc>
+                <a:tc>
+                  <a:txBody>
+                    <a:bodyPr/>
+                    <a:lstStyle/>
+                    <a:p>
+                      <a:endParaRPr lang="en-US" dirty="0"/>
+                    </a:p>
+                  </a:txBody>
+                  <a:tcPr/>
+                </a:tc>
+                <a:tc>
+                  <a:txBody>
+                    <a:bodyPr/>
+                    <a:lstStyle/>
+                    <a:p>
+                      <a:endParaRPr lang="en-US" dirty="0"/>
+                    </a:p>
+                  </a:txBody>
+                  <a:tcPr/>
+                </a:tc>
+                <a:tc>
+                  <a:txBody>
+                    <a:bodyPr/>
+                    <a:lstStyle/>
+                    <a:p>
+                      <a:pPr marL="0" marR="0" lvl="0" indent="0" algn="l" defTabSz="914400" rtl="0" eaLnBrk="1" fontAlgn="auto" latinLnBrk="0" hangingPunct="1">
+                        <a:lnSpc>
+                          <a:spcPct val="100000"/>
+                        </a:lnSpc>
+                        <a:spcBef>
+                          <a:spcPts val="0"/>
+                        </a:spcBef>
+                        <a:spcAft>
+                          <a:spcPts val="0"/>
+                        </a:spcAft>
+                        <a:buClrTx/>
+                        <a:buSzTx/>
+                        <a:buFontTx/>
+                        <a:buNone/>
+                        <a:tabLst/>
+                        <a:defRPr/>
+                      </a:pPr>
+                      <a:r>
+                        <a:rPr lang="en-US" dirty="0" err="1"/>
+                        <a:t>Peiran’s</a:t>
+                      </a:r>
+                      <a:r>
+                        <a:rPr lang="en-US" dirty="0"/>
+                        <a:t> calculation shows about 300x </a:t>
+                      </a:r>
+                      <a:r>
+                        <a:rPr lang="en-US" dirty="0" err="1"/>
+                        <a:t>xs</a:t>
+                      </a:r>
+                      <a:r>
+                        <a:rPr lang="en-US" dirty="0"/>
+                        <a:t> with </a:t>
+                      </a:r>
+                      <a:r>
+                        <a:rPr lang="en-US" dirty="0" err="1"/>
+                        <a:t>pTl</a:t>
+                      </a:r>
+                      <a:r>
+                        <a:rPr lang="en-US" dirty="0"/>
+                        <a:t>&gt;10 GeV</a:t>
+                      </a:r>
+                    </a:p>
+                  </a:txBody>
+                  <a:tcPr/>
+                </a:tc>
+                <a:extLst>
+                  <a:ext uri="{0D108BD9-81ED-4DB2-BD59-A6C34878D82A}">
+                    <a16:rowId xmlns:a16="http://schemas.microsoft.com/office/drawing/2014/main" val="2606795123"/>
+                  </a:ext>
+                </a:extLst>
+              </a:tr>
+              <a:tr h="370840">
+                <a:tc>
+                  <a:txBody>
+                    <a:bodyPr/>
+                    <a:lstStyle/>
+                    <a:p>
+                      <a:endParaRPr lang="en-US" dirty="0"/>
+                    </a:p>
+                  </a:txBody>
+                  <a:tcPr/>
+                </a:tc>
+                <a:tc>
+                  <a:txBody>
+                    <a:bodyPr/>
+                    <a:lstStyle/>
+                    <a:p>
+                      <a:r>
+                        <a:rPr lang="en-US" dirty="0"/>
+                        <a:t>My check</a:t>
+                      </a:r>
+                    </a:p>
+                  </a:txBody>
+                  <a:tcPr/>
+                </a:tc>
+                <a:tc>
+                  <a:txBody>
+                    <a:bodyPr/>
+                    <a:lstStyle/>
+                    <a:p>
+                      <a:pPr marL="0" marR="0" lvl="0" indent="0" algn="l" defTabSz="914400" rtl="0" eaLnBrk="1" fontAlgn="auto" latinLnBrk="0" hangingPunct="1">
+                        <a:lnSpc>
+                          <a:spcPct val="100000"/>
+                        </a:lnSpc>
+                        <a:spcBef>
+                          <a:spcPts val="0"/>
+                        </a:spcBef>
+                        <a:spcAft>
+                          <a:spcPts val="0"/>
+                        </a:spcAft>
+                        <a:buClrTx/>
+                        <a:buSzTx/>
+                        <a:buFontTx/>
+                        <a:buNone/>
+                        <a:tabLst/>
+                        <a:defRPr/>
+                      </a:pPr>
+                      <a:r>
+                        <a:rPr lang="en-US" dirty="0"/>
+                        <a:t>0.1 TeV</a:t>
+                      </a:r>
+                    </a:p>
+                  </a:txBody>
+                  <a:tcPr/>
+                </a:tc>
+                <a:tc>
+                  <a:txBody>
+                    <a:bodyPr/>
+                    <a:lstStyle/>
+                    <a:p>
+                      <a:r>
+                        <a:rPr lang="en-US" dirty="0"/>
+                        <a:t>10^4 pb</a:t>
+                      </a:r>
+                    </a:p>
+                  </a:txBody>
+                  <a:tcPr/>
+                </a:tc>
+                <a:tc>
+                  <a:txBody>
+                    <a:bodyPr/>
+                    <a:lstStyle/>
+                    <a:p>
+                      <a:endParaRPr lang="en-US" dirty="0"/>
+                    </a:p>
+                  </a:txBody>
+                  <a:tcPr/>
+                </a:tc>
+                <a:tc>
+                  <a:txBody>
+                    <a:bodyPr/>
+                    <a:lstStyle/>
+                    <a:p>
+                      <a:pPr marL="0" marR="0" lvl="0" indent="0" algn="l" defTabSz="914400" rtl="0" eaLnBrk="1" fontAlgn="auto" latinLnBrk="0" hangingPunct="1">
+                        <a:lnSpc>
+                          <a:spcPct val="100000"/>
+                        </a:lnSpc>
+                        <a:spcBef>
+                          <a:spcPts val="0"/>
+                        </a:spcBef>
+                        <a:spcAft>
+                          <a:spcPts val="0"/>
+                        </a:spcAft>
+                        <a:buClrTx/>
+                        <a:buSzTx/>
+                        <a:buFontTx/>
+                        <a:buNone/>
+                        <a:tabLst/>
+                        <a:defRPr/>
+                      </a:pPr>
+                      <a:r>
+                        <a:rPr lang="en-US" dirty="0"/>
+                        <a:t>Non-converging, no cut</a:t>
+                      </a:r>
+                    </a:p>
+                  </a:txBody>
+                  <a:tcPr/>
+                </a:tc>
+                <a:extLst>
+                  <a:ext uri="{0D108BD9-81ED-4DB2-BD59-A6C34878D82A}">
+                    <a16:rowId xmlns:a16="http://schemas.microsoft.com/office/drawing/2014/main" val="4139593287"/>
+                  </a:ext>
+                </a:extLst>
+              </a:tr>
+              <a:tr h="370840">
+                <a:tc>
+                  <a:txBody>
+                    <a:bodyPr/>
+                    <a:lstStyle/>
+                    <a:p>
+                      <a:endParaRPr lang="en-US" dirty="0"/>
+                    </a:p>
+                  </a:txBody>
+                  <a:tcPr/>
+                </a:tc>
+                <a:tc>
+                  <a:txBody>
+                    <a:bodyPr/>
+                    <a:lstStyle/>
+                    <a:p>
+                      <a:r>
+                        <a:rPr lang="en-US" dirty="0"/>
+                        <a:t>My check</a:t>
+                      </a:r>
+                    </a:p>
+                  </a:txBody>
+                  <a:tcPr/>
+                </a:tc>
+                <a:tc>
+                  <a:txBody>
+                    <a:bodyPr/>
+                    <a:lstStyle/>
+                    <a:p>
+                      <a:pPr marL="0" marR="0" lvl="0" indent="0" algn="l" defTabSz="914400" rtl="0" eaLnBrk="1" fontAlgn="auto" latinLnBrk="0" hangingPunct="1">
+                        <a:lnSpc>
+                          <a:spcPct val="100000"/>
+                        </a:lnSpc>
+                        <a:spcBef>
+                          <a:spcPts val="0"/>
+                        </a:spcBef>
+                        <a:spcAft>
+                          <a:spcPts val="0"/>
+                        </a:spcAft>
+                        <a:buClrTx/>
+                        <a:buSzTx/>
+                        <a:buFontTx/>
+                        <a:buNone/>
+                        <a:tabLst/>
+                        <a:defRPr/>
+                      </a:pPr>
+                      <a:r>
+                        <a:rPr lang="en-US" dirty="0"/>
+                        <a:t>0.1 TeV</a:t>
+                      </a:r>
+                    </a:p>
+                  </a:txBody>
+                  <a:tcPr/>
+                </a:tc>
+                <a:tc>
+                  <a:txBody>
+                    <a:bodyPr/>
+                    <a:lstStyle/>
+                    <a:p>
+                      <a:r>
+                        <a:rPr lang="en-US" dirty="0"/>
+                        <a:t>39.5 fb</a:t>
+                      </a:r>
+                    </a:p>
+                  </a:txBody>
+                  <a:tcPr/>
+                </a:tc>
+                <a:tc>
+                  <a:txBody>
+                    <a:bodyPr/>
+                    <a:lstStyle/>
+                    <a:p>
+                      <a:endParaRPr lang="en-US" dirty="0"/>
+                    </a:p>
+                  </a:txBody>
+                  <a:tcPr/>
+                </a:tc>
+                <a:tc>
+                  <a:txBody>
+                    <a:bodyPr/>
+                    <a:lstStyle/>
+                    <a:p>
+                      <a:pPr marL="0" marR="0" lvl="0" indent="0" algn="l" defTabSz="914400" rtl="0" eaLnBrk="1" fontAlgn="auto" latinLnBrk="0" hangingPunct="1">
+                        <a:lnSpc>
+                          <a:spcPct val="100000"/>
+                        </a:lnSpc>
+                        <a:spcBef>
+                          <a:spcPts val="0"/>
+                        </a:spcBef>
+                        <a:spcAft>
+                          <a:spcPts val="0"/>
+                        </a:spcAft>
+                        <a:buClrTx/>
+                        <a:buSzTx/>
+                        <a:buFontTx/>
+                        <a:buNone/>
+                        <a:tabLst/>
+                        <a:defRPr/>
+                      </a:pPr>
+                      <a:r>
+                        <a:rPr lang="en-US" dirty="0"/>
+                        <a:t>10^3 enhancement with </a:t>
+                      </a:r>
+                      <a:r>
+                        <a:rPr lang="en-US" dirty="0" err="1"/>
+                        <a:t>pTl</a:t>
+                      </a:r>
+                      <a:r>
+                        <a:rPr lang="en-US" dirty="0"/>
+                        <a:t>&gt;10 GeV, MG5 </a:t>
+                      </a:r>
+                      <a:r>
+                        <a:rPr lang="en-US" dirty="0" err="1"/>
+                        <a:t>convering</a:t>
+                      </a:r>
+                      <a:endParaRPr lang="en-US" dirty="0"/>
+                    </a:p>
+                  </a:txBody>
+                  <a:tcPr/>
+                </a:tc>
+                <a:extLst>
+                  <a:ext uri="{0D108BD9-81ED-4DB2-BD59-A6C34878D82A}">
+                    <a16:rowId xmlns:a16="http://schemas.microsoft.com/office/drawing/2014/main" val="3527777004"/>
+                  </a:ext>
+                </a:extLst>
+              </a:tr>
+              <a:tr h="370840">
+                <a:tc>
+                  <a:txBody>
+                    <a:bodyPr/>
+                    <a:lstStyle/>
+                    <a:p>
+                      <a:endParaRPr lang="en-US" dirty="0"/>
+                    </a:p>
+                  </a:txBody>
+                  <a:tcPr/>
+                </a:tc>
+                <a:tc>
+                  <a:txBody>
+                    <a:bodyPr/>
+                    <a:lstStyle/>
+                    <a:p>
+                      <a:r>
+                        <a:rPr lang="en-US" dirty="0"/>
+                        <a:t>My check</a:t>
+                      </a:r>
+                    </a:p>
+                  </a:txBody>
+                  <a:tcPr/>
+                </a:tc>
+                <a:tc>
+                  <a:txBody>
+                    <a:bodyPr/>
+                    <a:lstStyle/>
+                    <a:p>
+                      <a:pPr marL="0" marR="0" lvl="0" indent="0" algn="l" defTabSz="914400" rtl="0" eaLnBrk="1" fontAlgn="auto" latinLnBrk="0" hangingPunct="1">
+                        <a:lnSpc>
+                          <a:spcPct val="100000"/>
+                        </a:lnSpc>
+                        <a:spcBef>
+                          <a:spcPts val="0"/>
+                        </a:spcBef>
+                        <a:spcAft>
+                          <a:spcPts val="0"/>
+                        </a:spcAft>
+                        <a:buClrTx/>
+                        <a:buSzTx/>
+                        <a:buFontTx/>
+                        <a:buNone/>
+                        <a:tabLst/>
+                        <a:defRPr/>
+                      </a:pPr>
+                      <a:r>
+                        <a:rPr lang="en-US" dirty="0"/>
+                        <a:t>0.1 TeV</a:t>
+                      </a:r>
+                    </a:p>
+                  </a:txBody>
+                  <a:tcPr/>
+                </a:tc>
+                <a:tc>
+                  <a:txBody>
+                    <a:bodyPr/>
+                    <a:lstStyle/>
+                    <a:p>
+                      <a:r>
+                        <a:rPr lang="en-US" dirty="0"/>
+                        <a:t>140 fb</a:t>
+                      </a:r>
+                    </a:p>
+                  </a:txBody>
+                  <a:tcPr/>
+                </a:tc>
+                <a:tc>
+                  <a:txBody>
+                    <a:bodyPr/>
+                    <a:lstStyle/>
+                    <a:p>
+                      <a:endParaRPr lang="en-US" dirty="0"/>
+                    </a:p>
+                  </a:txBody>
+                  <a:tcPr/>
+                </a:tc>
+                <a:tc>
+                  <a:txBody>
+                    <a:bodyPr/>
+                    <a:lstStyle/>
+                    <a:p>
+                      <a:pPr marL="0" marR="0" lvl="0" indent="0" algn="l" defTabSz="914400" rtl="0" eaLnBrk="1" fontAlgn="auto" latinLnBrk="0" hangingPunct="1">
+                        <a:lnSpc>
+                          <a:spcPct val="100000"/>
+                        </a:lnSpc>
+                        <a:spcBef>
+                          <a:spcPts val="0"/>
+                        </a:spcBef>
+                        <a:spcAft>
+                          <a:spcPts val="0"/>
+                        </a:spcAft>
+                        <a:buClrTx/>
+                        <a:buSzTx/>
+                        <a:buFontTx/>
+                        <a:buNone/>
+                        <a:tabLst/>
+                        <a:defRPr/>
+                      </a:pPr>
+                      <a:r>
+                        <a:rPr lang="en-US" dirty="0"/>
+                        <a:t>10^4 enhancement with </a:t>
+                      </a:r>
+                      <a:r>
+                        <a:rPr lang="en-US" dirty="0" err="1"/>
+                        <a:t>pTl</a:t>
+                      </a:r>
+                      <a:r>
+                        <a:rPr lang="en-US" dirty="0"/>
+                        <a:t>&gt;5 GeV, MG5 </a:t>
+                      </a:r>
+                      <a:r>
+                        <a:rPr lang="en-US" dirty="0" err="1"/>
+                        <a:t>convering</a:t>
+                      </a:r>
+                      <a:endParaRPr lang="en-US" dirty="0"/>
+                    </a:p>
+                  </a:txBody>
+                  <a:tcPr/>
+                </a:tc>
+                <a:extLst>
+                  <a:ext uri="{0D108BD9-81ED-4DB2-BD59-A6C34878D82A}">
+                    <a16:rowId xmlns:a16="http://schemas.microsoft.com/office/drawing/2014/main" val="517790728"/>
+                  </a:ext>
+                </a:extLst>
+              </a:tr>
+              <a:tr h="370840">
+                <a:tc>
+                  <a:txBody>
+                    <a:bodyPr/>
+                    <a:lstStyle/>
+                    <a:p>
+                      <a:pPr marL="0" marR="0" lvl="0" indent="0" algn="l" defTabSz="914400" rtl="0" eaLnBrk="1" fontAlgn="auto" latinLnBrk="0" hangingPunct="1">
+                        <a:lnSpc>
+                          <a:spcPct val="100000"/>
+                        </a:lnSpc>
+                        <a:spcBef>
+                          <a:spcPts val="0"/>
+                        </a:spcBef>
+                        <a:spcAft>
+                          <a:spcPts val="0"/>
+                        </a:spcAft>
+                        <a:buClrTx/>
+                        <a:buSzTx/>
+                        <a:buFontTx/>
+                        <a:buNone/>
+                        <a:tabLst/>
+                        <a:defRPr/>
+                      </a:pPr>
+                      <a:r>
+                        <a:rPr lang="pl-PL" dirty="0"/>
+                        <a:t> mu+ mu- &gt; ax w+ mu- vm~ /ax mu+ h</a:t>
+                      </a:r>
+                      <a:r>
+                        <a:rPr lang="en-US" dirty="0"/>
+                        <a:t> </a:t>
+                      </a:r>
+                      <a:r>
+                        <a:rPr lang="en-US" dirty="0" err="1"/>
+                        <a:t>vm</a:t>
+                      </a:r>
+                      <a:endParaRPr lang="en-US" dirty="0"/>
+                    </a:p>
+                  </a:txBody>
+                  <a:tcPr/>
+                </a:tc>
+                <a:tc>
+                  <a:txBody>
+                    <a:bodyPr/>
+                    <a:lstStyle/>
+                    <a:p>
+                      <a:r>
+                        <a:rPr lang="en-US" dirty="0"/>
+                        <a:t>My check</a:t>
+                      </a:r>
+                    </a:p>
+                  </a:txBody>
+                  <a:tcPr/>
+                </a:tc>
+                <a:tc>
+                  <a:txBody>
+                    <a:bodyPr/>
+                    <a:lstStyle/>
+                    <a:p>
+                      <a:pPr marL="0" marR="0" lvl="0" indent="0" algn="l" defTabSz="914400" rtl="0" eaLnBrk="1" fontAlgn="auto" latinLnBrk="0" hangingPunct="1">
+                        <a:lnSpc>
+                          <a:spcPct val="100000"/>
+                        </a:lnSpc>
+                        <a:spcBef>
+                          <a:spcPts val="0"/>
+                        </a:spcBef>
+                        <a:spcAft>
+                          <a:spcPts val="0"/>
+                        </a:spcAft>
+                        <a:buClrTx/>
+                        <a:buSzTx/>
+                        <a:buFontTx/>
+                        <a:buNone/>
+                        <a:tabLst/>
+                        <a:defRPr/>
+                      </a:pPr>
+                      <a:r>
+                        <a:rPr lang="en-US" dirty="0"/>
+                        <a:t>0.1 TeV</a:t>
+                      </a:r>
+                    </a:p>
+                  </a:txBody>
+                  <a:tcPr/>
+                </a:tc>
+                <a:tc>
+                  <a:txBody>
+                    <a:bodyPr/>
+                    <a:lstStyle/>
+                    <a:p>
+                      <a:r>
+                        <a:rPr lang="en-US" dirty="0"/>
+                        <a:t>140 fb</a:t>
+                      </a:r>
+                    </a:p>
+                  </a:txBody>
+                  <a:tcPr/>
+                </a:tc>
+                <a:tc>
+                  <a:txBody>
+                    <a:bodyPr/>
+                    <a:lstStyle/>
+                    <a:p>
+                      <a:endParaRPr lang="en-US" dirty="0"/>
+                    </a:p>
+                  </a:txBody>
+                  <a:tcPr/>
+                </a:tc>
+                <a:tc>
+                  <a:txBody>
+                    <a:bodyPr/>
+                    <a:lstStyle/>
+                    <a:p>
+                      <a:pPr marL="0" marR="0" lvl="0" indent="0" algn="l" defTabSz="914400" rtl="0" eaLnBrk="1" fontAlgn="auto" latinLnBrk="0" hangingPunct="1">
+                        <a:lnSpc>
+                          <a:spcPct val="100000"/>
+                        </a:lnSpc>
+                        <a:spcBef>
+                          <a:spcPts val="0"/>
+                        </a:spcBef>
+                        <a:spcAft>
+                          <a:spcPts val="0"/>
+                        </a:spcAft>
+                        <a:buClrTx/>
+                        <a:buSzTx/>
+                        <a:buFontTx/>
+                        <a:buNone/>
+                        <a:tabLst/>
+                        <a:defRPr/>
+                      </a:pPr>
+                      <a:r>
+                        <a:rPr lang="en-US" dirty="0"/>
+                        <a:t>…</a:t>
+                      </a:r>
+                    </a:p>
+                  </a:txBody>
+                  <a:tcPr/>
+                </a:tc>
+                <a:extLst>
+                  <a:ext uri="{0D108BD9-81ED-4DB2-BD59-A6C34878D82A}">
+                    <a16:rowId xmlns:a16="http://schemas.microsoft.com/office/drawing/2014/main" val="3522231815"/>
+                  </a:ext>
+                </a:extLst>
+              </a:tr>
+              <a:tr h="370840">
+                <a:tc>
+                  <a:txBody>
+                    <a:bodyPr/>
+                    <a:lstStyle/>
+                    <a:p>
+                      <a:pPr marL="0" marR="0" lvl="0" indent="0" algn="l" defTabSz="914400" rtl="0" eaLnBrk="1" fontAlgn="auto" latinLnBrk="0" hangingPunct="1">
+                        <a:lnSpc>
+                          <a:spcPct val="100000"/>
+                        </a:lnSpc>
+                        <a:spcBef>
+                          <a:spcPts val="0"/>
+                        </a:spcBef>
+                        <a:spcAft>
+                          <a:spcPts val="0"/>
+                        </a:spcAft>
+                        <a:buClrTx/>
+                        <a:buSzTx/>
+                        <a:buFontTx/>
+                        <a:buNone/>
+                        <a:tabLst/>
+                        <a:defRPr/>
+                      </a:pPr>
+                      <a:r>
+                        <a:rPr lang="pl-PL" dirty="0"/>
+                        <a:t> mu+ mu- &gt; ax w+ mu- vm~ /ax mu+ h</a:t>
+                      </a:r>
+                      <a:r>
+                        <a:rPr lang="en-US" dirty="0"/>
+                        <a:t> </a:t>
+                      </a:r>
+                      <a:r>
+                        <a:rPr lang="en-US" dirty="0" err="1"/>
+                        <a:t>vm</a:t>
+                      </a:r>
+                      <a:r>
+                        <a:rPr lang="en-US" dirty="0"/>
+                        <a:t> a</a:t>
+                      </a:r>
+                    </a:p>
+                  </a:txBody>
+                  <a:tcPr/>
+                </a:tc>
+                <a:tc>
+                  <a:txBody>
+                    <a:bodyPr/>
+                    <a:lstStyle/>
+                    <a:p>
+                      <a:r>
+                        <a:rPr lang="en-US" dirty="0"/>
+                        <a:t>My check</a:t>
+                      </a:r>
+                    </a:p>
+                  </a:txBody>
+                  <a:tcPr/>
+                </a:tc>
+                <a:tc>
+                  <a:txBody>
+                    <a:bodyPr/>
+                    <a:lstStyle/>
+                    <a:p>
+                      <a:pPr marL="0" marR="0" lvl="0" indent="0" algn="l" defTabSz="914400" rtl="0" eaLnBrk="1" fontAlgn="auto" latinLnBrk="0" hangingPunct="1">
+                        <a:lnSpc>
+                          <a:spcPct val="100000"/>
+                        </a:lnSpc>
+                        <a:spcBef>
+                          <a:spcPts val="0"/>
+                        </a:spcBef>
+                        <a:spcAft>
+                          <a:spcPts val="0"/>
+                        </a:spcAft>
+                        <a:buClrTx/>
+                        <a:buSzTx/>
+                        <a:buFontTx/>
+                        <a:buNone/>
+                        <a:tabLst/>
+                        <a:defRPr/>
+                      </a:pPr>
+                      <a:r>
+                        <a:rPr lang="en-US" dirty="0"/>
+                        <a:t>0.1 TeV</a:t>
+                      </a:r>
+                    </a:p>
+                  </a:txBody>
+                  <a:tcPr/>
+                </a:tc>
+                <a:tc>
+                  <a:txBody>
+                    <a:bodyPr/>
+                    <a:lstStyle/>
+                    <a:p>
+                      <a:r>
+                        <a:rPr lang="en-US" dirty="0"/>
+                        <a:t>2.76 fb</a:t>
+                      </a:r>
+                    </a:p>
+                  </a:txBody>
+                  <a:tcPr/>
+                </a:tc>
+                <a:tc>
+                  <a:txBody>
+                    <a:bodyPr/>
+                    <a:lstStyle/>
+                    <a:p>
+                      <a:endParaRPr lang="en-US" dirty="0"/>
+                    </a:p>
+                  </a:txBody>
+                  <a:tcPr/>
+                </a:tc>
+                <a:tc>
+                  <a:txBody>
+                    <a:bodyPr/>
+                    <a:lstStyle/>
+                    <a:p>
+                      <a:pPr marL="0" marR="0" lvl="0" indent="0" algn="l" defTabSz="914400" rtl="0" eaLnBrk="1" fontAlgn="auto" latinLnBrk="0" hangingPunct="1">
+                        <a:lnSpc>
+                          <a:spcPct val="100000"/>
+                        </a:lnSpc>
+                        <a:spcBef>
+                          <a:spcPts val="0"/>
+                        </a:spcBef>
+                        <a:spcAft>
+                          <a:spcPts val="0"/>
+                        </a:spcAft>
+                        <a:buClrTx/>
+                        <a:buSzTx/>
+                        <a:buFontTx/>
+                        <a:buNone/>
+                        <a:tabLst/>
+                        <a:defRPr/>
+                      </a:pPr>
+                      <a:r>
+                        <a:rPr lang="en-US" dirty="0"/>
+                        <a:t>…</a:t>
+                      </a:r>
+                    </a:p>
+                  </a:txBody>
+                  <a:tcPr/>
+                </a:tc>
+                <a:extLst>
+                  <a:ext uri="{0D108BD9-81ED-4DB2-BD59-A6C34878D82A}">
+                    <a16:rowId xmlns:a16="http://schemas.microsoft.com/office/drawing/2014/main" val="2362586028"/>
+                  </a:ext>
+                </a:extLst>
+              </a:tr>
+            </a:tbl>
+          </a:graphicData>
+        </a:graphic>
+      </p:graphicFrame>
+      <p:sp>
+        <p:nvSpPr>
+          <p:cNvPr id="3" name="TextBox 2">
             <a:extLst>
               <a:ext uri="{FF2B5EF4-FFF2-40B4-BE49-F238E27FC236}">
-                <a16:creationId xmlns:a16="http://schemas.microsoft.com/office/drawing/2014/main" id="{57734619-0ABF-60F8-DC75-DB5C8CE8FBE9}"/>
+                <a16:creationId xmlns:a16="http://schemas.microsoft.com/office/drawing/2014/main" id="{81985C62-9574-2822-F065-00A8B08076EF}"/>
               </a:ext>
             </a:extLst>
           </p:cNvPr>
-          <p:cNvPicPr>
-            <a:picLocks noChangeAspect="1"/>
-          </p:cNvPicPr>
+          <p:cNvSpPr txBox="1"/>
           <p:nvPr/>
-        </p:nvPicPr>
-        <p:blipFill>
-          <a:blip r:embed="rId2"/>
-          <a:stretch>
-            <a:fillRect/>
-          </a:stretch>
-        </p:blipFill>
+        </p:nvSpPr>
         <p:spPr>
           <a:xfrm>
-            <a:off x="351879" y="0"/>
-            <a:ext cx="11488242" cy="6858000"/>
+            <a:off x="225668" y="41945"/>
+            <a:ext cx="11309193" cy="646331"/>
           </a:xfrm>
           <a:prstGeom prst="rect">
             <a:avLst/>
           </a:prstGeom>
+          <a:noFill/>
         </p:spPr>
-      </p:pic>
+        <p:txBody>
+          <a:bodyPr wrap="square" rtlCol="0">
+            <a:spAutoFit/>
+          </a:bodyPr>
+          <a:lstStyle/>
+          <a:p>
+            <a:r>
+              <a:rPr lang="en-US" dirty="0"/>
+              <a:t>All of the following used MG5_v3_6_0, which is underdevelopment and always some error message of index out of range thing. Now I want to rerun it from using the stable version MG5_v3_5_6.</a:t>
+            </a:r>
+          </a:p>
+        </p:txBody>
+      </p:sp>
     </p:spTree>
     <p:extLst>
       <p:ext uri="{BB962C8B-B14F-4D97-AF65-F5344CB8AC3E}">
-        <p14:creationId xmlns:p14="http://schemas.microsoft.com/office/powerpoint/2010/main" val="3438799870"/>
+        <p14:creationId xmlns:p14="http://schemas.microsoft.com/office/powerpoint/2010/main" val="2386026257"/>
       </p:ext>
     </p:extLst>
   </p:cSld>
@@ -6512,107 +11756,1180 @@
           <a:chExt cx="0" cy="0"/>
         </a:xfrm>
       </p:grpSpPr>
-      <p:sp>
-        <p:nvSpPr>
-          <p:cNvPr id="2" name="Title 1">
+      <p:graphicFrame>
+        <p:nvGraphicFramePr>
+          <p:cNvPr id="4" name="Content Placeholder 3">
             <a:extLst>
               <a:ext uri="{FF2B5EF4-FFF2-40B4-BE49-F238E27FC236}">
-                <a16:creationId xmlns:a16="http://schemas.microsoft.com/office/drawing/2014/main" id="{6DFCE5DB-6148-BB4C-1E92-9F1F08CA5ED3}"/>
+                <a16:creationId xmlns:a16="http://schemas.microsoft.com/office/drawing/2014/main" id="{CB588A59-1435-31D4-F8B9-B42A6B73F949}"/>
               </a:ext>
             </a:extLst>
           </p:cNvPr>
-          <p:cNvSpPr>
-            <a:spLocks noGrp="1"/>
-          </p:cNvSpPr>
-          <p:nvPr>
-            <p:ph type="title"/>
-          </p:nvPr>
-        </p:nvSpPr>
-        <p:spPr/>
-        <p:txBody>
-          <a:bodyPr/>
-          <a:lstStyle/>
-          <a:p>
-            <a:r>
-              <a:rPr lang="en-US" dirty="0"/>
-              <a:t>Additional Refs.</a:t>
-            </a:r>
-          </a:p>
-        </p:txBody>
-      </p:sp>
-      <p:sp>
-        <p:nvSpPr>
-          <p:cNvPr id="3" name="Content Placeholder 2">
-            <a:extLst>
-              <a:ext uri="{FF2B5EF4-FFF2-40B4-BE49-F238E27FC236}">
-                <a16:creationId xmlns:a16="http://schemas.microsoft.com/office/drawing/2014/main" id="{BA3621C0-B17A-3FAC-C270-E82C03DB6E49}"/>
-              </a:ext>
-            </a:extLst>
-          </p:cNvPr>
-          <p:cNvSpPr>
-            <a:spLocks noGrp="1"/>
-          </p:cNvSpPr>
+          <p:cNvGraphicFramePr>
+            <a:graphicFrameLocks noGrp="1"/>
+          </p:cNvGraphicFramePr>
           <p:nvPr>
             <p:ph idx="1"/>
+            <p:extLst>
+              <p:ext uri="{D42A27DB-BD31-4B8C-83A1-F6EECF244321}">
+                <p14:modId xmlns:p14="http://schemas.microsoft.com/office/powerpoint/2010/main" val="429375031"/>
+              </p:ext>
+            </p:extLst>
           </p:nvPr>
-        </p:nvSpPr>
-        <p:spPr>
-          <a:xfrm>
-            <a:off x="901430" y="1344106"/>
-            <a:ext cx="10515600" cy="4351338"/>
-          </a:xfrm>
-        </p:spPr>
-        <p:txBody>
-          <a:bodyPr/>
-          <a:lstStyle/>
-          <a:p>
-            <a:r>
-              <a:rPr lang="en-US" dirty="0">
-                <a:hlinkClick r:id="rId2"/>
-              </a:rPr>
-              <a:t>https://answers.launchpad.net/mg5amcnlo/+question/701029</a:t>
-            </a:r>
-            <a:endParaRPr lang="en-US" dirty="0"/>
-          </a:p>
-          <a:p>
-            <a:r>
-              <a:rPr lang="en-US" dirty="0"/>
-              <a:t>Appendix of </a:t>
-            </a:r>
-            <a:r>
-              <a:rPr lang="en-US" dirty="0">
-                <a:hlinkClick r:id="rId3"/>
-              </a:rPr>
-              <a:t>https://arxiv.org/pdf/2111.02442</a:t>
-            </a:r>
-            <a:r>
-              <a:rPr lang="en-US" dirty="0"/>
-              <a:t> </a:t>
-            </a:r>
-          </a:p>
-          <a:p>
-            <a:pPr marL="0" indent="0">
-              <a:buNone/>
-            </a:pPr>
-            <a:r>
-              <a:rPr lang="en-US" dirty="0"/>
-              <a:t>Consider either using IWW or EVA</a:t>
-            </a:r>
-          </a:p>
-          <a:p>
-            <a:pPr marL="0" indent="0">
-              <a:buNone/>
-            </a:pPr>
-            <a:endParaRPr lang="en-US" dirty="0"/>
-          </a:p>
-        </p:txBody>
-      </p:sp>
+        </p:nvGraphicFramePr>
+        <p:xfrm>
+          <a:off x="225669" y="1234201"/>
+          <a:ext cx="11614828" cy="5405120"/>
+        </p:xfrm>
+        <a:graphic>
+          <a:graphicData uri="http://schemas.openxmlformats.org/drawingml/2006/table">
+            <a:tbl>
+              <a:tblPr firstRow="1" bandRow="1">
+                <a:tableStyleId>{5C22544A-7EE6-4342-B048-85BDC9FD1C3A}</a:tableStyleId>
+              </a:tblPr>
+              <a:tblGrid>
+                <a:gridCol w="2488170">
+                  <a:extLst>
+                    <a:ext uri="{9D8B030D-6E8A-4147-A177-3AD203B41FA5}">
+                      <a16:colId xmlns:a16="http://schemas.microsoft.com/office/drawing/2014/main" val="776659425"/>
+                    </a:ext>
+                  </a:extLst>
+                </a:gridCol>
+                <a:gridCol w="1706103">
+                  <a:extLst>
+                    <a:ext uri="{9D8B030D-6E8A-4147-A177-3AD203B41FA5}">
+                      <a16:colId xmlns:a16="http://schemas.microsoft.com/office/drawing/2014/main" val="3531366387"/>
+                    </a:ext>
+                  </a:extLst>
+                </a:gridCol>
+                <a:gridCol w="1613140">
+                  <a:extLst>
+                    <a:ext uri="{9D8B030D-6E8A-4147-A177-3AD203B41FA5}">
+                      <a16:colId xmlns:a16="http://schemas.microsoft.com/office/drawing/2014/main" val="3710483499"/>
+                    </a:ext>
+                  </a:extLst>
+                </a:gridCol>
+                <a:gridCol w="1935805">
+                  <a:extLst>
+                    <a:ext uri="{9D8B030D-6E8A-4147-A177-3AD203B41FA5}">
+                      <a16:colId xmlns:a16="http://schemas.microsoft.com/office/drawing/2014/main" val="549988924"/>
+                    </a:ext>
+                  </a:extLst>
+                </a:gridCol>
+                <a:gridCol w="373965">
+                  <a:extLst>
+                    <a:ext uri="{9D8B030D-6E8A-4147-A177-3AD203B41FA5}">
+                      <a16:colId xmlns:a16="http://schemas.microsoft.com/office/drawing/2014/main" val="2838559681"/>
+                    </a:ext>
+                  </a:extLst>
+                </a:gridCol>
+                <a:gridCol w="3497645">
+                  <a:extLst>
+                    <a:ext uri="{9D8B030D-6E8A-4147-A177-3AD203B41FA5}">
+                      <a16:colId xmlns:a16="http://schemas.microsoft.com/office/drawing/2014/main" val="4070823668"/>
+                    </a:ext>
+                  </a:extLst>
+                </a:gridCol>
+              </a:tblGrid>
+              <a:tr h="370840">
+                <a:tc>
+                  <a:txBody>
+                    <a:bodyPr/>
+                    <a:lstStyle/>
+                    <a:p>
+                      <a:r>
+                        <a:rPr lang="en-US" dirty="0"/>
+                        <a:t>Process</a:t>
+                      </a:r>
+                    </a:p>
+                  </a:txBody>
+                  <a:tcPr/>
+                </a:tc>
+                <a:tc>
+                  <a:txBody>
+                    <a:bodyPr/>
+                    <a:lstStyle/>
+                    <a:p>
+                      <a:r>
+                        <a:rPr lang="en-US" dirty="0"/>
+                        <a:t>Note</a:t>
+                      </a:r>
+                    </a:p>
+                  </a:txBody>
+                  <a:tcPr/>
+                </a:tc>
+                <a:tc>
+                  <a:txBody>
+                    <a:bodyPr/>
+                    <a:lstStyle/>
+                    <a:p>
+                      <a:r>
+                        <a:rPr lang="en-US" dirty="0"/>
+                        <a:t>Parameters</a:t>
+                      </a:r>
+                    </a:p>
+                  </a:txBody>
+                  <a:tcPr/>
+                </a:tc>
+                <a:tc>
+                  <a:txBody>
+                    <a:bodyPr/>
+                    <a:lstStyle/>
+                    <a:p>
+                      <a:r>
+                        <a:rPr lang="en-US" dirty="0"/>
+                        <a:t>Result</a:t>
+                      </a:r>
+                    </a:p>
+                  </a:txBody>
+                  <a:tcPr/>
+                </a:tc>
+                <a:tc>
+                  <a:txBody>
+                    <a:bodyPr/>
+                    <a:lstStyle/>
+                    <a:p>
+                      <a:endParaRPr lang="en-US" dirty="0"/>
+                    </a:p>
+                  </a:txBody>
+                  <a:tcPr/>
+                </a:tc>
+                <a:tc>
+                  <a:txBody>
+                    <a:bodyPr/>
+                    <a:lstStyle/>
+                    <a:p>
+                      <a:pPr marL="0" marR="0" lvl="0" indent="0" algn="l" defTabSz="914400" rtl="0" eaLnBrk="1" fontAlgn="auto" latinLnBrk="0" hangingPunct="1">
+                        <a:lnSpc>
+                          <a:spcPct val="100000"/>
+                        </a:lnSpc>
+                        <a:spcBef>
+                          <a:spcPts val="0"/>
+                        </a:spcBef>
+                        <a:spcAft>
+                          <a:spcPts val="0"/>
+                        </a:spcAft>
+                        <a:buClrTx/>
+                        <a:buSzTx/>
+                        <a:buFontTx/>
+                        <a:buNone/>
+                        <a:tabLst/>
+                        <a:defRPr/>
+                      </a:pPr>
+                      <a:r>
+                        <a:rPr lang="en-US" dirty="0"/>
+                        <a:t>Comment</a:t>
+                      </a:r>
+                    </a:p>
+                    <a:p>
+                      <a:endParaRPr lang="en-US" dirty="0"/>
+                    </a:p>
+                  </a:txBody>
+                  <a:tcPr/>
+                </a:tc>
+                <a:extLst>
+                  <a:ext uri="{0D108BD9-81ED-4DB2-BD59-A6C34878D82A}">
+                    <a16:rowId xmlns:a16="http://schemas.microsoft.com/office/drawing/2014/main" val="1169282519"/>
+                  </a:ext>
+                </a:extLst>
+              </a:tr>
+              <a:tr h="370840">
+                <a:tc>
+                  <a:txBody>
+                    <a:bodyPr/>
+                    <a:lstStyle/>
+                    <a:p>
+                      <a:pPr marL="0" marR="0" lvl="0" indent="0" algn="l" defTabSz="914400" rtl="0" eaLnBrk="1" fontAlgn="auto" latinLnBrk="0" hangingPunct="1">
+                        <a:lnSpc>
+                          <a:spcPct val="100000"/>
+                        </a:lnSpc>
+                        <a:spcBef>
+                          <a:spcPts val="0"/>
+                        </a:spcBef>
+                        <a:spcAft>
+                          <a:spcPts val="0"/>
+                        </a:spcAft>
+                        <a:buClrTx/>
+                        <a:buSzTx/>
+                        <a:buFontTx/>
+                        <a:buNone/>
+                        <a:tabLst/>
+                        <a:defRPr/>
+                      </a:pPr>
+                      <a:r>
+                        <a:rPr lang="pl-PL" dirty="0"/>
+                        <a:t> mu+ mu- &gt; ax w+ mu- vm~ /ax mu+ h</a:t>
+                      </a:r>
+                      <a:r>
+                        <a:rPr lang="en-US" dirty="0"/>
+                        <a:t> </a:t>
+                      </a:r>
+                      <a:r>
+                        <a:rPr lang="en-US" dirty="0" err="1"/>
+                        <a:t>vm</a:t>
+                      </a:r>
+                      <a:endParaRPr lang="en-US" dirty="0"/>
+                    </a:p>
+                  </a:txBody>
+                  <a:tcPr/>
+                </a:tc>
+                <a:tc>
+                  <a:txBody>
+                    <a:bodyPr/>
+                    <a:lstStyle/>
+                    <a:p>
+                      <a:r>
+                        <a:rPr lang="en-US" dirty="0"/>
+                        <a:t>My check</a:t>
+                      </a:r>
+                    </a:p>
+                  </a:txBody>
+                  <a:tcPr/>
+                </a:tc>
+                <a:tc>
+                  <a:txBody>
+                    <a:bodyPr/>
+                    <a:lstStyle/>
+                    <a:p>
+                      <a:pPr marL="0" marR="0" lvl="0" indent="0" algn="l" defTabSz="914400" rtl="0" eaLnBrk="1" fontAlgn="auto" latinLnBrk="0" hangingPunct="1">
+                        <a:lnSpc>
+                          <a:spcPct val="100000"/>
+                        </a:lnSpc>
+                        <a:spcBef>
+                          <a:spcPts val="0"/>
+                        </a:spcBef>
+                        <a:spcAft>
+                          <a:spcPts val="0"/>
+                        </a:spcAft>
+                        <a:buClrTx/>
+                        <a:buSzTx/>
+                        <a:buFontTx/>
+                        <a:buNone/>
+                        <a:tabLst/>
+                        <a:defRPr/>
+                      </a:pPr>
+                      <a:r>
+                        <a:rPr lang="en-US" dirty="0"/>
+                        <a:t>0.1 TeV</a:t>
+                      </a:r>
+                    </a:p>
+                  </a:txBody>
+                  <a:tcPr/>
+                </a:tc>
+                <a:tc>
+                  <a:txBody>
+                    <a:bodyPr/>
+                    <a:lstStyle/>
+                    <a:p>
+                      <a:r>
+                        <a:rPr lang="en-US" dirty="0"/>
+                        <a:t>140 fb</a:t>
+                      </a:r>
+                    </a:p>
+                  </a:txBody>
+                  <a:tcPr/>
+                </a:tc>
+                <a:tc>
+                  <a:txBody>
+                    <a:bodyPr/>
+                    <a:lstStyle/>
+                    <a:p>
+                      <a:endParaRPr lang="en-US" dirty="0"/>
+                    </a:p>
+                  </a:txBody>
+                  <a:tcPr/>
+                </a:tc>
+                <a:tc>
+                  <a:txBody>
+                    <a:bodyPr/>
+                    <a:lstStyle/>
+                    <a:p>
+                      <a:pPr marL="0" marR="0" lvl="0" indent="0" algn="l" defTabSz="914400" rtl="0" eaLnBrk="1" fontAlgn="auto" latinLnBrk="0" hangingPunct="1">
+                        <a:lnSpc>
+                          <a:spcPct val="100000"/>
+                        </a:lnSpc>
+                        <a:spcBef>
+                          <a:spcPts val="0"/>
+                        </a:spcBef>
+                        <a:spcAft>
+                          <a:spcPts val="0"/>
+                        </a:spcAft>
+                        <a:buClrTx/>
+                        <a:buSzTx/>
+                        <a:buFontTx/>
+                        <a:buNone/>
+                        <a:tabLst/>
+                        <a:defRPr/>
+                      </a:pPr>
+                      <a:r>
+                        <a:rPr lang="en-US" dirty="0"/>
+                        <a:t>…</a:t>
+                      </a:r>
+                    </a:p>
+                  </a:txBody>
+                  <a:tcPr/>
+                </a:tc>
+                <a:extLst>
+                  <a:ext uri="{0D108BD9-81ED-4DB2-BD59-A6C34878D82A}">
+                    <a16:rowId xmlns:a16="http://schemas.microsoft.com/office/drawing/2014/main" val="1262128156"/>
+                  </a:ext>
+                </a:extLst>
+              </a:tr>
+              <a:tr h="370840">
+                <a:tc>
+                  <a:txBody>
+                    <a:bodyPr/>
+                    <a:lstStyle/>
+                    <a:p>
+                      <a:pPr marL="0" marR="0" lvl="0" indent="0" algn="l" defTabSz="914400" rtl="0" eaLnBrk="1" fontAlgn="auto" latinLnBrk="0" hangingPunct="1">
+                        <a:lnSpc>
+                          <a:spcPct val="100000"/>
+                        </a:lnSpc>
+                        <a:spcBef>
+                          <a:spcPts val="0"/>
+                        </a:spcBef>
+                        <a:spcAft>
+                          <a:spcPts val="0"/>
+                        </a:spcAft>
+                        <a:buClrTx/>
+                        <a:buSzTx/>
+                        <a:buFontTx/>
+                        <a:buNone/>
+                        <a:tabLst/>
+                        <a:defRPr/>
+                      </a:pPr>
+                      <a:r>
+                        <a:rPr lang="pl-PL" dirty="0"/>
+                        <a:t> mu+ mu- &gt; ax w+ mu- vm~ /ax</a:t>
+                      </a:r>
+                      <a:r>
+                        <a:rPr lang="en-US" dirty="0"/>
+                        <a:t> a</a:t>
+                      </a:r>
+                    </a:p>
+                  </a:txBody>
+                  <a:tcPr/>
+                </a:tc>
+                <a:tc>
+                  <a:txBody>
+                    <a:bodyPr/>
+                    <a:lstStyle/>
+                    <a:p>
+                      <a:r>
+                        <a:rPr lang="en-US" dirty="0"/>
+                        <a:t>My check</a:t>
+                      </a:r>
+                    </a:p>
+                  </a:txBody>
+                  <a:tcPr/>
+                </a:tc>
+                <a:tc>
+                  <a:txBody>
+                    <a:bodyPr/>
+                    <a:lstStyle/>
+                    <a:p>
+                      <a:pPr marL="0" marR="0" lvl="0" indent="0" algn="l" defTabSz="914400" rtl="0" eaLnBrk="1" fontAlgn="auto" latinLnBrk="0" hangingPunct="1">
+                        <a:lnSpc>
+                          <a:spcPct val="100000"/>
+                        </a:lnSpc>
+                        <a:spcBef>
+                          <a:spcPts val="0"/>
+                        </a:spcBef>
+                        <a:spcAft>
+                          <a:spcPts val="0"/>
+                        </a:spcAft>
+                        <a:buClrTx/>
+                        <a:buSzTx/>
+                        <a:buFontTx/>
+                        <a:buNone/>
+                        <a:tabLst/>
+                        <a:defRPr/>
+                      </a:pPr>
+                      <a:r>
+                        <a:rPr lang="en-US" dirty="0"/>
+                        <a:t>0.1 TeV</a:t>
+                      </a:r>
+                    </a:p>
+                  </a:txBody>
+                  <a:tcPr/>
+                </a:tc>
+                <a:tc>
+                  <a:txBody>
+                    <a:bodyPr/>
+                    <a:lstStyle/>
+                    <a:p>
+                      <a:r>
+                        <a:rPr lang="en-US" dirty="0"/>
+                        <a:t>2.75 fb</a:t>
+                      </a:r>
+                    </a:p>
+                  </a:txBody>
+                  <a:tcPr/>
+                </a:tc>
+                <a:tc>
+                  <a:txBody>
+                    <a:bodyPr/>
+                    <a:lstStyle/>
+                    <a:p>
+                      <a:endParaRPr lang="en-US" dirty="0"/>
+                    </a:p>
+                  </a:txBody>
+                  <a:tcPr/>
+                </a:tc>
+                <a:tc>
+                  <a:txBody>
+                    <a:bodyPr/>
+                    <a:lstStyle/>
+                    <a:p>
+                      <a:pPr marL="0" marR="0" lvl="0" indent="0" algn="l" defTabSz="914400" rtl="0" eaLnBrk="1" fontAlgn="auto" latinLnBrk="0" hangingPunct="1">
+                        <a:lnSpc>
+                          <a:spcPct val="100000"/>
+                        </a:lnSpc>
+                        <a:spcBef>
+                          <a:spcPts val="0"/>
+                        </a:spcBef>
+                        <a:spcAft>
+                          <a:spcPts val="0"/>
+                        </a:spcAft>
+                        <a:buClrTx/>
+                        <a:buSzTx/>
+                        <a:buFontTx/>
+                        <a:buNone/>
+                        <a:tabLst/>
+                        <a:defRPr/>
+                      </a:pPr>
+                      <a:r>
+                        <a:rPr lang="en-US" dirty="0"/>
+                        <a:t>Removed photon</a:t>
+                      </a:r>
+                    </a:p>
+                  </a:txBody>
+                  <a:tcPr/>
+                </a:tc>
+                <a:extLst>
+                  <a:ext uri="{0D108BD9-81ED-4DB2-BD59-A6C34878D82A}">
+                    <a16:rowId xmlns:a16="http://schemas.microsoft.com/office/drawing/2014/main" val="4139593287"/>
+                  </a:ext>
+                </a:extLst>
+              </a:tr>
+              <a:tr h="370840">
+                <a:tc>
+                  <a:txBody>
+                    <a:bodyPr/>
+                    <a:lstStyle/>
+                    <a:p>
+                      <a:r>
+                        <a:rPr lang="pl-PL" dirty="0"/>
+                        <a:t>mu+ mu- &gt; ax w+ mu- vm~ /ax mu+ h vm z</a:t>
+                      </a:r>
+                      <a:endParaRPr lang="en-US" dirty="0"/>
+                    </a:p>
+                  </a:txBody>
+                  <a:tcPr/>
+                </a:tc>
+                <a:tc>
+                  <a:txBody>
+                    <a:bodyPr/>
+                    <a:lstStyle/>
+                    <a:p>
+                      <a:r>
+                        <a:rPr lang="en-US" dirty="0"/>
+                        <a:t>My check</a:t>
+                      </a:r>
+                    </a:p>
+                  </a:txBody>
+                  <a:tcPr/>
+                </a:tc>
+                <a:tc>
+                  <a:txBody>
+                    <a:bodyPr/>
+                    <a:lstStyle/>
+                    <a:p>
+                      <a:pPr marL="0" marR="0" lvl="0" indent="0" algn="l" defTabSz="914400" rtl="0" eaLnBrk="1" fontAlgn="auto" latinLnBrk="0" hangingPunct="1">
+                        <a:lnSpc>
+                          <a:spcPct val="100000"/>
+                        </a:lnSpc>
+                        <a:spcBef>
+                          <a:spcPts val="0"/>
+                        </a:spcBef>
+                        <a:spcAft>
+                          <a:spcPts val="0"/>
+                        </a:spcAft>
+                        <a:buClrTx/>
+                        <a:buSzTx/>
+                        <a:buFontTx/>
+                        <a:buNone/>
+                        <a:tabLst/>
+                        <a:defRPr/>
+                      </a:pPr>
+                      <a:r>
+                        <a:rPr lang="en-US" dirty="0"/>
+                        <a:t>0.1 TeV</a:t>
+                      </a:r>
+                    </a:p>
+                  </a:txBody>
+                  <a:tcPr/>
+                </a:tc>
+                <a:tc>
+                  <a:txBody>
+                    <a:bodyPr/>
+                    <a:lstStyle/>
+                    <a:p>
+                      <a:r>
+                        <a:rPr lang="en-US" dirty="0"/>
+                        <a:t>133 fb</a:t>
+                      </a:r>
+                    </a:p>
+                  </a:txBody>
+                  <a:tcPr/>
+                </a:tc>
+                <a:tc>
+                  <a:txBody>
+                    <a:bodyPr/>
+                    <a:lstStyle/>
+                    <a:p>
+                      <a:endParaRPr lang="en-US" dirty="0"/>
+                    </a:p>
+                  </a:txBody>
+                  <a:tcPr/>
+                </a:tc>
+                <a:tc>
+                  <a:txBody>
+                    <a:bodyPr/>
+                    <a:lstStyle/>
+                    <a:p>
+                      <a:pPr marL="0" marR="0" lvl="0" indent="0" algn="l" defTabSz="914400" rtl="0" eaLnBrk="1" fontAlgn="auto" latinLnBrk="0" hangingPunct="1">
+                        <a:lnSpc>
+                          <a:spcPct val="100000"/>
+                        </a:lnSpc>
+                        <a:spcBef>
+                          <a:spcPts val="0"/>
+                        </a:spcBef>
+                        <a:spcAft>
+                          <a:spcPts val="0"/>
+                        </a:spcAft>
+                        <a:buClrTx/>
+                        <a:buSzTx/>
+                        <a:buFontTx/>
+                        <a:buNone/>
+                        <a:tabLst/>
+                        <a:defRPr/>
+                      </a:pPr>
+                      <a:r>
+                        <a:rPr lang="en-US" dirty="0"/>
+                        <a:t>Removed Diagram#4. Only 8 diagrams left.</a:t>
+                      </a:r>
+                    </a:p>
+                  </a:txBody>
+                  <a:tcPr/>
+                </a:tc>
+                <a:extLst>
+                  <a:ext uri="{0D108BD9-81ED-4DB2-BD59-A6C34878D82A}">
+                    <a16:rowId xmlns:a16="http://schemas.microsoft.com/office/drawing/2014/main" val="3527777004"/>
+                  </a:ext>
+                </a:extLst>
+              </a:tr>
+              <a:tr h="370840">
+                <a:tc>
+                  <a:txBody>
+                    <a:bodyPr/>
+                    <a:lstStyle/>
+                    <a:p>
+                      <a:pPr marL="0" marR="0" lvl="0" indent="0" algn="l" defTabSz="914400" rtl="0" eaLnBrk="1" fontAlgn="auto" latinLnBrk="0" hangingPunct="1">
+                        <a:lnSpc>
+                          <a:spcPct val="100000"/>
+                        </a:lnSpc>
+                        <a:spcBef>
+                          <a:spcPts val="0"/>
+                        </a:spcBef>
+                        <a:spcAft>
+                          <a:spcPts val="0"/>
+                        </a:spcAft>
+                        <a:buClrTx/>
+                        <a:buSzTx/>
+                        <a:buFontTx/>
+                        <a:buNone/>
+                        <a:tabLst/>
+                        <a:defRPr/>
+                      </a:pPr>
+                      <a:r>
+                        <a:rPr lang="pl-PL" sz="1800" dirty="0"/>
+                        <a:t>a mu+ &gt; ax w+ vm~ / ax mu- h vm z</a:t>
+                      </a:r>
+                      <a:endParaRPr lang="en-US" sz="1800" dirty="0"/>
+                    </a:p>
+                  </a:txBody>
+                  <a:tcPr/>
+                </a:tc>
+                <a:tc>
+                  <a:txBody>
+                    <a:bodyPr/>
+                    <a:lstStyle/>
+                    <a:p>
+                      <a:r>
+                        <a:rPr lang="en-US" dirty="0"/>
+                        <a:t>My check, IWW</a:t>
+                      </a:r>
+                    </a:p>
+                  </a:txBody>
+                  <a:tcPr/>
+                </a:tc>
+                <a:tc>
+                  <a:txBody>
+                    <a:bodyPr/>
+                    <a:lstStyle/>
+                    <a:p>
+                      <a:pPr marL="0" marR="0" lvl="0" indent="0" algn="l" defTabSz="914400" rtl="0" eaLnBrk="1" fontAlgn="auto" latinLnBrk="0" hangingPunct="1">
+                        <a:lnSpc>
+                          <a:spcPct val="100000"/>
+                        </a:lnSpc>
+                        <a:spcBef>
+                          <a:spcPts val="0"/>
+                        </a:spcBef>
+                        <a:spcAft>
+                          <a:spcPts val="0"/>
+                        </a:spcAft>
+                        <a:buClrTx/>
+                        <a:buSzTx/>
+                        <a:buFontTx/>
+                        <a:buNone/>
+                        <a:tabLst/>
+                        <a:defRPr/>
+                      </a:pPr>
+                      <a:r>
+                        <a:rPr lang="en-US" dirty="0"/>
+                        <a:t>0.1 TeV</a:t>
+                      </a:r>
+                    </a:p>
+                  </a:txBody>
+                  <a:tcPr/>
+                </a:tc>
+                <a:tc>
+                  <a:txBody>
+                    <a:bodyPr/>
+                    <a:lstStyle/>
+                    <a:p>
+                      <a:r>
+                        <a:rPr lang="en-US" dirty="0"/>
+                        <a:t>1.3 fb</a:t>
+                      </a:r>
+                    </a:p>
+                  </a:txBody>
+                  <a:tcPr/>
+                </a:tc>
+                <a:tc>
+                  <a:txBody>
+                    <a:bodyPr/>
+                    <a:lstStyle/>
+                    <a:p>
+                      <a:endParaRPr lang="en-US" dirty="0"/>
+                    </a:p>
+                  </a:txBody>
+                  <a:tcPr/>
+                </a:tc>
+                <a:tc>
+                  <a:txBody>
+                    <a:bodyPr/>
+                    <a:lstStyle/>
+                    <a:p>
+                      <a:pPr marL="0" marR="0" lvl="0" indent="0" algn="l" defTabSz="914400" rtl="0" eaLnBrk="1" fontAlgn="auto" latinLnBrk="0" hangingPunct="1">
+                        <a:lnSpc>
+                          <a:spcPct val="100000"/>
+                        </a:lnSpc>
+                        <a:spcBef>
+                          <a:spcPts val="0"/>
+                        </a:spcBef>
+                        <a:spcAft>
+                          <a:spcPts val="0"/>
+                        </a:spcAft>
+                        <a:buClrTx/>
+                        <a:buSzTx/>
+                        <a:buFontTx/>
+                        <a:buNone/>
+                        <a:tabLst/>
+                        <a:defRPr/>
+                      </a:pPr>
+                      <a:r>
+                        <a:rPr lang="en-US" dirty="0"/>
+                        <a:t>Clearly, the dominant contributions are photon initiated. Now with Photon PDF</a:t>
+                      </a:r>
+                    </a:p>
+                  </a:txBody>
+                  <a:tcPr/>
+                </a:tc>
+                <a:extLst>
+                  <a:ext uri="{0D108BD9-81ED-4DB2-BD59-A6C34878D82A}">
+                    <a16:rowId xmlns:a16="http://schemas.microsoft.com/office/drawing/2014/main" val="517790728"/>
+                  </a:ext>
+                </a:extLst>
+              </a:tr>
+              <a:tr h="370840">
+                <a:tc>
+                  <a:txBody>
+                    <a:bodyPr/>
+                    <a:lstStyle/>
+                    <a:p>
+                      <a:pPr marL="0" marR="0" lvl="0" indent="0" algn="l" defTabSz="914400" rtl="0" eaLnBrk="1" fontAlgn="auto" latinLnBrk="0" hangingPunct="1">
+                        <a:lnSpc>
+                          <a:spcPct val="100000"/>
+                        </a:lnSpc>
+                        <a:spcBef>
+                          <a:spcPts val="0"/>
+                        </a:spcBef>
+                        <a:spcAft>
+                          <a:spcPts val="0"/>
+                        </a:spcAft>
+                        <a:buClrTx/>
+                        <a:buSzTx/>
+                        <a:buFontTx/>
+                        <a:buNone/>
+                        <a:tabLst/>
+                        <a:defRPr/>
+                      </a:pPr>
+                      <a:r>
+                        <a:rPr lang="pl-PL" sz="1800" dirty="0"/>
+                        <a:t>a mu+ &gt; ax w+ vm~</a:t>
+                      </a:r>
+                      <a:endParaRPr lang="en-US" sz="1800" dirty="0"/>
+                    </a:p>
+                  </a:txBody>
+                  <a:tcPr/>
+                </a:tc>
+                <a:tc>
+                  <a:txBody>
+                    <a:bodyPr/>
+                    <a:lstStyle/>
+                    <a:p>
+                      <a:r>
+                        <a:rPr lang="en-US" dirty="0"/>
+                        <a:t>My check, IWW</a:t>
+                      </a:r>
+                    </a:p>
+                  </a:txBody>
+                  <a:tcPr/>
+                </a:tc>
+                <a:tc>
+                  <a:txBody>
+                    <a:bodyPr/>
+                    <a:lstStyle/>
+                    <a:p>
+                      <a:pPr marL="0" marR="0" lvl="0" indent="0" algn="l" defTabSz="914400" rtl="0" eaLnBrk="1" fontAlgn="auto" latinLnBrk="0" hangingPunct="1">
+                        <a:lnSpc>
+                          <a:spcPct val="100000"/>
+                        </a:lnSpc>
+                        <a:spcBef>
+                          <a:spcPts val="0"/>
+                        </a:spcBef>
+                        <a:spcAft>
+                          <a:spcPts val="0"/>
+                        </a:spcAft>
+                        <a:buClrTx/>
+                        <a:buSzTx/>
+                        <a:buFontTx/>
+                        <a:buNone/>
+                        <a:tabLst/>
+                        <a:defRPr/>
+                      </a:pPr>
+                      <a:r>
+                        <a:rPr lang="en-US" dirty="0"/>
+                        <a:t>0.1 TeV</a:t>
+                      </a:r>
+                    </a:p>
+                  </a:txBody>
+                  <a:tcPr/>
+                </a:tc>
+                <a:tc>
+                  <a:txBody>
+                    <a:bodyPr/>
+                    <a:lstStyle/>
+                    <a:p>
+                      <a:r>
+                        <a:rPr lang="en-US" dirty="0"/>
+                        <a:t>2.6 fb</a:t>
+                      </a:r>
+                    </a:p>
+                  </a:txBody>
+                  <a:tcPr/>
+                </a:tc>
+                <a:tc>
+                  <a:txBody>
+                    <a:bodyPr/>
+                    <a:lstStyle/>
+                    <a:p>
+                      <a:endParaRPr lang="en-US" dirty="0"/>
+                    </a:p>
+                  </a:txBody>
+                  <a:tcPr/>
+                </a:tc>
+                <a:tc>
+                  <a:txBody>
+                    <a:bodyPr/>
+                    <a:lstStyle/>
+                    <a:p>
+                      <a:pPr marL="0" marR="0" lvl="0" indent="0" algn="l" defTabSz="914400" rtl="0" eaLnBrk="1" fontAlgn="auto" latinLnBrk="0" hangingPunct="1">
+                        <a:lnSpc>
+                          <a:spcPct val="100000"/>
+                        </a:lnSpc>
+                        <a:spcBef>
+                          <a:spcPts val="0"/>
+                        </a:spcBef>
+                        <a:spcAft>
+                          <a:spcPts val="0"/>
+                        </a:spcAft>
+                        <a:buClrTx/>
+                        <a:buSzTx/>
+                        <a:buFontTx/>
+                        <a:buNone/>
+                        <a:tabLst/>
+                        <a:defRPr/>
+                      </a:pPr>
+                      <a:r>
+                        <a:rPr lang="en-US" dirty="0"/>
+                        <a:t>…</a:t>
+                      </a:r>
+                    </a:p>
+                  </a:txBody>
+                  <a:tcPr/>
+                </a:tc>
+                <a:extLst>
+                  <a:ext uri="{0D108BD9-81ED-4DB2-BD59-A6C34878D82A}">
+                    <a16:rowId xmlns:a16="http://schemas.microsoft.com/office/drawing/2014/main" val="114916999"/>
+                  </a:ext>
+                </a:extLst>
+              </a:tr>
+              <a:tr h="370840">
+                <a:tc>
+                  <a:txBody>
+                    <a:bodyPr/>
+                    <a:lstStyle/>
+                    <a:p>
+                      <a:pPr marL="0" marR="0" lvl="0" indent="0" algn="l" defTabSz="914400" rtl="0" eaLnBrk="1" fontAlgn="auto" latinLnBrk="0" hangingPunct="1">
+                        <a:lnSpc>
+                          <a:spcPct val="100000"/>
+                        </a:lnSpc>
+                        <a:spcBef>
+                          <a:spcPts val="0"/>
+                        </a:spcBef>
+                        <a:spcAft>
+                          <a:spcPts val="0"/>
+                        </a:spcAft>
+                        <a:buClrTx/>
+                        <a:buSzTx/>
+                        <a:buFontTx/>
+                        <a:buNone/>
+                        <a:tabLst/>
+                        <a:defRPr/>
+                      </a:pPr>
+                      <a:r>
+                        <a:rPr lang="pl-PL" sz="1800" dirty="0"/>
+                        <a:t>a mu+ &gt; ax w+ vm~ / ax mu- h vm z</a:t>
+                      </a:r>
+                      <a:r>
+                        <a:rPr lang="en-US" sz="1800" dirty="0"/>
+                        <a:t> a</a:t>
+                      </a:r>
+                    </a:p>
+                  </a:txBody>
+                  <a:tcPr/>
+                </a:tc>
+                <a:tc>
+                  <a:txBody>
+                    <a:bodyPr/>
+                    <a:lstStyle/>
+                    <a:p>
+                      <a:r>
+                        <a:rPr lang="en-US" dirty="0"/>
+                        <a:t>My check, IWW</a:t>
+                      </a:r>
+                    </a:p>
+                  </a:txBody>
+                  <a:tcPr/>
+                </a:tc>
+                <a:tc>
+                  <a:txBody>
+                    <a:bodyPr/>
+                    <a:lstStyle/>
+                    <a:p>
+                      <a:pPr marL="0" marR="0" lvl="0" indent="0" algn="l" defTabSz="914400" rtl="0" eaLnBrk="1" fontAlgn="auto" latinLnBrk="0" hangingPunct="1">
+                        <a:lnSpc>
+                          <a:spcPct val="100000"/>
+                        </a:lnSpc>
+                        <a:spcBef>
+                          <a:spcPts val="0"/>
+                        </a:spcBef>
+                        <a:spcAft>
+                          <a:spcPts val="0"/>
+                        </a:spcAft>
+                        <a:buClrTx/>
+                        <a:buSzTx/>
+                        <a:buFontTx/>
+                        <a:buNone/>
+                        <a:tabLst/>
+                        <a:defRPr/>
+                      </a:pPr>
+                      <a:r>
+                        <a:rPr lang="en-US" dirty="0"/>
+                        <a:t>0.1 TeV</a:t>
+                      </a:r>
+                    </a:p>
+                  </a:txBody>
+                  <a:tcPr/>
+                </a:tc>
+                <a:tc>
+                  <a:txBody>
+                    <a:bodyPr/>
+                    <a:lstStyle/>
+                    <a:p>
+                      <a:r>
+                        <a:rPr lang="en-US" dirty="0"/>
+                        <a:t>0.64 fb</a:t>
+                      </a:r>
+                    </a:p>
+                  </a:txBody>
+                  <a:tcPr/>
+                </a:tc>
+                <a:tc>
+                  <a:txBody>
+                    <a:bodyPr/>
+                    <a:lstStyle/>
+                    <a:p>
+                      <a:endParaRPr lang="en-US" dirty="0"/>
+                    </a:p>
+                  </a:txBody>
+                  <a:tcPr/>
+                </a:tc>
+                <a:tc>
+                  <a:txBody>
+                    <a:bodyPr/>
+                    <a:lstStyle/>
+                    <a:p>
+                      <a:pPr marL="0" marR="0" lvl="0" indent="0" algn="l" defTabSz="914400" rtl="0" eaLnBrk="1" fontAlgn="auto" latinLnBrk="0" hangingPunct="1">
+                        <a:lnSpc>
+                          <a:spcPct val="100000"/>
+                        </a:lnSpc>
+                        <a:spcBef>
+                          <a:spcPts val="0"/>
+                        </a:spcBef>
+                        <a:spcAft>
+                          <a:spcPts val="0"/>
+                        </a:spcAft>
+                        <a:buClrTx/>
+                        <a:buSzTx/>
+                        <a:buFontTx/>
+                        <a:buNone/>
+                        <a:tabLst/>
+                        <a:defRPr/>
+                      </a:pPr>
+                      <a:r>
+                        <a:rPr lang="en-US" dirty="0"/>
+                        <a:t>Removed one more photon diagram just to check who dominants. All the remaining are </a:t>
+                      </a:r>
+                      <a:r>
+                        <a:rPr lang="en-US" dirty="0" err="1"/>
+                        <a:t>aWW</a:t>
+                      </a:r>
+                      <a:r>
+                        <a:rPr lang="en-US" dirty="0"/>
+                        <a:t> coupling.</a:t>
+                      </a:r>
+                    </a:p>
+                  </a:txBody>
+                  <a:tcPr/>
+                </a:tc>
+                <a:extLst>
+                  <a:ext uri="{0D108BD9-81ED-4DB2-BD59-A6C34878D82A}">
+                    <a16:rowId xmlns:a16="http://schemas.microsoft.com/office/drawing/2014/main" val="2764293864"/>
+                  </a:ext>
+                </a:extLst>
+              </a:tr>
+              <a:tr h="370840">
+                <a:tc>
+                  <a:txBody>
+                    <a:bodyPr/>
+                    <a:lstStyle/>
+                    <a:p>
+                      <a:pPr marL="0" marR="0" lvl="0" indent="0" algn="l" defTabSz="914400" rtl="0" eaLnBrk="1" fontAlgn="auto" latinLnBrk="0" hangingPunct="1">
+                        <a:lnSpc>
+                          <a:spcPct val="100000"/>
+                        </a:lnSpc>
+                        <a:spcBef>
+                          <a:spcPts val="0"/>
+                        </a:spcBef>
+                        <a:spcAft>
+                          <a:spcPts val="0"/>
+                        </a:spcAft>
+                        <a:buClrTx/>
+                        <a:buSzTx/>
+                        <a:buFontTx/>
+                        <a:buNone/>
+                        <a:tabLst/>
+                        <a:defRPr/>
+                      </a:pPr>
+                      <a:endParaRPr lang="en-US" sz="1800" dirty="0"/>
+                    </a:p>
+                  </a:txBody>
+                  <a:tcPr/>
+                </a:tc>
+                <a:tc>
+                  <a:txBody>
+                    <a:bodyPr/>
+                    <a:lstStyle/>
+                    <a:p>
+                      <a:endParaRPr lang="en-US" dirty="0"/>
+                    </a:p>
+                  </a:txBody>
+                  <a:tcPr/>
+                </a:tc>
+                <a:tc>
+                  <a:txBody>
+                    <a:bodyPr/>
+                    <a:lstStyle/>
+                    <a:p>
+                      <a:pPr marL="0" marR="0" lvl="0" indent="0" algn="l" defTabSz="914400" rtl="0" eaLnBrk="1" fontAlgn="auto" latinLnBrk="0" hangingPunct="1">
+                        <a:lnSpc>
+                          <a:spcPct val="100000"/>
+                        </a:lnSpc>
+                        <a:spcBef>
+                          <a:spcPts val="0"/>
+                        </a:spcBef>
+                        <a:spcAft>
+                          <a:spcPts val="0"/>
+                        </a:spcAft>
+                        <a:buClrTx/>
+                        <a:buSzTx/>
+                        <a:buFontTx/>
+                        <a:buNone/>
+                        <a:tabLst/>
+                        <a:defRPr/>
+                      </a:pPr>
+                      <a:endParaRPr lang="en-US" dirty="0"/>
+                    </a:p>
+                  </a:txBody>
+                  <a:tcPr/>
+                </a:tc>
+                <a:tc>
+                  <a:txBody>
+                    <a:bodyPr/>
+                    <a:lstStyle/>
+                    <a:p>
+                      <a:endParaRPr lang="en-US" dirty="0"/>
+                    </a:p>
+                  </a:txBody>
+                  <a:tcPr/>
+                </a:tc>
+                <a:tc>
+                  <a:txBody>
+                    <a:bodyPr/>
+                    <a:lstStyle/>
+                    <a:p>
+                      <a:endParaRPr lang="en-US" dirty="0"/>
+                    </a:p>
+                  </a:txBody>
+                  <a:tcPr/>
+                </a:tc>
+                <a:tc>
+                  <a:txBody>
+                    <a:bodyPr/>
+                    <a:lstStyle/>
+                    <a:p>
+                      <a:pPr marL="0" marR="0" lvl="0" indent="0" algn="l" defTabSz="914400" rtl="0" eaLnBrk="1" fontAlgn="auto" latinLnBrk="0" hangingPunct="1">
+                        <a:lnSpc>
+                          <a:spcPct val="100000"/>
+                        </a:lnSpc>
+                        <a:spcBef>
+                          <a:spcPts val="0"/>
+                        </a:spcBef>
+                        <a:spcAft>
+                          <a:spcPts val="0"/>
+                        </a:spcAft>
+                        <a:buClrTx/>
+                        <a:buSzTx/>
+                        <a:buFontTx/>
+                        <a:buNone/>
+                        <a:tabLst/>
+                        <a:defRPr/>
+                      </a:pPr>
+                      <a:endParaRPr lang="en-US" dirty="0"/>
+                    </a:p>
+                  </a:txBody>
+                  <a:tcPr/>
+                </a:tc>
+                <a:extLst>
+                  <a:ext uri="{0D108BD9-81ED-4DB2-BD59-A6C34878D82A}">
+                    <a16:rowId xmlns:a16="http://schemas.microsoft.com/office/drawing/2014/main" val="2309427134"/>
+                  </a:ext>
+                </a:extLst>
+              </a:tr>
+            </a:tbl>
+          </a:graphicData>
+        </a:graphic>
+      </p:graphicFrame>
       <p:pic>
         <p:nvPicPr>
           <p:cNvPr id="5" name="Picture 4">
             <a:extLst>
               <a:ext uri="{FF2B5EF4-FFF2-40B4-BE49-F238E27FC236}">
-                <a16:creationId xmlns:a16="http://schemas.microsoft.com/office/drawing/2014/main" id="{491FC5A1-AD4A-9BCB-9EC2-88D130D9A9A0}"/>
+                <a16:creationId xmlns:a16="http://schemas.microsoft.com/office/drawing/2014/main" id="{880D7326-054F-EF69-797C-2C17A8D86A2B}"/>
+              </a:ext>
+            </a:extLst>
+          </p:cNvPr>
+          <p:cNvPicPr>
+            <a:picLocks noChangeAspect="1"/>
+          </p:cNvPicPr>
+          <p:nvPr/>
+        </p:nvPicPr>
+        <p:blipFill>
+          <a:blip r:embed="rId2"/>
+          <a:stretch>
+            <a:fillRect/>
+          </a:stretch>
+        </p:blipFill>
+        <p:spPr>
+          <a:xfrm>
+            <a:off x="225669" y="8669"/>
+            <a:ext cx="3129927" cy="1237413"/>
+          </a:xfrm>
+          <a:prstGeom prst="rect">
+            <a:avLst/>
+          </a:prstGeom>
+        </p:spPr>
+      </p:pic>
+      <p:pic>
+        <p:nvPicPr>
+          <p:cNvPr id="7" name="Picture 6">
+            <a:extLst>
+              <a:ext uri="{FF2B5EF4-FFF2-40B4-BE49-F238E27FC236}">
+                <a16:creationId xmlns:a16="http://schemas.microsoft.com/office/drawing/2014/main" id="{E3EDFF8F-3ABE-87CE-9896-5BEB59925E81}"/>
+              </a:ext>
+            </a:extLst>
+          </p:cNvPr>
+          <p:cNvPicPr>
+            <a:picLocks noChangeAspect="1"/>
+          </p:cNvPicPr>
+          <p:nvPr/>
+        </p:nvPicPr>
+        <p:blipFill>
+          <a:blip r:embed="rId3"/>
+          <a:stretch>
+            <a:fillRect/>
+          </a:stretch>
+        </p:blipFill>
+        <p:spPr>
+          <a:xfrm>
+            <a:off x="3471409" y="5910"/>
+            <a:ext cx="3157770" cy="1237413"/>
+          </a:xfrm>
+          <a:prstGeom prst="rect">
+            <a:avLst/>
+          </a:prstGeom>
+        </p:spPr>
+      </p:pic>
+      <p:pic>
+        <p:nvPicPr>
+          <p:cNvPr id="9" name="Picture 8">
+            <a:extLst>
+              <a:ext uri="{FF2B5EF4-FFF2-40B4-BE49-F238E27FC236}">
+                <a16:creationId xmlns:a16="http://schemas.microsoft.com/office/drawing/2014/main" id="{BAE23082-1DFF-5E2C-1423-0D37D4474D96}"/>
               </a:ext>
             </a:extLst>
           </p:cNvPr>
@@ -6629,8 +12946,8 @@
         </p:blipFill>
         <p:spPr>
           <a:xfrm>
-            <a:off x="6284069" y="2401957"/>
-            <a:ext cx="5637178" cy="4097266"/>
+            <a:off x="6744993" y="0"/>
+            <a:ext cx="1656016" cy="1234201"/>
           </a:xfrm>
           <a:prstGeom prst="rect">
             <a:avLst/>
@@ -6640,7 +12957,1125 @@
     </p:spTree>
     <p:extLst>
       <p:ext uri="{BB962C8B-B14F-4D97-AF65-F5344CB8AC3E}">
-        <p14:creationId xmlns:p14="http://schemas.microsoft.com/office/powerpoint/2010/main" val="3366242605"/>
+        <p14:creationId xmlns:p14="http://schemas.microsoft.com/office/powerpoint/2010/main" val="27117458"/>
+      </p:ext>
+    </p:extLst>
+  </p:cSld>
+  <p:clrMapOvr>
+    <a:masterClrMapping/>
+  </p:clrMapOvr>
+</p:sld>
+</file>
+
+<file path=ppt/slides/slide9.xml><?xml version="1.0" encoding="utf-8"?>
+<p:sld xmlns:a="http://schemas.openxmlformats.org/drawingml/2006/main" xmlns:r="http://schemas.openxmlformats.org/officeDocument/2006/relationships" xmlns:p="http://schemas.openxmlformats.org/presentationml/2006/main">
+  <p:cSld>
+    <p:spTree>
+      <p:nvGrpSpPr>
+        <p:cNvPr id="1" name="">
+          <a:extLst>
+            <a:ext uri="{FF2B5EF4-FFF2-40B4-BE49-F238E27FC236}">
+              <a16:creationId xmlns:a16="http://schemas.microsoft.com/office/drawing/2014/main" id="{73F59631-1091-7039-9116-12F9A24C6EA9}"/>
+            </a:ext>
+          </a:extLst>
+        </p:cNvPr>
+        <p:cNvGrpSpPr/>
+        <p:nvPr/>
+      </p:nvGrpSpPr>
+      <p:grpSpPr>
+        <a:xfrm>
+          <a:off x="0" y="0"/>
+          <a:ext cx="0" cy="0"/>
+          <a:chOff x="0" y="0"/>
+          <a:chExt cx="0" cy="0"/>
+        </a:xfrm>
+      </p:grpSpPr>
+      <p:graphicFrame>
+        <p:nvGraphicFramePr>
+          <p:cNvPr id="4" name="Content Placeholder 3">
+            <a:extLst>
+              <a:ext uri="{FF2B5EF4-FFF2-40B4-BE49-F238E27FC236}">
+                <a16:creationId xmlns:a16="http://schemas.microsoft.com/office/drawing/2014/main" id="{122552E8-A331-F18C-3EAC-530E63A10C38}"/>
+              </a:ext>
+            </a:extLst>
+          </p:cNvPr>
+          <p:cNvGraphicFramePr>
+            <a:graphicFrameLocks noGrp="1"/>
+          </p:cNvGraphicFramePr>
+          <p:nvPr>
+            <p:ph idx="1"/>
+            <p:extLst>
+              <p:ext uri="{D42A27DB-BD31-4B8C-83A1-F6EECF244321}">
+                <p14:modId xmlns:p14="http://schemas.microsoft.com/office/powerpoint/2010/main" val="762842"/>
+              </p:ext>
+            </p:extLst>
+          </p:nvPr>
+        </p:nvGraphicFramePr>
+        <p:xfrm>
+          <a:off x="225669" y="1234201"/>
+          <a:ext cx="11614828" cy="4765040"/>
+        </p:xfrm>
+        <a:graphic>
+          <a:graphicData uri="http://schemas.openxmlformats.org/drawingml/2006/table">
+            <a:tbl>
+              <a:tblPr firstRow="1" bandRow="1">
+                <a:tableStyleId>{5C22544A-7EE6-4342-B048-85BDC9FD1C3A}</a:tableStyleId>
+              </a:tblPr>
+              <a:tblGrid>
+                <a:gridCol w="2488170">
+                  <a:extLst>
+                    <a:ext uri="{9D8B030D-6E8A-4147-A177-3AD203B41FA5}">
+                      <a16:colId xmlns:a16="http://schemas.microsoft.com/office/drawing/2014/main" val="776659425"/>
+                    </a:ext>
+                  </a:extLst>
+                </a:gridCol>
+                <a:gridCol w="1706103">
+                  <a:extLst>
+                    <a:ext uri="{9D8B030D-6E8A-4147-A177-3AD203B41FA5}">
+                      <a16:colId xmlns:a16="http://schemas.microsoft.com/office/drawing/2014/main" val="3531366387"/>
+                    </a:ext>
+                  </a:extLst>
+                </a:gridCol>
+                <a:gridCol w="1613140">
+                  <a:extLst>
+                    <a:ext uri="{9D8B030D-6E8A-4147-A177-3AD203B41FA5}">
+                      <a16:colId xmlns:a16="http://schemas.microsoft.com/office/drawing/2014/main" val="3710483499"/>
+                    </a:ext>
+                  </a:extLst>
+                </a:gridCol>
+                <a:gridCol w="1935805">
+                  <a:extLst>
+                    <a:ext uri="{9D8B030D-6E8A-4147-A177-3AD203B41FA5}">
+                      <a16:colId xmlns:a16="http://schemas.microsoft.com/office/drawing/2014/main" val="549988924"/>
+                    </a:ext>
+                  </a:extLst>
+                </a:gridCol>
+                <a:gridCol w="373965">
+                  <a:extLst>
+                    <a:ext uri="{9D8B030D-6E8A-4147-A177-3AD203B41FA5}">
+                      <a16:colId xmlns:a16="http://schemas.microsoft.com/office/drawing/2014/main" val="2838559681"/>
+                    </a:ext>
+                  </a:extLst>
+                </a:gridCol>
+                <a:gridCol w="3497645">
+                  <a:extLst>
+                    <a:ext uri="{9D8B030D-6E8A-4147-A177-3AD203B41FA5}">
+                      <a16:colId xmlns:a16="http://schemas.microsoft.com/office/drawing/2014/main" val="4070823668"/>
+                    </a:ext>
+                  </a:extLst>
+                </a:gridCol>
+              </a:tblGrid>
+              <a:tr h="370840">
+                <a:tc>
+                  <a:txBody>
+                    <a:bodyPr/>
+                    <a:lstStyle/>
+                    <a:p>
+                      <a:r>
+                        <a:rPr lang="en-US" dirty="0"/>
+                        <a:t>Process</a:t>
+                      </a:r>
+                    </a:p>
+                  </a:txBody>
+                  <a:tcPr/>
+                </a:tc>
+                <a:tc>
+                  <a:txBody>
+                    <a:bodyPr/>
+                    <a:lstStyle/>
+                    <a:p>
+                      <a:r>
+                        <a:rPr lang="en-US" dirty="0"/>
+                        <a:t>Note</a:t>
+                      </a:r>
+                    </a:p>
+                  </a:txBody>
+                  <a:tcPr/>
+                </a:tc>
+                <a:tc>
+                  <a:txBody>
+                    <a:bodyPr/>
+                    <a:lstStyle/>
+                    <a:p>
+                      <a:r>
+                        <a:rPr lang="en-US" dirty="0"/>
+                        <a:t>Parameters</a:t>
+                      </a:r>
+                    </a:p>
+                  </a:txBody>
+                  <a:tcPr/>
+                </a:tc>
+                <a:tc>
+                  <a:txBody>
+                    <a:bodyPr/>
+                    <a:lstStyle/>
+                    <a:p>
+                      <a:r>
+                        <a:rPr lang="en-US" dirty="0"/>
+                        <a:t>Result</a:t>
+                      </a:r>
+                    </a:p>
+                  </a:txBody>
+                  <a:tcPr/>
+                </a:tc>
+                <a:tc>
+                  <a:txBody>
+                    <a:bodyPr/>
+                    <a:lstStyle/>
+                    <a:p>
+                      <a:endParaRPr lang="en-US" dirty="0"/>
+                    </a:p>
+                  </a:txBody>
+                  <a:tcPr/>
+                </a:tc>
+                <a:tc>
+                  <a:txBody>
+                    <a:bodyPr/>
+                    <a:lstStyle/>
+                    <a:p>
+                      <a:pPr marL="0" marR="0" lvl="0" indent="0" algn="l" defTabSz="914400" rtl="0" eaLnBrk="1" fontAlgn="auto" latinLnBrk="0" hangingPunct="1">
+                        <a:lnSpc>
+                          <a:spcPct val="100000"/>
+                        </a:lnSpc>
+                        <a:spcBef>
+                          <a:spcPts val="0"/>
+                        </a:spcBef>
+                        <a:spcAft>
+                          <a:spcPts val="0"/>
+                        </a:spcAft>
+                        <a:buClrTx/>
+                        <a:buSzTx/>
+                        <a:buFontTx/>
+                        <a:buNone/>
+                        <a:tabLst/>
+                        <a:defRPr/>
+                      </a:pPr>
+                      <a:r>
+                        <a:rPr lang="en-US" dirty="0"/>
+                        <a:t>Comment</a:t>
+                      </a:r>
+                    </a:p>
+                    <a:p>
+                      <a:endParaRPr lang="en-US" dirty="0"/>
+                    </a:p>
+                  </a:txBody>
+                  <a:tcPr/>
+                </a:tc>
+                <a:extLst>
+                  <a:ext uri="{0D108BD9-81ED-4DB2-BD59-A6C34878D82A}">
+                    <a16:rowId xmlns:a16="http://schemas.microsoft.com/office/drawing/2014/main" val="1169282519"/>
+                  </a:ext>
+                </a:extLst>
+              </a:tr>
+              <a:tr h="574512">
+                <a:tc>
+                  <a:txBody>
+                    <a:bodyPr/>
+                    <a:lstStyle/>
+                    <a:p>
+                      <a:r>
+                        <a:rPr lang="pl-PL" dirty="0"/>
+                        <a:t>mu+ mu- &gt; ax w+ mu- vm~ /ax mu+ h vm z</a:t>
+                      </a:r>
+                      <a:endParaRPr lang="en-US" dirty="0"/>
+                    </a:p>
+                  </a:txBody>
+                  <a:tcPr/>
+                </a:tc>
+                <a:tc>
+                  <a:txBody>
+                    <a:bodyPr/>
+                    <a:lstStyle/>
+                    <a:p>
+                      <a:r>
+                        <a:rPr lang="en-US" dirty="0"/>
+                        <a:t>My check</a:t>
+                      </a:r>
+                    </a:p>
+                  </a:txBody>
+                  <a:tcPr/>
+                </a:tc>
+                <a:tc>
+                  <a:txBody>
+                    <a:bodyPr/>
+                    <a:lstStyle/>
+                    <a:p>
+                      <a:pPr marL="0" marR="0" lvl="0" indent="0" algn="l" defTabSz="914400" rtl="0" eaLnBrk="1" fontAlgn="auto" latinLnBrk="0" hangingPunct="1">
+                        <a:lnSpc>
+                          <a:spcPct val="100000"/>
+                        </a:lnSpc>
+                        <a:spcBef>
+                          <a:spcPts val="0"/>
+                        </a:spcBef>
+                        <a:spcAft>
+                          <a:spcPts val="0"/>
+                        </a:spcAft>
+                        <a:buClrTx/>
+                        <a:buSzTx/>
+                        <a:buFontTx/>
+                        <a:buNone/>
+                        <a:tabLst/>
+                        <a:defRPr/>
+                      </a:pPr>
+                      <a:r>
+                        <a:rPr lang="en-US" dirty="0"/>
+                        <a:t>0.1 TeV</a:t>
+                      </a:r>
+                    </a:p>
+                  </a:txBody>
+                  <a:tcPr/>
+                </a:tc>
+                <a:tc>
+                  <a:txBody>
+                    <a:bodyPr/>
+                    <a:lstStyle/>
+                    <a:p>
+                      <a:r>
+                        <a:rPr lang="en-US" dirty="0"/>
+                        <a:t>133 fb</a:t>
+                      </a:r>
+                    </a:p>
+                  </a:txBody>
+                  <a:tcPr/>
+                </a:tc>
+                <a:tc>
+                  <a:txBody>
+                    <a:bodyPr/>
+                    <a:lstStyle/>
+                    <a:p>
+                      <a:endParaRPr lang="en-US" dirty="0"/>
+                    </a:p>
+                  </a:txBody>
+                  <a:tcPr/>
+                </a:tc>
+                <a:tc>
+                  <a:txBody>
+                    <a:bodyPr/>
+                    <a:lstStyle/>
+                    <a:p>
+                      <a:pPr marL="0" marR="0" lvl="0" indent="0" algn="l" defTabSz="914400" rtl="0" eaLnBrk="1" fontAlgn="auto" latinLnBrk="0" hangingPunct="1">
+                        <a:lnSpc>
+                          <a:spcPct val="100000"/>
+                        </a:lnSpc>
+                        <a:spcBef>
+                          <a:spcPts val="0"/>
+                        </a:spcBef>
+                        <a:spcAft>
+                          <a:spcPts val="0"/>
+                        </a:spcAft>
+                        <a:buClrTx/>
+                        <a:buSzTx/>
+                        <a:buFontTx/>
+                        <a:buNone/>
+                        <a:tabLst/>
+                        <a:defRPr/>
+                      </a:pPr>
+                      <a:r>
+                        <a:rPr lang="en-US" dirty="0"/>
+                        <a:t>Removed Diagram#4. Only 8 diagrams left.</a:t>
+                      </a:r>
+                    </a:p>
+                  </a:txBody>
+                  <a:tcPr/>
+                </a:tc>
+                <a:extLst>
+                  <a:ext uri="{0D108BD9-81ED-4DB2-BD59-A6C34878D82A}">
+                    <a16:rowId xmlns:a16="http://schemas.microsoft.com/office/drawing/2014/main" val="3527777004"/>
+                  </a:ext>
+                </a:extLst>
+              </a:tr>
+              <a:tr h="370840">
+                <a:tc>
+                  <a:txBody>
+                    <a:bodyPr/>
+                    <a:lstStyle/>
+                    <a:p>
+                      <a:pPr marL="0" marR="0" lvl="0" indent="0" algn="l" defTabSz="914400" rtl="0" eaLnBrk="1" fontAlgn="auto" latinLnBrk="0" hangingPunct="1">
+                        <a:lnSpc>
+                          <a:spcPct val="100000"/>
+                        </a:lnSpc>
+                        <a:spcBef>
+                          <a:spcPts val="0"/>
+                        </a:spcBef>
+                        <a:spcAft>
+                          <a:spcPts val="0"/>
+                        </a:spcAft>
+                        <a:buClrTx/>
+                        <a:buSzTx/>
+                        <a:buFontTx/>
+                        <a:buNone/>
+                        <a:tabLst/>
+                        <a:defRPr/>
+                      </a:pPr>
+                      <a:r>
+                        <a:rPr lang="pl-PL" sz="1800" dirty="0"/>
+                        <a:t>a mu+ </a:t>
+                      </a:r>
+                      <a:r>
+                        <a:rPr lang="en-US" sz="1800" dirty="0"/>
+                        <a:t>&gt; a </a:t>
+                      </a:r>
+                      <a:r>
+                        <a:rPr lang="pl-PL" sz="1800" dirty="0"/>
+                        <a:t>&gt; ax w+ vm~ / ax mu- h vm z</a:t>
+                      </a:r>
+                      <a:endParaRPr lang="en-US" sz="1800" dirty="0"/>
+                    </a:p>
+                  </a:txBody>
+                  <a:tcPr/>
+                </a:tc>
+                <a:tc>
+                  <a:txBody>
+                    <a:bodyPr/>
+                    <a:lstStyle/>
+                    <a:p>
+                      <a:r>
+                        <a:rPr lang="en-US" dirty="0"/>
+                        <a:t>My check</a:t>
+                      </a:r>
+                    </a:p>
+                  </a:txBody>
+                  <a:tcPr/>
+                </a:tc>
+                <a:tc>
+                  <a:txBody>
+                    <a:bodyPr/>
+                    <a:lstStyle/>
+                    <a:p>
+                      <a:pPr marL="0" marR="0" lvl="0" indent="0" algn="l" defTabSz="914400" rtl="0" eaLnBrk="1" fontAlgn="auto" latinLnBrk="0" hangingPunct="1">
+                        <a:lnSpc>
+                          <a:spcPct val="100000"/>
+                        </a:lnSpc>
+                        <a:spcBef>
+                          <a:spcPts val="0"/>
+                        </a:spcBef>
+                        <a:spcAft>
+                          <a:spcPts val="0"/>
+                        </a:spcAft>
+                        <a:buClrTx/>
+                        <a:buSzTx/>
+                        <a:buFontTx/>
+                        <a:buNone/>
+                        <a:tabLst/>
+                        <a:defRPr/>
+                      </a:pPr>
+                      <a:r>
+                        <a:rPr lang="en-US" dirty="0"/>
+                        <a:t>0.1 TeV</a:t>
+                      </a:r>
+                    </a:p>
+                  </a:txBody>
+                  <a:tcPr/>
+                </a:tc>
+                <a:tc>
+                  <a:txBody>
+                    <a:bodyPr/>
+                    <a:lstStyle/>
+                    <a:p>
+                      <a:r>
+                        <a:rPr lang="en-US" dirty="0"/>
+                        <a:t>0.54 fb</a:t>
+                      </a:r>
+                    </a:p>
+                  </a:txBody>
+                  <a:tcPr/>
+                </a:tc>
+                <a:tc>
+                  <a:txBody>
+                    <a:bodyPr/>
+                    <a:lstStyle/>
+                    <a:p>
+                      <a:endParaRPr lang="en-US" dirty="0"/>
+                    </a:p>
+                  </a:txBody>
+                  <a:tcPr/>
+                </a:tc>
+                <a:tc>
+                  <a:txBody>
+                    <a:bodyPr/>
+                    <a:lstStyle/>
+                    <a:p>
+                      <a:pPr marL="0" marR="0" lvl="0" indent="0" algn="l" defTabSz="914400" rtl="0" eaLnBrk="1" fontAlgn="auto" latinLnBrk="0" hangingPunct="1">
+                        <a:lnSpc>
+                          <a:spcPct val="100000"/>
+                        </a:lnSpc>
+                        <a:spcBef>
+                          <a:spcPts val="0"/>
+                        </a:spcBef>
+                        <a:spcAft>
+                          <a:spcPts val="0"/>
+                        </a:spcAft>
+                        <a:buClrTx/>
+                        <a:buSzTx/>
+                        <a:buFontTx/>
+                        <a:buNone/>
+                        <a:tabLst/>
+                        <a:defRPr/>
+                      </a:pPr>
+                      <a:r>
+                        <a:rPr lang="en-US" dirty="0"/>
+                        <a:t>4 diagrams, s-channel photon , not captured by IWW</a:t>
+                      </a:r>
+                    </a:p>
+                  </a:txBody>
+                  <a:tcPr/>
+                </a:tc>
+                <a:extLst>
+                  <a:ext uri="{0D108BD9-81ED-4DB2-BD59-A6C34878D82A}">
+                    <a16:rowId xmlns:a16="http://schemas.microsoft.com/office/drawing/2014/main" val="517790728"/>
+                  </a:ext>
+                </a:extLst>
+              </a:tr>
+              <a:tr h="370840">
+                <a:tc>
+                  <a:txBody>
+                    <a:bodyPr/>
+                    <a:lstStyle/>
+                    <a:p>
+                      <a:pPr marL="0" marR="0" lvl="0" indent="0" algn="l" defTabSz="914400" rtl="0" eaLnBrk="1" fontAlgn="auto" latinLnBrk="0" hangingPunct="1">
+                        <a:lnSpc>
+                          <a:spcPct val="100000"/>
+                        </a:lnSpc>
+                        <a:spcBef>
+                          <a:spcPts val="0"/>
+                        </a:spcBef>
+                        <a:spcAft>
+                          <a:spcPts val="0"/>
+                        </a:spcAft>
+                        <a:buClrTx/>
+                        <a:buSzTx/>
+                        <a:buFontTx/>
+                        <a:buNone/>
+                        <a:tabLst/>
+                        <a:defRPr/>
+                      </a:pPr>
+                      <a:r>
+                        <a:rPr lang="pl-PL" sz="1800" dirty="0"/>
+                        <a:t>a mu+ &gt; ax w+ vm~ / ax mu- h vm z</a:t>
+                      </a:r>
+                      <a:endParaRPr lang="en-US" sz="1800" dirty="0"/>
+                    </a:p>
+                  </a:txBody>
+                  <a:tcPr/>
+                </a:tc>
+                <a:tc>
+                  <a:txBody>
+                    <a:bodyPr/>
+                    <a:lstStyle/>
+                    <a:p>
+                      <a:r>
+                        <a:rPr lang="en-US" dirty="0"/>
+                        <a:t>My check, IWW</a:t>
+                      </a:r>
+                    </a:p>
+                  </a:txBody>
+                  <a:tcPr/>
+                </a:tc>
+                <a:tc>
+                  <a:txBody>
+                    <a:bodyPr/>
+                    <a:lstStyle/>
+                    <a:p>
+                      <a:pPr marL="0" marR="0" lvl="0" indent="0" algn="l" defTabSz="914400" rtl="0" eaLnBrk="1" fontAlgn="auto" latinLnBrk="0" hangingPunct="1">
+                        <a:lnSpc>
+                          <a:spcPct val="100000"/>
+                        </a:lnSpc>
+                        <a:spcBef>
+                          <a:spcPts val="0"/>
+                        </a:spcBef>
+                        <a:spcAft>
+                          <a:spcPts val="0"/>
+                        </a:spcAft>
+                        <a:buClrTx/>
+                        <a:buSzTx/>
+                        <a:buFontTx/>
+                        <a:buNone/>
+                        <a:tabLst/>
+                        <a:defRPr/>
+                      </a:pPr>
+                      <a:r>
+                        <a:rPr lang="en-US" dirty="0"/>
+                        <a:t>0.1 TeV</a:t>
+                      </a:r>
+                    </a:p>
+                  </a:txBody>
+                  <a:tcPr/>
+                </a:tc>
+                <a:tc>
+                  <a:txBody>
+                    <a:bodyPr/>
+                    <a:lstStyle/>
+                    <a:p>
+                      <a:r>
+                        <a:rPr lang="en-US" dirty="0"/>
+                        <a:t>1.3 fb</a:t>
+                      </a:r>
+                    </a:p>
+                  </a:txBody>
+                  <a:tcPr/>
+                </a:tc>
+                <a:tc>
+                  <a:txBody>
+                    <a:bodyPr/>
+                    <a:lstStyle/>
+                    <a:p>
+                      <a:endParaRPr lang="en-US" dirty="0"/>
+                    </a:p>
+                  </a:txBody>
+                  <a:tcPr/>
+                </a:tc>
+                <a:tc>
+                  <a:txBody>
+                    <a:bodyPr/>
+                    <a:lstStyle/>
+                    <a:p>
+                      <a:pPr marL="0" marR="0" lvl="0" indent="0" algn="l" defTabSz="914400" rtl="0" eaLnBrk="1" fontAlgn="auto" latinLnBrk="0" hangingPunct="1">
+                        <a:lnSpc>
+                          <a:spcPct val="100000"/>
+                        </a:lnSpc>
+                        <a:spcBef>
+                          <a:spcPts val="0"/>
+                        </a:spcBef>
+                        <a:spcAft>
+                          <a:spcPts val="0"/>
+                        </a:spcAft>
+                        <a:buClrTx/>
+                        <a:buSzTx/>
+                        <a:buFontTx/>
+                        <a:buNone/>
+                        <a:tabLst/>
+                        <a:defRPr/>
+                      </a:pPr>
+                      <a:r>
+                        <a:rPr lang="en-US" dirty="0"/>
+                        <a:t>Clearly, the dominant contributions are photon initiated. Now with Photon PDF</a:t>
+                      </a:r>
+                    </a:p>
+                  </a:txBody>
+                  <a:tcPr/>
+                </a:tc>
+                <a:extLst>
+                  <a:ext uri="{0D108BD9-81ED-4DB2-BD59-A6C34878D82A}">
+                    <a16:rowId xmlns:a16="http://schemas.microsoft.com/office/drawing/2014/main" val="114916999"/>
+                  </a:ext>
+                </a:extLst>
+              </a:tr>
+              <a:tr h="370840">
+                <a:tc>
+                  <a:txBody>
+                    <a:bodyPr/>
+                    <a:lstStyle/>
+                    <a:p>
+                      <a:pPr marL="0" marR="0" lvl="0" indent="0" algn="l" defTabSz="914400" rtl="0" eaLnBrk="1" fontAlgn="auto" latinLnBrk="0" hangingPunct="1">
+                        <a:lnSpc>
+                          <a:spcPct val="100000"/>
+                        </a:lnSpc>
+                        <a:spcBef>
+                          <a:spcPts val="0"/>
+                        </a:spcBef>
+                        <a:spcAft>
+                          <a:spcPts val="0"/>
+                        </a:spcAft>
+                        <a:buClrTx/>
+                        <a:buSzTx/>
+                        <a:buFontTx/>
+                        <a:buNone/>
+                        <a:tabLst/>
+                        <a:defRPr/>
+                      </a:pPr>
+                      <a:r>
+                        <a:rPr lang="pl-PL" sz="1800" dirty="0"/>
+                        <a:t>a mu+ &gt; ax w+ vm~</a:t>
+                      </a:r>
+                      <a:endParaRPr lang="en-US" sz="1800" dirty="0"/>
+                    </a:p>
+                  </a:txBody>
+                  <a:tcPr/>
+                </a:tc>
+                <a:tc>
+                  <a:txBody>
+                    <a:bodyPr/>
+                    <a:lstStyle/>
+                    <a:p>
+                      <a:r>
+                        <a:rPr lang="en-US" dirty="0"/>
+                        <a:t>My check, IWW</a:t>
+                      </a:r>
+                    </a:p>
+                  </a:txBody>
+                  <a:tcPr/>
+                </a:tc>
+                <a:tc>
+                  <a:txBody>
+                    <a:bodyPr/>
+                    <a:lstStyle/>
+                    <a:p>
+                      <a:pPr marL="0" marR="0" lvl="0" indent="0" algn="l" defTabSz="914400" rtl="0" eaLnBrk="1" fontAlgn="auto" latinLnBrk="0" hangingPunct="1">
+                        <a:lnSpc>
+                          <a:spcPct val="100000"/>
+                        </a:lnSpc>
+                        <a:spcBef>
+                          <a:spcPts val="0"/>
+                        </a:spcBef>
+                        <a:spcAft>
+                          <a:spcPts val="0"/>
+                        </a:spcAft>
+                        <a:buClrTx/>
+                        <a:buSzTx/>
+                        <a:buFontTx/>
+                        <a:buNone/>
+                        <a:tabLst/>
+                        <a:defRPr/>
+                      </a:pPr>
+                      <a:r>
+                        <a:rPr lang="en-US" dirty="0"/>
+                        <a:t>0.1 TeV</a:t>
+                      </a:r>
+                    </a:p>
+                  </a:txBody>
+                  <a:tcPr/>
+                </a:tc>
+                <a:tc>
+                  <a:txBody>
+                    <a:bodyPr/>
+                    <a:lstStyle/>
+                    <a:p>
+                      <a:r>
+                        <a:rPr lang="en-US" dirty="0"/>
+                        <a:t>2.6 fb</a:t>
+                      </a:r>
+                    </a:p>
+                  </a:txBody>
+                  <a:tcPr/>
+                </a:tc>
+                <a:tc>
+                  <a:txBody>
+                    <a:bodyPr/>
+                    <a:lstStyle/>
+                    <a:p>
+                      <a:endParaRPr lang="en-US" dirty="0"/>
+                    </a:p>
+                  </a:txBody>
+                  <a:tcPr/>
+                </a:tc>
+                <a:tc>
+                  <a:txBody>
+                    <a:bodyPr/>
+                    <a:lstStyle/>
+                    <a:p>
+                      <a:pPr marL="0" marR="0" lvl="0" indent="0" algn="l" defTabSz="914400" rtl="0" eaLnBrk="1" fontAlgn="auto" latinLnBrk="0" hangingPunct="1">
+                        <a:lnSpc>
+                          <a:spcPct val="100000"/>
+                        </a:lnSpc>
+                        <a:spcBef>
+                          <a:spcPts val="0"/>
+                        </a:spcBef>
+                        <a:spcAft>
+                          <a:spcPts val="0"/>
+                        </a:spcAft>
+                        <a:buClrTx/>
+                        <a:buSzTx/>
+                        <a:buFontTx/>
+                        <a:buNone/>
+                        <a:tabLst/>
+                        <a:defRPr/>
+                      </a:pPr>
+                      <a:r>
+                        <a:rPr lang="en-US" dirty="0"/>
+                        <a:t>…</a:t>
+                      </a:r>
+                    </a:p>
+                  </a:txBody>
+                  <a:tcPr/>
+                </a:tc>
+                <a:extLst>
+                  <a:ext uri="{0D108BD9-81ED-4DB2-BD59-A6C34878D82A}">
+                    <a16:rowId xmlns:a16="http://schemas.microsoft.com/office/drawing/2014/main" val="2764293864"/>
+                  </a:ext>
+                </a:extLst>
+              </a:tr>
+              <a:tr h="370840">
+                <a:tc>
+                  <a:txBody>
+                    <a:bodyPr/>
+                    <a:lstStyle/>
+                    <a:p>
+                      <a:pPr marL="0" marR="0" lvl="0" indent="0" algn="l" defTabSz="914400" rtl="0" eaLnBrk="1" fontAlgn="auto" latinLnBrk="0" hangingPunct="1">
+                        <a:lnSpc>
+                          <a:spcPct val="100000"/>
+                        </a:lnSpc>
+                        <a:spcBef>
+                          <a:spcPts val="0"/>
+                        </a:spcBef>
+                        <a:spcAft>
+                          <a:spcPts val="0"/>
+                        </a:spcAft>
+                        <a:buClrTx/>
+                        <a:buSzTx/>
+                        <a:buFontTx/>
+                        <a:buNone/>
+                        <a:tabLst/>
+                        <a:defRPr/>
+                      </a:pPr>
+                      <a:r>
+                        <a:rPr lang="pl-PL" sz="1800" dirty="0"/>
+                        <a:t>a mu+ &gt; ax w+ vm~ / ax mu- h vm z</a:t>
+                      </a:r>
+                      <a:r>
+                        <a:rPr lang="en-US" sz="1800" dirty="0"/>
+                        <a:t> a</a:t>
+                      </a:r>
+                    </a:p>
+                  </a:txBody>
+                  <a:tcPr/>
+                </a:tc>
+                <a:tc>
+                  <a:txBody>
+                    <a:bodyPr/>
+                    <a:lstStyle/>
+                    <a:p>
+                      <a:r>
+                        <a:rPr lang="en-US" dirty="0"/>
+                        <a:t>My check, IWW</a:t>
+                      </a:r>
+                    </a:p>
+                  </a:txBody>
+                  <a:tcPr/>
+                </a:tc>
+                <a:tc>
+                  <a:txBody>
+                    <a:bodyPr/>
+                    <a:lstStyle/>
+                    <a:p>
+                      <a:pPr marL="0" marR="0" lvl="0" indent="0" algn="l" defTabSz="914400" rtl="0" eaLnBrk="1" fontAlgn="auto" latinLnBrk="0" hangingPunct="1">
+                        <a:lnSpc>
+                          <a:spcPct val="100000"/>
+                        </a:lnSpc>
+                        <a:spcBef>
+                          <a:spcPts val="0"/>
+                        </a:spcBef>
+                        <a:spcAft>
+                          <a:spcPts val="0"/>
+                        </a:spcAft>
+                        <a:buClrTx/>
+                        <a:buSzTx/>
+                        <a:buFontTx/>
+                        <a:buNone/>
+                        <a:tabLst/>
+                        <a:defRPr/>
+                      </a:pPr>
+                      <a:r>
+                        <a:rPr lang="en-US" dirty="0"/>
+                        <a:t>0.1 TeV</a:t>
+                      </a:r>
+                    </a:p>
+                  </a:txBody>
+                  <a:tcPr/>
+                </a:tc>
+                <a:tc>
+                  <a:txBody>
+                    <a:bodyPr/>
+                    <a:lstStyle/>
+                    <a:p>
+                      <a:r>
+                        <a:rPr lang="en-US" dirty="0"/>
+                        <a:t>0.64 fb</a:t>
+                      </a:r>
+                    </a:p>
+                  </a:txBody>
+                  <a:tcPr/>
+                </a:tc>
+                <a:tc>
+                  <a:txBody>
+                    <a:bodyPr/>
+                    <a:lstStyle/>
+                    <a:p>
+                      <a:endParaRPr lang="en-US" dirty="0"/>
+                    </a:p>
+                  </a:txBody>
+                  <a:tcPr/>
+                </a:tc>
+                <a:tc>
+                  <a:txBody>
+                    <a:bodyPr/>
+                    <a:lstStyle/>
+                    <a:p>
+                      <a:pPr marL="0" marR="0" lvl="0" indent="0" algn="l" defTabSz="914400" rtl="0" eaLnBrk="1" fontAlgn="auto" latinLnBrk="0" hangingPunct="1">
+                        <a:lnSpc>
+                          <a:spcPct val="100000"/>
+                        </a:lnSpc>
+                        <a:spcBef>
+                          <a:spcPts val="0"/>
+                        </a:spcBef>
+                        <a:spcAft>
+                          <a:spcPts val="0"/>
+                        </a:spcAft>
+                        <a:buClrTx/>
+                        <a:buSzTx/>
+                        <a:buFontTx/>
+                        <a:buNone/>
+                        <a:tabLst/>
+                        <a:defRPr/>
+                      </a:pPr>
+                      <a:r>
+                        <a:rPr lang="en-US" dirty="0"/>
+                        <a:t>Removed one more photon diagram just to check who dominants. All the remaining are </a:t>
+                      </a:r>
+                      <a:r>
+                        <a:rPr lang="en-US" dirty="0" err="1"/>
+                        <a:t>aWW</a:t>
+                      </a:r>
+                      <a:r>
+                        <a:rPr lang="en-US" dirty="0"/>
+                        <a:t> coupling.</a:t>
+                      </a:r>
+                    </a:p>
+                  </a:txBody>
+                  <a:tcPr/>
+                </a:tc>
+                <a:extLst>
+                  <a:ext uri="{0D108BD9-81ED-4DB2-BD59-A6C34878D82A}">
+                    <a16:rowId xmlns:a16="http://schemas.microsoft.com/office/drawing/2014/main" val="2309427134"/>
+                  </a:ext>
+                </a:extLst>
+              </a:tr>
+              <a:tr h="370840">
+                <a:tc>
+                  <a:txBody>
+                    <a:bodyPr/>
+                    <a:lstStyle/>
+                    <a:p>
+                      <a:pPr marL="0" marR="0" lvl="0" indent="0" algn="l" defTabSz="914400" rtl="0" eaLnBrk="1" fontAlgn="auto" latinLnBrk="0" hangingPunct="1">
+                        <a:lnSpc>
+                          <a:spcPct val="100000"/>
+                        </a:lnSpc>
+                        <a:spcBef>
+                          <a:spcPts val="0"/>
+                        </a:spcBef>
+                        <a:spcAft>
+                          <a:spcPts val="0"/>
+                        </a:spcAft>
+                        <a:buClrTx/>
+                        <a:buSzTx/>
+                        <a:buFontTx/>
+                        <a:buNone/>
+                        <a:tabLst/>
+                        <a:defRPr/>
+                      </a:pPr>
+                      <a:r>
+                        <a:rPr lang="pl-PL" sz="1800" dirty="0"/>
+                        <a:t>a mu+ &gt; ax w+ vm~</a:t>
+                      </a:r>
+                      <a:endParaRPr lang="en-US" sz="1800" dirty="0"/>
+                    </a:p>
+                  </a:txBody>
+                  <a:tcPr/>
+                </a:tc>
+                <a:tc>
+                  <a:txBody>
+                    <a:bodyPr/>
+                    <a:lstStyle/>
+                    <a:p>
+                      <a:r>
+                        <a:rPr lang="en-US" dirty="0"/>
+                        <a:t>My check, IWW</a:t>
+                      </a:r>
+                    </a:p>
+                  </a:txBody>
+                  <a:tcPr/>
+                </a:tc>
+                <a:tc>
+                  <a:txBody>
+                    <a:bodyPr/>
+                    <a:lstStyle/>
+                    <a:p>
+                      <a:pPr marL="0" marR="0" lvl="0" indent="0" algn="l" defTabSz="914400" rtl="0" eaLnBrk="1" fontAlgn="auto" latinLnBrk="0" hangingPunct="1">
+                        <a:lnSpc>
+                          <a:spcPct val="100000"/>
+                        </a:lnSpc>
+                        <a:spcBef>
+                          <a:spcPts val="0"/>
+                        </a:spcBef>
+                        <a:spcAft>
+                          <a:spcPts val="0"/>
+                        </a:spcAft>
+                        <a:buClrTx/>
+                        <a:buSzTx/>
+                        <a:buFontTx/>
+                        <a:buNone/>
+                        <a:tabLst/>
+                        <a:defRPr/>
+                      </a:pPr>
+                      <a:r>
+                        <a:rPr lang="en-US" dirty="0"/>
+                        <a:t>0.1 TeV</a:t>
+                      </a:r>
+                    </a:p>
+                  </a:txBody>
+                  <a:tcPr/>
+                </a:tc>
+                <a:tc>
+                  <a:txBody>
+                    <a:bodyPr/>
+                    <a:lstStyle/>
+                    <a:p>
+                      <a:r>
+                        <a:rPr lang="en-US" dirty="0"/>
+                        <a:t>10^-9 pb</a:t>
+                      </a:r>
+                    </a:p>
+                  </a:txBody>
+                  <a:tcPr/>
+                </a:tc>
+                <a:tc>
+                  <a:txBody>
+                    <a:bodyPr/>
+                    <a:lstStyle/>
+                    <a:p>
+                      <a:endParaRPr lang="en-US" dirty="0"/>
+                    </a:p>
+                  </a:txBody>
+                  <a:tcPr/>
+                </a:tc>
+                <a:tc>
+                  <a:txBody>
+                    <a:bodyPr/>
+                    <a:lstStyle/>
+                    <a:p>
+                      <a:pPr marL="0" marR="0" lvl="0" indent="0" algn="l" defTabSz="914400" rtl="0" eaLnBrk="1" fontAlgn="auto" latinLnBrk="0" hangingPunct="1">
+                        <a:lnSpc>
+                          <a:spcPct val="100000"/>
+                        </a:lnSpc>
+                        <a:spcBef>
+                          <a:spcPts val="0"/>
+                        </a:spcBef>
+                        <a:spcAft>
+                          <a:spcPts val="0"/>
+                        </a:spcAft>
+                        <a:buClrTx/>
+                        <a:buSzTx/>
+                        <a:buFontTx/>
+                        <a:buNone/>
+                        <a:tabLst/>
+                        <a:defRPr/>
+                      </a:pPr>
+                      <a:r>
+                        <a:rPr lang="en-US" dirty="0"/>
+                        <a:t>Turning off </a:t>
+                      </a:r>
+                      <a:r>
+                        <a:rPr lang="en-US" dirty="0" err="1"/>
+                        <a:t>aWW</a:t>
+                      </a:r>
+                      <a:endParaRPr lang="en-US" dirty="0"/>
+                    </a:p>
+                  </a:txBody>
+                  <a:tcPr/>
+                </a:tc>
+                <a:extLst>
+                  <a:ext uri="{0D108BD9-81ED-4DB2-BD59-A6C34878D82A}">
+                    <a16:rowId xmlns:a16="http://schemas.microsoft.com/office/drawing/2014/main" val="3876716260"/>
+                  </a:ext>
+                </a:extLst>
+              </a:tr>
+            </a:tbl>
+          </a:graphicData>
+        </a:graphic>
+      </p:graphicFrame>
+      <p:pic>
+        <p:nvPicPr>
+          <p:cNvPr id="5" name="Picture 4">
+            <a:extLst>
+              <a:ext uri="{FF2B5EF4-FFF2-40B4-BE49-F238E27FC236}">
+                <a16:creationId xmlns:a16="http://schemas.microsoft.com/office/drawing/2014/main" id="{F2403615-181E-DAAA-B864-5FE06B1581B4}"/>
+              </a:ext>
+            </a:extLst>
+          </p:cNvPr>
+          <p:cNvPicPr>
+            <a:picLocks noChangeAspect="1"/>
+          </p:cNvPicPr>
+          <p:nvPr/>
+        </p:nvPicPr>
+        <p:blipFill>
+          <a:blip r:embed="rId2"/>
+          <a:stretch>
+            <a:fillRect/>
+          </a:stretch>
+        </p:blipFill>
+        <p:spPr>
+          <a:xfrm>
+            <a:off x="225669" y="8669"/>
+            <a:ext cx="3129927" cy="1237413"/>
+          </a:xfrm>
+          <a:prstGeom prst="rect">
+            <a:avLst/>
+          </a:prstGeom>
+        </p:spPr>
+      </p:pic>
+      <p:pic>
+        <p:nvPicPr>
+          <p:cNvPr id="7" name="Picture 6">
+            <a:extLst>
+              <a:ext uri="{FF2B5EF4-FFF2-40B4-BE49-F238E27FC236}">
+                <a16:creationId xmlns:a16="http://schemas.microsoft.com/office/drawing/2014/main" id="{07F30079-8CB3-319F-0EA8-3133630F9CF0}"/>
+              </a:ext>
+            </a:extLst>
+          </p:cNvPr>
+          <p:cNvPicPr>
+            <a:picLocks noChangeAspect="1"/>
+          </p:cNvPicPr>
+          <p:nvPr/>
+        </p:nvPicPr>
+        <p:blipFill>
+          <a:blip r:embed="rId3"/>
+          <a:stretch>
+            <a:fillRect/>
+          </a:stretch>
+        </p:blipFill>
+        <p:spPr>
+          <a:xfrm>
+            <a:off x="3471409" y="5910"/>
+            <a:ext cx="3157770" cy="1237413"/>
+          </a:xfrm>
+          <a:prstGeom prst="rect">
+            <a:avLst/>
+          </a:prstGeom>
+        </p:spPr>
+      </p:pic>
+      <p:pic>
+        <p:nvPicPr>
+          <p:cNvPr id="9" name="Picture 8">
+            <a:extLst>
+              <a:ext uri="{FF2B5EF4-FFF2-40B4-BE49-F238E27FC236}">
+                <a16:creationId xmlns:a16="http://schemas.microsoft.com/office/drawing/2014/main" id="{59202456-A429-7734-17F4-9E66F2DF0396}"/>
+              </a:ext>
+            </a:extLst>
+          </p:cNvPr>
+          <p:cNvPicPr>
+            <a:picLocks noChangeAspect="1"/>
+          </p:cNvPicPr>
+          <p:nvPr/>
+        </p:nvPicPr>
+        <p:blipFill>
+          <a:blip r:embed="rId4"/>
+          <a:stretch>
+            <a:fillRect/>
+          </a:stretch>
+        </p:blipFill>
+        <p:spPr>
+          <a:xfrm>
+            <a:off x="6744993" y="0"/>
+            <a:ext cx="1656016" cy="1234201"/>
+          </a:xfrm>
+          <a:prstGeom prst="rect">
+            <a:avLst/>
+          </a:prstGeom>
+        </p:spPr>
+      </p:pic>
+    </p:spTree>
+    <p:extLst>
+      <p:ext uri="{BB962C8B-B14F-4D97-AF65-F5344CB8AC3E}">
+        <p14:creationId xmlns:p14="http://schemas.microsoft.com/office/powerpoint/2010/main" val="2229116290"/>
       </p:ext>
     </p:extLst>
   </p:cSld>

--- a/Slides/ZL_note_productions.pptx
+++ b/Slides/ZL_note_productions.pptx
@@ -17,13 +17,14 @@
     <p:sldId id="273" r:id="rId11"/>
     <p:sldId id="276" r:id="rId12"/>
     <p:sldId id="279" r:id="rId13"/>
-    <p:sldId id="270" r:id="rId14"/>
-    <p:sldId id="260" r:id="rId15"/>
-    <p:sldId id="263" r:id="rId16"/>
-    <p:sldId id="262" r:id="rId17"/>
-    <p:sldId id="267" r:id="rId18"/>
-    <p:sldId id="269" r:id="rId19"/>
-    <p:sldId id="277" r:id="rId20"/>
+    <p:sldId id="280" r:id="rId14"/>
+    <p:sldId id="270" r:id="rId15"/>
+    <p:sldId id="260" r:id="rId16"/>
+    <p:sldId id="263" r:id="rId17"/>
+    <p:sldId id="262" r:id="rId18"/>
+    <p:sldId id="267" r:id="rId19"/>
+    <p:sldId id="269" r:id="rId20"/>
+    <p:sldId id="277" r:id="rId21"/>
   </p:sldIdLst>
   <p:sldSz cx="12192000" cy="6858000"/>
   <p:notesSz cx="6858000" cy="9144000"/>
@@ -288,7 +289,7 @@
           <a:p>
             <a:fld id="{E1271C03-445A-46FD-949E-262CC4E18408}" type="datetimeFigureOut">
               <a:rPr lang="en-US" smtClean="0"/>
-              <a:t>10/12/2024</a:t>
+              <a:t>10/17/2024</a:t>
             </a:fld>
             <a:endParaRPr lang="en-US"/>
           </a:p>
@@ -486,7 +487,7 @@
           <a:p>
             <a:fld id="{E1271C03-445A-46FD-949E-262CC4E18408}" type="datetimeFigureOut">
               <a:rPr lang="en-US" smtClean="0"/>
-              <a:t>10/12/2024</a:t>
+              <a:t>10/17/2024</a:t>
             </a:fld>
             <a:endParaRPr lang="en-US"/>
           </a:p>
@@ -694,7 +695,7 @@
           <a:p>
             <a:fld id="{E1271C03-445A-46FD-949E-262CC4E18408}" type="datetimeFigureOut">
               <a:rPr lang="en-US" smtClean="0"/>
-              <a:t>10/12/2024</a:t>
+              <a:t>10/17/2024</a:t>
             </a:fld>
             <a:endParaRPr lang="en-US"/>
           </a:p>
@@ -892,7 +893,7 @@
           <a:p>
             <a:fld id="{E1271C03-445A-46FD-949E-262CC4E18408}" type="datetimeFigureOut">
               <a:rPr lang="en-US" smtClean="0"/>
-              <a:t>10/12/2024</a:t>
+              <a:t>10/17/2024</a:t>
             </a:fld>
             <a:endParaRPr lang="en-US"/>
           </a:p>
@@ -1167,7 +1168,7 @@
           <a:p>
             <a:fld id="{E1271C03-445A-46FD-949E-262CC4E18408}" type="datetimeFigureOut">
               <a:rPr lang="en-US" smtClean="0"/>
-              <a:t>10/12/2024</a:t>
+              <a:t>10/17/2024</a:t>
             </a:fld>
             <a:endParaRPr lang="en-US"/>
           </a:p>
@@ -1432,7 +1433,7 @@
           <a:p>
             <a:fld id="{E1271C03-445A-46FD-949E-262CC4E18408}" type="datetimeFigureOut">
               <a:rPr lang="en-US" smtClean="0"/>
-              <a:t>10/12/2024</a:t>
+              <a:t>10/17/2024</a:t>
             </a:fld>
             <a:endParaRPr lang="en-US"/>
           </a:p>
@@ -1844,7 +1845,7 @@
           <a:p>
             <a:fld id="{E1271C03-445A-46FD-949E-262CC4E18408}" type="datetimeFigureOut">
               <a:rPr lang="en-US" smtClean="0"/>
-              <a:t>10/12/2024</a:t>
+              <a:t>10/17/2024</a:t>
             </a:fld>
             <a:endParaRPr lang="en-US"/>
           </a:p>
@@ -1985,7 +1986,7 @@
           <a:p>
             <a:fld id="{E1271C03-445A-46FD-949E-262CC4E18408}" type="datetimeFigureOut">
               <a:rPr lang="en-US" smtClean="0"/>
-              <a:t>10/12/2024</a:t>
+              <a:t>10/17/2024</a:t>
             </a:fld>
             <a:endParaRPr lang="en-US"/>
           </a:p>
@@ -2098,7 +2099,7 @@
           <a:p>
             <a:fld id="{E1271C03-445A-46FD-949E-262CC4E18408}" type="datetimeFigureOut">
               <a:rPr lang="en-US" smtClean="0"/>
-              <a:t>10/12/2024</a:t>
+              <a:t>10/17/2024</a:t>
             </a:fld>
             <a:endParaRPr lang="en-US"/>
           </a:p>
@@ -2409,7 +2410,7 @@
           <a:p>
             <a:fld id="{E1271C03-445A-46FD-949E-262CC4E18408}" type="datetimeFigureOut">
               <a:rPr lang="en-US" smtClean="0"/>
-              <a:t>10/12/2024</a:t>
+              <a:t>10/17/2024</a:t>
             </a:fld>
             <a:endParaRPr lang="en-US"/>
           </a:p>
@@ -2697,7 +2698,7 @@
           <a:p>
             <a:fld id="{E1271C03-445A-46FD-949E-262CC4E18408}" type="datetimeFigureOut">
               <a:rPr lang="en-US" smtClean="0"/>
-              <a:t>10/12/2024</a:t>
+              <a:t>10/17/2024</a:t>
             </a:fld>
             <a:endParaRPr lang="en-US"/>
           </a:p>
@@ -2938,7 +2939,7 @@
           <a:p>
             <a:fld id="{E1271C03-445A-46FD-949E-262CC4E18408}" type="datetimeFigureOut">
               <a:rPr lang="en-US" smtClean="0"/>
-              <a:t>10/12/2024</a:t>
+              <a:t>10/17/2024</a:t>
             </a:fld>
             <a:endParaRPr lang="en-US"/>
           </a:p>
@@ -4829,14 +4830,14 @@
             <p:ph idx="1"/>
             <p:extLst>
               <p:ext uri="{D42A27DB-BD31-4B8C-83A1-F6EECF244321}">
-                <p14:modId xmlns:p14="http://schemas.microsoft.com/office/powerpoint/2010/main" val="462339724"/>
+                <p14:modId xmlns:p14="http://schemas.microsoft.com/office/powerpoint/2010/main" val="3166521350"/>
               </p:ext>
             </p:extLst>
           </p:nvPr>
         </p:nvGraphicFramePr>
         <p:xfrm>
           <a:off x="225669" y="1234201"/>
-          <a:ext cx="11614828" cy="4587240"/>
+          <a:ext cx="11614828" cy="4216400"/>
         </p:xfrm>
         <a:graphic>
           <a:graphicData uri="http://schemas.openxmlformats.org/drawingml/2006/table">
@@ -5810,16 +5811,12 @@
                         <a:defRPr/>
                       </a:pPr>
                       <a:r>
+                        <a:rPr lang="pl-PL" sz="1800" dirty="0"/>
+                        <a:t>mu+ mu- &gt; vm~ vm ax</a:t>
+                      </a:r>
+                      <a:r>
                         <a:rPr lang="en-US" sz="1800" dirty="0"/>
-                        <a:t> a </a:t>
-                      </a:r>
-                      <a:r>
-                        <a:rPr lang="en-US" sz="1800" dirty="0" err="1"/>
-                        <a:t>a</a:t>
-                      </a:r>
-                      <a:r>
-                        <a:rPr lang="en-US" sz="1800" dirty="0"/>
-                        <a:t> &gt; ax </a:t>
+                        <a:t> a</a:t>
                       </a:r>
                     </a:p>
                   </a:txBody>
@@ -5849,7 +5846,7 @@
                       </a:pPr>
                       <a:r>
                         <a:rPr lang="en-US" dirty="0"/>
-                        <a:t>IWW</a:t>
+                        <a:t>+ with ISR/FSR</a:t>
                       </a:r>
                     </a:p>
                   </a:txBody>
@@ -5879,20 +5876,20 @@
                       </a:pPr>
                       <a:r>
                         <a:rPr lang="en-US" dirty="0"/>
-                        <a:t>0.1 TeV</a:t>
-                      </a:r>
-                    </a:p>
-                  </a:txBody>
-                  <a:tcPr/>
-                </a:tc>
-                <a:tc>
-                  <a:txBody>
-                    <a:bodyPr/>
-                    <a:lstStyle/>
-                    <a:p>
-                      <a:r>
-                        <a:rPr lang="en-US" dirty="0"/>
-                        <a:t>18 ab</a:t>
+                        <a:t>1 TeV</a:t>
+                      </a:r>
+                    </a:p>
+                  </a:txBody>
+                  <a:tcPr/>
+                </a:tc>
+                <a:tc>
+                  <a:txBody>
+                    <a:bodyPr/>
+                    <a:lstStyle/>
+                    <a:p>
+                      <a:r>
+                        <a:rPr lang="en-US" dirty="0"/>
+                        <a:t>146 ab</a:t>
                       </a:r>
                     </a:p>
                   </a:txBody>
@@ -5930,169 +5927,25 @@
                         <a:tabLst/>
                         <a:defRPr/>
                       </a:pPr>
-                      <a:endParaRPr lang="en-US" dirty="0"/>
+                      <a:r>
+                        <a:rPr lang="en-US" dirty="0"/>
+                        <a:t>With </a:t>
+                      </a:r>
+                      <a:r>
+                        <a:rPr lang="en-US" dirty="0" err="1"/>
+                        <a:t>pta</a:t>
+                      </a:r>
+                      <a:r>
+                        <a:rPr lang="en-US" dirty="0"/>
+                        <a:t>&gt;0.5 GeV</a:t>
+                      </a:r>
                     </a:p>
                   </a:txBody>
                   <a:tcPr/>
                 </a:tc>
                 <a:extLst>
                   <a:ext uri="{0D108BD9-81ED-4DB2-BD59-A6C34878D82A}">
-                    <a16:rowId xmlns:a16="http://schemas.microsoft.com/office/drawing/2014/main" val="3801723920"/>
-                  </a:ext>
-                </a:extLst>
-              </a:tr>
-              <a:tr h="370840">
-                <a:tc>
-                  <a:txBody>
-                    <a:bodyPr/>
-                    <a:lstStyle/>
-                    <a:p>
-                      <a:pPr marL="0" marR="0" lvl="0" indent="0" algn="l" defTabSz="914400" rtl="0" eaLnBrk="1" fontAlgn="auto" latinLnBrk="0" hangingPunct="1">
-                        <a:lnSpc>
-                          <a:spcPct val="100000"/>
-                        </a:lnSpc>
-                        <a:spcBef>
-                          <a:spcPts val="0"/>
-                        </a:spcBef>
-                        <a:spcAft>
-                          <a:spcPts val="0"/>
-                        </a:spcAft>
-                        <a:buClrTx/>
-                        <a:buSzTx/>
-                        <a:buFontTx/>
-                        <a:buNone/>
-                        <a:tabLst/>
-                        <a:defRPr/>
-                      </a:pPr>
-                      <a:r>
-                        <a:rPr lang="en-US" sz="1800" dirty="0"/>
-                        <a:t> a </a:t>
-                      </a:r>
-                      <a:r>
-                        <a:rPr lang="en-US" sz="1800" dirty="0" err="1"/>
-                        <a:t>a</a:t>
-                      </a:r>
-                      <a:r>
-                        <a:rPr lang="en-US" sz="1800" dirty="0"/>
-                        <a:t> &gt; ax w+ w-</a:t>
-                      </a:r>
-                    </a:p>
-                  </a:txBody>
-                  <a:tcPr/>
-                </a:tc>
-                <a:tc>
-                  <a:txBody>
-                    <a:bodyPr/>
-                    <a:lstStyle/>
-                    <a:p>
-                      <a:pPr marL="0" marR="0" lvl="0" indent="0" algn="l" defTabSz="914400" rtl="0" eaLnBrk="1" fontAlgn="auto" latinLnBrk="0" hangingPunct="1">
-                        <a:lnSpc>
-                          <a:spcPct val="100000"/>
-                        </a:lnSpc>
-                        <a:spcBef>
-                          <a:spcPts val="0"/>
-                        </a:spcBef>
-                        <a:spcAft>
-                          <a:spcPts val="0"/>
-                        </a:spcAft>
-                        <a:buClrTx/>
-                        <a:buSzTx/>
-                        <a:buFontTx/>
-                        <a:buNone/>
-                        <a:tabLst/>
-                        <a:defRPr/>
-                      </a:pPr>
-                      <a:r>
-                        <a:rPr lang="en-US" dirty="0"/>
-                        <a:t>IWW</a:t>
-                      </a:r>
-                    </a:p>
-                  </a:txBody>
-                  <a:tcPr/>
-                </a:tc>
-                <a:tc>
-                  <a:txBody>
-                    <a:bodyPr/>
-                    <a:lstStyle/>
-                    <a:p>
-                      <a:pPr marL="0" marR="0" lvl="0" indent="0" algn="l" defTabSz="914400" rtl="0" eaLnBrk="1" fontAlgn="auto" latinLnBrk="0" hangingPunct="1">
-                        <a:lnSpc>
-                          <a:spcPct val="100000"/>
-                        </a:lnSpc>
-                        <a:spcBef>
-                          <a:spcPts val="0"/>
-                        </a:spcBef>
-                        <a:spcAft>
-                          <a:spcPts val="0"/>
-                        </a:spcAft>
-                        <a:buClrTx/>
-                        <a:buSzTx/>
-                        <a:buFontTx/>
-                        <a:buNone/>
-                        <a:tabLst/>
-                        <a:defRPr/>
-                      </a:pPr>
-                      <a:r>
-                        <a:rPr lang="en-US" dirty="0"/>
-                        <a:t>0.1 TeV</a:t>
-                      </a:r>
-                    </a:p>
-                  </a:txBody>
-                  <a:tcPr/>
-                </a:tc>
-                <a:tc>
-                  <a:txBody>
-                    <a:bodyPr/>
-                    <a:lstStyle/>
-                    <a:p>
-                      <a:r>
-                        <a:rPr lang="en-US" dirty="0"/>
-                        <a:t>194 ab</a:t>
-                      </a:r>
-                    </a:p>
-                  </a:txBody>
-                  <a:tcPr/>
-                </a:tc>
-                <a:tc>
-                  <a:txBody>
-                    <a:bodyPr/>
-                    <a:lstStyle/>
-                    <a:p>
-                      <a:endParaRPr lang="en-US" dirty="0"/>
-                    </a:p>
-                  </a:txBody>
-                  <a:tcPr/>
-                </a:tc>
-                <a:tc>
-                  <a:txBody>
-                    <a:bodyPr/>
-                    <a:lstStyle/>
-                    <a:p>
-                      <a:pPr marL="0" marR="0" lvl="0" indent="0" algn="l" defTabSz="914400" rtl="0" eaLnBrk="1" fontAlgn="auto" latinLnBrk="0" hangingPunct="1">
-                        <a:lnSpc>
-                          <a:spcPct val="100000"/>
-                        </a:lnSpc>
-                        <a:spcBef>
-                          <a:spcPts val="0"/>
-                        </a:spcBef>
-                        <a:spcAft>
-                          <a:spcPts val="0"/>
-                        </a:spcAft>
-                        <a:buClrTx/>
-                        <a:buSzTx/>
-                        <a:buFontTx/>
-                        <a:buNone/>
-                        <a:tabLst/>
-                        <a:defRPr/>
-                      </a:pPr>
-                      <a:endParaRPr lang="en-US" dirty="0"/>
-                    </a:p>
-                  </a:txBody>
-                  <a:tcPr/>
-                </a:tc>
-                <a:extLst>
-                  <a:ext uri="{0D108BD9-81ED-4DB2-BD59-A6C34878D82A}">
-                    <a16:rowId xmlns:a16="http://schemas.microsoft.com/office/drawing/2014/main" val="1459265937"/>
+                    <a16:rowId xmlns:a16="http://schemas.microsoft.com/office/drawing/2014/main" val="1610675751"/>
                   </a:ext>
                 </a:extLst>
               </a:tr>
@@ -6204,7 +6057,7 @@
         </p:nvSpPr>
         <p:spPr>
           <a:xfrm>
-            <a:off x="345332" y="6036013"/>
+            <a:off x="196307" y="6192281"/>
             <a:ext cx="8346332" cy="646331"/>
           </a:xfrm>
           <a:prstGeom prst="rect">
@@ -6243,6 +6096,817 @@
 </file>
 
 <file path=ppt/slides/slide13.xml><?xml version="1.0" encoding="utf-8"?>
+<p:sld xmlns:a="http://schemas.openxmlformats.org/drawingml/2006/main" xmlns:r="http://schemas.openxmlformats.org/officeDocument/2006/relationships" xmlns:p="http://schemas.openxmlformats.org/presentationml/2006/main">
+  <p:cSld>
+    <p:spTree>
+      <p:nvGrpSpPr>
+        <p:cNvPr id="1" name="">
+          <a:extLst>
+            <a:ext uri="{FF2B5EF4-FFF2-40B4-BE49-F238E27FC236}">
+              <a16:creationId xmlns:a16="http://schemas.microsoft.com/office/drawing/2014/main" id="{61AA3D7D-00DB-CC8F-EB09-33A6AD860252}"/>
+            </a:ext>
+          </a:extLst>
+        </p:cNvPr>
+        <p:cNvGrpSpPr/>
+        <p:nvPr/>
+      </p:nvGrpSpPr>
+      <p:grpSpPr>
+        <a:xfrm>
+          <a:off x="0" y="0"/>
+          <a:ext cx="0" cy="0"/>
+          <a:chOff x="0" y="0"/>
+          <a:chExt cx="0" cy="0"/>
+        </a:xfrm>
+      </p:grpSpPr>
+      <p:graphicFrame>
+        <p:nvGraphicFramePr>
+          <p:cNvPr id="4" name="Content Placeholder 3">
+            <a:extLst>
+              <a:ext uri="{FF2B5EF4-FFF2-40B4-BE49-F238E27FC236}">
+                <a16:creationId xmlns:a16="http://schemas.microsoft.com/office/drawing/2014/main" id="{87266ED5-FE77-1376-14BE-56A2B05BE2C1}"/>
+              </a:ext>
+            </a:extLst>
+          </p:cNvPr>
+          <p:cNvGraphicFramePr>
+            <a:graphicFrameLocks noGrp="1"/>
+          </p:cNvGraphicFramePr>
+          <p:nvPr>
+            <p:ph idx="1"/>
+            <p:extLst>
+              <p:ext uri="{D42A27DB-BD31-4B8C-83A1-F6EECF244321}">
+                <p14:modId xmlns:p14="http://schemas.microsoft.com/office/powerpoint/2010/main" val="2173737155"/>
+              </p:ext>
+            </p:extLst>
+          </p:nvPr>
+        </p:nvGraphicFramePr>
+        <p:xfrm>
+          <a:off x="225669" y="1234201"/>
+          <a:ext cx="11614828" cy="1752600"/>
+        </p:xfrm>
+        <a:graphic>
+          <a:graphicData uri="http://schemas.openxmlformats.org/drawingml/2006/table">
+            <a:tbl>
+              <a:tblPr firstRow="1" bandRow="1">
+                <a:tableStyleId>{5C22544A-7EE6-4342-B048-85BDC9FD1C3A}</a:tableStyleId>
+              </a:tblPr>
+              <a:tblGrid>
+                <a:gridCol w="2563670">
+                  <a:extLst>
+                    <a:ext uri="{9D8B030D-6E8A-4147-A177-3AD203B41FA5}">
+                      <a16:colId xmlns:a16="http://schemas.microsoft.com/office/drawing/2014/main" val="776659425"/>
+                    </a:ext>
+                  </a:extLst>
+                </a:gridCol>
+                <a:gridCol w="1803633">
+                  <a:extLst>
+                    <a:ext uri="{9D8B030D-6E8A-4147-A177-3AD203B41FA5}">
+                      <a16:colId xmlns:a16="http://schemas.microsoft.com/office/drawing/2014/main" val="3531366387"/>
+                    </a:ext>
+                  </a:extLst>
+                </a:gridCol>
+                <a:gridCol w="1440110">
+                  <a:extLst>
+                    <a:ext uri="{9D8B030D-6E8A-4147-A177-3AD203B41FA5}">
+                      <a16:colId xmlns:a16="http://schemas.microsoft.com/office/drawing/2014/main" val="3710483499"/>
+                    </a:ext>
+                  </a:extLst>
+                </a:gridCol>
+                <a:gridCol w="1935805">
+                  <a:extLst>
+                    <a:ext uri="{9D8B030D-6E8A-4147-A177-3AD203B41FA5}">
+                      <a16:colId xmlns:a16="http://schemas.microsoft.com/office/drawing/2014/main" val="549988924"/>
+                    </a:ext>
+                  </a:extLst>
+                </a:gridCol>
+                <a:gridCol w="373965">
+                  <a:extLst>
+                    <a:ext uri="{9D8B030D-6E8A-4147-A177-3AD203B41FA5}">
+                      <a16:colId xmlns:a16="http://schemas.microsoft.com/office/drawing/2014/main" val="2838559681"/>
+                    </a:ext>
+                  </a:extLst>
+                </a:gridCol>
+                <a:gridCol w="3497645">
+                  <a:extLst>
+                    <a:ext uri="{9D8B030D-6E8A-4147-A177-3AD203B41FA5}">
+                      <a16:colId xmlns:a16="http://schemas.microsoft.com/office/drawing/2014/main" val="4070823668"/>
+                    </a:ext>
+                  </a:extLst>
+                </a:gridCol>
+              </a:tblGrid>
+              <a:tr h="370840">
+                <a:tc>
+                  <a:txBody>
+                    <a:bodyPr/>
+                    <a:lstStyle/>
+                    <a:p>
+                      <a:r>
+                        <a:rPr lang="en-US" dirty="0"/>
+                        <a:t>Process</a:t>
+                      </a:r>
+                    </a:p>
+                  </a:txBody>
+                  <a:tcPr/>
+                </a:tc>
+                <a:tc>
+                  <a:txBody>
+                    <a:bodyPr/>
+                    <a:lstStyle/>
+                    <a:p>
+                      <a:r>
+                        <a:rPr lang="en-US" dirty="0"/>
+                        <a:t>Note</a:t>
+                      </a:r>
+                    </a:p>
+                  </a:txBody>
+                  <a:tcPr/>
+                </a:tc>
+                <a:tc>
+                  <a:txBody>
+                    <a:bodyPr/>
+                    <a:lstStyle/>
+                    <a:p>
+                      <a:r>
+                        <a:rPr lang="en-US" dirty="0"/>
+                        <a:t>Parameters</a:t>
+                      </a:r>
+                    </a:p>
+                  </a:txBody>
+                  <a:tcPr/>
+                </a:tc>
+                <a:tc>
+                  <a:txBody>
+                    <a:bodyPr/>
+                    <a:lstStyle/>
+                    <a:p>
+                      <a:r>
+                        <a:rPr lang="en-US" dirty="0"/>
+                        <a:t>Result</a:t>
+                      </a:r>
+                    </a:p>
+                  </a:txBody>
+                  <a:tcPr/>
+                </a:tc>
+                <a:tc>
+                  <a:txBody>
+                    <a:bodyPr/>
+                    <a:lstStyle/>
+                    <a:p>
+                      <a:endParaRPr lang="en-US" dirty="0"/>
+                    </a:p>
+                  </a:txBody>
+                  <a:tcPr/>
+                </a:tc>
+                <a:tc>
+                  <a:txBody>
+                    <a:bodyPr/>
+                    <a:lstStyle/>
+                    <a:p>
+                      <a:pPr marL="0" marR="0" lvl="0" indent="0" algn="l" defTabSz="914400" rtl="0" eaLnBrk="1" fontAlgn="auto" latinLnBrk="0" hangingPunct="1">
+                        <a:lnSpc>
+                          <a:spcPct val="100000"/>
+                        </a:lnSpc>
+                        <a:spcBef>
+                          <a:spcPts val="0"/>
+                        </a:spcBef>
+                        <a:spcAft>
+                          <a:spcPts val="0"/>
+                        </a:spcAft>
+                        <a:buClrTx/>
+                        <a:buSzTx/>
+                        <a:buFontTx/>
+                        <a:buNone/>
+                        <a:tabLst/>
+                        <a:defRPr/>
+                      </a:pPr>
+                      <a:r>
+                        <a:rPr lang="en-US" dirty="0"/>
+                        <a:t>Comment</a:t>
+                      </a:r>
+                    </a:p>
+                    <a:p>
+                      <a:endParaRPr lang="en-US" dirty="0"/>
+                    </a:p>
+                  </a:txBody>
+                  <a:tcPr/>
+                </a:tc>
+                <a:extLst>
+                  <a:ext uri="{0D108BD9-81ED-4DB2-BD59-A6C34878D82A}">
+                    <a16:rowId xmlns:a16="http://schemas.microsoft.com/office/drawing/2014/main" val="1169282519"/>
+                  </a:ext>
+                </a:extLst>
+              </a:tr>
+              <a:tr h="370840">
+                <a:tc>
+                  <a:txBody>
+                    <a:bodyPr/>
+                    <a:lstStyle/>
+                    <a:p>
+                      <a:pPr marL="0" marR="0" lvl="0" indent="0" algn="l" defTabSz="914400" rtl="0" eaLnBrk="1" fontAlgn="auto" latinLnBrk="0" hangingPunct="1">
+                        <a:lnSpc>
+                          <a:spcPct val="100000"/>
+                        </a:lnSpc>
+                        <a:spcBef>
+                          <a:spcPts val="0"/>
+                        </a:spcBef>
+                        <a:spcAft>
+                          <a:spcPts val="0"/>
+                        </a:spcAft>
+                        <a:buClrTx/>
+                        <a:buSzTx/>
+                        <a:buFontTx/>
+                        <a:buNone/>
+                        <a:tabLst/>
+                        <a:defRPr/>
+                      </a:pPr>
+                      <a:r>
+                        <a:rPr lang="en-US" sz="1800" dirty="0"/>
+                        <a:t> a </a:t>
+                      </a:r>
+                      <a:r>
+                        <a:rPr lang="en-US" sz="1800" dirty="0" err="1"/>
+                        <a:t>a</a:t>
+                      </a:r>
+                      <a:r>
+                        <a:rPr lang="en-US" sz="1800" dirty="0"/>
+                        <a:t> &gt; ax </a:t>
+                      </a:r>
+                    </a:p>
+                  </a:txBody>
+                  <a:tcPr/>
+                </a:tc>
+                <a:tc>
+                  <a:txBody>
+                    <a:bodyPr/>
+                    <a:lstStyle/>
+                    <a:p>
+                      <a:pPr marL="0" marR="0" lvl="0" indent="0" algn="l" defTabSz="914400" rtl="0" eaLnBrk="1" fontAlgn="auto" latinLnBrk="0" hangingPunct="1">
+                        <a:lnSpc>
+                          <a:spcPct val="100000"/>
+                        </a:lnSpc>
+                        <a:spcBef>
+                          <a:spcPts val="0"/>
+                        </a:spcBef>
+                        <a:spcAft>
+                          <a:spcPts val="0"/>
+                        </a:spcAft>
+                        <a:buClrTx/>
+                        <a:buSzTx/>
+                        <a:buFontTx/>
+                        <a:buNone/>
+                        <a:tabLst/>
+                        <a:defRPr/>
+                      </a:pPr>
+                      <a:r>
+                        <a:rPr lang="en-US" dirty="0"/>
+                        <a:t>IWW</a:t>
+                      </a:r>
+                    </a:p>
+                  </a:txBody>
+                  <a:tcPr/>
+                </a:tc>
+                <a:tc>
+                  <a:txBody>
+                    <a:bodyPr/>
+                    <a:lstStyle/>
+                    <a:p>
+                      <a:pPr marL="0" marR="0" lvl="0" indent="0" algn="l" defTabSz="914400" rtl="0" eaLnBrk="1" fontAlgn="auto" latinLnBrk="0" hangingPunct="1">
+                        <a:lnSpc>
+                          <a:spcPct val="100000"/>
+                        </a:lnSpc>
+                        <a:spcBef>
+                          <a:spcPts val="0"/>
+                        </a:spcBef>
+                        <a:spcAft>
+                          <a:spcPts val="0"/>
+                        </a:spcAft>
+                        <a:buClrTx/>
+                        <a:buSzTx/>
+                        <a:buFontTx/>
+                        <a:buNone/>
+                        <a:tabLst/>
+                        <a:defRPr/>
+                      </a:pPr>
+                      <a:r>
+                        <a:rPr lang="en-US" dirty="0"/>
+                        <a:t>0.1 TeV</a:t>
+                      </a:r>
+                    </a:p>
+                  </a:txBody>
+                  <a:tcPr/>
+                </a:tc>
+                <a:tc>
+                  <a:txBody>
+                    <a:bodyPr/>
+                    <a:lstStyle/>
+                    <a:p>
+                      <a:r>
+                        <a:rPr lang="en-US" dirty="0"/>
+                        <a:t>18 ab</a:t>
+                      </a:r>
+                    </a:p>
+                  </a:txBody>
+                  <a:tcPr/>
+                </a:tc>
+                <a:tc>
+                  <a:txBody>
+                    <a:bodyPr/>
+                    <a:lstStyle/>
+                    <a:p>
+                      <a:endParaRPr lang="en-US" dirty="0"/>
+                    </a:p>
+                  </a:txBody>
+                  <a:tcPr/>
+                </a:tc>
+                <a:tc>
+                  <a:txBody>
+                    <a:bodyPr/>
+                    <a:lstStyle/>
+                    <a:p>
+                      <a:pPr marL="0" marR="0" lvl="0" indent="0" algn="l" defTabSz="914400" rtl="0" eaLnBrk="1" fontAlgn="auto" latinLnBrk="0" hangingPunct="1">
+                        <a:lnSpc>
+                          <a:spcPct val="100000"/>
+                        </a:lnSpc>
+                        <a:spcBef>
+                          <a:spcPts val="0"/>
+                        </a:spcBef>
+                        <a:spcAft>
+                          <a:spcPts val="0"/>
+                        </a:spcAft>
+                        <a:buClrTx/>
+                        <a:buSzTx/>
+                        <a:buFontTx/>
+                        <a:buNone/>
+                        <a:tabLst/>
+                        <a:defRPr/>
+                      </a:pPr>
+                      <a:endParaRPr lang="en-US" dirty="0"/>
+                    </a:p>
+                  </a:txBody>
+                  <a:tcPr/>
+                </a:tc>
+                <a:extLst>
+                  <a:ext uri="{0D108BD9-81ED-4DB2-BD59-A6C34878D82A}">
+                    <a16:rowId xmlns:a16="http://schemas.microsoft.com/office/drawing/2014/main" val="2862488345"/>
+                  </a:ext>
+                </a:extLst>
+              </a:tr>
+              <a:tr h="370840">
+                <a:tc>
+                  <a:txBody>
+                    <a:bodyPr/>
+                    <a:lstStyle/>
+                    <a:p>
+                      <a:pPr marL="0" marR="0" lvl="0" indent="0" algn="l" defTabSz="914400" rtl="0" eaLnBrk="1" fontAlgn="auto" latinLnBrk="0" hangingPunct="1">
+                        <a:lnSpc>
+                          <a:spcPct val="100000"/>
+                        </a:lnSpc>
+                        <a:spcBef>
+                          <a:spcPts val="0"/>
+                        </a:spcBef>
+                        <a:spcAft>
+                          <a:spcPts val="0"/>
+                        </a:spcAft>
+                        <a:buClrTx/>
+                        <a:buSzTx/>
+                        <a:buFontTx/>
+                        <a:buNone/>
+                        <a:tabLst/>
+                        <a:defRPr/>
+                      </a:pPr>
+                      <a:r>
+                        <a:rPr lang="en-US" sz="1800" dirty="0"/>
+                        <a:t> a </a:t>
+                      </a:r>
+                      <a:r>
+                        <a:rPr lang="en-US" sz="1800" dirty="0" err="1"/>
+                        <a:t>a</a:t>
+                      </a:r>
+                      <a:r>
+                        <a:rPr lang="en-US" sz="1800" dirty="0"/>
+                        <a:t> &gt; ax w+ w-</a:t>
+                      </a:r>
+                    </a:p>
+                  </a:txBody>
+                  <a:tcPr/>
+                </a:tc>
+                <a:tc>
+                  <a:txBody>
+                    <a:bodyPr/>
+                    <a:lstStyle/>
+                    <a:p>
+                      <a:pPr marL="0" marR="0" lvl="0" indent="0" algn="l" defTabSz="914400" rtl="0" eaLnBrk="1" fontAlgn="auto" latinLnBrk="0" hangingPunct="1">
+                        <a:lnSpc>
+                          <a:spcPct val="100000"/>
+                        </a:lnSpc>
+                        <a:spcBef>
+                          <a:spcPts val="0"/>
+                        </a:spcBef>
+                        <a:spcAft>
+                          <a:spcPts val="0"/>
+                        </a:spcAft>
+                        <a:buClrTx/>
+                        <a:buSzTx/>
+                        <a:buFontTx/>
+                        <a:buNone/>
+                        <a:tabLst/>
+                        <a:defRPr/>
+                      </a:pPr>
+                      <a:r>
+                        <a:rPr lang="en-US" dirty="0"/>
+                        <a:t>IWW</a:t>
+                      </a:r>
+                    </a:p>
+                  </a:txBody>
+                  <a:tcPr/>
+                </a:tc>
+                <a:tc>
+                  <a:txBody>
+                    <a:bodyPr/>
+                    <a:lstStyle/>
+                    <a:p>
+                      <a:pPr marL="0" marR="0" lvl="0" indent="0" algn="l" defTabSz="914400" rtl="0" eaLnBrk="1" fontAlgn="auto" latinLnBrk="0" hangingPunct="1">
+                        <a:lnSpc>
+                          <a:spcPct val="100000"/>
+                        </a:lnSpc>
+                        <a:spcBef>
+                          <a:spcPts val="0"/>
+                        </a:spcBef>
+                        <a:spcAft>
+                          <a:spcPts val="0"/>
+                        </a:spcAft>
+                        <a:buClrTx/>
+                        <a:buSzTx/>
+                        <a:buFontTx/>
+                        <a:buNone/>
+                        <a:tabLst/>
+                        <a:defRPr/>
+                      </a:pPr>
+                      <a:r>
+                        <a:rPr lang="en-US" dirty="0"/>
+                        <a:t>0.1 TeV</a:t>
+                      </a:r>
+                    </a:p>
+                  </a:txBody>
+                  <a:tcPr/>
+                </a:tc>
+                <a:tc>
+                  <a:txBody>
+                    <a:bodyPr/>
+                    <a:lstStyle/>
+                    <a:p>
+                      <a:r>
+                        <a:rPr lang="en-US" dirty="0"/>
+                        <a:t>194 ab</a:t>
+                      </a:r>
+                    </a:p>
+                  </a:txBody>
+                  <a:tcPr/>
+                </a:tc>
+                <a:tc>
+                  <a:txBody>
+                    <a:bodyPr/>
+                    <a:lstStyle/>
+                    <a:p>
+                      <a:endParaRPr lang="en-US" dirty="0"/>
+                    </a:p>
+                  </a:txBody>
+                  <a:tcPr/>
+                </a:tc>
+                <a:tc>
+                  <a:txBody>
+                    <a:bodyPr/>
+                    <a:lstStyle/>
+                    <a:p>
+                      <a:pPr marL="0" marR="0" lvl="0" indent="0" algn="l" defTabSz="914400" rtl="0" eaLnBrk="1" fontAlgn="auto" latinLnBrk="0" hangingPunct="1">
+                        <a:lnSpc>
+                          <a:spcPct val="100000"/>
+                        </a:lnSpc>
+                        <a:spcBef>
+                          <a:spcPts val="0"/>
+                        </a:spcBef>
+                        <a:spcAft>
+                          <a:spcPts val="0"/>
+                        </a:spcAft>
+                        <a:buClrTx/>
+                        <a:buSzTx/>
+                        <a:buFontTx/>
+                        <a:buNone/>
+                        <a:tabLst/>
+                        <a:defRPr/>
+                      </a:pPr>
+                      <a:endParaRPr lang="en-US" dirty="0"/>
+                    </a:p>
+                  </a:txBody>
+                  <a:tcPr/>
+                </a:tc>
+                <a:extLst>
+                  <a:ext uri="{0D108BD9-81ED-4DB2-BD59-A6C34878D82A}">
+                    <a16:rowId xmlns:a16="http://schemas.microsoft.com/office/drawing/2014/main" val="942092289"/>
+                  </a:ext>
+                </a:extLst>
+              </a:tr>
+              <a:tr h="370840">
+                <a:tc>
+                  <a:txBody>
+                    <a:bodyPr/>
+                    <a:lstStyle/>
+                    <a:p>
+                      <a:pPr marL="0" marR="0" lvl="0" indent="0" algn="l" defTabSz="914400" rtl="0" eaLnBrk="1" fontAlgn="auto" latinLnBrk="0" hangingPunct="1">
+                        <a:lnSpc>
+                          <a:spcPct val="100000"/>
+                        </a:lnSpc>
+                        <a:spcBef>
+                          <a:spcPts val="0"/>
+                        </a:spcBef>
+                        <a:spcAft>
+                          <a:spcPts val="0"/>
+                        </a:spcAft>
+                        <a:buClrTx/>
+                        <a:buSzTx/>
+                        <a:buFontTx/>
+                        <a:buNone/>
+                        <a:tabLst/>
+                        <a:defRPr/>
+                      </a:pPr>
+                      <a:r>
+                        <a:rPr lang="en-US" sz="1800" dirty="0"/>
+                        <a:t> a </a:t>
+                      </a:r>
+                      <a:r>
+                        <a:rPr lang="en-US" sz="1800" dirty="0" err="1"/>
+                        <a:t>a</a:t>
+                      </a:r>
+                      <a:r>
+                        <a:rPr lang="en-US" sz="1800" dirty="0"/>
+                        <a:t> &gt; ax</a:t>
+                      </a:r>
+                    </a:p>
+                  </a:txBody>
+                  <a:tcPr/>
+                </a:tc>
+                <a:tc>
+                  <a:txBody>
+                    <a:bodyPr/>
+                    <a:lstStyle/>
+                    <a:p>
+                      <a:pPr marL="0" marR="0" lvl="0" indent="0" algn="l" defTabSz="914400" rtl="0" eaLnBrk="1" fontAlgn="auto" latinLnBrk="0" hangingPunct="1">
+                        <a:lnSpc>
+                          <a:spcPct val="100000"/>
+                        </a:lnSpc>
+                        <a:spcBef>
+                          <a:spcPts val="0"/>
+                        </a:spcBef>
+                        <a:spcAft>
+                          <a:spcPts val="0"/>
+                        </a:spcAft>
+                        <a:buClrTx/>
+                        <a:buSzTx/>
+                        <a:buFontTx/>
+                        <a:buNone/>
+                        <a:tabLst/>
+                        <a:defRPr/>
+                      </a:pPr>
+                      <a:r>
+                        <a:rPr lang="en-US" dirty="0"/>
+                        <a:t>IWW</a:t>
+                      </a:r>
+                    </a:p>
+                  </a:txBody>
+                  <a:tcPr/>
+                </a:tc>
+                <a:tc>
+                  <a:txBody>
+                    <a:bodyPr/>
+                    <a:lstStyle/>
+                    <a:p>
+                      <a:pPr marL="0" marR="0" lvl="0" indent="0" algn="l" defTabSz="914400" rtl="0" eaLnBrk="1" fontAlgn="auto" latinLnBrk="0" hangingPunct="1">
+                        <a:lnSpc>
+                          <a:spcPct val="100000"/>
+                        </a:lnSpc>
+                        <a:spcBef>
+                          <a:spcPts val="0"/>
+                        </a:spcBef>
+                        <a:spcAft>
+                          <a:spcPts val="0"/>
+                        </a:spcAft>
+                        <a:buClrTx/>
+                        <a:buSzTx/>
+                        <a:buFontTx/>
+                        <a:buNone/>
+                        <a:tabLst/>
+                        <a:defRPr/>
+                      </a:pPr>
+                      <a:r>
+                        <a:rPr lang="en-US" dirty="0"/>
+                        <a:t>1 TeV</a:t>
+                      </a:r>
+                    </a:p>
+                  </a:txBody>
+                  <a:tcPr/>
+                </a:tc>
+                <a:tc>
+                  <a:txBody>
+                    <a:bodyPr/>
+                    <a:lstStyle/>
+                    <a:p>
+                      <a:r>
+                        <a:rPr lang="en-US" dirty="0"/>
+                        <a:t>7.6 ab</a:t>
+                      </a:r>
+                    </a:p>
+                  </a:txBody>
+                  <a:tcPr/>
+                </a:tc>
+                <a:tc>
+                  <a:txBody>
+                    <a:bodyPr/>
+                    <a:lstStyle/>
+                    <a:p>
+                      <a:endParaRPr lang="en-US" dirty="0"/>
+                    </a:p>
+                  </a:txBody>
+                  <a:tcPr/>
+                </a:tc>
+                <a:tc>
+                  <a:txBody>
+                    <a:bodyPr/>
+                    <a:lstStyle/>
+                    <a:p>
+                      <a:pPr marL="0" marR="0" lvl="0" indent="0" algn="l" defTabSz="914400" rtl="0" eaLnBrk="1" fontAlgn="auto" latinLnBrk="0" hangingPunct="1">
+                        <a:lnSpc>
+                          <a:spcPct val="100000"/>
+                        </a:lnSpc>
+                        <a:spcBef>
+                          <a:spcPts val="0"/>
+                        </a:spcBef>
+                        <a:spcAft>
+                          <a:spcPts val="0"/>
+                        </a:spcAft>
+                        <a:buClrTx/>
+                        <a:buSzTx/>
+                        <a:buFontTx/>
+                        <a:buNone/>
+                        <a:tabLst/>
+                        <a:defRPr/>
+                      </a:pPr>
+                      <a:endParaRPr lang="en-US" dirty="0"/>
+                    </a:p>
+                  </a:txBody>
+                  <a:tcPr/>
+                </a:tc>
+                <a:extLst>
+                  <a:ext uri="{0D108BD9-81ED-4DB2-BD59-A6C34878D82A}">
+                    <a16:rowId xmlns:a16="http://schemas.microsoft.com/office/drawing/2014/main" val="1948495033"/>
+                  </a:ext>
+                </a:extLst>
+              </a:tr>
+            </a:tbl>
+          </a:graphicData>
+        </a:graphic>
+      </p:graphicFrame>
+      <p:pic>
+        <p:nvPicPr>
+          <p:cNvPr id="5" name="Picture 4">
+            <a:extLst>
+              <a:ext uri="{FF2B5EF4-FFF2-40B4-BE49-F238E27FC236}">
+                <a16:creationId xmlns:a16="http://schemas.microsoft.com/office/drawing/2014/main" id="{50552D51-CD22-BC3C-388F-14D34E75B28E}"/>
+              </a:ext>
+            </a:extLst>
+          </p:cNvPr>
+          <p:cNvPicPr>
+            <a:picLocks noChangeAspect="1"/>
+          </p:cNvPicPr>
+          <p:nvPr/>
+        </p:nvPicPr>
+        <p:blipFill>
+          <a:blip r:embed="rId2"/>
+          <a:stretch>
+            <a:fillRect/>
+          </a:stretch>
+        </p:blipFill>
+        <p:spPr>
+          <a:xfrm>
+            <a:off x="225669" y="8669"/>
+            <a:ext cx="3129927" cy="1237413"/>
+          </a:xfrm>
+          <a:prstGeom prst="rect">
+            <a:avLst/>
+          </a:prstGeom>
+        </p:spPr>
+      </p:pic>
+      <p:pic>
+        <p:nvPicPr>
+          <p:cNvPr id="7" name="Picture 6">
+            <a:extLst>
+              <a:ext uri="{FF2B5EF4-FFF2-40B4-BE49-F238E27FC236}">
+                <a16:creationId xmlns:a16="http://schemas.microsoft.com/office/drawing/2014/main" id="{AC851320-AC75-6F0C-BA28-453B368D8F35}"/>
+              </a:ext>
+            </a:extLst>
+          </p:cNvPr>
+          <p:cNvPicPr>
+            <a:picLocks noChangeAspect="1"/>
+          </p:cNvPicPr>
+          <p:nvPr/>
+        </p:nvPicPr>
+        <p:blipFill>
+          <a:blip r:embed="rId3"/>
+          <a:stretch>
+            <a:fillRect/>
+          </a:stretch>
+        </p:blipFill>
+        <p:spPr>
+          <a:xfrm>
+            <a:off x="3471409" y="5910"/>
+            <a:ext cx="3157770" cy="1237413"/>
+          </a:xfrm>
+          <a:prstGeom prst="rect">
+            <a:avLst/>
+          </a:prstGeom>
+        </p:spPr>
+      </p:pic>
+      <p:pic>
+        <p:nvPicPr>
+          <p:cNvPr id="9" name="Picture 8">
+            <a:extLst>
+              <a:ext uri="{FF2B5EF4-FFF2-40B4-BE49-F238E27FC236}">
+                <a16:creationId xmlns:a16="http://schemas.microsoft.com/office/drawing/2014/main" id="{89F00899-4B38-45C8-6890-4EC970735D60}"/>
+              </a:ext>
+            </a:extLst>
+          </p:cNvPr>
+          <p:cNvPicPr>
+            <a:picLocks noChangeAspect="1"/>
+          </p:cNvPicPr>
+          <p:nvPr/>
+        </p:nvPicPr>
+        <p:blipFill>
+          <a:blip r:embed="rId4"/>
+          <a:stretch>
+            <a:fillRect/>
+          </a:stretch>
+        </p:blipFill>
+        <p:spPr>
+          <a:xfrm>
+            <a:off x="6744993" y="0"/>
+            <a:ext cx="1656016" cy="1234201"/>
+          </a:xfrm>
+          <a:prstGeom prst="rect">
+            <a:avLst/>
+          </a:prstGeom>
+        </p:spPr>
+      </p:pic>
+      <p:sp>
+        <p:nvSpPr>
+          <p:cNvPr id="2" name="TextBox 1">
+            <a:extLst>
+              <a:ext uri="{FF2B5EF4-FFF2-40B4-BE49-F238E27FC236}">
+                <a16:creationId xmlns:a16="http://schemas.microsoft.com/office/drawing/2014/main" id="{CC2E0F9A-792B-4122-D8E5-932AC1E938A6}"/>
+              </a:ext>
+            </a:extLst>
+          </p:cNvPr>
+          <p:cNvSpPr txBox="1"/>
+          <p:nvPr/>
+        </p:nvSpPr>
+        <p:spPr>
+          <a:xfrm>
+            <a:off x="196307" y="6192281"/>
+            <a:ext cx="8346332" cy="646331"/>
+          </a:xfrm>
+          <a:prstGeom prst="rect">
+            <a:avLst/>
+          </a:prstGeom>
+          <a:noFill/>
+        </p:spPr>
+        <p:txBody>
+          <a:bodyPr wrap="square" rtlCol="0">
+            <a:spAutoFit/>
+          </a:bodyPr>
+          <a:lstStyle/>
+          <a:p>
+            <a:r>
+              <a:rPr lang="en-US" dirty="0"/>
+              <a:t>ZL: I still don’t know how to think about these processes. Why there can be x100 enhancement. Need to look into MG5 diagram-by-diagram calculation </a:t>
+            </a:r>
+            <a:r>
+              <a:rPr lang="en-US"/>
+              <a:t>I guess. </a:t>
+            </a:r>
+          </a:p>
+        </p:txBody>
+      </p:sp>
+    </p:spTree>
+    <p:extLst>
+      <p:ext uri="{BB962C8B-B14F-4D97-AF65-F5344CB8AC3E}">
+        <p14:creationId xmlns:p14="http://schemas.microsoft.com/office/powerpoint/2010/main" val="2786036497"/>
+      </p:ext>
+    </p:extLst>
+  </p:cSld>
+  <p:clrMapOvr>
+    <a:masterClrMapping/>
+  </p:clrMapOvr>
+</p:sld>
+</file>
+
+<file path=ppt/slides/slide14.xml><?xml version="1.0" encoding="utf-8"?>
 <p:sld xmlns:a="http://schemas.openxmlformats.org/drawingml/2006/main" xmlns:r="http://schemas.openxmlformats.org/officeDocument/2006/relationships" xmlns:p="http://schemas.openxmlformats.org/presentationml/2006/main">
   <p:cSld>
     <p:spTree>
@@ -6325,7 +6989,7 @@
 </p:sld>
 </file>
 
-<file path=ppt/slides/slide14.xml><?xml version="1.0" encoding="utf-8"?>
+<file path=ppt/slides/slide15.xml><?xml version="1.0" encoding="utf-8"?>
 <p:sld xmlns:a="http://schemas.openxmlformats.org/drawingml/2006/main" xmlns:r="http://schemas.openxmlformats.org/officeDocument/2006/relationships" xmlns:p="http://schemas.openxmlformats.org/presentationml/2006/main">
   <p:cSld>
     <p:spTree>
@@ -6438,7 +7102,7 @@
         </p:blipFill>
         <p:spPr>
           <a:xfrm>
-            <a:off x="3188301" y="2228358"/>
+            <a:off x="723871" y="0"/>
             <a:ext cx="6695497" cy="4264517"/>
           </a:xfrm>
           <a:prstGeom prst="rect">
@@ -6468,8 +7132,8 @@
         </p:blipFill>
         <p:spPr>
           <a:xfrm>
-            <a:off x="7383294" y="1074"/>
-            <a:ext cx="4808706" cy="2051714"/>
+            <a:off x="6974335" y="1073"/>
+            <a:ext cx="5217665" cy="2226203"/>
           </a:xfrm>
           <a:prstGeom prst="rect">
             <a:avLst/>
@@ -6547,8 +7211,8 @@
         </p:blipFill>
         <p:spPr>
           <a:xfrm>
-            <a:off x="7216061" y="4805213"/>
-            <a:ext cx="4917574" cy="2009382"/>
+            <a:off x="5362165" y="4047688"/>
+            <a:ext cx="6771470" cy="2766907"/>
           </a:xfrm>
           <a:prstGeom prst="rect">
             <a:avLst/>
@@ -6568,7 +7232,7 @@
 </p:sld>
 </file>
 
-<file path=ppt/slides/slide15.xml><?xml version="1.0" encoding="utf-8"?>
+<file path=ppt/slides/slide16.xml><?xml version="1.0" encoding="utf-8"?>
 <p:sld xmlns:a="http://schemas.openxmlformats.org/drawingml/2006/main" xmlns:r="http://schemas.openxmlformats.org/officeDocument/2006/relationships" xmlns:p="http://schemas.openxmlformats.org/presentationml/2006/main">
   <p:cSld>
     <p:spTree>
@@ -6678,7 +7342,7 @@
 </p:sld>
 </file>
 
-<file path=ppt/slides/slide16.xml><?xml version="1.0" encoding="utf-8"?>
+<file path=ppt/slides/slide17.xml><?xml version="1.0" encoding="utf-8"?>
 <p:sld xmlns:a="http://schemas.openxmlformats.org/drawingml/2006/main" xmlns:r="http://schemas.openxmlformats.org/officeDocument/2006/relationships" xmlns:p="http://schemas.openxmlformats.org/presentationml/2006/main">
   <p:cSld>
     <p:spTree>
@@ -6833,7 +7497,7 @@
 </p:sld>
 </file>
 
-<file path=ppt/slides/slide17.xml><?xml version="1.0" encoding="utf-8"?>
+<file path=ppt/slides/slide18.xml><?xml version="1.0" encoding="utf-8"?>
 <p:sld xmlns:a="http://schemas.openxmlformats.org/drawingml/2006/main" xmlns:r="http://schemas.openxmlformats.org/officeDocument/2006/relationships" xmlns:p="http://schemas.openxmlformats.org/presentationml/2006/main">
   <p:cSld>
     <p:spTree>
@@ -7003,7 +7667,7 @@
 </p:sld>
 </file>
 
-<file path=ppt/slides/slide18.xml><?xml version="1.0" encoding="utf-8"?>
+<file path=ppt/slides/slide19.xml><?xml version="1.0" encoding="utf-8"?>
 <p:sld xmlns:a="http://schemas.openxmlformats.org/drawingml/2006/main" xmlns:r="http://schemas.openxmlformats.org/officeDocument/2006/relationships" xmlns:p="http://schemas.openxmlformats.org/presentationml/2006/main">
   <p:cSld>
     <p:bg>
@@ -7461,124 +8125,6 @@
 </p:sld>
 </file>
 
-<file path=ppt/slides/slide19.xml><?xml version="1.0" encoding="utf-8"?>
-<p:sld xmlns:a="http://schemas.openxmlformats.org/drawingml/2006/main" xmlns:r="http://schemas.openxmlformats.org/officeDocument/2006/relationships" xmlns:p="http://schemas.openxmlformats.org/presentationml/2006/main">
-  <p:cSld>
-    <p:spTree>
-      <p:nvGrpSpPr>
-        <p:cNvPr id="1" name=""/>
-        <p:cNvGrpSpPr/>
-        <p:nvPr/>
-      </p:nvGrpSpPr>
-      <p:grpSpPr>
-        <a:xfrm>
-          <a:off x="0" y="0"/>
-          <a:ext cx="0" cy="0"/>
-          <a:chOff x="0" y="0"/>
-          <a:chExt cx="0" cy="0"/>
-        </a:xfrm>
-      </p:grpSpPr>
-      <p:sp>
-        <p:nvSpPr>
-          <p:cNvPr id="2" name="Title 1">
-            <a:extLst>
-              <a:ext uri="{FF2B5EF4-FFF2-40B4-BE49-F238E27FC236}">
-                <a16:creationId xmlns:a16="http://schemas.microsoft.com/office/drawing/2014/main" id="{83D76E6F-2335-6D91-1308-E6EF5BE78E3E}"/>
-              </a:ext>
-            </a:extLst>
-          </p:cNvPr>
-          <p:cNvSpPr>
-            <a:spLocks noGrp="1"/>
-          </p:cNvSpPr>
-          <p:nvPr>
-            <p:ph type="title"/>
-          </p:nvPr>
-        </p:nvSpPr>
-        <p:spPr/>
-        <p:txBody>
-          <a:bodyPr/>
-          <a:lstStyle/>
-          <a:p>
-            <a:r>
-              <a:rPr lang="en-US" dirty="0"/>
-              <a:t>All 12 diagrams contributing with IWW</a:t>
-            </a:r>
-          </a:p>
-        </p:txBody>
-      </p:sp>
-      <p:pic>
-        <p:nvPicPr>
-          <p:cNvPr id="5" name="Picture 4">
-            <a:extLst>
-              <a:ext uri="{FF2B5EF4-FFF2-40B4-BE49-F238E27FC236}">
-                <a16:creationId xmlns:a16="http://schemas.microsoft.com/office/drawing/2014/main" id="{553A4E6D-6561-2C5A-2284-841A2F6E4ADF}"/>
-              </a:ext>
-            </a:extLst>
-          </p:cNvPr>
-          <p:cNvPicPr>
-            <a:picLocks noChangeAspect="1"/>
-          </p:cNvPicPr>
-          <p:nvPr/>
-        </p:nvPicPr>
-        <p:blipFill>
-          <a:blip r:embed="rId2"/>
-          <a:stretch>
-            <a:fillRect/>
-          </a:stretch>
-        </p:blipFill>
-        <p:spPr>
-          <a:xfrm>
-            <a:off x="1308573" y="1274323"/>
-            <a:ext cx="4485092" cy="5583677"/>
-          </a:xfrm>
-          <a:prstGeom prst="rect">
-            <a:avLst/>
-          </a:prstGeom>
-        </p:spPr>
-      </p:pic>
-      <p:pic>
-        <p:nvPicPr>
-          <p:cNvPr id="7" name="Picture 6">
-            <a:extLst>
-              <a:ext uri="{FF2B5EF4-FFF2-40B4-BE49-F238E27FC236}">
-                <a16:creationId xmlns:a16="http://schemas.microsoft.com/office/drawing/2014/main" id="{2D072413-7423-D156-CD9F-D9400EAF68A0}"/>
-              </a:ext>
-            </a:extLst>
-          </p:cNvPr>
-          <p:cNvPicPr>
-            <a:picLocks noChangeAspect="1"/>
-          </p:cNvPicPr>
-          <p:nvPr/>
-        </p:nvPicPr>
-        <p:blipFill>
-          <a:blip r:embed="rId3"/>
-          <a:stretch>
-            <a:fillRect/>
-          </a:stretch>
-        </p:blipFill>
-        <p:spPr>
-          <a:xfrm>
-            <a:off x="6695849" y="1274322"/>
-            <a:ext cx="4432551" cy="5583677"/>
-          </a:xfrm>
-          <a:prstGeom prst="rect">
-            <a:avLst/>
-          </a:prstGeom>
-        </p:spPr>
-      </p:pic>
-    </p:spTree>
-    <p:extLst>
-      <p:ext uri="{BB962C8B-B14F-4D97-AF65-F5344CB8AC3E}">
-        <p14:creationId xmlns:p14="http://schemas.microsoft.com/office/powerpoint/2010/main" val="3052742187"/>
-      </p:ext>
-    </p:extLst>
-  </p:cSld>
-  <p:clrMapOvr>
-    <a:masterClrMapping/>
-  </p:clrMapOvr>
-</p:sld>
-</file>
-
 <file path=ppt/slides/slide2.xml><?xml version="1.0" encoding="utf-8"?>
 <p:sld xmlns:a="http://schemas.openxmlformats.org/drawingml/2006/main" xmlns:r="http://schemas.openxmlformats.org/officeDocument/2006/relationships" xmlns:p="http://schemas.openxmlformats.org/presentationml/2006/main">
   <p:cSld>
@@ -7698,6 +8244,124 @@
     <p:extLst>
       <p:ext uri="{BB962C8B-B14F-4D97-AF65-F5344CB8AC3E}">
         <p14:creationId xmlns:p14="http://schemas.microsoft.com/office/powerpoint/2010/main" val="2770270694"/>
+      </p:ext>
+    </p:extLst>
+  </p:cSld>
+  <p:clrMapOvr>
+    <a:masterClrMapping/>
+  </p:clrMapOvr>
+</p:sld>
+</file>
+
+<file path=ppt/slides/slide20.xml><?xml version="1.0" encoding="utf-8"?>
+<p:sld xmlns:a="http://schemas.openxmlformats.org/drawingml/2006/main" xmlns:r="http://schemas.openxmlformats.org/officeDocument/2006/relationships" xmlns:p="http://schemas.openxmlformats.org/presentationml/2006/main">
+  <p:cSld>
+    <p:spTree>
+      <p:nvGrpSpPr>
+        <p:cNvPr id="1" name=""/>
+        <p:cNvGrpSpPr/>
+        <p:nvPr/>
+      </p:nvGrpSpPr>
+      <p:grpSpPr>
+        <a:xfrm>
+          <a:off x="0" y="0"/>
+          <a:ext cx="0" cy="0"/>
+          <a:chOff x="0" y="0"/>
+          <a:chExt cx="0" cy="0"/>
+        </a:xfrm>
+      </p:grpSpPr>
+      <p:sp>
+        <p:nvSpPr>
+          <p:cNvPr id="2" name="Title 1">
+            <a:extLst>
+              <a:ext uri="{FF2B5EF4-FFF2-40B4-BE49-F238E27FC236}">
+                <a16:creationId xmlns:a16="http://schemas.microsoft.com/office/drawing/2014/main" id="{83D76E6F-2335-6D91-1308-E6EF5BE78E3E}"/>
+              </a:ext>
+            </a:extLst>
+          </p:cNvPr>
+          <p:cNvSpPr>
+            <a:spLocks noGrp="1"/>
+          </p:cNvSpPr>
+          <p:nvPr>
+            <p:ph type="title"/>
+          </p:nvPr>
+        </p:nvSpPr>
+        <p:spPr/>
+        <p:txBody>
+          <a:bodyPr/>
+          <a:lstStyle/>
+          <a:p>
+            <a:r>
+              <a:rPr lang="en-US" dirty="0"/>
+              <a:t>All 12 diagrams contributing with IWW</a:t>
+            </a:r>
+          </a:p>
+        </p:txBody>
+      </p:sp>
+      <p:pic>
+        <p:nvPicPr>
+          <p:cNvPr id="5" name="Picture 4">
+            <a:extLst>
+              <a:ext uri="{FF2B5EF4-FFF2-40B4-BE49-F238E27FC236}">
+                <a16:creationId xmlns:a16="http://schemas.microsoft.com/office/drawing/2014/main" id="{553A4E6D-6561-2C5A-2284-841A2F6E4ADF}"/>
+              </a:ext>
+            </a:extLst>
+          </p:cNvPr>
+          <p:cNvPicPr>
+            <a:picLocks noChangeAspect="1"/>
+          </p:cNvPicPr>
+          <p:nvPr/>
+        </p:nvPicPr>
+        <p:blipFill>
+          <a:blip r:embed="rId2"/>
+          <a:stretch>
+            <a:fillRect/>
+          </a:stretch>
+        </p:blipFill>
+        <p:spPr>
+          <a:xfrm>
+            <a:off x="1308573" y="1274323"/>
+            <a:ext cx="4485092" cy="5583677"/>
+          </a:xfrm>
+          <a:prstGeom prst="rect">
+            <a:avLst/>
+          </a:prstGeom>
+        </p:spPr>
+      </p:pic>
+      <p:pic>
+        <p:nvPicPr>
+          <p:cNvPr id="7" name="Picture 6">
+            <a:extLst>
+              <a:ext uri="{FF2B5EF4-FFF2-40B4-BE49-F238E27FC236}">
+                <a16:creationId xmlns:a16="http://schemas.microsoft.com/office/drawing/2014/main" id="{2D072413-7423-D156-CD9F-D9400EAF68A0}"/>
+              </a:ext>
+            </a:extLst>
+          </p:cNvPr>
+          <p:cNvPicPr>
+            <a:picLocks noChangeAspect="1"/>
+          </p:cNvPicPr>
+          <p:nvPr/>
+        </p:nvPicPr>
+        <p:blipFill>
+          <a:blip r:embed="rId3"/>
+          <a:stretch>
+            <a:fillRect/>
+          </a:stretch>
+        </p:blipFill>
+        <p:spPr>
+          <a:xfrm>
+            <a:off x="6695849" y="1274322"/>
+            <a:ext cx="4432551" cy="5583677"/>
+          </a:xfrm>
+          <a:prstGeom prst="rect">
+            <a:avLst/>
+          </a:prstGeom>
+        </p:spPr>
+      </p:pic>
+    </p:spTree>
+    <p:extLst>
+      <p:ext uri="{BB962C8B-B14F-4D97-AF65-F5344CB8AC3E}">
+        <p14:creationId xmlns:p14="http://schemas.microsoft.com/office/powerpoint/2010/main" val="3052742187"/>
       </p:ext>
     </p:extLst>
   </p:cSld>
@@ -12887,7 +13551,7 @@
         <p:spPr>
           <a:xfrm>
             <a:off x="225669" y="8669"/>
-            <a:ext cx="3129927" cy="1237413"/>
+            <a:ext cx="4400859" cy="1739875"/>
           </a:xfrm>
           <a:prstGeom prst="rect">
             <a:avLst/>
@@ -12916,8 +13580,8 @@
         </p:blipFill>
         <p:spPr>
           <a:xfrm>
-            <a:off x="3471409" y="5910"/>
-            <a:ext cx="3157770" cy="1237413"/>
+            <a:off x="4684274" y="0"/>
+            <a:ext cx="4656867" cy="1824853"/>
           </a:xfrm>
           <a:prstGeom prst="rect">
             <a:avLst/>
@@ -12946,8 +13610,8 @@
         </p:blipFill>
         <p:spPr>
           <a:xfrm>
-            <a:off x="6744993" y="0"/>
-            <a:ext cx="1656016" cy="1234201"/>
+            <a:off x="9651215" y="8669"/>
+            <a:ext cx="2189282" cy="1631636"/>
           </a:xfrm>
           <a:prstGeom prst="rect">
             <a:avLst/>
@@ -14005,7 +14669,7 @@
         <p:spPr>
           <a:xfrm>
             <a:off x="225669" y="8669"/>
-            <a:ext cx="3129927" cy="1237413"/>
+            <a:ext cx="6229802" cy="2462945"/>
           </a:xfrm>
           <a:prstGeom prst="rect">
             <a:avLst/>
@@ -14034,8 +14698,8 @@
         </p:blipFill>
         <p:spPr>
           <a:xfrm>
-            <a:off x="3471409" y="5910"/>
-            <a:ext cx="3157770" cy="1237413"/>
+            <a:off x="6033083" y="339218"/>
+            <a:ext cx="6000557" cy="2351396"/>
           </a:xfrm>
           <a:prstGeom prst="rect">
             <a:avLst/>
@@ -14064,7 +14728,7 @@
         </p:blipFill>
         <p:spPr>
           <a:xfrm>
-            <a:off x="6744993" y="0"/>
+            <a:off x="3188759" y="2667243"/>
             <a:ext cx="1656016" cy="1234201"/>
           </a:xfrm>
           <a:prstGeom prst="rect">
